--- a/CCAMP_meeting_presentations/Interim-May-2020-draft-ietf-ccamp-optical-impairment-topology-yang-03.pptx
+++ b/CCAMP_meeting_presentations/Interim-May-2020-draft-ietf-ccamp-optical-impairment-topology-yang-03.pptx
@@ -5,16 +5,20 @@
     <p:sldMasterId id="2147483648" r:id="rId6"/>
   </p:sldMasterIdLst>
   <p:notesMasterIdLst>
-    <p:notesMasterId r:id="rId14"/>
+    <p:notesMasterId r:id="rId18"/>
   </p:notesMasterIdLst>
   <p:sldIdLst>
     <p:sldId id="256" r:id="rId7"/>
     <p:sldId id="257" r:id="rId8"/>
-    <p:sldId id="261" r:id="rId9"/>
-    <p:sldId id="268" r:id="rId10"/>
-    <p:sldId id="259" r:id="rId11"/>
-    <p:sldId id="258" r:id="rId12"/>
-    <p:sldId id="260" r:id="rId13"/>
+    <p:sldId id="270" r:id="rId9"/>
+    <p:sldId id="269" r:id="rId10"/>
+    <p:sldId id="271" r:id="rId11"/>
+    <p:sldId id="272" r:id="rId12"/>
+    <p:sldId id="268" r:id="rId13"/>
+    <p:sldId id="261" r:id="rId14"/>
+    <p:sldId id="259" r:id="rId15"/>
+    <p:sldId id="258" r:id="rId16"/>
+    <p:sldId id="260" r:id="rId17"/>
   </p:sldIdLst>
   <p:sldSz cx="12192000" cy="6858000"/>
   <p:notesSz cx="6858000" cy="9144000"/>
@@ -135,6 +139,428 @@
 <file path=ppt/changesInfos/changesInfo1.xml><?xml version="1.0" encoding="utf-8"?>
 <pc:chgInfo xmlns:a="http://schemas.openxmlformats.org/drawingml/2006/main" xmlns:r="http://schemas.openxmlformats.org/officeDocument/2006/relationships" xmlns:ac="http://schemas.microsoft.com/office/drawing/2013/main/command" xmlns:pc="http://schemas.microsoft.com/office/powerpoint/2013/main/command">
   <pc:docChgLst>
+    <pc:chgData name="Beller, Dieter (Nokia - DE/Stuttgart)" userId="4798c172-08cc-4965-84b4-f8eeda4d7490" providerId="ADAL" clId="{ABF08CE1-7DB7-427F-AE49-B17353623473}"/>
+    <pc:docChg chg="undo custSel addSld delSld modSld sldOrd">
+      <pc:chgData name="Beller, Dieter (Nokia - DE/Stuttgart)" userId="4798c172-08cc-4965-84b4-f8eeda4d7490" providerId="ADAL" clId="{ABF08CE1-7DB7-427F-AE49-B17353623473}" dt="2020-05-13T09:37:45.237" v="3079" actId="20577"/>
+      <pc:docMkLst>
+        <pc:docMk/>
+      </pc:docMkLst>
+      <pc:sldChg chg="modSp">
+        <pc:chgData name="Beller, Dieter (Nokia - DE/Stuttgart)" userId="4798c172-08cc-4965-84b4-f8eeda4d7490" providerId="ADAL" clId="{ABF08CE1-7DB7-427F-AE49-B17353623473}" dt="2020-05-12T16:52:33.766" v="642" actId="20578"/>
+        <pc:sldMkLst>
+          <pc:docMk/>
+          <pc:sldMk cId="2355547822" sldId="256"/>
+        </pc:sldMkLst>
+        <pc:spChg chg="mod">
+          <ac:chgData name="Beller, Dieter (Nokia - DE/Stuttgart)" userId="4798c172-08cc-4965-84b4-f8eeda4d7490" providerId="ADAL" clId="{ABF08CE1-7DB7-427F-AE49-B17353623473}" dt="2020-05-12T16:52:33.766" v="642" actId="20578"/>
+          <ac:spMkLst>
+            <pc:docMk/>
+            <pc:sldMk cId="2355547822" sldId="256"/>
+            <ac:spMk id="5" creationId="{1AE12729-D209-49D9-9E7C-3590C68E9DCE}"/>
+          </ac:spMkLst>
+        </pc:spChg>
+        <pc:spChg chg="mod">
+          <ac:chgData name="Beller, Dieter (Nokia - DE/Stuttgart)" userId="4798c172-08cc-4965-84b4-f8eeda4d7490" providerId="ADAL" clId="{ABF08CE1-7DB7-427F-AE49-B17353623473}" dt="2020-05-12T16:49:42.653" v="632" actId="20577"/>
+          <ac:spMkLst>
+            <pc:docMk/>
+            <pc:sldMk cId="2355547822" sldId="256"/>
+            <ac:spMk id="10" creationId="{F90E6944-AE24-4A35-BF3D-794B7CBD074F}"/>
+          </ac:spMkLst>
+        </pc:spChg>
+      </pc:sldChg>
+      <pc:sldChg chg="modSp">
+        <pc:chgData name="Beller, Dieter (Nokia - DE/Stuttgart)" userId="4798c172-08cc-4965-84b4-f8eeda4d7490" providerId="ADAL" clId="{ABF08CE1-7DB7-427F-AE49-B17353623473}" dt="2020-05-13T09:37:45.237" v="3079" actId="20577"/>
+        <pc:sldMkLst>
+          <pc:docMk/>
+          <pc:sldMk cId="3211284502" sldId="257"/>
+        </pc:sldMkLst>
+        <pc:spChg chg="mod">
+          <ac:chgData name="Beller, Dieter (Nokia - DE/Stuttgart)" userId="4798c172-08cc-4965-84b4-f8eeda4d7490" providerId="ADAL" clId="{ABF08CE1-7DB7-427F-AE49-B17353623473}" dt="2020-05-13T09:37:45.237" v="3079" actId="20577"/>
+          <ac:spMkLst>
+            <pc:docMk/>
+            <pc:sldMk cId="3211284502" sldId="257"/>
+            <ac:spMk id="3" creationId="{BD50841F-A6DC-4789-9872-9F341CF41FC7}"/>
+          </ac:spMkLst>
+        </pc:spChg>
+      </pc:sldChg>
+      <pc:sldChg chg="modSp">
+        <pc:chgData name="Beller, Dieter (Nokia - DE/Stuttgart)" userId="4798c172-08cc-4965-84b4-f8eeda4d7490" providerId="ADAL" clId="{ABF08CE1-7DB7-427F-AE49-B17353623473}" dt="2020-05-13T09:14:18.487" v="2641" actId="20577"/>
+        <pc:sldMkLst>
+          <pc:docMk/>
+          <pc:sldMk cId="1935634421" sldId="258"/>
+        </pc:sldMkLst>
+        <pc:spChg chg="mod">
+          <ac:chgData name="Beller, Dieter (Nokia - DE/Stuttgart)" userId="4798c172-08cc-4965-84b4-f8eeda4d7490" providerId="ADAL" clId="{ABF08CE1-7DB7-427F-AE49-B17353623473}" dt="2020-05-13T09:14:18.487" v="2641" actId="20577"/>
+          <ac:spMkLst>
+            <pc:docMk/>
+            <pc:sldMk cId="1935634421" sldId="258"/>
+            <ac:spMk id="3" creationId="{FBC31DE9-787D-4075-99FF-D58879BF2A64}"/>
+          </ac:spMkLst>
+        </pc:spChg>
+      </pc:sldChg>
+      <pc:sldChg chg="addSp modSp">
+        <pc:chgData name="Beller, Dieter (Nokia - DE/Stuttgart)" userId="4798c172-08cc-4965-84b4-f8eeda4d7490" providerId="ADAL" clId="{ABF08CE1-7DB7-427F-AE49-B17353623473}" dt="2020-05-13T09:32:57.166" v="3056" actId="20577"/>
+        <pc:sldMkLst>
+          <pc:docMk/>
+          <pc:sldMk cId="2779676597" sldId="259"/>
+        </pc:sldMkLst>
+        <pc:spChg chg="mod">
+          <ac:chgData name="Beller, Dieter (Nokia - DE/Stuttgart)" userId="4798c172-08cc-4965-84b4-f8eeda4d7490" providerId="ADAL" clId="{ABF08CE1-7DB7-427F-AE49-B17353623473}" dt="2020-05-13T09:22:22.059" v="2874" actId="20577"/>
+          <ac:spMkLst>
+            <pc:docMk/>
+            <pc:sldMk cId="2779676597" sldId="259"/>
+            <ac:spMk id="2" creationId="{E7CC60B1-D754-4045-8625-4EF1C1E0B4AF}"/>
+          </ac:spMkLst>
+        </pc:spChg>
+        <pc:spChg chg="add mod">
+          <ac:chgData name="Beller, Dieter (Nokia - DE/Stuttgart)" userId="4798c172-08cc-4965-84b4-f8eeda4d7490" providerId="ADAL" clId="{ABF08CE1-7DB7-427F-AE49-B17353623473}" dt="2020-05-13T09:32:57.166" v="3056" actId="20577"/>
+          <ac:spMkLst>
+            <pc:docMk/>
+            <pc:sldMk cId="2779676597" sldId="259"/>
+            <ac:spMk id="3" creationId="{789794B9-966A-4E13-A511-1ED5D1A2749A}"/>
+          </ac:spMkLst>
+        </pc:spChg>
+      </pc:sldChg>
+      <pc:sldChg chg="addSp delSp modSp ord">
+        <pc:chgData name="Beller, Dieter (Nokia - DE/Stuttgart)" userId="4798c172-08cc-4965-84b4-f8eeda4d7490" providerId="ADAL" clId="{ABF08CE1-7DB7-427F-AE49-B17353623473}" dt="2020-05-13T09:10:49.138" v="2614" actId="20577"/>
+        <pc:sldMkLst>
+          <pc:docMk/>
+          <pc:sldMk cId="654828672" sldId="261"/>
+        </pc:sldMkLst>
+        <pc:spChg chg="mod">
+          <ac:chgData name="Beller, Dieter (Nokia - DE/Stuttgart)" userId="4798c172-08cc-4965-84b4-f8eeda4d7490" providerId="ADAL" clId="{ABF08CE1-7DB7-427F-AE49-B17353623473}" dt="2020-05-13T06:15:21.494" v="1415" actId="27636"/>
+          <ac:spMkLst>
+            <pc:docMk/>
+            <pc:sldMk cId="654828672" sldId="261"/>
+            <ac:spMk id="2" creationId="{EB3E31FD-1C2F-48A6-AB51-148D4276F8C0}"/>
+          </ac:spMkLst>
+        </pc:spChg>
+        <pc:spChg chg="mod">
+          <ac:chgData name="Beller, Dieter (Nokia - DE/Stuttgart)" userId="4798c172-08cc-4965-84b4-f8eeda4d7490" providerId="ADAL" clId="{ABF08CE1-7DB7-427F-AE49-B17353623473}" dt="2020-05-13T09:10:49.138" v="2614" actId="20577"/>
+          <ac:spMkLst>
+            <pc:docMk/>
+            <pc:sldMk cId="654828672" sldId="261"/>
+            <ac:spMk id="3" creationId="{BD50841F-A6DC-4789-9872-9F341CF41FC7}"/>
+          </ac:spMkLst>
+        </pc:spChg>
+        <pc:picChg chg="add del">
+          <ac:chgData name="Beller, Dieter (Nokia - DE/Stuttgart)" userId="4798c172-08cc-4965-84b4-f8eeda4d7490" providerId="ADAL" clId="{ABF08CE1-7DB7-427F-AE49-B17353623473}" dt="2020-05-12T11:47:58.637" v="298"/>
+          <ac:picMkLst>
+            <pc:docMk/>
+            <pc:sldMk cId="654828672" sldId="261"/>
+            <ac:picMk id="5" creationId="{FEA73CBE-9F5A-4C59-B63C-01DA8082BB8D}"/>
+          </ac:picMkLst>
+        </pc:picChg>
+        <pc:picChg chg="add mod">
+          <ac:chgData name="Beller, Dieter (Nokia - DE/Stuttgart)" userId="4798c172-08cc-4965-84b4-f8eeda4d7490" providerId="ADAL" clId="{ABF08CE1-7DB7-427F-AE49-B17353623473}" dt="2020-05-13T06:17:29.463" v="1440" actId="1076"/>
+          <ac:picMkLst>
+            <pc:docMk/>
+            <pc:sldMk cId="654828672" sldId="261"/>
+            <ac:picMk id="6" creationId="{7FEC7E53-F412-463E-BF4A-6BDF2485552F}"/>
+          </ac:picMkLst>
+        </pc:picChg>
+      </pc:sldChg>
+      <pc:sldChg chg="addSp modSp ord">
+        <pc:chgData name="Beller, Dieter (Nokia - DE/Stuttgart)" userId="4798c172-08cc-4965-84b4-f8eeda4d7490" providerId="ADAL" clId="{ABF08CE1-7DB7-427F-AE49-B17353623473}" dt="2020-05-13T06:12:42.018" v="1366"/>
+        <pc:sldMkLst>
+          <pc:docMk/>
+          <pc:sldMk cId="1329188614" sldId="268"/>
+        </pc:sldMkLst>
+        <pc:spChg chg="mod">
+          <ac:chgData name="Beller, Dieter (Nokia - DE/Stuttgart)" userId="4798c172-08cc-4965-84b4-f8eeda4d7490" providerId="ADAL" clId="{ABF08CE1-7DB7-427F-AE49-B17353623473}" dt="2020-05-13T05:58:55.510" v="1340" actId="20577"/>
+          <ac:spMkLst>
+            <pc:docMk/>
+            <pc:sldMk cId="1329188614" sldId="268"/>
+            <ac:spMk id="2" creationId="{85C5B221-C963-4E1E-9C56-8738C3038E09}"/>
+          </ac:spMkLst>
+        </pc:spChg>
+        <pc:spChg chg="mod">
+          <ac:chgData name="Beller, Dieter (Nokia - DE/Stuttgart)" userId="4798c172-08cc-4965-84b4-f8eeda4d7490" providerId="ADAL" clId="{ABF08CE1-7DB7-427F-AE49-B17353623473}" dt="2020-05-13T05:57:27.116" v="1339" actId="20577"/>
+          <ac:spMkLst>
+            <pc:docMk/>
+            <pc:sldMk cId="1329188614" sldId="268"/>
+            <ac:spMk id="3" creationId="{8C6E9F46-C3D1-4A97-AE3D-742DCE7826B3}"/>
+          </ac:spMkLst>
+        </pc:spChg>
+        <pc:picChg chg="add mod">
+          <ac:chgData name="Beller, Dieter (Nokia - DE/Stuttgart)" userId="4798c172-08cc-4965-84b4-f8eeda4d7490" providerId="ADAL" clId="{ABF08CE1-7DB7-427F-AE49-B17353623473}" dt="2020-05-12T21:09:44.561" v="847" actId="14100"/>
+          <ac:picMkLst>
+            <pc:docMk/>
+            <pc:sldMk cId="1329188614" sldId="268"/>
+            <ac:picMk id="5" creationId="{91AC7B41-3C87-4024-B0A2-DB4CFF7A8E11}"/>
+          </ac:picMkLst>
+        </pc:picChg>
+      </pc:sldChg>
+      <pc:sldChg chg="addSp delSp modSp add">
+        <pc:chgData name="Beller, Dieter (Nokia - DE/Stuttgart)" userId="4798c172-08cc-4965-84b4-f8eeda4d7490" providerId="ADAL" clId="{ABF08CE1-7DB7-427F-AE49-B17353623473}" dt="2020-05-13T07:39:10.020" v="2598" actId="113"/>
+        <pc:sldMkLst>
+          <pc:docMk/>
+          <pc:sldMk cId="3268965565" sldId="269"/>
+        </pc:sldMkLst>
+        <pc:spChg chg="mod">
+          <ac:chgData name="Beller, Dieter (Nokia - DE/Stuttgart)" userId="4798c172-08cc-4965-84b4-f8eeda4d7490" providerId="ADAL" clId="{ABF08CE1-7DB7-427F-AE49-B17353623473}" dt="2020-05-13T07:39:10.020" v="2598" actId="113"/>
+          <ac:spMkLst>
+            <pc:docMk/>
+            <pc:sldMk cId="3268965565" sldId="269"/>
+            <ac:spMk id="3" creationId="{BD50841F-A6DC-4789-9872-9F341CF41FC7}"/>
+          </ac:spMkLst>
+        </pc:spChg>
+        <pc:spChg chg="add del mod">
+          <ac:chgData name="Beller, Dieter (Nokia - DE/Stuttgart)" userId="4798c172-08cc-4965-84b4-f8eeda4d7490" providerId="ADAL" clId="{ABF08CE1-7DB7-427F-AE49-B17353623473}" dt="2020-05-12T21:21:28.404" v="916"/>
+          <ac:spMkLst>
+            <pc:docMk/>
+            <pc:sldMk cId="3268965565" sldId="269"/>
+            <ac:spMk id="5" creationId="{73255D09-AC1E-4BFB-A972-E21CD0E6CA8D}"/>
+          </ac:spMkLst>
+        </pc:spChg>
+        <pc:spChg chg="add del">
+          <ac:chgData name="Beller, Dieter (Nokia - DE/Stuttgart)" userId="4798c172-08cc-4965-84b4-f8eeda4d7490" providerId="ADAL" clId="{ABF08CE1-7DB7-427F-AE49-B17353623473}" dt="2020-05-12T21:21:58.067" v="918"/>
+          <ac:spMkLst>
+            <pc:docMk/>
+            <pc:sldMk cId="3268965565" sldId="269"/>
+            <ac:spMk id="8" creationId="{90177DD7-7D5B-4C3F-8FDC-15519457E196}"/>
+          </ac:spMkLst>
+        </pc:spChg>
+        <pc:spChg chg="add del mod">
+          <ac:chgData name="Beller, Dieter (Nokia - DE/Stuttgart)" userId="4798c172-08cc-4965-84b4-f8eeda4d7490" providerId="ADAL" clId="{ABF08CE1-7DB7-427F-AE49-B17353623473}" dt="2020-05-12T21:31:56.090" v="1041" actId="478"/>
+          <ac:spMkLst>
+            <pc:docMk/>
+            <pc:sldMk cId="3268965565" sldId="269"/>
+            <ac:spMk id="9" creationId="{4D047E1B-5AB0-4CF6-B123-5911348EEE0F}"/>
+          </ac:spMkLst>
+        </pc:spChg>
+        <pc:graphicFrameChg chg="add del">
+          <ac:chgData name="Beller, Dieter (Nokia - DE/Stuttgart)" userId="4798c172-08cc-4965-84b4-f8eeda4d7490" providerId="ADAL" clId="{ABF08CE1-7DB7-427F-AE49-B17353623473}" dt="2020-05-12T21:21:28.403" v="914"/>
+          <ac:graphicFrameMkLst>
+            <pc:docMk/>
+            <pc:sldMk cId="3268965565" sldId="269"/>
+            <ac:graphicFrameMk id="7" creationId="{4F040E90-1518-454D-B662-0FD25819C85D}"/>
+          </ac:graphicFrameMkLst>
+        </pc:graphicFrameChg>
+        <pc:picChg chg="del">
+          <ac:chgData name="Beller, Dieter (Nokia - DE/Stuttgart)" userId="4798c172-08cc-4965-84b4-f8eeda4d7490" providerId="ADAL" clId="{ABF08CE1-7DB7-427F-AE49-B17353623473}" dt="2020-05-12T21:08:53.169" v="844" actId="478"/>
+          <ac:picMkLst>
+            <pc:docMk/>
+            <pc:sldMk cId="3268965565" sldId="269"/>
+            <ac:picMk id="6" creationId="{7FEC7E53-F412-463E-BF4A-6BDF2485552F}"/>
+          </ac:picMkLst>
+        </pc:picChg>
+      </pc:sldChg>
+      <pc:sldChg chg="addSp delSp modSp add ord">
+        <pc:chgData name="Beller, Dieter (Nokia - DE/Stuttgart)" userId="4798c172-08cc-4965-84b4-f8eeda4d7490" providerId="ADAL" clId="{ABF08CE1-7DB7-427F-AE49-B17353623473}" dt="2020-05-13T09:04:44.163" v="2612" actId="20577"/>
+        <pc:sldMkLst>
+          <pc:docMk/>
+          <pc:sldMk cId="941265808" sldId="270"/>
+        </pc:sldMkLst>
+        <pc:spChg chg="del">
+          <ac:chgData name="Beller, Dieter (Nokia - DE/Stuttgart)" userId="4798c172-08cc-4965-84b4-f8eeda4d7490" providerId="ADAL" clId="{ABF08CE1-7DB7-427F-AE49-B17353623473}" dt="2020-05-12T21:12:50.079" v="878"/>
+          <ac:spMkLst>
+            <pc:docMk/>
+            <pc:sldMk cId="941265808" sldId="270"/>
+            <ac:spMk id="2" creationId="{246FBE50-BBE8-4BF0-945F-4F863F11B2C3}"/>
+          </ac:spMkLst>
+        </pc:spChg>
+        <pc:spChg chg="del">
+          <ac:chgData name="Beller, Dieter (Nokia - DE/Stuttgart)" userId="4798c172-08cc-4965-84b4-f8eeda4d7490" providerId="ADAL" clId="{ABF08CE1-7DB7-427F-AE49-B17353623473}" dt="2020-05-12T21:12:50.079" v="878"/>
+          <ac:spMkLst>
+            <pc:docMk/>
+            <pc:sldMk cId="941265808" sldId="270"/>
+            <ac:spMk id="3" creationId="{BF663160-35BE-4A46-97F2-2CE5E746ED17}"/>
+          </ac:spMkLst>
+        </pc:spChg>
+        <pc:spChg chg="add mod">
+          <ac:chgData name="Beller, Dieter (Nokia - DE/Stuttgart)" userId="4798c172-08cc-4965-84b4-f8eeda4d7490" providerId="ADAL" clId="{ABF08CE1-7DB7-427F-AE49-B17353623473}" dt="2020-05-13T09:04:44.163" v="2612" actId="20577"/>
+          <ac:spMkLst>
+            <pc:docMk/>
+            <pc:sldMk cId="941265808" sldId="270"/>
+            <ac:spMk id="5" creationId="{5922DB26-48D8-46CE-8E95-B234FB4828F4}"/>
+          </ac:spMkLst>
+        </pc:spChg>
+        <pc:spChg chg="add mod">
+          <ac:chgData name="Beller, Dieter (Nokia - DE/Stuttgart)" userId="4798c172-08cc-4965-84b4-f8eeda4d7490" providerId="ADAL" clId="{ABF08CE1-7DB7-427F-AE49-B17353623473}" dt="2020-05-12T21:13:45.171" v="886" actId="20577"/>
+          <ac:spMkLst>
+            <pc:docMk/>
+            <pc:sldMk cId="941265808" sldId="270"/>
+            <ac:spMk id="76" creationId="{CD7FAB71-5071-41DA-9EE7-79A6874995E1}"/>
+          </ac:spMkLst>
+        </pc:spChg>
+        <pc:spChg chg="add">
+          <ac:chgData name="Beller, Dieter (Nokia - DE/Stuttgart)" userId="4798c172-08cc-4965-84b4-f8eeda4d7490" providerId="ADAL" clId="{ABF08CE1-7DB7-427F-AE49-B17353623473}" dt="2020-05-12T21:13:28.679" v="881"/>
+          <ac:spMkLst>
+            <pc:docMk/>
+            <pc:sldMk cId="941265808" sldId="270"/>
+            <ac:spMk id="77" creationId="{EBE32132-45A0-4867-878F-A0DC5089B2D8}"/>
+          </ac:spMkLst>
+        </pc:spChg>
+        <pc:grpChg chg="add del">
+          <ac:chgData name="Beller, Dieter (Nokia - DE/Stuttgart)" userId="4798c172-08cc-4965-84b4-f8eeda4d7490" providerId="ADAL" clId="{ABF08CE1-7DB7-427F-AE49-B17353623473}" dt="2020-05-12T21:13:06.568" v="880"/>
+          <ac:grpSpMkLst>
+            <pc:docMk/>
+            <pc:sldMk cId="941265808" sldId="270"/>
+            <ac:grpSpMk id="6" creationId="{73B1F889-5813-4EB2-BC48-518D9443BFFB}"/>
+          </ac:grpSpMkLst>
+        </pc:grpChg>
+        <pc:grpChg chg="add">
+          <ac:chgData name="Beller, Dieter (Nokia - DE/Stuttgart)" userId="4798c172-08cc-4965-84b4-f8eeda4d7490" providerId="ADAL" clId="{ABF08CE1-7DB7-427F-AE49-B17353623473}" dt="2020-05-12T21:13:28.679" v="881"/>
+          <ac:grpSpMkLst>
+            <pc:docMk/>
+            <pc:sldMk cId="941265808" sldId="270"/>
+            <ac:grpSpMk id="42" creationId="{79ACA464-BA30-4D8F-9488-4DB0207D6409}"/>
+          </ac:grpSpMkLst>
+        </pc:grpChg>
+        <pc:cxnChg chg="add">
+          <ac:chgData name="Beller, Dieter (Nokia - DE/Stuttgart)" userId="4798c172-08cc-4965-84b4-f8eeda4d7490" providerId="ADAL" clId="{ABF08CE1-7DB7-427F-AE49-B17353623473}" dt="2020-05-12T21:13:28.679" v="881"/>
+          <ac:cxnSpMkLst>
+            <pc:docMk/>
+            <pc:sldMk cId="941265808" sldId="270"/>
+            <ac:cxnSpMk id="39" creationId="{0DD53D0B-E2B7-4E79-8C0C-CA2F61AE7E94}"/>
+          </ac:cxnSpMkLst>
+        </pc:cxnChg>
+        <pc:cxnChg chg="add">
+          <ac:chgData name="Beller, Dieter (Nokia - DE/Stuttgart)" userId="4798c172-08cc-4965-84b4-f8eeda4d7490" providerId="ADAL" clId="{ABF08CE1-7DB7-427F-AE49-B17353623473}" dt="2020-05-12T21:13:28.679" v="881"/>
+          <ac:cxnSpMkLst>
+            <pc:docMk/>
+            <pc:sldMk cId="941265808" sldId="270"/>
+            <ac:cxnSpMk id="40" creationId="{0F6B63ED-EB8A-40F7-B837-2B238B2D5DBB}"/>
+          </ac:cxnSpMkLst>
+        </pc:cxnChg>
+        <pc:cxnChg chg="add">
+          <ac:chgData name="Beller, Dieter (Nokia - DE/Stuttgart)" userId="4798c172-08cc-4965-84b4-f8eeda4d7490" providerId="ADAL" clId="{ABF08CE1-7DB7-427F-AE49-B17353623473}" dt="2020-05-12T21:13:28.679" v="881"/>
+          <ac:cxnSpMkLst>
+            <pc:docMk/>
+            <pc:sldMk cId="941265808" sldId="270"/>
+            <ac:cxnSpMk id="41" creationId="{3591577D-196A-48D4-A0C2-68EB31B64578}"/>
+          </ac:cxnSpMkLst>
+        </pc:cxnChg>
+        <pc:cxnChg chg="add">
+          <ac:chgData name="Beller, Dieter (Nokia - DE/Stuttgart)" userId="4798c172-08cc-4965-84b4-f8eeda4d7490" providerId="ADAL" clId="{ABF08CE1-7DB7-427F-AE49-B17353623473}" dt="2020-05-12T21:13:28.679" v="881"/>
+          <ac:cxnSpMkLst>
+            <pc:docMk/>
+            <pc:sldMk cId="941265808" sldId="270"/>
+            <ac:cxnSpMk id="75" creationId="{998E6D53-3A4E-4E39-9A9B-23A8C7450926}"/>
+          </ac:cxnSpMkLst>
+        </pc:cxnChg>
+      </pc:sldChg>
+      <pc:sldChg chg="addSp delSp modSp add">
+        <pc:chgData name="Beller, Dieter (Nokia - DE/Stuttgart)" userId="4798c172-08cc-4965-84b4-f8eeda4d7490" providerId="ADAL" clId="{ABF08CE1-7DB7-427F-AE49-B17353623473}" dt="2020-05-13T06:58:27.220" v="2265" actId="6549"/>
+        <pc:sldMkLst>
+          <pc:docMk/>
+          <pc:sldMk cId="1139393804" sldId="271"/>
+        </pc:sldMkLst>
+        <pc:spChg chg="mod">
+          <ac:chgData name="Beller, Dieter (Nokia - DE/Stuttgart)" userId="4798c172-08cc-4965-84b4-f8eeda4d7490" providerId="ADAL" clId="{ABF08CE1-7DB7-427F-AE49-B17353623473}" dt="2020-05-13T06:58:27.220" v="2265" actId="6549"/>
+          <ac:spMkLst>
+            <pc:docMk/>
+            <pc:sldMk cId="1139393804" sldId="271"/>
+            <ac:spMk id="3" creationId="{BD50841F-A6DC-4789-9872-9F341CF41FC7}"/>
+          </ac:spMkLst>
+        </pc:spChg>
+        <pc:spChg chg="add del mod">
+          <ac:chgData name="Beller, Dieter (Nokia - DE/Stuttgart)" userId="4798c172-08cc-4965-84b4-f8eeda4d7490" providerId="ADAL" clId="{ABF08CE1-7DB7-427F-AE49-B17353623473}" dt="2020-05-13T06:39:06.145" v="1647" actId="478"/>
+          <ac:spMkLst>
+            <pc:docMk/>
+            <pc:sldMk cId="1139393804" sldId="271"/>
+            <ac:spMk id="5" creationId="{073B6B44-0AB4-4C98-B803-D33001E2003B}"/>
+          </ac:spMkLst>
+        </pc:spChg>
+        <pc:spChg chg="add del">
+          <ac:chgData name="Beller, Dieter (Nokia - DE/Stuttgart)" userId="4798c172-08cc-4965-84b4-f8eeda4d7490" providerId="ADAL" clId="{ABF08CE1-7DB7-427F-AE49-B17353623473}" dt="2020-05-13T06:38:47.455" v="1644"/>
+          <ac:spMkLst>
+            <pc:docMk/>
+            <pc:sldMk cId="1139393804" sldId="271"/>
+            <ac:spMk id="6" creationId="{6906CA96-D1DB-4998-821B-A9DFDF7F2EE4}"/>
+          </ac:spMkLst>
+        </pc:spChg>
+        <pc:spChg chg="add del">
+          <ac:chgData name="Beller, Dieter (Nokia - DE/Stuttgart)" userId="4798c172-08cc-4965-84b4-f8eeda4d7490" providerId="ADAL" clId="{ABF08CE1-7DB7-427F-AE49-B17353623473}" dt="2020-05-13T06:38:58.210" v="1646"/>
+          <ac:spMkLst>
+            <pc:docMk/>
+            <pc:sldMk cId="1139393804" sldId="271"/>
+            <ac:spMk id="7" creationId="{3C1B8A04-B7D8-4C15-9621-6455510C3629}"/>
+          </ac:spMkLst>
+        </pc:spChg>
+        <pc:spChg chg="add del mod">
+          <ac:chgData name="Beller, Dieter (Nokia - DE/Stuttgart)" userId="4798c172-08cc-4965-84b4-f8eeda4d7490" providerId="ADAL" clId="{ABF08CE1-7DB7-427F-AE49-B17353623473}" dt="2020-05-13T06:39:49.956" v="1652"/>
+          <ac:spMkLst>
+            <pc:docMk/>
+            <pc:sldMk cId="1139393804" sldId="271"/>
+            <ac:spMk id="8" creationId="{AEAD2A6D-4430-4D64-9DDF-33B4B2C25CD0}"/>
+          </ac:spMkLst>
+        </pc:spChg>
+        <pc:spChg chg="add del">
+          <ac:chgData name="Beller, Dieter (Nokia - DE/Stuttgart)" userId="4798c172-08cc-4965-84b4-f8eeda4d7490" providerId="ADAL" clId="{ABF08CE1-7DB7-427F-AE49-B17353623473}" dt="2020-05-13T06:39:28.657" v="1650"/>
+          <ac:spMkLst>
+            <pc:docMk/>
+            <pc:sldMk cId="1139393804" sldId="271"/>
+            <ac:spMk id="9" creationId="{3C4ACE77-C289-4321-93F0-97591407D607}"/>
+          </ac:spMkLst>
+        </pc:spChg>
+        <pc:spChg chg="add mod">
+          <ac:chgData name="Beller, Dieter (Nokia - DE/Stuttgart)" userId="4798c172-08cc-4965-84b4-f8eeda4d7490" providerId="ADAL" clId="{ABF08CE1-7DB7-427F-AE49-B17353623473}" dt="2020-05-13T06:55:48.114" v="2225" actId="3064"/>
+          <ac:spMkLst>
+            <pc:docMk/>
+            <pc:sldMk cId="1139393804" sldId="271"/>
+            <ac:spMk id="10" creationId="{1C319637-87B9-409E-992C-1692943AA944}"/>
+          </ac:spMkLst>
+        </pc:spChg>
+        <pc:spChg chg="add del">
+          <ac:chgData name="Beller, Dieter (Nokia - DE/Stuttgart)" userId="4798c172-08cc-4965-84b4-f8eeda4d7490" providerId="ADAL" clId="{ABF08CE1-7DB7-427F-AE49-B17353623473}" dt="2020-05-13T06:40:05.815" v="1659"/>
+          <ac:spMkLst>
+            <pc:docMk/>
+            <pc:sldMk cId="1139393804" sldId="271"/>
+            <ac:spMk id="11" creationId="{5B1757E1-4555-458D-95D1-70C594009F9A}"/>
+          </ac:spMkLst>
+        </pc:spChg>
+        <pc:spChg chg="add mod">
+          <ac:chgData name="Beller, Dieter (Nokia - DE/Stuttgart)" userId="4798c172-08cc-4965-84b4-f8eeda4d7490" providerId="ADAL" clId="{ABF08CE1-7DB7-427F-AE49-B17353623473}" dt="2020-05-13T06:55:52.972" v="2226" actId="3064"/>
+          <ac:spMkLst>
+            <pc:docMk/>
+            <pc:sldMk cId="1139393804" sldId="271"/>
+            <ac:spMk id="12" creationId="{BEBEF32D-20AB-4E61-986C-3F9A95745F57}"/>
+          </ac:spMkLst>
+        </pc:spChg>
+        <pc:spChg chg="add mod">
+          <ac:chgData name="Beller, Dieter (Nokia - DE/Stuttgart)" userId="4798c172-08cc-4965-84b4-f8eeda4d7490" providerId="ADAL" clId="{ABF08CE1-7DB7-427F-AE49-B17353623473}" dt="2020-05-13T06:55:42.002" v="2224" actId="20577"/>
+          <ac:spMkLst>
+            <pc:docMk/>
+            <pc:sldMk cId="1139393804" sldId="271"/>
+            <ac:spMk id="13" creationId="{75484C34-7949-442A-857B-DDC855FF5007}"/>
+          </ac:spMkLst>
+        </pc:spChg>
+      </pc:sldChg>
+      <pc:sldChg chg="addSp delSp modSp add ord">
+        <pc:chgData name="Beller, Dieter (Nokia - DE/Stuttgart)" userId="4798c172-08cc-4965-84b4-f8eeda4d7490" providerId="ADAL" clId="{ABF08CE1-7DB7-427F-AE49-B17353623473}" dt="2020-05-13T07:22:12.094" v="2590" actId="113"/>
+        <pc:sldMkLst>
+          <pc:docMk/>
+          <pc:sldMk cId="558324057" sldId="272"/>
+        </pc:sldMkLst>
+        <pc:spChg chg="mod">
+          <ac:chgData name="Beller, Dieter (Nokia - DE/Stuttgart)" userId="4798c172-08cc-4965-84b4-f8eeda4d7490" providerId="ADAL" clId="{ABF08CE1-7DB7-427F-AE49-B17353623473}" dt="2020-05-13T07:22:12.094" v="2590" actId="113"/>
+          <ac:spMkLst>
+            <pc:docMk/>
+            <pc:sldMk cId="558324057" sldId="272"/>
+            <ac:spMk id="3" creationId="{BD50841F-A6DC-4789-9872-9F341CF41FC7}"/>
+          </ac:spMkLst>
+        </pc:spChg>
+        <pc:spChg chg="add del">
+          <ac:chgData name="Beller, Dieter (Nokia - DE/Stuttgart)" userId="4798c172-08cc-4965-84b4-f8eeda4d7490" providerId="ADAL" clId="{ABF08CE1-7DB7-427F-AE49-B17353623473}" dt="2020-05-13T07:13:35.256" v="2415"/>
+          <ac:spMkLst>
+            <pc:docMk/>
+            <pc:sldMk cId="558324057" sldId="272"/>
+            <ac:spMk id="5" creationId="{B218F5EE-F76A-4137-A8B6-2ED8EA7A10E9}"/>
+          </ac:spMkLst>
+        </pc:spChg>
+      </pc:sldChg>
+      <pc:sldChg chg="add del">
+        <pc:chgData name="Beller, Dieter (Nokia - DE/Stuttgart)" userId="4798c172-08cc-4965-84b4-f8eeda4d7490" providerId="ADAL" clId="{ABF08CE1-7DB7-427F-AE49-B17353623473}" dt="2020-05-13T06:34:44.429" v="1641" actId="2696"/>
+        <pc:sldMkLst>
+          <pc:docMk/>
+          <pc:sldMk cId="889812990" sldId="272"/>
+        </pc:sldMkLst>
+      </pc:sldChg>
+    </pc:docChg>
+  </pc:docChgLst>
+  <pc:docChgLst>
     <pc:chgData name="Beller, Dieter (Nokia - DE/Stuttgart)" userId="4798c172-08cc-4965-84b4-f8eeda4d7490" providerId="ADAL" clId="{C706CC2B-95F6-4530-BF7B-4CB7ACF2CFFC}"/>
     <pc:docChg chg="custSel modSld">
       <pc:chgData name="Beller, Dieter (Nokia - DE/Stuttgart)" userId="4798c172-08cc-4965-84b4-f8eeda4d7490" providerId="ADAL" clId="{C706CC2B-95F6-4530-BF7B-4CB7ACF2CFFC}" dt="2020-05-08T11:17:47.803" v="146" actId="20577"/>
@@ -176,6 +602,45 @@
             <pc:docMk/>
             <pc:sldMk cId="1329188614" sldId="268"/>
             <ac:spMk id="3" creationId="{8C6E9F46-C3D1-4A97-AE3D-742DCE7826B3}"/>
+          </ac:spMkLst>
+        </pc:spChg>
+      </pc:sldChg>
+    </pc:docChg>
+  </pc:docChgLst>
+  <pc:docChgLst>
+    <pc:chgData name="Belotti, Sergio (Nokia - IT/Vimercate)" userId="S::sergio.belotti@nokia.com::1405c469-425d-44df-9775-7098fb1a68f6" providerId="AD" clId="Web-{DCC2010C-9906-48C1-BE15-82887FD0849A}"/>
+    <pc:docChg chg="modSld">
+      <pc:chgData name="Belotti, Sergio (Nokia - IT/Vimercate)" userId="S::sergio.belotti@nokia.com::1405c469-425d-44df-9775-7098fb1a68f6" providerId="AD" clId="Web-{DCC2010C-9906-48C1-BE15-82887FD0849A}" dt="2020-05-12T08:27:33.840" v="10"/>
+      <pc:docMkLst>
+        <pc:docMk/>
+      </pc:docMkLst>
+      <pc:sldChg chg="modSp">
+        <pc:chgData name="Belotti, Sergio (Nokia - IT/Vimercate)" userId="S::sergio.belotti@nokia.com::1405c469-425d-44df-9775-7098fb1a68f6" providerId="AD" clId="Web-{DCC2010C-9906-48C1-BE15-82887FD0849A}" dt="2020-05-12T07:18:10.782" v="2" actId="20577"/>
+        <pc:sldMkLst>
+          <pc:docMk/>
+          <pc:sldMk cId="2355547822" sldId="256"/>
+        </pc:sldMkLst>
+        <pc:spChg chg="mod">
+          <ac:chgData name="Belotti, Sergio (Nokia - IT/Vimercate)" userId="S::sergio.belotti@nokia.com::1405c469-425d-44df-9775-7098fb1a68f6" providerId="AD" clId="Web-{DCC2010C-9906-48C1-BE15-82887FD0849A}" dt="2020-05-12T07:18:10.782" v="2" actId="20577"/>
+          <ac:spMkLst>
+            <pc:docMk/>
+            <pc:sldMk cId="2355547822" sldId="256"/>
+            <ac:spMk id="10" creationId="{F90E6944-AE24-4A35-BF3D-794B7CBD074F}"/>
+          </ac:spMkLst>
+        </pc:spChg>
+      </pc:sldChg>
+      <pc:sldChg chg="modSp mod modShow">
+        <pc:chgData name="Belotti, Sergio (Nokia - IT/Vimercate)" userId="S::sergio.belotti@nokia.com::1405c469-425d-44df-9775-7098fb1a68f6" providerId="AD" clId="Web-{DCC2010C-9906-48C1-BE15-82887FD0849A}" dt="2020-05-12T08:27:33.840" v="10"/>
+        <pc:sldMkLst>
+          <pc:docMk/>
+          <pc:sldMk cId="654828672" sldId="261"/>
+        </pc:sldMkLst>
+        <pc:spChg chg="mod">
+          <ac:chgData name="Belotti, Sergio (Nokia - IT/Vimercate)" userId="S::sergio.belotti@nokia.com::1405c469-425d-44df-9775-7098fb1a68f6" providerId="AD" clId="Web-{DCC2010C-9906-48C1-BE15-82887FD0849A}" dt="2020-05-12T08:25:34.676" v="5" actId="20577"/>
+          <ac:spMkLst>
+            <pc:docMk/>
+            <pc:sldMk cId="654828672" sldId="261"/>
+            <ac:spMk id="3" creationId="{BD50841F-A6DC-4789-9872-9F341CF41FC7}"/>
           </ac:spMkLst>
         </pc:spChg>
       </pc:sldChg>
@@ -266,7 +731,7 @@
           <a:p>
             <a:fld id="{59711742-25F0-43F6-882D-B8403339F2D1}" type="datetimeFigureOut">
               <a:rPr lang="en-US" smtClean="0"/>
-              <a:t>5/7/2020</a:t>
+              <a:t>5/13/2020</a:t>
             </a:fld>
             <a:endParaRPr lang="en-US"/>
           </a:p>
@@ -680,7 +1145,7 @@
           <a:p>
             <a:fld id="{35CA9B0C-0C72-4435-81CB-E5C7049F3DE9}" type="datetime1">
               <a:rPr lang="en-US" smtClean="0"/>
-              <a:t>5/8/2020</a:t>
+              <a:t>5/13/2020</a:t>
             </a:fld>
             <a:endParaRPr lang="en-US"/>
           </a:p>
@@ -881,7 +1346,7 @@
           <a:p>
             <a:fld id="{2525DF34-A2E6-42E5-A031-1EB2BC1E8A09}" type="datetime1">
               <a:rPr lang="en-US" smtClean="0"/>
-              <a:t>5/8/2020</a:t>
+              <a:t>5/13/2020</a:t>
             </a:fld>
             <a:endParaRPr lang="en-US"/>
           </a:p>
@@ -1092,7 +1557,7 @@
           <a:p>
             <a:fld id="{61103023-BFF0-45E2-B4EF-5EB7A8E66028}" type="datetime1">
               <a:rPr lang="en-US" smtClean="0"/>
-              <a:t>5/8/2020</a:t>
+              <a:t>5/13/2020</a:t>
             </a:fld>
             <a:endParaRPr lang="en-US"/>
           </a:p>
@@ -1293,7 +1758,7 @@
           <a:p>
             <a:fld id="{27938295-99B2-4CEA-8963-6628600C24CD}" type="datetime1">
               <a:rPr lang="en-US" smtClean="0"/>
-              <a:t>5/8/2020</a:t>
+              <a:t>5/13/2020</a:t>
             </a:fld>
             <a:endParaRPr lang="en-US"/>
           </a:p>
@@ -1571,7 +2036,7 @@
           <a:p>
             <a:fld id="{3BA191D9-264E-4791-8EAA-A304874B8F1B}" type="datetime1">
               <a:rPr lang="en-US" smtClean="0"/>
-              <a:t>5/8/2020</a:t>
+              <a:t>5/13/2020</a:t>
             </a:fld>
             <a:endParaRPr lang="en-US"/>
           </a:p>
@@ -1839,7 +2304,7 @@
           <a:p>
             <a:fld id="{05984D86-3EDC-4F86-8054-A31620E666DB}" type="datetime1">
               <a:rPr lang="en-US" smtClean="0"/>
-              <a:t>5/8/2020</a:t>
+              <a:t>5/13/2020</a:t>
             </a:fld>
             <a:endParaRPr lang="en-US"/>
           </a:p>
@@ -2254,7 +2719,7 @@
           <a:p>
             <a:fld id="{C378348F-9ED2-4913-A6C3-50C1FCE1707F}" type="datetime1">
               <a:rPr lang="en-US" smtClean="0"/>
-              <a:t>5/8/2020</a:t>
+              <a:t>5/13/2020</a:t>
             </a:fld>
             <a:endParaRPr lang="en-US"/>
           </a:p>
@@ -2398,7 +2863,7 @@
           <a:p>
             <a:fld id="{5C64929D-606A-4158-B6CC-60EA801C5B7B}" type="datetime1">
               <a:rPr lang="en-US" smtClean="0"/>
-              <a:t>5/8/2020</a:t>
+              <a:t>5/13/2020</a:t>
             </a:fld>
             <a:endParaRPr lang="en-US"/>
           </a:p>
@@ -2514,7 +2979,7 @@
           <a:p>
             <a:fld id="{C712CA43-F7EB-4D23-966C-289B97266D85}" type="datetime1">
               <a:rPr lang="en-US" smtClean="0"/>
-              <a:t>5/8/2020</a:t>
+              <a:t>5/13/2020</a:t>
             </a:fld>
             <a:endParaRPr lang="en-US"/>
           </a:p>
@@ -2828,7 +3293,7 @@
           <a:p>
             <a:fld id="{2966EF1D-0A60-4E77-AE5D-CE7B6A0885CA}" type="datetime1">
               <a:rPr lang="en-US" smtClean="0"/>
-              <a:t>5/8/2020</a:t>
+              <a:t>5/13/2020</a:t>
             </a:fld>
             <a:endParaRPr lang="en-US"/>
           </a:p>
@@ -3119,7 +3584,7 @@
           <a:p>
             <a:fld id="{BD85636C-204F-4532-90FC-84EAC9878C00}" type="datetime1">
               <a:rPr lang="en-US" smtClean="0"/>
-              <a:t>5/8/2020</a:t>
+              <a:t>5/13/2020</a:t>
             </a:fld>
             <a:endParaRPr lang="en-US"/>
           </a:p>
@@ -3363,7 +3828,7 @@
           <a:p>
             <a:fld id="{033998F2-02B1-47F3-8FF8-0ECA80324720}" type="datetime1">
               <a:rPr lang="en-US" smtClean="0"/>
-              <a:t>5/8/2020</a:t>
+              <a:t>5/13/2020</a:t>
             </a:fld>
             <a:endParaRPr lang="en-US"/>
           </a:p>
@@ -3818,7 +4283,7 @@
               </a:spcBef>
             </a:pPr>
             <a:r>
-              <a:rPr lang="en-US" dirty="0"/>
+              <a:rPr lang="en-US"/>
               <a:t>A Yang Data Model for Optical Impairment-aware Topology</a:t>
             </a:r>
           </a:p>
@@ -3858,13 +4323,13 @@
               </a:spcBef>
             </a:pPr>
             <a:r>
-              <a:rPr lang="en-US" sz="1800" dirty="0"/>
+              <a:rPr lang="en-US" sz="1800"/>
               <a:t>Co-authors (editors):</a:t>
             </a:r>
             <a:br>
-              <a:rPr lang="en-US" sz="1800" dirty="0"/>
+              <a:rPr lang="en-US" sz="1800"/>
             </a:br>
-            <a:endParaRPr lang="en-US" sz="1800" dirty="0"/>
+            <a:endParaRPr lang="en-US" sz="1800"/>
           </a:p>
           <a:p>
             <a:pPr marL="252000" indent="-252000" algn="l">
@@ -3875,7 +4340,7 @@
               <a:buChar char="•"/>
             </a:pPr>
             <a:r>
-              <a:rPr lang="en-US" sz="1800" dirty="0"/>
+              <a:rPr lang="en-US" sz="1800"/>
               <a:t>Young Lee (SKKU)</a:t>
             </a:r>
           </a:p>
@@ -3888,8 +4353,16 @@
               <a:buChar char="•"/>
             </a:pPr>
             <a:r>
-              <a:rPr lang="en-US" sz="1800" dirty="0"/>
-              <a:t>Victor Lopez (Telefonica)</a:t>
+              <a:rPr lang="en-US" sz="1800"/>
+              <a:t>Jean Luc </a:t>
+            </a:r>
+            <a:r>
+              <a:rPr lang="en-US" sz="1800" err="1"/>
+              <a:t>Auge</a:t>
+            </a:r>
+            <a:r>
+              <a:rPr lang="en-US" sz="1800"/>
+              <a:t> (Orange)</a:t>
             </a:r>
           </a:p>
           <a:p>
@@ -3901,8 +4374,8 @@
               <a:buChar char="•"/>
             </a:pPr>
             <a:r>
-              <a:rPr lang="en-US" sz="1800" dirty="0"/>
-              <a:t>Gabriele Galimberti  (Cisco)</a:t>
+              <a:rPr lang="en-US" sz="1800"/>
+              <a:t>Victor Lopez (Telefonica)</a:t>
             </a:r>
           </a:p>
           <a:p>
@@ -3914,16 +4387,8 @@
               <a:buChar char="•"/>
             </a:pPr>
             <a:r>
-              <a:rPr lang="en-US" sz="1800" dirty="0"/>
-              <a:t>Jean Luc </a:t>
-            </a:r>
-            <a:r>
-              <a:rPr lang="en-US" sz="1800" dirty="0" err="1"/>
-              <a:t>Auge</a:t>
-            </a:r>
-            <a:r>
-              <a:rPr lang="en-US" sz="1800" dirty="0"/>
-              <a:t> (Orange)</a:t>
+              <a:rPr lang="en-US" sz="1800"/>
+              <a:t>Gabriele Galimberti  (Cisco)</a:t>
             </a:r>
           </a:p>
           <a:p>
@@ -3935,7 +4400,7 @@
               <a:buChar char="•"/>
             </a:pPr>
             <a:r>
-              <a:rPr lang="en-US" sz="1800" dirty="0"/>
+              <a:rPr lang="en-US" sz="1800"/>
               <a:t>Dieter Beller (Nokia)</a:t>
             </a:r>
           </a:p>
@@ -3944,14 +4409,14 @@
               <a:buFont typeface="Arial" panose="020B0604020202020204" pitchFamily="34" charset="0"/>
               <a:buChar char="•"/>
             </a:pPr>
-            <a:endParaRPr lang="en-US" sz="1800" dirty="0"/>
+            <a:endParaRPr lang="en-US" sz="1800"/>
           </a:p>
           <a:p>
             <a:pPr marL="342900" indent="-342900" algn="l">
               <a:buFont typeface="Arial" panose="020B0604020202020204" pitchFamily="34" charset="0"/>
               <a:buChar char="•"/>
             </a:pPr>
-            <a:endParaRPr lang="en-US" sz="1800" dirty="0"/>
+            <a:endParaRPr lang="en-US" sz="1800"/>
           </a:p>
         </p:txBody>
       </p:sp>
@@ -3979,7 +4444,7 @@
           </a:prstGeom>
         </p:spPr>
         <p:txBody>
-          <a:bodyPr vert="horz" lIns="91440" tIns="45720" rIns="91440" bIns="45720" rtlCol="0">
+          <a:bodyPr vert="horz" lIns="91440" tIns="45720" rIns="91440" bIns="45720" rtlCol="0" anchor="t">
             <a:noAutofit/>
           </a:bodyPr>
           <a:lstStyle>
@@ -4089,7 +4554,7 @@
             </a:r>
           </a:p>
           <a:p>
-            <a:pPr marL="252000" indent="-252000">
+            <a:pPr marL="251460" indent="-251460">
               <a:buFont typeface="Arial" panose="020B0604020202020204" pitchFamily="34" charset="0"/>
               <a:buChar char="•"/>
             </a:pPr>
@@ -4101,9 +4566,12 @@
               <a:rPr lang="en-US" sz="1800" dirty="0"/>
               <a:t> Zheng (Huawei)</a:t>
             </a:r>
-          </a:p>
-          <a:p>
-            <a:pPr marL="252000" indent="-252000">
+            <a:endParaRPr lang="en-US" sz="1800" dirty="0">
+              <a:cs typeface="Calibri" panose="020F0502020204030204"/>
+            </a:endParaRPr>
+          </a:p>
+          <a:p>
+            <a:pPr marL="251460" indent="-251460">
               <a:buFont typeface="Arial" panose="020B0604020202020204" pitchFamily="34" charset="0"/>
               <a:buChar char="•"/>
             </a:pPr>
@@ -4111,9 +4579,12 @@
               <a:rPr lang="en-US" sz="1800" dirty="0"/>
               <a:t>Italo Busi (Huawei)</a:t>
             </a:r>
-          </a:p>
-          <a:p>
-            <a:pPr marL="252000" indent="-252000">
+            <a:endParaRPr lang="en-US" sz="1800" dirty="0">
+              <a:cs typeface="Calibri" panose="020F0502020204030204"/>
+            </a:endParaRPr>
+          </a:p>
+          <a:p>
+            <a:pPr marL="251460" indent="-251460">
               <a:buFont typeface="Arial" panose="020B0604020202020204" pitchFamily="34" charset="0"/>
               <a:buChar char="•"/>
             </a:pPr>
@@ -4137,9 +4608,12 @@
               <a:rPr lang="en-US" sz="1800" dirty="0"/>
               <a:t>)</a:t>
             </a:r>
-          </a:p>
-          <a:p>
-            <a:pPr marL="252000" indent="-252000">
+            <a:endParaRPr lang="en-US" sz="1800" dirty="0">
+              <a:cs typeface="Calibri" panose="020F0502020204030204"/>
+            </a:endParaRPr>
+          </a:p>
+          <a:p>
+            <a:pPr marL="251460" indent="-251460">
               <a:buFont typeface="Arial" panose="020B0604020202020204" pitchFamily="34" charset="0"/>
               <a:buChar char="•"/>
             </a:pPr>
@@ -4147,9 +4621,12 @@
               <a:rPr lang="en-US" sz="1800" dirty="0"/>
               <a:t>Julien Meuric (Orange)</a:t>
             </a:r>
-          </a:p>
-          <a:p>
-            <a:pPr marL="252000" indent="-252000">
+            <a:endParaRPr lang="en-US" sz="1800" dirty="0">
+              <a:cs typeface="Calibri" panose="020F0502020204030204"/>
+            </a:endParaRPr>
+          </a:p>
+          <a:p>
+            <a:pPr marL="251460" indent="-251460">
               <a:buFont typeface="Arial" panose="020B0604020202020204" pitchFamily="34" charset="0"/>
               <a:buChar char="•"/>
             </a:pPr>
@@ -4165,9 +4642,12 @@
               <a:rPr lang="en-US" sz="1800" dirty="0"/>
               <a:t> (Orange)</a:t>
             </a:r>
-          </a:p>
-          <a:p>
-            <a:pPr marL="252000" indent="-252000">
+            <a:endParaRPr lang="en-US" sz="1800" dirty="0">
+              <a:cs typeface="Calibri" panose="020F0502020204030204"/>
+            </a:endParaRPr>
+          </a:p>
+          <a:p>
+            <a:pPr marL="251460" indent="-251460">
               <a:buFont typeface="Arial" panose="020B0604020202020204" pitchFamily="34" charset="0"/>
               <a:buChar char="•"/>
             </a:pPr>
@@ -4175,9 +4655,12 @@
               <a:rPr lang="en-US" sz="1800" dirty="0"/>
               <a:t>Sergio Belotti (Nokia)</a:t>
             </a:r>
-          </a:p>
-          <a:p>
-            <a:pPr marL="252000" indent="-252000">
+            <a:endParaRPr lang="en-US" sz="1800" dirty="0">
+              <a:cs typeface="Calibri" panose="020F0502020204030204"/>
+            </a:endParaRPr>
+          </a:p>
+          <a:p>
+            <a:pPr marL="251460" indent="-251460">
               <a:buFont typeface="Arial" panose="020B0604020202020204" pitchFamily="34" charset="0"/>
               <a:buChar char="•"/>
             </a:pPr>
@@ -4185,9 +4668,12 @@
               <a:rPr lang="en-US" sz="1800" dirty="0"/>
               <a:t>Enrico Griseri (Nokia)</a:t>
             </a:r>
-          </a:p>
-          <a:p>
-            <a:pPr marL="252000" indent="-252000">
+            <a:endParaRPr lang="en-US" sz="1800" dirty="0">
+              <a:cs typeface="Calibri" panose="020F0502020204030204"/>
+            </a:endParaRPr>
+          </a:p>
+          <a:p>
+            <a:pPr marL="251460" indent="-251460">
               <a:buFont typeface="Arial" panose="020B0604020202020204" pitchFamily="34" charset="0"/>
               <a:buChar char="•"/>
             </a:pPr>
@@ -4195,9 +4681,12 @@
               <a:rPr lang="en-US" sz="1800" dirty="0"/>
               <a:t>Gert Grammel (Juniper)</a:t>
             </a:r>
-          </a:p>
-          <a:p>
-            <a:pPr marL="252000" indent="-252000">
+            <a:endParaRPr lang="en-US" sz="1800" dirty="0">
+              <a:cs typeface="Calibri" panose="020F0502020204030204"/>
+            </a:endParaRPr>
+          </a:p>
+          <a:p>
+            <a:pPr marL="251460" indent="-251460">
               <a:buFont typeface="Arial" panose="020B0604020202020204" pitchFamily="34" charset="0"/>
               <a:buChar char="•"/>
             </a:pPr>
@@ -4213,9 +4702,12 @@
               <a:rPr lang="en-US" sz="1800" dirty="0"/>
               <a:t> (RISE)</a:t>
             </a:r>
-          </a:p>
-          <a:p>
-            <a:pPr marL="252000" indent="-252000">
+            <a:endParaRPr lang="en-US" sz="1800" dirty="0">
+              <a:cs typeface="Calibri" panose="020F0502020204030204"/>
+            </a:endParaRPr>
+          </a:p>
+          <a:p>
+            <a:pPr marL="251460" indent="-251460">
               <a:buFont typeface="Arial" panose="020B0604020202020204" pitchFamily="34" charset="0"/>
               <a:buChar char="•"/>
             </a:pPr>
@@ -4225,8 +4717,19 @@
             </a:r>
             <a:r>
               <a:rPr lang="en-US" sz="1800" dirty="0"/>
-              <a:t> Guo (Huawei)</a:t>
-            </a:r>
+              <a:t> Guo (</a:t>
+            </a:r>
+            <a:r>
+              <a:rPr lang="en-US" sz="1800" dirty="0" err="1"/>
+              <a:t>Futurewei</a:t>
+            </a:r>
+            <a:r>
+              <a:rPr lang="en-US" sz="1800" dirty="0"/>
+              <a:t>)</a:t>
+            </a:r>
+            <a:endParaRPr lang="en-US" sz="1800" dirty="0">
+              <a:cs typeface="Calibri"/>
+            </a:endParaRPr>
           </a:p>
         </p:txBody>
       </p:sp>
@@ -4283,12 +4786,12 @@
               </a:spcBef>
             </a:pPr>
             <a:r>
-              <a:rPr lang="en-US" sz="3600" dirty="0">
+              <a:rPr lang="en-US" sz="3600">
                 <a:hlinkClick r:id="rId2"/>
               </a:rPr>
               <a:t>draft-ietf-ccamp-optical-impairment-topology-yang-03</a:t>
             </a:r>
-            <a:endParaRPr lang="en-US" dirty="0"/>
+            <a:endParaRPr lang="en-US"/>
           </a:p>
         </p:txBody>
       </p:sp>
@@ -4305,524 +4808,7 @@
 </p:sld>
 </file>
 
-<file path=ppt/slides/slide2.xml><?xml version="1.0" encoding="utf-8"?>
-<p:sld xmlns:a="http://schemas.openxmlformats.org/drawingml/2006/main" xmlns:r="http://schemas.openxmlformats.org/officeDocument/2006/relationships" xmlns:p="http://schemas.openxmlformats.org/presentationml/2006/main">
-  <p:cSld>
-    <p:spTree>
-      <p:nvGrpSpPr>
-        <p:cNvPr id="1" name=""/>
-        <p:cNvGrpSpPr/>
-        <p:nvPr/>
-      </p:nvGrpSpPr>
-      <p:grpSpPr>
-        <a:xfrm>
-          <a:off x="0" y="0"/>
-          <a:ext cx="0" cy="0"/>
-          <a:chOff x="0" y="0"/>
-          <a:chExt cx="0" cy="0"/>
-        </a:xfrm>
-      </p:grpSpPr>
-      <p:sp>
-        <p:nvSpPr>
-          <p:cNvPr id="2" name="Title 1">
-            <a:extLst>
-              <a:ext uri="{FF2B5EF4-FFF2-40B4-BE49-F238E27FC236}">
-                <a16:creationId xmlns:a16="http://schemas.microsoft.com/office/drawing/2014/main" id="{EB3E31FD-1C2F-48A6-AB51-148D4276F8C0}"/>
-              </a:ext>
-            </a:extLst>
-          </p:cNvPr>
-          <p:cNvSpPr>
-            <a:spLocks noGrp="1"/>
-          </p:cNvSpPr>
-          <p:nvPr>
-            <p:ph type="title"/>
-          </p:nvPr>
-        </p:nvSpPr>
-        <p:spPr/>
-        <p:txBody>
-          <a:bodyPr/>
-          <a:lstStyle/>
-          <a:p>
-            <a:r>
-              <a:rPr lang="en-US" dirty="0"/>
-              <a:t>Major Activities since IETF 106</a:t>
-            </a:r>
-          </a:p>
-        </p:txBody>
-      </p:sp>
-      <p:sp>
-        <p:nvSpPr>
-          <p:cNvPr id="3" name="Content Placeholder 2">
-            <a:extLst>
-              <a:ext uri="{FF2B5EF4-FFF2-40B4-BE49-F238E27FC236}">
-                <a16:creationId xmlns:a16="http://schemas.microsoft.com/office/drawing/2014/main" id="{BD50841F-A6DC-4789-9872-9F341CF41FC7}"/>
-              </a:ext>
-            </a:extLst>
-          </p:cNvPr>
-          <p:cNvSpPr>
-            <a:spLocks noGrp="1"/>
-          </p:cNvSpPr>
-          <p:nvPr>
-            <p:ph idx="1"/>
-          </p:nvPr>
-        </p:nvSpPr>
-        <p:spPr/>
-        <p:txBody>
-          <a:bodyPr/>
-          <a:lstStyle/>
-          <a:p>
-            <a:r>
-              <a:rPr lang="en-US" dirty="0"/>
-              <a:t>Weekly CCAMP WebEx meetings (Thu, 4-5pm CEST)</a:t>
-            </a:r>
-          </a:p>
-          <a:p>
-            <a:r>
-              <a:rPr lang="en-US" dirty="0"/>
-              <a:t>Topics addressed:</a:t>
-            </a:r>
-          </a:p>
-          <a:p>
-            <a:pPr lvl="1"/>
-            <a:r>
-              <a:rPr lang="en-US" dirty="0"/>
-              <a:t>ROADM model:</a:t>
-            </a:r>
-          </a:p>
-          <a:p>
-            <a:pPr lvl="2"/>
-            <a:r>
-              <a:rPr lang="en-US" dirty="0"/>
-              <a:t>YANG model augmentations for optical impairments imposed by ROADMs added</a:t>
-            </a:r>
-          </a:p>
-          <a:p>
-            <a:pPr lvl="1"/>
-            <a:r>
-              <a:rPr lang="en-US" dirty="0"/>
-              <a:t>Current focus: revision of optical transponder model</a:t>
-            </a:r>
-            <a:br>
-              <a:rPr lang="en-US" dirty="0"/>
-            </a:br>
-            <a:r>
-              <a:rPr lang="en-US" dirty="0"/>
-              <a:t>(topological layer 0 aspects)</a:t>
-            </a:r>
-          </a:p>
-          <a:p>
-            <a:pPr lvl="1"/>
-            <a:r>
-              <a:rPr lang="en-US" dirty="0"/>
-              <a:t>Modeling 3R regenerators – task parked – task will be resumed</a:t>
-            </a:r>
-            <a:br>
-              <a:rPr lang="en-US" dirty="0"/>
-            </a:br>
-            <a:r>
-              <a:rPr lang="en-US" dirty="0"/>
-              <a:t>when optical transponder model will have been completed</a:t>
-            </a:r>
-          </a:p>
-        </p:txBody>
-      </p:sp>
-      <p:sp>
-        <p:nvSpPr>
-          <p:cNvPr id="4" name="Footer Placeholder 3">
-            <a:extLst>
-              <a:ext uri="{FF2B5EF4-FFF2-40B4-BE49-F238E27FC236}">
-                <a16:creationId xmlns:a16="http://schemas.microsoft.com/office/drawing/2014/main" id="{F00E6AD6-900F-4355-9541-00E46C374FA8}"/>
-              </a:ext>
-            </a:extLst>
-          </p:cNvPr>
-          <p:cNvSpPr>
-            <a:spLocks noGrp="1"/>
-          </p:cNvSpPr>
-          <p:nvPr>
-            <p:ph type="ftr" sz="quarter" idx="11"/>
-          </p:nvPr>
-        </p:nvSpPr>
-        <p:spPr/>
-        <p:txBody>
-          <a:bodyPr/>
-          <a:lstStyle/>
-          <a:p>
-            <a:r>
-              <a:rPr lang="en-US"/>
-              <a:t>IETF CCAMP WG Interim Meeting - May 14, 2020</a:t>
-            </a:r>
-            <a:endParaRPr lang="en-US" dirty="0"/>
-          </a:p>
-        </p:txBody>
-      </p:sp>
-    </p:spTree>
-    <p:extLst>
-      <p:ext uri="{BB962C8B-B14F-4D97-AF65-F5344CB8AC3E}">
-        <p14:creationId xmlns:p14="http://schemas.microsoft.com/office/powerpoint/2010/main" val="3211284502"/>
-      </p:ext>
-    </p:extLst>
-  </p:cSld>
-  <p:clrMapOvr>
-    <a:masterClrMapping/>
-  </p:clrMapOvr>
-</p:sld>
-</file>
-
-<file path=ppt/slides/slide3.xml><?xml version="1.0" encoding="utf-8"?>
-<p:sld xmlns:a="http://schemas.openxmlformats.org/drawingml/2006/main" xmlns:r="http://schemas.openxmlformats.org/officeDocument/2006/relationships" xmlns:p="http://schemas.openxmlformats.org/presentationml/2006/main">
-  <p:cSld>
-    <p:spTree>
-      <p:nvGrpSpPr>
-        <p:cNvPr id="1" name=""/>
-        <p:cNvGrpSpPr/>
-        <p:nvPr/>
-      </p:nvGrpSpPr>
-      <p:grpSpPr>
-        <a:xfrm>
-          <a:off x="0" y="0"/>
-          <a:ext cx="0" cy="0"/>
-          <a:chOff x="0" y="0"/>
-          <a:chExt cx="0" cy="0"/>
-        </a:xfrm>
-      </p:grpSpPr>
-      <p:sp>
-        <p:nvSpPr>
-          <p:cNvPr id="2" name="Title 1">
-            <a:extLst>
-              <a:ext uri="{FF2B5EF4-FFF2-40B4-BE49-F238E27FC236}">
-                <a16:creationId xmlns:a16="http://schemas.microsoft.com/office/drawing/2014/main" id="{EB3E31FD-1C2F-48A6-AB51-148D4276F8C0}"/>
-              </a:ext>
-            </a:extLst>
-          </p:cNvPr>
-          <p:cNvSpPr>
-            <a:spLocks noGrp="1"/>
-          </p:cNvSpPr>
-          <p:nvPr>
-            <p:ph type="title"/>
-          </p:nvPr>
-        </p:nvSpPr>
-        <p:spPr/>
-        <p:txBody>
-          <a:bodyPr/>
-          <a:lstStyle/>
-          <a:p>
-            <a:r>
-              <a:rPr lang="en-US" dirty="0"/>
-              <a:t>Major Changes since IETF 106</a:t>
-            </a:r>
-          </a:p>
-        </p:txBody>
-      </p:sp>
-      <p:sp>
-        <p:nvSpPr>
-          <p:cNvPr id="3" name="Content Placeholder 2">
-            <a:extLst>
-              <a:ext uri="{FF2B5EF4-FFF2-40B4-BE49-F238E27FC236}">
-                <a16:creationId xmlns:a16="http://schemas.microsoft.com/office/drawing/2014/main" id="{BD50841F-A6DC-4789-9872-9F341CF41FC7}"/>
-              </a:ext>
-            </a:extLst>
-          </p:cNvPr>
-          <p:cNvSpPr>
-            <a:spLocks noGrp="1"/>
-          </p:cNvSpPr>
-          <p:nvPr>
-            <p:ph idx="1"/>
-          </p:nvPr>
-        </p:nvSpPr>
-        <p:spPr/>
-        <p:txBody>
-          <a:bodyPr/>
-          <a:lstStyle/>
-          <a:p>
-            <a:r>
-              <a:rPr lang="en-US" dirty="0"/>
-              <a:t>Topology augmentations defined for optical impairments of ROADMs</a:t>
-            </a:r>
-          </a:p>
-          <a:p>
-            <a:r>
-              <a:rPr lang="en-US" dirty="0"/>
-              <a:t>To be completed</a:t>
-            </a:r>
-          </a:p>
-        </p:txBody>
-      </p:sp>
-      <p:sp>
-        <p:nvSpPr>
-          <p:cNvPr id="4" name="Footer Placeholder 3">
-            <a:extLst>
-              <a:ext uri="{FF2B5EF4-FFF2-40B4-BE49-F238E27FC236}">
-                <a16:creationId xmlns:a16="http://schemas.microsoft.com/office/drawing/2014/main" id="{F00E6AD6-900F-4355-9541-00E46C374FA8}"/>
-              </a:ext>
-            </a:extLst>
-          </p:cNvPr>
-          <p:cNvSpPr>
-            <a:spLocks noGrp="1"/>
-          </p:cNvSpPr>
-          <p:nvPr>
-            <p:ph type="ftr" sz="quarter" idx="11"/>
-          </p:nvPr>
-        </p:nvSpPr>
-        <p:spPr/>
-        <p:txBody>
-          <a:bodyPr/>
-          <a:lstStyle/>
-          <a:p>
-            <a:r>
-              <a:rPr lang="en-US"/>
-              <a:t>IETF CCAMP WG Interim Meeting - May 14, 2020</a:t>
-            </a:r>
-          </a:p>
-        </p:txBody>
-      </p:sp>
-    </p:spTree>
-    <p:extLst>
-      <p:ext uri="{BB962C8B-B14F-4D97-AF65-F5344CB8AC3E}">
-        <p14:creationId xmlns:p14="http://schemas.microsoft.com/office/powerpoint/2010/main" val="654828672"/>
-      </p:ext>
-    </p:extLst>
-  </p:cSld>
-  <p:clrMapOvr>
-    <a:masterClrMapping/>
-  </p:clrMapOvr>
-</p:sld>
-</file>
-
-<file path=ppt/slides/slide4.xml><?xml version="1.0" encoding="utf-8"?>
-<p:sld xmlns:a="http://schemas.openxmlformats.org/drawingml/2006/main" xmlns:r="http://schemas.openxmlformats.org/officeDocument/2006/relationships" xmlns:p="http://schemas.openxmlformats.org/presentationml/2006/main">
-  <p:cSld>
-    <p:spTree>
-      <p:nvGrpSpPr>
-        <p:cNvPr id="1" name=""/>
-        <p:cNvGrpSpPr/>
-        <p:nvPr/>
-      </p:nvGrpSpPr>
-      <p:grpSpPr>
-        <a:xfrm>
-          <a:off x="0" y="0"/>
-          <a:ext cx="0" cy="0"/>
-          <a:chOff x="0" y="0"/>
-          <a:chExt cx="0" cy="0"/>
-        </a:xfrm>
-      </p:grpSpPr>
-      <p:sp>
-        <p:nvSpPr>
-          <p:cNvPr id="2" name="Title 1">
-            <a:extLst>
-              <a:ext uri="{FF2B5EF4-FFF2-40B4-BE49-F238E27FC236}">
-                <a16:creationId xmlns:a16="http://schemas.microsoft.com/office/drawing/2014/main" id="{85C5B221-C963-4E1E-9C56-8738C3038E09}"/>
-              </a:ext>
-            </a:extLst>
-          </p:cNvPr>
-          <p:cNvSpPr>
-            <a:spLocks noGrp="1"/>
-          </p:cNvSpPr>
-          <p:nvPr>
-            <p:ph type="title"/>
-          </p:nvPr>
-        </p:nvSpPr>
-        <p:spPr/>
-        <p:txBody>
-          <a:bodyPr>
-            <a:normAutofit/>
-          </a:bodyPr>
-          <a:lstStyle/>
-          <a:p>
-            <a:r>
-              <a:rPr lang="en-US" sz="4000" dirty="0"/>
-              <a:t>YANG model and draft on new CCAMP WG GitHub</a:t>
-            </a:r>
-            <a:br>
-              <a:rPr lang="en-US" sz="4000" dirty="0"/>
-            </a:br>
-            <a:r>
-              <a:rPr lang="en-US" sz="4000" dirty="0">
-                <a:hlinkClick r:id="rId2"/>
-              </a:rPr>
-              <a:t>https://github.com/ietf-ccamp-wg</a:t>
-            </a:r>
-            <a:endParaRPr lang="en-US" sz="4000" dirty="0"/>
-          </a:p>
-        </p:txBody>
-      </p:sp>
-      <p:sp>
-        <p:nvSpPr>
-          <p:cNvPr id="3" name="Content Placeholder 2">
-            <a:extLst>
-              <a:ext uri="{FF2B5EF4-FFF2-40B4-BE49-F238E27FC236}">
-                <a16:creationId xmlns:a16="http://schemas.microsoft.com/office/drawing/2014/main" id="{8C6E9F46-C3D1-4A97-AE3D-742DCE7826B3}"/>
-              </a:ext>
-            </a:extLst>
-          </p:cNvPr>
-          <p:cNvSpPr>
-            <a:spLocks noGrp="1"/>
-          </p:cNvSpPr>
-          <p:nvPr>
-            <p:ph idx="1"/>
-          </p:nvPr>
-        </p:nvSpPr>
-        <p:spPr/>
-        <p:txBody>
-          <a:bodyPr/>
-          <a:lstStyle/>
-          <a:p>
-            <a:r>
-              <a:rPr lang="en-US" dirty="0"/>
-              <a:t>New organizational GitHub account created for the CCAMP WG:</a:t>
-            </a:r>
-            <a:endParaRPr lang="en-US" dirty="0">
-              <a:latin typeface="+mj-lt"/>
-            </a:endParaRPr>
-          </a:p>
-          <a:p>
-            <a:endParaRPr lang="en-US" dirty="0"/>
-          </a:p>
-          <a:p>
-            <a:endParaRPr lang="en-US" dirty="0"/>
-          </a:p>
-        </p:txBody>
-      </p:sp>
-      <p:sp>
-        <p:nvSpPr>
-          <p:cNvPr id="4" name="Footer Placeholder 3">
-            <a:extLst>
-              <a:ext uri="{FF2B5EF4-FFF2-40B4-BE49-F238E27FC236}">
-                <a16:creationId xmlns:a16="http://schemas.microsoft.com/office/drawing/2014/main" id="{5735AA5A-6C6B-4E70-8A13-91FDE326B5AF}"/>
-              </a:ext>
-            </a:extLst>
-          </p:cNvPr>
-          <p:cNvSpPr>
-            <a:spLocks noGrp="1"/>
-          </p:cNvSpPr>
-          <p:nvPr>
-            <p:ph type="ftr" sz="quarter" idx="11"/>
-          </p:nvPr>
-        </p:nvSpPr>
-        <p:spPr/>
-        <p:txBody>
-          <a:bodyPr/>
-          <a:lstStyle/>
-          <a:p>
-            <a:r>
-              <a:rPr lang="en-US"/>
-              <a:t>IETF CCAMP WG Interim Meeting - May 14, 2020</a:t>
-            </a:r>
-            <a:endParaRPr lang="en-US" dirty="0"/>
-          </a:p>
-        </p:txBody>
-      </p:sp>
-    </p:spTree>
-    <p:extLst>
-      <p:ext uri="{BB962C8B-B14F-4D97-AF65-F5344CB8AC3E}">
-        <p14:creationId xmlns:p14="http://schemas.microsoft.com/office/powerpoint/2010/main" val="1329188614"/>
-      </p:ext>
-    </p:extLst>
-  </p:cSld>
-  <p:clrMapOvr>
-    <a:masterClrMapping/>
-  </p:clrMapOvr>
-</p:sld>
-</file>
-
-<file path=ppt/slides/slide5.xml><?xml version="1.0" encoding="utf-8"?>
-<p:sld xmlns:a="http://schemas.openxmlformats.org/drawingml/2006/main" xmlns:r="http://schemas.openxmlformats.org/officeDocument/2006/relationships" xmlns:p="http://schemas.openxmlformats.org/presentationml/2006/main">
-  <p:cSld>
-    <p:spTree>
-      <p:nvGrpSpPr>
-        <p:cNvPr id="1" name=""/>
-        <p:cNvGrpSpPr/>
-        <p:nvPr/>
-      </p:nvGrpSpPr>
-      <p:grpSpPr>
-        <a:xfrm>
-          <a:off x="0" y="0"/>
-          <a:ext cx="0" cy="0"/>
-          <a:chOff x="0" y="0"/>
-          <a:chExt cx="0" cy="0"/>
-        </a:xfrm>
-      </p:grpSpPr>
-      <p:sp>
-        <p:nvSpPr>
-          <p:cNvPr id="2" name="Title 1">
-            <a:extLst>
-              <a:ext uri="{FF2B5EF4-FFF2-40B4-BE49-F238E27FC236}">
-                <a16:creationId xmlns:a16="http://schemas.microsoft.com/office/drawing/2014/main" id="{E7CC60B1-D754-4045-8625-4EF1C1E0B4AF}"/>
-              </a:ext>
-            </a:extLst>
-          </p:cNvPr>
-          <p:cNvSpPr>
-            <a:spLocks noGrp="1"/>
-          </p:cNvSpPr>
-          <p:nvPr>
-            <p:ph type="title"/>
-          </p:nvPr>
-        </p:nvSpPr>
-        <p:spPr/>
-        <p:txBody>
-          <a:bodyPr>
-            <a:normAutofit/>
-          </a:bodyPr>
-          <a:lstStyle/>
-          <a:p>
-            <a:r>
-              <a:rPr lang="en-US" dirty="0"/>
-              <a:t>Open Issues - listed on GitHub</a:t>
-            </a:r>
-            <a:br>
-              <a:rPr lang="en-US" dirty="0"/>
-            </a:br>
-            <a:r>
-              <a:rPr lang="en-US" sz="2000" dirty="0">
-                <a:hlinkClick r:id="rId2"/>
-              </a:rPr>
-              <a:t>https://github.com/ietf-ccamp-wg/draft-ietf-ccamp-optical-impairment-topology-yang/issues</a:t>
-            </a:r>
-            <a:endParaRPr lang="en-US" dirty="0"/>
-          </a:p>
-        </p:txBody>
-      </p:sp>
-      <p:sp>
-        <p:nvSpPr>
-          <p:cNvPr id="4" name="Footer Placeholder 3">
-            <a:extLst>
-              <a:ext uri="{FF2B5EF4-FFF2-40B4-BE49-F238E27FC236}">
-                <a16:creationId xmlns:a16="http://schemas.microsoft.com/office/drawing/2014/main" id="{CF0547AA-617F-45F4-BCD2-1BEE9B1B549C}"/>
-              </a:ext>
-            </a:extLst>
-          </p:cNvPr>
-          <p:cNvSpPr>
-            <a:spLocks noGrp="1"/>
-          </p:cNvSpPr>
-          <p:nvPr>
-            <p:ph type="ftr" sz="quarter" idx="11"/>
-          </p:nvPr>
-        </p:nvSpPr>
-        <p:spPr/>
-        <p:txBody>
-          <a:bodyPr/>
-          <a:lstStyle/>
-          <a:p>
-            <a:r>
-              <a:rPr lang="en-US"/>
-              <a:t>IETF CCAMP WG Interim Meeting - May 14, 2020</a:t>
-            </a:r>
-          </a:p>
-        </p:txBody>
-      </p:sp>
-    </p:spTree>
-    <p:extLst>
-      <p:ext uri="{BB962C8B-B14F-4D97-AF65-F5344CB8AC3E}">
-        <p14:creationId xmlns:p14="http://schemas.microsoft.com/office/powerpoint/2010/main" val="2779676597"/>
-      </p:ext>
-    </p:extLst>
-  </p:cSld>
-  <p:clrMapOvr>
-    <a:masterClrMapping/>
-  </p:clrMapOvr>
-</p:sld>
-</file>
-
-<file path=ppt/slides/slide6.xml><?xml version="1.0" encoding="utf-8"?>
+<file path=ppt/slides/slide10.xml><?xml version="1.0" encoding="utf-8"?>
 <p:sld xmlns:a="http://schemas.openxmlformats.org/drawingml/2006/main" xmlns:r="http://schemas.openxmlformats.org/officeDocument/2006/relationships" xmlns:p="http://schemas.openxmlformats.org/presentationml/2006/main">
   <p:cSld>
     <p:spTree>
@@ -4866,7 +4852,7 @@
           <a:lstStyle/>
           <a:p>
             <a:r>
-              <a:rPr lang="en-US" dirty="0"/>
+              <a:rPr lang="en-US"/>
               <a:t>Next Steps</a:t>
             </a:r>
           </a:p>
@@ -4902,7 +4888,30 @@
           <a:p>
             <a:r>
               <a:rPr lang="en-US" dirty="0"/>
-              <a:t>TBA</a:t>
+              <a:t>Completion of layer0-types-ext for transponders</a:t>
+            </a:r>
+          </a:p>
+          <a:p>
+            <a:pPr lvl="1"/>
+            <a:r>
+              <a:rPr lang="en-US" dirty="0"/>
+              <a:t>Joint effort with authors of draft-</a:t>
+            </a:r>
+            <a:r>
+              <a:rPr lang="en-US" dirty="0" err="1"/>
+              <a:t>ietf</a:t>
+            </a:r>
+            <a:r>
+              <a:rPr lang="en-US" dirty="0"/>
+              <a:t>-ccamp-</a:t>
+            </a:r>
+            <a:r>
+              <a:rPr lang="en-US" dirty="0" err="1"/>
+              <a:t>dwdm</a:t>
+            </a:r>
+            <a:r>
+              <a:rPr lang="en-US" dirty="0"/>
+              <a:t>-if-param-yang</a:t>
             </a:r>
           </a:p>
           <a:p>
@@ -4912,7 +4921,24 @@
           <a:p>
             <a:r>
               <a:rPr lang="en-US" dirty="0"/>
-              <a:t>Modeling of 3R regenerators</a:t>
+              <a:t>Completion of optical transponder modeling revision</a:t>
+            </a:r>
+            <a:br>
+              <a:rPr lang="en-US" dirty="0"/>
+            </a:br>
+            <a:r>
+              <a:rPr lang="en-US" dirty="0"/>
+              <a:t>based on layer0-types-ext</a:t>
+            </a:r>
+          </a:p>
+          <a:p>
+            <a:pPr lvl="1"/>
+            <a:endParaRPr lang="en-US" dirty="0"/>
+          </a:p>
+          <a:p>
+            <a:r>
+              <a:rPr lang="en-US" dirty="0"/>
+              <a:t>Modeling of 3R regenerators based on optical transponder model</a:t>
             </a:r>
           </a:p>
           <a:p>
@@ -4973,7 +4999,7 @@
 </p:sld>
 </file>
 
-<file path=ppt/slides/slide7.xml><?xml version="1.0" encoding="utf-8"?>
+<file path=ppt/slides/slide11.xml><?xml version="1.0" encoding="utf-8"?>
 <p:sld xmlns:a="http://schemas.openxmlformats.org/drawingml/2006/main" xmlns:r="http://schemas.openxmlformats.org/officeDocument/2006/relationships" xmlns:p="http://schemas.openxmlformats.org/presentationml/2006/main">
   <p:cSld>
     <p:bg>
@@ -5222,6 +5248,6930 @@
     <p:extLst>
       <p:ext uri="{BB962C8B-B14F-4D97-AF65-F5344CB8AC3E}">
         <p14:creationId xmlns:p14="http://schemas.microsoft.com/office/powerpoint/2010/main" val="1578820082"/>
+      </p:ext>
+    </p:extLst>
+  </p:cSld>
+  <p:clrMapOvr>
+    <a:masterClrMapping/>
+  </p:clrMapOvr>
+</p:sld>
+</file>
+
+<file path=ppt/slides/slide2.xml><?xml version="1.0" encoding="utf-8"?>
+<p:sld xmlns:a="http://schemas.openxmlformats.org/drawingml/2006/main" xmlns:r="http://schemas.openxmlformats.org/officeDocument/2006/relationships" xmlns:p="http://schemas.openxmlformats.org/presentationml/2006/main">
+  <p:cSld>
+    <p:spTree>
+      <p:nvGrpSpPr>
+        <p:cNvPr id="1" name=""/>
+        <p:cNvGrpSpPr/>
+        <p:nvPr/>
+      </p:nvGrpSpPr>
+      <p:grpSpPr>
+        <a:xfrm>
+          <a:off x="0" y="0"/>
+          <a:ext cx="0" cy="0"/>
+          <a:chOff x="0" y="0"/>
+          <a:chExt cx="0" cy="0"/>
+        </a:xfrm>
+      </p:grpSpPr>
+      <p:sp>
+        <p:nvSpPr>
+          <p:cNvPr id="2" name="Title 1">
+            <a:extLst>
+              <a:ext uri="{FF2B5EF4-FFF2-40B4-BE49-F238E27FC236}">
+                <a16:creationId xmlns:a16="http://schemas.microsoft.com/office/drawing/2014/main" id="{EB3E31FD-1C2F-48A6-AB51-148D4276F8C0}"/>
+              </a:ext>
+            </a:extLst>
+          </p:cNvPr>
+          <p:cNvSpPr>
+            <a:spLocks noGrp="1"/>
+          </p:cNvSpPr>
+          <p:nvPr>
+            <p:ph type="title"/>
+          </p:nvPr>
+        </p:nvSpPr>
+        <p:spPr/>
+        <p:txBody>
+          <a:bodyPr/>
+          <a:lstStyle/>
+          <a:p>
+            <a:r>
+              <a:rPr lang="en-US" dirty="0"/>
+              <a:t>Major Activities since IETF 106</a:t>
+            </a:r>
+          </a:p>
+        </p:txBody>
+      </p:sp>
+      <p:sp>
+        <p:nvSpPr>
+          <p:cNvPr id="3" name="Content Placeholder 2">
+            <a:extLst>
+              <a:ext uri="{FF2B5EF4-FFF2-40B4-BE49-F238E27FC236}">
+                <a16:creationId xmlns:a16="http://schemas.microsoft.com/office/drawing/2014/main" id="{BD50841F-A6DC-4789-9872-9F341CF41FC7}"/>
+              </a:ext>
+            </a:extLst>
+          </p:cNvPr>
+          <p:cNvSpPr>
+            <a:spLocks noGrp="1"/>
+          </p:cNvSpPr>
+          <p:nvPr>
+            <p:ph idx="1"/>
+          </p:nvPr>
+        </p:nvSpPr>
+        <p:spPr/>
+        <p:txBody>
+          <a:bodyPr>
+            <a:normAutofit lnSpcReduction="10000"/>
+          </a:bodyPr>
+          <a:lstStyle/>
+          <a:p>
+            <a:r>
+              <a:rPr lang="en-US" dirty="0"/>
+              <a:t>Weekly CCAMP WebEx meetings (Thu, 4-5pm CEST)</a:t>
+            </a:r>
+          </a:p>
+          <a:p>
+            <a:r>
+              <a:rPr lang="en-US" dirty="0"/>
+              <a:t>Topics addressed:</a:t>
+            </a:r>
+          </a:p>
+          <a:p>
+            <a:pPr lvl="1"/>
+            <a:r>
+              <a:rPr lang="en-US" dirty="0"/>
+              <a:t>ROADM model:</a:t>
+            </a:r>
+          </a:p>
+          <a:p>
+            <a:pPr lvl="2"/>
+            <a:r>
+              <a:rPr lang="en-US" dirty="0"/>
+              <a:t>YANG model augmentations for optical impairments imposed by ROADMs added</a:t>
+            </a:r>
+          </a:p>
+          <a:p>
+            <a:pPr lvl="3"/>
+            <a:r>
+              <a:rPr lang="en-US" dirty="0"/>
+              <a:t>3 paths identified: express path (pass-through), add path, and drop path</a:t>
+            </a:r>
+          </a:p>
+          <a:p>
+            <a:pPr lvl="3"/>
+            <a:r>
+              <a:rPr lang="en-US" dirty="0"/>
+              <a:t>connectivity-matrices  and local-link-</a:t>
+            </a:r>
+            <a:r>
+              <a:rPr lang="en-US" dirty="0" err="1"/>
+              <a:t>connectivities</a:t>
+            </a:r>
+            <a:r>
+              <a:rPr lang="en-US" dirty="0"/>
+              <a:t> of </a:t>
+            </a:r>
+            <a:r>
+              <a:rPr lang="en-US" dirty="0" err="1"/>
+              <a:t>te</a:t>
+            </a:r>
+            <a:r>
+              <a:rPr lang="en-US" dirty="0"/>
+              <a:t>-topology augmented</a:t>
+            </a:r>
+            <a:br>
+              <a:rPr lang="en-US" dirty="0"/>
+            </a:br>
+            <a:r>
+              <a:rPr lang="en-US" dirty="0"/>
+              <a:t>referencing an </a:t>
+            </a:r>
+            <a:r>
+              <a:rPr lang="en-US" dirty="0" err="1"/>
+              <a:t>roadm</a:t>
+            </a:r>
+            <a:r>
+              <a:rPr lang="en-US" dirty="0"/>
+              <a:t>-path-impairments list entry</a:t>
+            </a:r>
+          </a:p>
+          <a:p>
+            <a:pPr lvl="1"/>
+            <a:r>
+              <a:rPr lang="en-US" dirty="0"/>
+              <a:t>Current focus: revision of optical transponder model</a:t>
+            </a:r>
+            <a:br>
+              <a:rPr lang="en-US" dirty="0"/>
+            </a:br>
+            <a:r>
+              <a:rPr lang="en-US" dirty="0"/>
+              <a:t>(topological layer 0 aspects)</a:t>
+            </a:r>
+          </a:p>
+          <a:p>
+            <a:pPr lvl="2"/>
+            <a:r>
+              <a:rPr lang="en-US" dirty="0"/>
+              <a:t>typedefs, </a:t>
+            </a:r>
+            <a:r>
+              <a:rPr lang="en-US" dirty="0" err="1"/>
+              <a:t>identityrefs</a:t>
+            </a:r>
+            <a:r>
+              <a:rPr lang="en-US" dirty="0"/>
+              <a:t>, and groupings in layer0-types-ext </a:t>
+            </a:r>
+          </a:p>
+          <a:p>
+            <a:pPr lvl="1"/>
+            <a:r>
+              <a:rPr lang="en-US" dirty="0"/>
+              <a:t>Modeling 3R regenerators – task parked – task will be resumed</a:t>
+            </a:r>
+            <a:br>
+              <a:rPr lang="en-US" dirty="0"/>
+            </a:br>
+            <a:r>
+              <a:rPr lang="en-US" dirty="0"/>
+              <a:t>when optical transponder model will have been completed</a:t>
+            </a:r>
+          </a:p>
+        </p:txBody>
+      </p:sp>
+      <p:sp>
+        <p:nvSpPr>
+          <p:cNvPr id="4" name="Footer Placeholder 3">
+            <a:extLst>
+              <a:ext uri="{FF2B5EF4-FFF2-40B4-BE49-F238E27FC236}">
+                <a16:creationId xmlns:a16="http://schemas.microsoft.com/office/drawing/2014/main" id="{F00E6AD6-900F-4355-9541-00E46C374FA8}"/>
+              </a:ext>
+            </a:extLst>
+          </p:cNvPr>
+          <p:cNvSpPr>
+            <a:spLocks noGrp="1"/>
+          </p:cNvSpPr>
+          <p:nvPr>
+            <p:ph type="ftr" sz="quarter" idx="11"/>
+          </p:nvPr>
+        </p:nvSpPr>
+        <p:spPr/>
+        <p:txBody>
+          <a:bodyPr/>
+          <a:lstStyle/>
+          <a:p>
+            <a:r>
+              <a:rPr lang="en-US"/>
+              <a:t>IETF CCAMP WG Interim Meeting - May 14, 2020</a:t>
+            </a:r>
+          </a:p>
+        </p:txBody>
+      </p:sp>
+    </p:spTree>
+    <p:extLst>
+      <p:ext uri="{BB962C8B-B14F-4D97-AF65-F5344CB8AC3E}">
+        <p14:creationId xmlns:p14="http://schemas.microsoft.com/office/powerpoint/2010/main" val="3211284502"/>
+      </p:ext>
+    </p:extLst>
+  </p:cSld>
+  <p:clrMapOvr>
+    <a:masterClrMapping/>
+  </p:clrMapOvr>
+</p:sld>
+</file>
+
+<file path=ppt/slides/slide3.xml><?xml version="1.0" encoding="utf-8"?>
+<p:sld xmlns:a="http://schemas.openxmlformats.org/drawingml/2006/main" xmlns:r="http://schemas.openxmlformats.org/officeDocument/2006/relationships" xmlns:p="http://schemas.openxmlformats.org/presentationml/2006/main">
+  <p:cSld>
+    <p:spTree>
+      <p:nvGrpSpPr>
+        <p:cNvPr id="1" name=""/>
+        <p:cNvGrpSpPr/>
+        <p:nvPr/>
+      </p:nvGrpSpPr>
+      <p:grpSpPr>
+        <a:xfrm>
+          <a:off x="0" y="0"/>
+          <a:ext cx="0" cy="0"/>
+          <a:chOff x="0" y="0"/>
+          <a:chExt cx="0" cy="0"/>
+        </a:xfrm>
+      </p:grpSpPr>
+      <p:sp>
+        <p:nvSpPr>
+          <p:cNvPr id="5" name="Title 4">
+            <a:extLst>
+              <a:ext uri="{FF2B5EF4-FFF2-40B4-BE49-F238E27FC236}">
+                <a16:creationId xmlns:a16="http://schemas.microsoft.com/office/drawing/2014/main" id="{5922DB26-48D8-46CE-8E95-B234FB4828F4}"/>
+              </a:ext>
+            </a:extLst>
+          </p:cNvPr>
+          <p:cNvSpPr>
+            <a:spLocks noGrp="1"/>
+          </p:cNvSpPr>
+          <p:nvPr>
+            <p:ph type="title"/>
+          </p:nvPr>
+        </p:nvSpPr>
+        <p:spPr/>
+        <p:txBody>
+          <a:bodyPr/>
+          <a:lstStyle/>
+          <a:p>
+            <a:r>
+              <a:rPr lang="en-US" dirty="0"/>
+              <a:t>IETF 106 recap: ROADM modeling:</a:t>
+            </a:r>
+            <a:br>
+              <a:rPr lang="en-US" dirty="0"/>
+            </a:br>
+            <a:r>
+              <a:rPr lang="en-US" dirty="0">
+                <a:solidFill>
+                  <a:srgbClr val="FF0000"/>
+                </a:solidFill>
+              </a:rPr>
+              <a:t>express path</a:t>
+            </a:r>
+            <a:r>
+              <a:rPr lang="en-US" dirty="0"/>
+              <a:t>, </a:t>
+            </a:r>
+            <a:r>
+              <a:rPr lang="en-US" dirty="0">
+                <a:solidFill>
+                  <a:srgbClr val="00B050"/>
+                </a:solidFill>
+              </a:rPr>
+              <a:t>add path</a:t>
+            </a:r>
+            <a:r>
+              <a:rPr lang="en-US" dirty="0"/>
+              <a:t>, </a:t>
+            </a:r>
+            <a:r>
+              <a:rPr lang="en-US" dirty="0">
+                <a:solidFill>
+                  <a:srgbClr val="7030A0"/>
+                </a:solidFill>
+              </a:rPr>
+              <a:t>drop path</a:t>
+            </a:r>
+            <a:endParaRPr lang="en-US" dirty="0"/>
+          </a:p>
+        </p:txBody>
+      </p:sp>
+      <p:sp>
+        <p:nvSpPr>
+          <p:cNvPr id="4" name="Footer Placeholder 3">
+            <a:extLst>
+              <a:ext uri="{FF2B5EF4-FFF2-40B4-BE49-F238E27FC236}">
+                <a16:creationId xmlns:a16="http://schemas.microsoft.com/office/drawing/2014/main" id="{D8954464-7F74-4812-863E-AE2EA72FDEDF}"/>
+              </a:ext>
+            </a:extLst>
+          </p:cNvPr>
+          <p:cNvSpPr>
+            <a:spLocks noGrp="1"/>
+          </p:cNvSpPr>
+          <p:nvPr>
+            <p:ph type="ftr" sz="quarter" idx="11"/>
+          </p:nvPr>
+        </p:nvSpPr>
+        <p:spPr/>
+        <p:txBody>
+          <a:bodyPr/>
+          <a:lstStyle/>
+          <a:p>
+            <a:r>
+              <a:rPr lang="en-US"/>
+              <a:t>IETF CCAMP WG Interim Meeting - May 14, 2020</a:t>
+            </a:r>
+          </a:p>
+        </p:txBody>
+      </p:sp>
+      <p:cxnSp>
+        <p:nvCxnSpPr>
+          <p:cNvPr id="39" name="Straight Connector 38">
+            <a:extLst>
+              <a:ext uri="{FF2B5EF4-FFF2-40B4-BE49-F238E27FC236}">
+                <a16:creationId xmlns:a16="http://schemas.microsoft.com/office/drawing/2014/main" id="{0DD53D0B-E2B7-4E79-8C0C-CA2F61AE7E94}"/>
+              </a:ext>
+            </a:extLst>
+          </p:cNvPr>
+          <p:cNvCxnSpPr>
+            <a:cxnSpLocks/>
+          </p:cNvCxnSpPr>
+          <p:nvPr/>
+        </p:nvCxnSpPr>
+        <p:spPr>
+          <a:xfrm>
+            <a:off x="4562384" y="5321461"/>
+            <a:ext cx="0" cy="402666"/>
+          </a:xfrm>
+          <a:prstGeom prst="line">
+            <a:avLst/>
+          </a:prstGeom>
+          <a:ln w="25400">
+            <a:solidFill>
+              <a:schemeClr val="tx1">
+                <a:lumMod val="50000"/>
+                <a:lumOff val="50000"/>
+              </a:schemeClr>
+            </a:solidFill>
+          </a:ln>
+        </p:spPr>
+        <p:style>
+          <a:lnRef idx="1">
+            <a:schemeClr val="accent1"/>
+          </a:lnRef>
+          <a:fillRef idx="0">
+            <a:schemeClr val="accent1"/>
+          </a:fillRef>
+          <a:effectRef idx="0">
+            <a:schemeClr val="accent1"/>
+          </a:effectRef>
+          <a:fontRef idx="minor">
+            <a:schemeClr val="tx1"/>
+          </a:fontRef>
+        </p:style>
+      </p:cxnSp>
+      <p:cxnSp>
+        <p:nvCxnSpPr>
+          <p:cNvPr id="40" name="Straight Connector 39">
+            <a:extLst>
+              <a:ext uri="{FF2B5EF4-FFF2-40B4-BE49-F238E27FC236}">
+                <a16:creationId xmlns:a16="http://schemas.microsoft.com/office/drawing/2014/main" id="{0F6B63ED-EB8A-40F7-B837-2B238B2D5DBB}"/>
+              </a:ext>
+            </a:extLst>
+          </p:cNvPr>
+          <p:cNvCxnSpPr>
+            <a:cxnSpLocks/>
+          </p:cNvCxnSpPr>
+          <p:nvPr/>
+        </p:nvCxnSpPr>
+        <p:spPr>
+          <a:xfrm>
+            <a:off x="4759234" y="5321461"/>
+            <a:ext cx="0" cy="402666"/>
+          </a:xfrm>
+          <a:prstGeom prst="line">
+            <a:avLst/>
+          </a:prstGeom>
+          <a:ln w="25400">
+            <a:solidFill>
+              <a:schemeClr val="tx1">
+                <a:lumMod val="50000"/>
+                <a:lumOff val="50000"/>
+              </a:schemeClr>
+            </a:solidFill>
+          </a:ln>
+        </p:spPr>
+        <p:style>
+          <a:lnRef idx="1">
+            <a:schemeClr val="accent1"/>
+          </a:lnRef>
+          <a:fillRef idx="0">
+            <a:schemeClr val="accent1"/>
+          </a:fillRef>
+          <a:effectRef idx="0">
+            <a:schemeClr val="accent1"/>
+          </a:effectRef>
+          <a:fontRef idx="minor">
+            <a:schemeClr val="tx1"/>
+          </a:fontRef>
+        </p:style>
+      </p:cxnSp>
+      <p:cxnSp>
+        <p:nvCxnSpPr>
+          <p:cNvPr id="41" name="Straight Connector 40">
+            <a:extLst>
+              <a:ext uri="{FF2B5EF4-FFF2-40B4-BE49-F238E27FC236}">
+                <a16:creationId xmlns:a16="http://schemas.microsoft.com/office/drawing/2014/main" id="{3591577D-196A-48D4-A0C2-68EB31B64578}"/>
+              </a:ext>
+            </a:extLst>
+          </p:cNvPr>
+          <p:cNvCxnSpPr>
+            <a:cxnSpLocks/>
+          </p:cNvCxnSpPr>
+          <p:nvPr/>
+        </p:nvCxnSpPr>
+        <p:spPr>
+          <a:xfrm>
+            <a:off x="5878855" y="5321461"/>
+            <a:ext cx="0" cy="402666"/>
+          </a:xfrm>
+          <a:prstGeom prst="line">
+            <a:avLst/>
+          </a:prstGeom>
+          <a:ln w="25400">
+            <a:solidFill>
+              <a:schemeClr val="tx1">
+                <a:lumMod val="50000"/>
+                <a:lumOff val="50000"/>
+              </a:schemeClr>
+            </a:solidFill>
+          </a:ln>
+        </p:spPr>
+        <p:style>
+          <a:lnRef idx="1">
+            <a:schemeClr val="accent1"/>
+          </a:lnRef>
+          <a:fillRef idx="0">
+            <a:schemeClr val="accent1"/>
+          </a:fillRef>
+          <a:effectRef idx="0">
+            <a:schemeClr val="accent1"/>
+          </a:effectRef>
+          <a:fontRef idx="minor">
+            <a:schemeClr val="tx1"/>
+          </a:fontRef>
+        </p:style>
+      </p:cxnSp>
+      <p:grpSp>
+        <p:nvGrpSpPr>
+          <p:cNvPr id="42" name="Group 41">
+            <a:extLst>
+              <a:ext uri="{FF2B5EF4-FFF2-40B4-BE49-F238E27FC236}">
+                <a16:creationId xmlns:a16="http://schemas.microsoft.com/office/drawing/2014/main" id="{79ACA464-BA30-4D8F-9488-4DB0207D6409}"/>
+              </a:ext>
+            </a:extLst>
+          </p:cNvPr>
+          <p:cNvGrpSpPr/>
+          <p:nvPr/>
+        </p:nvGrpSpPr>
+        <p:grpSpPr>
+          <a:xfrm>
+            <a:off x="1493574" y="1951639"/>
+            <a:ext cx="7558933" cy="4143759"/>
+            <a:chOff x="2269181" y="1912293"/>
+            <a:chExt cx="7558933" cy="4143759"/>
+          </a:xfrm>
+        </p:grpSpPr>
+        <p:grpSp>
+          <p:nvGrpSpPr>
+            <p:cNvPr id="43" name="Group 42">
+              <a:extLst>
+                <a:ext uri="{FF2B5EF4-FFF2-40B4-BE49-F238E27FC236}">
+                  <a16:creationId xmlns:a16="http://schemas.microsoft.com/office/drawing/2014/main" id="{A3F2F050-18A0-4EE9-861B-1BB046A05CBE}"/>
+                </a:ext>
+              </a:extLst>
+            </p:cNvPr>
+            <p:cNvGrpSpPr/>
+            <p:nvPr/>
+          </p:nvGrpSpPr>
+          <p:grpSpPr>
+            <a:xfrm>
+              <a:off x="3597454" y="2896952"/>
+              <a:ext cx="3890683" cy="224558"/>
+              <a:chOff x="3083859" y="3317875"/>
+              <a:chExt cx="3890683" cy="224558"/>
+            </a:xfrm>
+          </p:grpSpPr>
+          <p:cxnSp>
+            <p:nvCxnSpPr>
+              <p:cNvPr id="68" name="Straight Connector 67">
+                <a:extLst>
+                  <a:ext uri="{FF2B5EF4-FFF2-40B4-BE49-F238E27FC236}">
+                    <a16:creationId xmlns:a16="http://schemas.microsoft.com/office/drawing/2014/main" id="{E3459A1B-F0DF-4A5B-A61E-B9D0A217B949}"/>
+                  </a:ext>
+                </a:extLst>
+              </p:cNvPr>
+              <p:cNvCxnSpPr>
+                <a:cxnSpLocks/>
+              </p:cNvCxnSpPr>
+              <p:nvPr/>
+            </p:nvCxnSpPr>
+            <p:spPr>
+              <a:xfrm flipH="1">
+                <a:off x="3083859" y="3317875"/>
+                <a:ext cx="998072" cy="0"/>
+              </a:xfrm>
+              <a:prstGeom prst="line">
+                <a:avLst/>
+              </a:prstGeom>
+              <a:ln w="38100">
+                <a:solidFill>
+                  <a:srgbClr val="FF0000"/>
+                </a:solidFill>
+              </a:ln>
+            </p:spPr>
+            <p:style>
+              <a:lnRef idx="1">
+                <a:schemeClr val="accent1"/>
+              </a:lnRef>
+              <a:fillRef idx="0">
+                <a:schemeClr val="accent1"/>
+              </a:fillRef>
+              <a:effectRef idx="0">
+                <a:schemeClr val="accent1"/>
+              </a:effectRef>
+              <a:fontRef idx="minor">
+                <a:schemeClr val="tx1"/>
+              </a:fontRef>
+            </p:style>
+          </p:cxnSp>
+          <p:cxnSp>
+            <p:nvCxnSpPr>
+              <p:cNvPr id="69" name="Straight Connector 68">
+                <a:extLst>
+                  <a:ext uri="{FF2B5EF4-FFF2-40B4-BE49-F238E27FC236}">
+                    <a16:creationId xmlns:a16="http://schemas.microsoft.com/office/drawing/2014/main" id="{7AEE86A2-9B68-4C6F-B168-6998CC2F2AEA}"/>
+                  </a:ext>
+                </a:extLst>
+              </p:cNvPr>
+              <p:cNvCxnSpPr>
+                <a:cxnSpLocks/>
+              </p:cNvCxnSpPr>
+              <p:nvPr/>
+            </p:nvCxnSpPr>
+            <p:spPr>
+              <a:xfrm flipH="1">
+                <a:off x="3083859" y="3497523"/>
+                <a:ext cx="998072" cy="0"/>
+              </a:xfrm>
+              <a:prstGeom prst="line">
+                <a:avLst/>
+              </a:prstGeom>
+              <a:ln w="38100">
+                <a:solidFill>
+                  <a:srgbClr val="0000FF"/>
+                </a:solidFill>
+              </a:ln>
+            </p:spPr>
+            <p:style>
+              <a:lnRef idx="1">
+                <a:schemeClr val="accent1"/>
+              </a:lnRef>
+              <a:fillRef idx="0">
+                <a:schemeClr val="accent1"/>
+              </a:fillRef>
+              <a:effectRef idx="0">
+                <a:schemeClr val="accent1"/>
+              </a:effectRef>
+              <a:fontRef idx="minor">
+                <a:schemeClr val="tx1"/>
+              </a:fontRef>
+            </p:style>
+          </p:cxnSp>
+          <p:cxnSp>
+            <p:nvCxnSpPr>
+              <p:cNvPr id="70" name="Straight Connector 69">
+                <a:extLst>
+                  <a:ext uri="{FF2B5EF4-FFF2-40B4-BE49-F238E27FC236}">
+                    <a16:creationId xmlns:a16="http://schemas.microsoft.com/office/drawing/2014/main" id="{AFC9E97D-B293-4918-83B9-4555946BBE3C}"/>
+                  </a:ext>
+                </a:extLst>
+              </p:cNvPr>
+              <p:cNvCxnSpPr>
+                <a:cxnSpLocks/>
+              </p:cNvCxnSpPr>
+              <p:nvPr/>
+            </p:nvCxnSpPr>
+            <p:spPr>
+              <a:xfrm flipH="1">
+                <a:off x="3083859" y="3407699"/>
+                <a:ext cx="998072" cy="0"/>
+              </a:xfrm>
+              <a:prstGeom prst="line">
+                <a:avLst/>
+              </a:prstGeom>
+              <a:ln w="38100">
+                <a:solidFill>
+                  <a:srgbClr val="FFFF00"/>
+                </a:solidFill>
+              </a:ln>
+            </p:spPr>
+            <p:style>
+              <a:lnRef idx="1">
+                <a:schemeClr val="accent1"/>
+              </a:lnRef>
+              <a:fillRef idx="0">
+                <a:schemeClr val="accent1"/>
+              </a:fillRef>
+              <a:effectRef idx="0">
+                <a:schemeClr val="accent1"/>
+              </a:effectRef>
+              <a:fontRef idx="minor">
+                <a:schemeClr val="tx1"/>
+              </a:fontRef>
+            </p:style>
+          </p:cxnSp>
+          <p:cxnSp>
+            <p:nvCxnSpPr>
+              <p:cNvPr id="71" name="Straight Connector 70">
+                <a:extLst>
+                  <a:ext uri="{FF2B5EF4-FFF2-40B4-BE49-F238E27FC236}">
+                    <a16:creationId xmlns:a16="http://schemas.microsoft.com/office/drawing/2014/main" id="{2A1F4E69-3ABB-4CA3-AE20-8A49C651F534}"/>
+                  </a:ext>
+                </a:extLst>
+              </p:cNvPr>
+              <p:cNvCxnSpPr>
+                <a:cxnSpLocks/>
+              </p:cNvCxnSpPr>
+              <p:nvPr/>
+            </p:nvCxnSpPr>
+            <p:spPr>
+              <a:xfrm flipH="1">
+                <a:off x="3083859" y="3452611"/>
+                <a:ext cx="998072" cy="0"/>
+              </a:xfrm>
+              <a:prstGeom prst="line">
+                <a:avLst/>
+              </a:prstGeom>
+              <a:ln w="38100">
+                <a:solidFill>
+                  <a:srgbClr val="33CC33"/>
+                </a:solidFill>
+              </a:ln>
+            </p:spPr>
+            <p:style>
+              <a:lnRef idx="1">
+                <a:schemeClr val="accent1"/>
+              </a:lnRef>
+              <a:fillRef idx="0">
+                <a:schemeClr val="accent1"/>
+              </a:fillRef>
+              <a:effectRef idx="0">
+                <a:schemeClr val="accent1"/>
+              </a:effectRef>
+              <a:fontRef idx="minor">
+                <a:schemeClr val="tx1"/>
+              </a:fontRef>
+            </p:style>
+          </p:cxnSp>
+          <p:cxnSp>
+            <p:nvCxnSpPr>
+              <p:cNvPr id="72" name="Straight Connector 71">
+                <a:extLst>
+                  <a:ext uri="{FF2B5EF4-FFF2-40B4-BE49-F238E27FC236}">
+                    <a16:creationId xmlns:a16="http://schemas.microsoft.com/office/drawing/2014/main" id="{34EEB7EA-3725-437A-B423-6316467AD694}"/>
+                  </a:ext>
+                </a:extLst>
+              </p:cNvPr>
+              <p:cNvCxnSpPr>
+                <a:cxnSpLocks/>
+              </p:cNvCxnSpPr>
+              <p:nvPr/>
+            </p:nvCxnSpPr>
+            <p:spPr>
+              <a:xfrm flipH="1">
+                <a:off x="3083859" y="3362787"/>
+                <a:ext cx="998072" cy="0"/>
+              </a:xfrm>
+              <a:prstGeom prst="line">
+                <a:avLst/>
+              </a:prstGeom>
+              <a:ln w="38100">
+                <a:solidFill>
+                  <a:srgbClr val="FFC000"/>
+                </a:solidFill>
+              </a:ln>
+            </p:spPr>
+            <p:style>
+              <a:lnRef idx="1">
+                <a:schemeClr val="accent1"/>
+              </a:lnRef>
+              <a:fillRef idx="0">
+                <a:schemeClr val="accent1"/>
+              </a:fillRef>
+              <a:effectRef idx="0">
+                <a:schemeClr val="accent1"/>
+              </a:effectRef>
+              <a:fontRef idx="minor">
+                <a:schemeClr val="tx1"/>
+              </a:fontRef>
+            </p:style>
+          </p:cxnSp>
+          <p:cxnSp>
+            <p:nvCxnSpPr>
+              <p:cNvPr id="73" name="Straight Connector 72">
+                <a:extLst>
+                  <a:ext uri="{FF2B5EF4-FFF2-40B4-BE49-F238E27FC236}">
+                    <a16:creationId xmlns:a16="http://schemas.microsoft.com/office/drawing/2014/main" id="{CF95F923-7061-4948-B0B8-AEE8BAAF2F0B}"/>
+                  </a:ext>
+                </a:extLst>
+              </p:cNvPr>
+              <p:cNvCxnSpPr>
+                <a:cxnSpLocks/>
+              </p:cNvCxnSpPr>
+              <p:nvPr/>
+            </p:nvCxnSpPr>
+            <p:spPr>
+              <a:xfrm flipH="1">
+                <a:off x="3083859" y="3542433"/>
+                <a:ext cx="998072" cy="0"/>
+              </a:xfrm>
+              <a:prstGeom prst="line">
+                <a:avLst/>
+              </a:prstGeom>
+              <a:ln w="38100">
+                <a:solidFill>
+                  <a:srgbClr val="6600CC"/>
+                </a:solidFill>
+              </a:ln>
+            </p:spPr>
+            <p:style>
+              <a:lnRef idx="1">
+                <a:schemeClr val="accent1"/>
+              </a:lnRef>
+              <a:fillRef idx="0">
+                <a:schemeClr val="accent1"/>
+              </a:fillRef>
+              <a:effectRef idx="0">
+                <a:schemeClr val="accent1"/>
+              </a:effectRef>
+              <a:fontRef idx="minor">
+                <a:schemeClr val="tx1"/>
+              </a:fontRef>
+            </p:style>
+          </p:cxnSp>
+          <p:cxnSp>
+            <p:nvCxnSpPr>
+              <p:cNvPr id="74" name="Straight Connector 73">
+                <a:extLst>
+                  <a:ext uri="{FF2B5EF4-FFF2-40B4-BE49-F238E27FC236}">
+                    <a16:creationId xmlns:a16="http://schemas.microsoft.com/office/drawing/2014/main" id="{18E157EF-8430-4756-9623-FFBD35BC30AE}"/>
+                  </a:ext>
+                </a:extLst>
+              </p:cNvPr>
+              <p:cNvCxnSpPr>
+                <a:cxnSpLocks/>
+              </p:cNvCxnSpPr>
+              <p:nvPr/>
+            </p:nvCxnSpPr>
+            <p:spPr>
+              <a:xfrm flipH="1">
+                <a:off x="4081931" y="3317875"/>
+                <a:ext cx="2892611" cy="0"/>
+              </a:xfrm>
+              <a:prstGeom prst="line">
+                <a:avLst/>
+              </a:prstGeom>
+              <a:ln w="38100">
+                <a:solidFill>
+                  <a:srgbClr val="FF0000"/>
+                </a:solidFill>
+              </a:ln>
+            </p:spPr>
+            <p:style>
+              <a:lnRef idx="1">
+                <a:schemeClr val="accent1"/>
+              </a:lnRef>
+              <a:fillRef idx="0">
+                <a:schemeClr val="accent1"/>
+              </a:fillRef>
+              <a:effectRef idx="0">
+                <a:schemeClr val="accent1"/>
+              </a:effectRef>
+              <a:fontRef idx="minor">
+                <a:schemeClr val="tx1"/>
+              </a:fontRef>
+            </p:style>
+          </p:cxnSp>
+        </p:grpSp>
+        <p:grpSp>
+          <p:nvGrpSpPr>
+            <p:cNvPr id="44" name="Group 43">
+              <a:extLst>
+                <a:ext uri="{FF2B5EF4-FFF2-40B4-BE49-F238E27FC236}">
+                  <a16:creationId xmlns:a16="http://schemas.microsoft.com/office/drawing/2014/main" id="{EA564A2D-E917-44F3-9F09-9EDCA3224436}"/>
+                </a:ext>
+              </a:extLst>
+            </p:cNvPr>
+            <p:cNvGrpSpPr/>
+            <p:nvPr/>
+          </p:nvGrpSpPr>
+          <p:grpSpPr>
+            <a:xfrm>
+              <a:off x="7488137" y="2896952"/>
+              <a:ext cx="998072" cy="224558"/>
+              <a:chOff x="3083859" y="3317875"/>
+              <a:chExt cx="998072" cy="224558"/>
+            </a:xfrm>
+          </p:grpSpPr>
+          <p:cxnSp>
+            <p:nvCxnSpPr>
+              <p:cNvPr id="62" name="Straight Connector 61">
+                <a:extLst>
+                  <a:ext uri="{FF2B5EF4-FFF2-40B4-BE49-F238E27FC236}">
+                    <a16:creationId xmlns:a16="http://schemas.microsoft.com/office/drawing/2014/main" id="{05537709-1779-4133-B11D-EF0FFE81E8E8}"/>
+                  </a:ext>
+                </a:extLst>
+              </p:cNvPr>
+              <p:cNvCxnSpPr>
+                <a:cxnSpLocks/>
+              </p:cNvCxnSpPr>
+              <p:nvPr/>
+            </p:nvCxnSpPr>
+            <p:spPr>
+              <a:xfrm flipH="1">
+                <a:off x="3083859" y="3317875"/>
+                <a:ext cx="998072" cy="0"/>
+              </a:xfrm>
+              <a:prstGeom prst="line">
+                <a:avLst/>
+              </a:prstGeom>
+              <a:ln w="38100">
+                <a:solidFill>
+                  <a:srgbClr val="FF0000"/>
+                </a:solidFill>
+              </a:ln>
+            </p:spPr>
+            <p:style>
+              <a:lnRef idx="1">
+                <a:schemeClr val="accent1"/>
+              </a:lnRef>
+              <a:fillRef idx="0">
+                <a:schemeClr val="accent1"/>
+              </a:fillRef>
+              <a:effectRef idx="0">
+                <a:schemeClr val="accent1"/>
+              </a:effectRef>
+              <a:fontRef idx="minor">
+                <a:schemeClr val="tx1"/>
+              </a:fontRef>
+            </p:style>
+          </p:cxnSp>
+          <p:cxnSp>
+            <p:nvCxnSpPr>
+              <p:cNvPr id="63" name="Straight Connector 62">
+                <a:extLst>
+                  <a:ext uri="{FF2B5EF4-FFF2-40B4-BE49-F238E27FC236}">
+                    <a16:creationId xmlns:a16="http://schemas.microsoft.com/office/drawing/2014/main" id="{8F10A27A-D9EE-4E55-B695-0C234AAA58C6}"/>
+                  </a:ext>
+                </a:extLst>
+              </p:cNvPr>
+              <p:cNvCxnSpPr>
+                <a:cxnSpLocks/>
+              </p:cNvCxnSpPr>
+              <p:nvPr/>
+            </p:nvCxnSpPr>
+            <p:spPr>
+              <a:xfrm flipH="1">
+                <a:off x="3083859" y="3497523"/>
+                <a:ext cx="998072" cy="0"/>
+              </a:xfrm>
+              <a:prstGeom prst="line">
+                <a:avLst/>
+              </a:prstGeom>
+              <a:ln w="38100">
+                <a:solidFill>
+                  <a:srgbClr val="0000FF"/>
+                </a:solidFill>
+              </a:ln>
+            </p:spPr>
+            <p:style>
+              <a:lnRef idx="1">
+                <a:schemeClr val="accent1"/>
+              </a:lnRef>
+              <a:fillRef idx="0">
+                <a:schemeClr val="accent1"/>
+              </a:fillRef>
+              <a:effectRef idx="0">
+                <a:schemeClr val="accent1"/>
+              </a:effectRef>
+              <a:fontRef idx="minor">
+                <a:schemeClr val="tx1"/>
+              </a:fontRef>
+            </p:style>
+          </p:cxnSp>
+          <p:cxnSp>
+            <p:nvCxnSpPr>
+              <p:cNvPr id="64" name="Straight Connector 63">
+                <a:extLst>
+                  <a:ext uri="{FF2B5EF4-FFF2-40B4-BE49-F238E27FC236}">
+                    <a16:creationId xmlns:a16="http://schemas.microsoft.com/office/drawing/2014/main" id="{87489304-08D4-408F-9A89-88C649107939}"/>
+                  </a:ext>
+                </a:extLst>
+              </p:cNvPr>
+              <p:cNvCxnSpPr>
+                <a:cxnSpLocks/>
+              </p:cNvCxnSpPr>
+              <p:nvPr/>
+            </p:nvCxnSpPr>
+            <p:spPr>
+              <a:xfrm flipH="1">
+                <a:off x="3083859" y="3407699"/>
+                <a:ext cx="998072" cy="0"/>
+              </a:xfrm>
+              <a:prstGeom prst="line">
+                <a:avLst/>
+              </a:prstGeom>
+              <a:ln w="38100">
+                <a:solidFill>
+                  <a:srgbClr val="FFFF00"/>
+                </a:solidFill>
+              </a:ln>
+            </p:spPr>
+            <p:style>
+              <a:lnRef idx="1">
+                <a:schemeClr val="accent1"/>
+              </a:lnRef>
+              <a:fillRef idx="0">
+                <a:schemeClr val="accent1"/>
+              </a:fillRef>
+              <a:effectRef idx="0">
+                <a:schemeClr val="accent1"/>
+              </a:effectRef>
+              <a:fontRef idx="minor">
+                <a:schemeClr val="tx1"/>
+              </a:fontRef>
+            </p:style>
+          </p:cxnSp>
+          <p:cxnSp>
+            <p:nvCxnSpPr>
+              <p:cNvPr id="65" name="Straight Connector 64">
+                <a:extLst>
+                  <a:ext uri="{FF2B5EF4-FFF2-40B4-BE49-F238E27FC236}">
+                    <a16:creationId xmlns:a16="http://schemas.microsoft.com/office/drawing/2014/main" id="{F341CE5F-CCC5-452D-A85F-22173A99F2AC}"/>
+                  </a:ext>
+                </a:extLst>
+              </p:cNvPr>
+              <p:cNvCxnSpPr>
+                <a:cxnSpLocks/>
+              </p:cNvCxnSpPr>
+              <p:nvPr/>
+            </p:nvCxnSpPr>
+            <p:spPr>
+              <a:xfrm flipH="1">
+                <a:off x="3083859" y="3452611"/>
+                <a:ext cx="998072" cy="0"/>
+              </a:xfrm>
+              <a:prstGeom prst="line">
+                <a:avLst/>
+              </a:prstGeom>
+              <a:ln w="38100">
+                <a:solidFill>
+                  <a:srgbClr val="33CC33"/>
+                </a:solidFill>
+              </a:ln>
+            </p:spPr>
+            <p:style>
+              <a:lnRef idx="1">
+                <a:schemeClr val="accent1"/>
+              </a:lnRef>
+              <a:fillRef idx="0">
+                <a:schemeClr val="accent1"/>
+              </a:fillRef>
+              <a:effectRef idx="0">
+                <a:schemeClr val="accent1"/>
+              </a:effectRef>
+              <a:fontRef idx="minor">
+                <a:schemeClr val="tx1"/>
+              </a:fontRef>
+            </p:style>
+          </p:cxnSp>
+          <p:cxnSp>
+            <p:nvCxnSpPr>
+              <p:cNvPr id="66" name="Straight Connector 65">
+                <a:extLst>
+                  <a:ext uri="{FF2B5EF4-FFF2-40B4-BE49-F238E27FC236}">
+                    <a16:creationId xmlns:a16="http://schemas.microsoft.com/office/drawing/2014/main" id="{13B3A0F7-607D-4555-AD18-07B4D90A338D}"/>
+                  </a:ext>
+                </a:extLst>
+              </p:cNvPr>
+              <p:cNvCxnSpPr>
+                <a:cxnSpLocks/>
+              </p:cNvCxnSpPr>
+              <p:nvPr/>
+            </p:nvCxnSpPr>
+            <p:spPr>
+              <a:xfrm flipH="1">
+                <a:off x="3083859" y="3362787"/>
+                <a:ext cx="998072" cy="0"/>
+              </a:xfrm>
+              <a:prstGeom prst="line">
+                <a:avLst/>
+              </a:prstGeom>
+              <a:ln w="38100">
+                <a:solidFill>
+                  <a:srgbClr val="FFC000"/>
+                </a:solidFill>
+              </a:ln>
+            </p:spPr>
+            <p:style>
+              <a:lnRef idx="1">
+                <a:schemeClr val="accent1"/>
+              </a:lnRef>
+              <a:fillRef idx="0">
+                <a:schemeClr val="accent1"/>
+              </a:fillRef>
+              <a:effectRef idx="0">
+                <a:schemeClr val="accent1"/>
+              </a:effectRef>
+              <a:fontRef idx="minor">
+                <a:schemeClr val="tx1"/>
+              </a:fontRef>
+            </p:style>
+          </p:cxnSp>
+          <p:cxnSp>
+            <p:nvCxnSpPr>
+              <p:cNvPr id="67" name="Straight Connector 66">
+                <a:extLst>
+                  <a:ext uri="{FF2B5EF4-FFF2-40B4-BE49-F238E27FC236}">
+                    <a16:creationId xmlns:a16="http://schemas.microsoft.com/office/drawing/2014/main" id="{375E5BB8-BA9B-473B-A75C-8F94BD73DE8C}"/>
+                  </a:ext>
+                </a:extLst>
+              </p:cNvPr>
+              <p:cNvCxnSpPr>
+                <a:cxnSpLocks/>
+              </p:cNvCxnSpPr>
+              <p:nvPr/>
+            </p:nvCxnSpPr>
+            <p:spPr>
+              <a:xfrm flipH="1">
+                <a:off x="3083859" y="3542433"/>
+                <a:ext cx="998072" cy="0"/>
+              </a:xfrm>
+              <a:prstGeom prst="line">
+                <a:avLst/>
+              </a:prstGeom>
+              <a:ln w="38100">
+                <a:solidFill>
+                  <a:srgbClr val="6600CC"/>
+                </a:solidFill>
+              </a:ln>
+            </p:spPr>
+            <p:style>
+              <a:lnRef idx="1">
+                <a:schemeClr val="accent1"/>
+              </a:lnRef>
+              <a:fillRef idx="0">
+                <a:schemeClr val="accent1"/>
+              </a:fillRef>
+              <a:effectRef idx="0">
+                <a:schemeClr val="accent1"/>
+              </a:effectRef>
+              <a:fontRef idx="minor">
+                <a:schemeClr val="tx1"/>
+              </a:fontRef>
+            </p:style>
+          </p:cxnSp>
+        </p:grpSp>
+        <p:sp>
+          <p:nvSpPr>
+            <p:cNvPr id="45" name="Rectangle: Rounded Corners 44">
+              <a:extLst>
+                <a:ext uri="{FF2B5EF4-FFF2-40B4-BE49-F238E27FC236}">
+                  <a16:creationId xmlns:a16="http://schemas.microsoft.com/office/drawing/2014/main" id="{921EC995-8712-4A24-8B6A-8A5E73F6B0BD}"/>
+                </a:ext>
+              </a:extLst>
+            </p:cNvPr>
+            <p:cNvSpPr/>
+            <p:nvPr/>
+          </p:nvSpPr>
+          <p:spPr>
+            <a:xfrm>
+              <a:off x="4595526" y="1912293"/>
+              <a:ext cx="2892611" cy="3374643"/>
+            </a:xfrm>
+            <a:prstGeom prst="roundRect">
+              <a:avLst>
+                <a:gd name="adj" fmla="val 5904"/>
+              </a:avLst>
+            </a:prstGeom>
+            <a:ln w="25400"/>
+          </p:spPr>
+          <p:style>
+            <a:lnRef idx="2">
+              <a:schemeClr val="accent1">
+                <a:shade val="50000"/>
+              </a:schemeClr>
+            </a:lnRef>
+            <a:fillRef idx="1">
+              <a:schemeClr val="accent1"/>
+            </a:fillRef>
+            <a:effectRef idx="0">
+              <a:schemeClr val="accent1"/>
+            </a:effectRef>
+            <a:fontRef idx="minor">
+              <a:schemeClr val="lt1"/>
+            </a:fontRef>
+          </p:style>
+          <p:txBody>
+            <a:bodyPr tIns="108000" rtlCol="0" anchor="t" anchorCtr="1"/>
+            <a:lstStyle>
+              <a:defPPr>
+                <a:defRPr lang="en-US"/>
+              </a:defPPr>
+              <a:lvl1pPr marL="0" algn="l" defTabSz="914400" rtl="0" eaLnBrk="1" latinLnBrk="0" hangingPunct="1">
+                <a:defRPr sz="1800" kern="1200">
+                  <a:solidFill>
+                    <a:schemeClr val="lt1"/>
+                  </a:solidFill>
+                  <a:latin typeface="+mn-lt"/>
+                  <a:ea typeface="+mn-ea"/>
+                  <a:cs typeface="+mn-cs"/>
+                </a:defRPr>
+              </a:lvl1pPr>
+              <a:lvl2pPr marL="457200" algn="l" defTabSz="914400" rtl="0" eaLnBrk="1" latinLnBrk="0" hangingPunct="1">
+                <a:defRPr sz="1800" kern="1200">
+                  <a:solidFill>
+                    <a:schemeClr val="lt1"/>
+                  </a:solidFill>
+                  <a:latin typeface="+mn-lt"/>
+                  <a:ea typeface="+mn-ea"/>
+                  <a:cs typeface="+mn-cs"/>
+                </a:defRPr>
+              </a:lvl2pPr>
+              <a:lvl3pPr marL="914400" algn="l" defTabSz="914400" rtl="0" eaLnBrk="1" latinLnBrk="0" hangingPunct="1">
+                <a:defRPr sz="1800" kern="1200">
+                  <a:solidFill>
+                    <a:schemeClr val="lt1"/>
+                  </a:solidFill>
+                  <a:latin typeface="+mn-lt"/>
+                  <a:ea typeface="+mn-ea"/>
+                  <a:cs typeface="+mn-cs"/>
+                </a:defRPr>
+              </a:lvl3pPr>
+              <a:lvl4pPr marL="1371600" algn="l" defTabSz="914400" rtl="0" eaLnBrk="1" latinLnBrk="0" hangingPunct="1">
+                <a:defRPr sz="1800" kern="1200">
+                  <a:solidFill>
+                    <a:schemeClr val="lt1"/>
+                  </a:solidFill>
+                  <a:latin typeface="+mn-lt"/>
+                  <a:ea typeface="+mn-ea"/>
+                  <a:cs typeface="+mn-cs"/>
+                </a:defRPr>
+              </a:lvl4pPr>
+              <a:lvl5pPr marL="1828800" algn="l" defTabSz="914400" rtl="0" eaLnBrk="1" latinLnBrk="0" hangingPunct="1">
+                <a:defRPr sz="1800" kern="1200">
+                  <a:solidFill>
+                    <a:schemeClr val="lt1"/>
+                  </a:solidFill>
+                  <a:latin typeface="+mn-lt"/>
+                  <a:ea typeface="+mn-ea"/>
+                  <a:cs typeface="+mn-cs"/>
+                </a:defRPr>
+              </a:lvl5pPr>
+              <a:lvl6pPr marL="2286000" algn="l" defTabSz="914400" rtl="0" eaLnBrk="1" latinLnBrk="0" hangingPunct="1">
+                <a:defRPr sz="1800" kern="1200">
+                  <a:solidFill>
+                    <a:schemeClr val="lt1"/>
+                  </a:solidFill>
+                  <a:latin typeface="+mn-lt"/>
+                  <a:ea typeface="+mn-ea"/>
+                  <a:cs typeface="+mn-cs"/>
+                </a:defRPr>
+              </a:lvl6pPr>
+              <a:lvl7pPr marL="2743200" algn="l" defTabSz="914400" rtl="0" eaLnBrk="1" latinLnBrk="0" hangingPunct="1">
+                <a:defRPr sz="1800" kern="1200">
+                  <a:solidFill>
+                    <a:schemeClr val="lt1"/>
+                  </a:solidFill>
+                  <a:latin typeface="+mn-lt"/>
+                  <a:ea typeface="+mn-ea"/>
+                  <a:cs typeface="+mn-cs"/>
+                </a:defRPr>
+              </a:lvl7pPr>
+              <a:lvl8pPr marL="3200400" algn="l" defTabSz="914400" rtl="0" eaLnBrk="1" latinLnBrk="0" hangingPunct="1">
+                <a:defRPr sz="1800" kern="1200">
+                  <a:solidFill>
+                    <a:schemeClr val="lt1"/>
+                  </a:solidFill>
+                  <a:latin typeface="+mn-lt"/>
+                  <a:ea typeface="+mn-ea"/>
+                  <a:cs typeface="+mn-cs"/>
+                </a:defRPr>
+              </a:lvl8pPr>
+              <a:lvl9pPr marL="3657600" algn="l" defTabSz="914400" rtl="0" eaLnBrk="1" latinLnBrk="0" hangingPunct="1">
+                <a:defRPr sz="1800" kern="1200">
+                  <a:solidFill>
+                    <a:schemeClr val="lt1"/>
+                  </a:solidFill>
+                  <a:latin typeface="+mn-lt"/>
+                  <a:ea typeface="+mn-ea"/>
+                  <a:cs typeface="+mn-cs"/>
+                </a:defRPr>
+              </a:lvl9pPr>
+            </a:lstStyle>
+            <a:p>
+              <a:pPr algn="ctr"/>
+              <a:r>
+                <a:rPr lang="en-US"/>
+                <a:t>ROADM</a:t>
+              </a:r>
+            </a:p>
+          </p:txBody>
+        </p:sp>
+        <p:sp>
+          <p:nvSpPr>
+            <p:cNvPr id="46" name="Isosceles Triangle 45">
+              <a:extLst>
+                <a:ext uri="{FF2B5EF4-FFF2-40B4-BE49-F238E27FC236}">
+                  <a16:creationId xmlns:a16="http://schemas.microsoft.com/office/drawing/2014/main" id="{6FB63B5A-5BBF-4EBB-B98C-FF7C3396675F}"/>
+                </a:ext>
+              </a:extLst>
+            </p:cNvPr>
+            <p:cNvSpPr/>
+            <p:nvPr/>
+          </p:nvSpPr>
+          <p:spPr>
+            <a:xfrm rot="16200000">
+              <a:off x="4622045" y="2761598"/>
+              <a:ext cx="730250" cy="495266"/>
+            </a:xfrm>
+            <a:prstGeom prst="triangle">
+              <a:avLst/>
+            </a:prstGeom>
+            <a:ln w="19050"/>
+          </p:spPr>
+          <p:style>
+            <a:lnRef idx="2">
+              <a:schemeClr val="accent1">
+                <a:shade val="50000"/>
+              </a:schemeClr>
+            </a:lnRef>
+            <a:fillRef idx="1">
+              <a:schemeClr val="accent1"/>
+            </a:fillRef>
+            <a:effectRef idx="0">
+              <a:schemeClr val="accent1"/>
+            </a:effectRef>
+            <a:fontRef idx="minor">
+              <a:schemeClr val="lt1"/>
+            </a:fontRef>
+          </p:style>
+          <p:txBody>
+            <a:bodyPr rtlCol="0" anchor="ctr"/>
+            <a:lstStyle>
+              <a:defPPr>
+                <a:defRPr lang="en-US"/>
+              </a:defPPr>
+              <a:lvl1pPr marL="0" algn="l" defTabSz="914400" rtl="0" eaLnBrk="1" latinLnBrk="0" hangingPunct="1">
+                <a:defRPr sz="1800" kern="1200">
+                  <a:solidFill>
+                    <a:schemeClr val="lt1"/>
+                  </a:solidFill>
+                  <a:latin typeface="+mn-lt"/>
+                  <a:ea typeface="+mn-ea"/>
+                  <a:cs typeface="+mn-cs"/>
+                </a:defRPr>
+              </a:lvl1pPr>
+              <a:lvl2pPr marL="457200" algn="l" defTabSz="914400" rtl="0" eaLnBrk="1" latinLnBrk="0" hangingPunct="1">
+                <a:defRPr sz="1800" kern="1200">
+                  <a:solidFill>
+                    <a:schemeClr val="lt1"/>
+                  </a:solidFill>
+                  <a:latin typeface="+mn-lt"/>
+                  <a:ea typeface="+mn-ea"/>
+                  <a:cs typeface="+mn-cs"/>
+                </a:defRPr>
+              </a:lvl2pPr>
+              <a:lvl3pPr marL="914400" algn="l" defTabSz="914400" rtl="0" eaLnBrk="1" latinLnBrk="0" hangingPunct="1">
+                <a:defRPr sz="1800" kern="1200">
+                  <a:solidFill>
+                    <a:schemeClr val="lt1"/>
+                  </a:solidFill>
+                  <a:latin typeface="+mn-lt"/>
+                  <a:ea typeface="+mn-ea"/>
+                  <a:cs typeface="+mn-cs"/>
+                </a:defRPr>
+              </a:lvl3pPr>
+              <a:lvl4pPr marL="1371600" algn="l" defTabSz="914400" rtl="0" eaLnBrk="1" latinLnBrk="0" hangingPunct="1">
+                <a:defRPr sz="1800" kern="1200">
+                  <a:solidFill>
+                    <a:schemeClr val="lt1"/>
+                  </a:solidFill>
+                  <a:latin typeface="+mn-lt"/>
+                  <a:ea typeface="+mn-ea"/>
+                  <a:cs typeface="+mn-cs"/>
+                </a:defRPr>
+              </a:lvl4pPr>
+              <a:lvl5pPr marL="1828800" algn="l" defTabSz="914400" rtl="0" eaLnBrk="1" latinLnBrk="0" hangingPunct="1">
+                <a:defRPr sz="1800" kern="1200">
+                  <a:solidFill>
+                    <a:schemeClr val="lt1"/>
+                  </a:solidFill>
+                  <a:latin typeface="+mn-lt"/>
+                  <a:ea typeface="+mn-ea"/>
+                  <a:cs typeface="+mn-cs"/>
+                </a:defRPr>
+              </a:lvl5pPr>
+              <a:lvl6pPr marL="2286000" algn="l" defTabSz="914400" rtl="0" eaLnBrk="1" latinLnBrk="0" hangingPunct="1">
+                <a:defRPr sz="1800" kern="1200">
+                  <a:solidFill>
+                    <a:schemeClr val="lt1"/>
+                  </a:solidFill>
+                  <a:latin typeface="+mn-lt"/>
+                  <a:ea typeface="+mn-ea"/>
+                  <a:cs typeface="+mn-cs"/>
+                </a:defRPr>
+              </a:lvl6pPr>
+              <a:lvl7pPr marL="2743200" algn="l" defTabSz="914400" rtl="0" eaLnBrk="1" latinLnBrk="0" hangingPunct="1">
+                <a:defRPr sz="1800" kern="1200">
+                  <a:solidFill>
+                    <a:schemeClr val="lt1"/>
+                  </a:solidFill>
+                  <a:latin typeface="+mn-lt"/>
+                  <a:ea typeface="+mn-ea"/>
+                  <a:cs typeface="+mn-cs"/>
+                </a:defRPr>
+              </a:lvl7pPr>
+              <a:lvl8pPr marL="3200400" algn="l" defTabSz="914400" rtl="0" eaLnBrk="1" latinLnBrk="0" hangingPunct="1">
+                <a:defRPr sz="1800" kern="1200">
+                  <a:solidFill>
+                    <a:schemeClr val="lt1"/>
+                  </a:solidFill>
+                  <a:latin typeface="+mn-lt"/>
+                  <a:ea typeface="+mn-ea"/>
+                  <a:cs typeface="+mn-cs"/>
+                </a:defRPr>
+              </a:lvl8pPr>
+              <a:lvl9pPr marL="3657600" algn="l" defTabSz="914400" rtl="0" eaLnBrk="1" latinLnBrk="0" hangingPunct="1">
+                <a:defRPr sz="1800" kern="1200">
+                  <a:solidFill>
+                    <a:schemeClr val="lt1"/>
+                  </a:solidFill>
+                  <a:latin typeface="+mn-lt"/>
+                  <a:ea typeface="+mn-ea"/>
+                  <a:cs typeface="+mn-cs"/>
+                </a:defRPr>
+              </a:lvl9pPr>
+            </a:lstStyle>
+            <a:p>
+              <a:pPr algn="ctr"/>
+              <a:endParaRPr lang="en-US"/>
+            </a:p>
+          </p:txBody>
+        </p:sp>
+        <p:sp>
+          <p:nvSpPr>
+            <p:cNvPr id="47" name="Isosceles Triangle 46">
+              <a:extLst>
+                <a:ext uri="{FF2B5EF4-FFF2-40B4-BE49-F238E27FC236}">
+                  <a16:creationId xmlns:a16="http://schemas.microsoft.com/office/drawing/2014/main" id="{14E28FAC-6F6E-4615-806A-591B105951F4}"/>
+                </a:ext>
+              </a:extLst>
+            </p:cNvPr>
+            <p:cNvSpPr/>
+            <p:nvPr/>
+          </p:nvSpPr>
+          <p:spPr>
+            <a:xfrm rot="5400000" flipH="1">
+              <a:off x="6731368" y="2761598"/>
+              <a:ext cx="730250" cy="495266"/>
+            </a:xfrm>
+            <a:prstGeom prst="triangle">
+              <a:avLst/>
+            </a:prstGeom>
+            <a:ln w="19050"/>
+          </p:spPr>
+          <p:style>
+            <a:lnRef idx="2">
+              <a:schemeClr val="accent1">
+                <a:shade val="50000"/>
+              </a:schemeClr>
+            </a:lnRef>
+            <a:fillRef idx="1">
+              <a:schemeClr val="accent1"/>
+            </a:fillRef>
+            <a:effectRef idx="0">
+              <a:schemeClr val="accent1"/>
+            </a:effectRef>
+            <a:fontRef idx="minor">
+              <a:schemeClr val="lt1"/>
+            </a:fontRef>
+          </p:style>
+          <p:txBody>
+            <a:bodyPr rtlCol="0" anchor="ctr"/>
+            <a:lstStyle>
+              <a:defPPr>
+                <a:defRPr lang="en-US"/>
+              </a:defPPr>
+              <a:lvl1pPr marL="0" algn="l" defTabSz="914400" rtl="0" eaLnBrk="1" latinLnBrk="0" hangingPunct="1">
+                <a:defRPr sz="1800" kern="1200">
+                  <a:solidFill>
+                    <a:schemeClr val="lt1"/>
+                  </a:solidFill>
+                  <a:latin typeface="+mn-lt"/>
+                  <a:ea typeface="+mn-ea"/>
+                  <a:cs typeface="+mn-cs"/>
+                </a:defRPr>
+              </a:lvl1pPr>
+              <a:lvl2pPr marL="457200" algn="l" defTabSz="914400" rtl="0" eaLnBrk="1" latinLnBrk="0" hangingPunct="1">
+                <a:defRPr sz="1800" kern="1200">
+                  <a:solidFill>
+                    <a:schemeClr val="lt1"/>
+                  </a:solidFill>
+                  <a:latin typeface="+mn-lt"/>
+                  <a:ea typeface="+mn-ea"/>
+                  <a:cs typeface="+mn-cs"/>
+                </a:defRPr>
+              </a:lvl2pPr>
+              <a:lvl3pPr marL="914400" algn="l" defTabSz="914400" rtl="0" eaLnBrk="1" latinLnBrk="0" hangingPunct="1">
+                <a:defRPr sz="1800" kern="1200">
+                  <a:solidFill>
+                    <a:schemeClr val="lt1"/>
+                  </a:solidFill>
+                  <a:latin typeface="+mn-lt"/>
+                  <a:ea typeface="+mn-ea"/>
+                  <a:cs typeface="+mn-cs"/>
+                </a:defRPr>
+              </a:lvl3pPr>
+              <a:lvl4pPr marL="1371600" algn="l" defTabSz="914400" rtl="0" eaLnBrk="1" latinLnBrk="0" hangingPunct="1">
+                <a:defRPr sz="1800" kern="1200">
+                  <a:solidFill>
+                    <a:schemeClr val="lt1"/>
+                  </a:solidFill>
+                  <a:latin typeface="+mn-lt"/>
+                  <a:ea typeface="+mn-ea"/>
+                  <a:cs typeface="+mn-cs"/>
+                </a:defRPr>
+              </a:lvl4pPr>
+              <a:lvl5pPr marL="1828800" algn="l" defTabSz="914400" rtl="0" eaLnBrk="1" latinLnBrk="0" hangingPunct="1">
+                <a:defRPr sz="1800" kern="1200">
+                  <a:solidFill>
+                    <a:schemeClr val="lt1"/>
+                  </a:solidFill>
+                  <a:latin typeface="+mn-lt"/>
+                  <a:ea typeface="+mn-ea"/>
+                  <a:cs typeface="+mn-cs"/>
+                </a:defRPr>
+              </a:lvl5pPr>
+              <a:lvl6pPr marL="2286000" algn="l" defTabSz="914400" rtl="0" eaLnBrk="1" latinLnBrk="0" hangingPunct="1">
+                <a:defRPr sz="1800" kern="1200">
+                  <a:solidFill>
+                    <a:schemeClr val="lt1"/>
+                  </a:solidFill>
+                  <a:latin typeface="+mn-lt"/>
+                  <a:ea typeface="+mn-ea"/>
+                  <a:cs typeface="+mn-cs"/>
+                </a:defRPr>
+              </a:lvl6pPr>
+              <a:lvl7pPr marL="2743200" algn="l" defTabSz="914400" rtl="0" eaLnBrk="1" latinLnBrk="0" hangingPunct="1">
+                <a:defRPr sz="1800" kern="1200">
+                  <a:solidFill>
+                    <a:schemeClr val="lt1"/>
+                  </a:solidFill>
+                  <a:latin typeface="+mn-lt"/>
+                  <a:ea typeface="+mn-ea"/>
+                  <a:cs typeface="+mn-cs"/>
+                </a:defRPr>
+              </a:lvl7pPr>
+              <a:lvl8pPr marL="3200400" algn="l" defTabSz="914400" rtl="0" eaLnBrk="1" latinLnBrk="0" hangingPunct="1">
+                <a:defRPr sz="1800" kern="1200">
+                  <a:solidFill>
+                    <a:schemeClr val="lt1"/>
+                  </a:solidFill>
+                  <a:latin typeface="+mn-lt"/>
+                  <a:ea typeface="+mn-ea"/>
+                  <a:cs typeface="+mn-cs"/>
+                </a:defRPr>
+              </a:lvl8pPr>
+              <a:lvl9pPr marL="3657600" algn="l" defTabSz="914400" rtl="0" eaLnBrk="1" latinLnBrk="0" hangingPunct="1">
+                <a:defRPr sz="1800" kern="1200">
+                  <a:solidFill>
+                    <a:schemeClr val="lt1"/>
+                  </a:solidFill>
+                  <a:latin typeface="+mn-lt"/>
+                  <a:ea typeface="+mn-ea"/>
+                  <a:cs typeface="+mn-cs"/>
+                </a:defRPr>
+              </a:lvl9pPr>
+            </a:lstStyle>
+            <a:p>
+              <a:pPr algn="ctr"/>
+              <a:endParaRPr lang="en-US"/>
+            </a:p>
+          </p:txBody>
+        </p:sp>
+        <p:sp>
+          <p:nvSpPr>
+            <p:cNvPr id="48" name="Rectangle 47">
+              <a:extLst>
+                <a:ext uri="{FF2B5EF4-FFF2-40B4-BE49-F238E27FC236}">
+                  <a16:creationId xmlns:a16="http://schemas.microsoft.com/office/drawing/2014/main" id="{EC2AD926-3A28-4DD0-9B7B-DB30CA1D8579}"/>
+                </a:ext>
+              </a:extLst>
+            </p:cNvPr>
+            <p:cNvSpPr/>
+            <p:nvPr/>
+          </p:nvSpPr>
+          <p:spPr>
+            <a:xfrm>
+              <a:off x="5494914" y="2478586"/>
+              <a:ext cx="1088977" cy="1061291"/>
+            </a:xfrm>
+            <a:prstGeom prst="rect">
+              <a:avLst/>
+            </a:prstGeom>
+            <a:ln w="19050"/>
+          </p:spPr>
+          <p:style>
+            <a:lnRef idx="2">
+              <a:schemeClr val="accent1">
+                <a:shade val="50000"/>
+              </a:schemeClr>
+            </a:lnRef>
+            <a:fillRef idx="1">
+              <a:schemeClr val="accent1"/>
+            </a:fillRef>
+            <a:effectRef idx="0">
+              <a:schemeClr val="accent1"/>
+            </a:effectRef>
+            <a:fontRef idx="minor">
+              <a:schemeClr val="lt1"/>
+            </a:fontRef>
+          </p:style>
+          <p:txBody>
+            <a:bodyPr rtlCol="0" anchor="ctr"/>
+            <a:lstStyle>
+              <a:defPPr>
+                <a:defRPr lang="en-US"/>
+              </a:defPPr>
+              <a:lvl1pPr marL="0" algn="l" defTabSz="914400" rtl="0" eaLnBrk="1" latinLnBrk="0" hangingPunct="1">
+                <a:defRPr sz="1800" kern="1200">
+                  <a:solidFill>
+                    <a:schemeClr val="lt1"/>
+                  </a:solidFill>
+                  <a:latin typeface="+mn-lt"/>
+                  <a:ea typeface="+mn-ea"/>
+                  <a:cs typeface="+mn-cs"/>
+                </a:defRPr>
+              </a:lvl1pPr>
+              <a:lvl2pPr marL="457200" algn="l" defTabSz="914400" rtl="0" eaLnBrk="1" latinLnBrk="0" hangingPunct="1">
+                <a:defRPr sz="1800" kern="1200">
+                  <a:solidFill>
+                    <a:schemeClr val="lt1"/>
+                  </a:solidFill>
+                  <a:latin typeface="+mn-lt"/>
+                  <a:ea typeface="+mn-ea"/>
+                  <a:cs typeface="+mn-cs"/>
+                </a:defRPr>
+              </a:lvl2pPr>
+              <a:lvl3pPr marL="914400" algn="l" defTabSz="914400" rtl="0" eaLnBrk="1" latinLnBrk="0" hangingPunct="1">
+                <a:defRPr sz="1800" kern="1200">
+                  <a:solidFill>
+                    <a:schemeClr val="lt1"/>
+                  </a:solidFill>
+                  <a:latin typeface="+mn-lt"/>
+                  <a:ea typeface="+mn-ea"/>
+                  <a:cs typeface="+mn-cs"/>
+                </a:defRPr>
+              </a:lvl3pPr>
+              <a:lvl4pPr marL="1371600" algn="l" defTabSz="914400" rtl="0" eaLnBrk="1" latinLnBrk="0" hangingPunct="1">
+                <a:defRPr sz="1800" kern="1200">
+                  <a:solidFill>
+                    <a:schemeClr val="lt1"/>
+                  </a:solidFill>
+                  <a:latin typeface="+mn-lt"/>
+                  <a:ea typeface="+mn-ea"/>
+                  <a:cs typeface="+mn-cs"/>
+                </a:defRPr>
+              </a:lvl4pPr>
+              <a:lvl5pPr marL="1828800" algn="l" defTabSz="914400" rtl="0" eaLnBrk="1" latinLnBrk="0" hangingPunct="1">
+                <a:defRPr sz="1800" kern="1200">
+                  <a:solidFill>
+                    <a:schemeClr val="lt1"/>
+                  </a:solidFill>
+                  <a:latin typeface="+mn-lt"/>
+                  <a:ea typeface="+mn-ea"/>
+                  <a:cs typeface="+mn-cs"/>
+                </a:defRPr>
+              </a:lvl5pPr>
+              <a:lvl6pPr marL="2286000" algn="l" defTabSz="914400" rtl="0" eaLnBrk="1" latinLnBrk="0" hangingPunct="1">
+                <a:defRPr sz="1800" kern="1200">
+                  <a:solidFill>
+                    <a:schemeClr val="lt1"/>
+                  </a:solidFill>
+                  <a:latin typeface="+mn-lt"/>
+                  <a:ea typeface="+mn-ea"/>
+                  <a:cs typeface="+mn-cs"/>
+                </a:defRPr>
+              </a:lvl6pPr>
+              <a:lvl7pPr marL="2743200" algn="l" defTabSz="914400" rtl="0" eaLnBrk="1" latinLnBrk="0" hangingPunct="1">
+                <a:defRPr sz="1800" kern="1200">
+                  <a:solidFill>
+                    <a:schemeClr val="lt1"/>
+                  </a:solidFill>
+                  <a:latin typeface="+mn-lt"/>
+                  <a:ea typeface="+mn-ea"/>
+                  <a:cs typeface="+mn-cs"/>
+                </a:defRPr>
+              </a:lvl7pPr>
+              <a:lvl8pPr marL="3200400" algn="l" defTabSz="914400" rtl="0" eaLnBrk="1" latinLnBrk="0" hangingPunct="1">
+                <a:defRPr sz="1800" kern="1200">
+                  <a:solidFill>
+                    <a:schemeClr val="lt1"/>
+                  </a:solidFill>
+                  <a:latin typeface="+mn-lt"/>
+                  <a:ea typeface="+mn-ea"/>
+                  <a:cs typeface="+mn-cs"/>
+                </a:defRPr>
+              </a:lvl8pPr>
+              <a:lvl9pPr marL="3657600" algn="l" defTabSz="914400" rtl="0" eaLnBrk="1" latinLnBrk="0" hangingPunct="1">
+                <a:defRPr sz="1800" kern="1200">
+                  <a:solidFill>
+                    <a:schemeClr val="lt1"/>
+                  </a:solidFill>
+                  <a:latin typeface="+mn-lt"/>
+                  <a:ea typeface="+mn-ea"/>
+                  <a:cs typeface="+mn-cs"/>
+                </a:defRPr>
+              </a:lvl9pPr>
+            </a:lstStyle>
+            <a:p>
+              <a:pPr algn="ctr"/>
+              <a:r>
+                <a:rPr lang="en-US"/>
+                <a:t>OCX</a:t>
+              </a:r>
+            </a:p>
+          </p:txBody>
+        </p:sp>
+        <p:sp>
+          <p:nvSpPr>
+            <p:cNvPr id="49" name="TextBox 31">
+              <a:extLst>
+                <a:ext uri="{FF2B5EF4-FFF2-40B4-BE49-F238E27FC236}">
+                  <a16:creationId xmlns:a16="http://schemas.microsoft.com/office/drawing/2014/main" id="{1BE8E423-D7CB-4F4A-8710-77B84F5679FA}"/>
+                </a:ext>
+              </a:extLst>
+            </p:cNvPr>
+            <p:cNvSpPr txBox="1"/>
+            <p:nvPr/>
+          </p:nvSpPr>
+          <p:spPr>
+            <a:xfrm>
+              <a:off x="4825228" y="5686720"/>
+              <a:ext cx="2433201" cy="369332"/>
+            </a:xfrm>
+            <a:prstGeom prst="rect">
+              <a:avLst/>
+            </a:prstGeom>
+            <a:noFill/>
+          </p:spPr>
+          <p:txBody>
+            <a:bodyPr wrap="square" rtlCol="0">
+              <a:spAutoFit/>
+            </a:bodyPr>
+            <a:lstStyle>
+              <a:defPPr>
+                <a:defRPr lang="en-US"/>
+              </a:defPPr>
+              <a:lvl1pPr marL="0" algn="l" defTabSz="914400" rtl="0" eaLnBrk="1" latinLnBrk="0" hangingPunct="1">
+                <a:defRPr sz="1800" kern="1200">
+                  <a:solidFill>
+                    <a:schemeClr val="tx1"/>
+                  </a:solidFill>
+                  <a:latin typeface="+mn-lt"/>
+                  <a:ea typeface="+mn-ea"/>
+                  <a:cs typeface="+mn-cs"/>
+                </a:defRPr>
+              </a:lvl1pPr>
+              <a:lvl2pPr marL="457200" algn="l" defTabSz="914400" rtl="0" eaLnBrk="1" latinLnBrk="0" hangingPunct="1">
+                <a:defRPr sz="1800" kern="1200">
+                  <a:solidFill>
+                    <a:schemeClr val="tx1"/>
+                  </a:solidFill>
+                  <a:latin typeface="+mn-lt"/>
+                  <a:ea typeface="+mn-ea"/>
+                  <a:cs typeface="+mn-cs"/>
+                </a:defRPr>
+              </a:lvl2pPr>
+              <a:lvl3pPr marL="914400" algn="l" defTabSz="914400" rtl="0" eaLnBrk="1" latinLnBrk="0" hangingPunct="1">
+                <a:defRPr sz="1800" kern="1200">
+                  <a:solidFill>
+                    <a:schemeClr val="tx1"/>
+                  </a:solidFill>
+                  <a:latin typeface="+mn-lt"/>
+                  <a:ea typeface="+mn-ea"/>
+                  <a:cs typeface="+mn-cs"/>
+                </a:defRPr>
+              </a:lvl3pPr>
+              <a:lvl4pPr marL="1371600" algn="l" defTabSz="914400" rtl="0" eaLnBrk="1" latinLnBrk="0" hangingPunct="1">
+                <a:defRPr sz="1800" kern="1200">
+                  <a:solidFill>
+                    <a:schemeClr val="tx1"/>
+                  </a:solidFill>
+                  <a:latin typeface="+mn-lt"/>
+                  <a:ea typeface="+mn-ea"/>
+                  <a:cs typeface="+mn-cs"/>
+                </a:defRPr>
+              </a:lvl4pPr>
+              <a:lvl5pPr marL="1828800" algn="l" defTabSz="914400" rtl="0" eaLnBrk="1" latinLnBrk="0" hangingPunct="1">
+                <a:defRPr sz="1800" kern="1200">
+                  <a:solidFill>
+                    <a:schemeClr val="tx1"/>
+                  </a:solidFill>
+                  <a:latin typeface="+mn-lt"/>
+                  <a:ea typeface="+mn-ea"/>
+                  <a:cs typeface="+mn-cs"/>
+                </a:defRPr>
+              </a:lvl5pPr>
+              <a:lvl6pPr marL="2286000" algn="l" defTabSz="914400" rtl="0" eaLnBrk="1" latinLnBrk="0" hangingPunct="1">
+                <a:defRPr sz="1800" kern="1200">
+                  <a:solidFill>
+                    <a:schemeClr val="tx1"/>
+                  </a:solidFill>
+                  <a:latin typeface="+mn-lt"/>
+                  <a:ea typeface="+mn-ea"/>
+                  <a:cs typeface="+mn-cs"/>
+                </a:defRPr>
+              </a:lvl6pPr>
+              <a:lvl7pPr marL="2743200" algn="l" defTabSz="914400" rtl="0" eaLnBrk="1" latinLnBrk="0" hangingPunct="1">
+                <a:defRPr sz="1800" kern="1200">
+                  <a:solidFill>
+                    <a:schemeClr val="tx1"/>
+                  </a:solidFill>
+                  <a:latin typeface="+mn-lt"/>
+                  <a:ea typeface="+mn-ea"/>
+                  <a:cs typeface="+mn-cs"/>
+                </a:defRPr>
+              </a:lvl7pPr>
+              <a:lvl8pPr marL="3200400" algn="l" defTabSz="914400" rtl="0" eaLnBrk="1" latinLnBrk="0" hangingPunct="1">
+                <a:defRPr sz="1800" kern="1200">
+                  <a:solidFill>
+                    <a:schemeClr val="tx1"/>
+                  </a:solidFill>
+                  <a:latin typeface="+mn-lt"/>
+                  <a:ea typeface="+mn-ea"/>
+                  <a:cs typeface="+mn-cs"/>
+                </a:defRPr>
+              </a:lvl8pPr>
+              <a:lvl9pPr marL="3657600" algn="l" defTabSz="914400" rtl="0" eaLnBrk="1" latinLnBrk="0" hangingPunct="1">
+                <a:defRPr sz="1800" kern="1200">
+                  <a:solidFill>
+                    <a:schemeClr val="tx1"/>
+                  </a:solidFill>
+                  <a:latin typeface="+mn-lt"/>
+                  <a:ea typeface="+mn-ea"/>
+                  <a:cs typeface="+mn-cs"/>
+                </a:defRPr>
+              </a:lvl9pPr>
+            </a:lstStyle>
+            <a:p>
+              <a:pPr algn="ctr"/>
+              <a:r>
+                <a:rPr lang="en-US"/>
+                <a:t>OT Client Interfaces</a:t>
+              </a:r>
+            </a:p>
+          </p:txBody>
+        </p:sp>
+        <p:sp>
+          <p:nvSpPr>
+            <p:cNvPr id="50" name="TextBox 32">
+              <a:extLst>
+                <a:ext uri="{FF2B5EF4-FFF2-40B4-BE49-F238E27FC236}">
+                  <a16:creationId xmlns:a16="http://schemas.microsoft.com/office/drawing/2014/main" id="{FB96A4B7-9D1F-4513-AB0D-77855EAAC693}"/>
+                </a:ext>
+              </a:extLst>
+            </p:cNvPr>
+            <p:cNvSpPr txBox="1"/>
+            <p:nvPr/>
+          </p:nvSpPr>
+          <p:spPr>
+            <a:xfrm>
+              <a:off x="8706219" y="2821908"/>
+              <a:ext cx="1121895" cy="369332"/>
+            </a:xfrm>
+            <a:prstGeom prst="rect">
+              <a:avLst/>
+            </a:prstGeom>
+            <a:noFill/>
+          </p:spPr>
+          <p:txBody>
+            <a:bodyPr wrap="square" rtlCol="0">
+              <a:spAutoFit/>
+            </a:bodyPr>
+            <a:lstStyle>
+              <a:defPPr>
+                <a:defRPr lang="en-US"/>
+              </a:defPPr>
+              <a:lvl1pPr marL="0" algn="l" defTabSz="914400" rtl="0" eaLnBrk="1" latinLnBrk="0" hangingPunct="1">
+                <a:defRPr sz="1800" kern="1200">
+                  <a:solidFill>
+                    <a:schemeClr val="tx1"/>
+                  </a:solidFill>
+                  <a:latin typeface="+mn-lt"/>
+                  <a:ea typeface="+mn-ea"/>
+                  <a:cs typeface="+mn-cs"/>
+                </a:defRPr>
+              </a:lvl1pPr>
+              <a:lvl2pPr marL="457200" algn="l" defTabSz="914400" rtl="0" eaLnBrk="1" latinLnBrk="0" hangingPunct="1">
+                <a:defRPr sz="1800" kern="1200">
+                  <a:solidFill>
+                    <a:schemeClr val="tx1"/>
+                  </a:solidFill>
+                  <a:latin typeface="+mn-lt"/>
+                  <a:ea typeface="+mn-ea"/>
+                  <a:cs typeface="+mn-cs"/>
+                </a:defRPr>
+              </a:lvl2pPr>
+              <a:lvl3pPr marL="914400" algn="l" defTabSz="914400" rtl="0" eaLnBrk="1" latinLnBrk="0" hangingPunct="1">
+                <a:defRPr sz="1800" kern="1200">
+                  <a:solidFill>
+                    <a:schemeClr val="tx1"/>
+                  </a:solidFill>
+                  <a:latin typeface="+mn-lt"/>
+                  <a:ea typeface="+mn-ea"/>
+                  <a:cs typeface="+mn-cs"/>
+                </a:defRPr>
+              </a:lvl3pPr>
+              <a:lvl4pPr marL="1371600" algn="l" defTabSz="914400" rtl="0" eaLnBrk="1" latinLnBrk="0" hangingPunct="1">
+                <a:defRPr sz="1800" kern="1200">
+                  <a:solidFill>
+                    <a:schemeClr val="tx1"/>
+                  </a:solidFill>
+                  <a:latin typeface="+mn-lt"/>
+                  <a:ea typeface="+mn-ea"/>
+                  <a:cs typeface="+mn-cs"/>
+                </a:defRPr>
+              </a:lvl4pPr>
+              <a:lvl5pPr marL="1828800" algn="l" defTabSz="914400" rtl="0" eaLnBrk="1" latinLnBrk="0" hangingPunct="1">
+                <a:defRPr sz="1800" kern="1200">
+                  <a:solidFill>
+                    <a:schemeClr val="tx1"/>
+                  </a:solidFill>
+                  <a:latin typeface="+mn-lt"/>
+                  <a:ea typeface="+mn-ea"/>
+                  <a:cs typeface="+mn-cs"/>
+                </a:defRPr>
+              </a:lvl5pPr>
+              <a:lvl6pPr marL="2286000" algn="l" defTabSz="914400" rtl="0" eaLnBrk="1" latinLnBrk="0" hangingPunct="1">
+                <a:defRPr sz="1800" kern="1200">
+                  <a:solidFill>
+                    <a:schemeClr val="tx1"/>
+                  </a:solidFill>
+                  <a:latin typeface="+mn-lt"/>
+                  <a:ea typeface="+mn-ea"/>
+                  <a:cs typeface="+mn-cs"/>
+                </a:defRPr>
+              </a:lvl6pPr>
+              <a:lvl7pPr marL="2743200" algn="l" defTabSz="914400" rtl="0" eaLnBrk="1" latinLnBrk="0" hangingPunct="1">
+                <a:defRPr sz="1800" kern="1200">
+                  <a:solidFill>
+                    <a:schemeClr val="tx1"/>
+                  </a:solidFill>
+                  <a:latin typeface="+mn-lt"/>
+                  <a:ea typeface="+mn-ea"/>
+                  <a:cs typeface="+mn-cs"/>
+                </a:defRPr>
+              </a:lvl7pPr>
+              <a:lvl8pPr marL="3200400" algn="l" defTabSz="914400" rtl="0" eaLnBrk="1" latinLnBrk="0" hangingPunct="1">
+                <a:defRPr sz="1800" kern="1200">
+                  <a:solidFill>
+                    <a:schemeClr val="tx1"/>
+                  </a:solidFill>
+                  <a:latin typeface="+mn-lt"/>
+                  <a:ea typeface="+mn-ea"/>
+                  <a:cs typeface="+mn-cs"/>
+                </a:defRPr>
+              </a:lvl8pPr>
+              <a:lvl9pPr marL="3657600" algn="l" defTabSz="914400" rtl="0" eaLnBrk="1" latinLnBrk="0" hangingPunct="1">
+                <a:defRPr sz="1800" kern="1200">
+                  <a:solidFill>
+                    <a:schemeClr val="tx1"/>
+                  </a:solidFill>
+                  <a:latin typeface="+mn-lt"/>
+                  <a:ea typeface="+mn-ea"/>
+                  <a:cs typeface="+mn-cs"/>
+                </a:defRPr>
+              </a:lvl9pPr>
+            </a:lstStyle>
+            <a:p>
+              <a:pPr algn="ctr"/>
+              <a:r>
+                <a:rPr lang="en-US"/>
+                <a:t>Line east</a:t>
+              </a:r>
+            </a:p>
+          </p:txBody>
+        </p:sp>
+        <p:sp>
+          <p:nvSpPr>
+            <p:cNvPr id="51" name="TextBox 33">
+              <a:extLst>
+                <a:ext uri="{FF2B5EF4-FFF2-40B4-BE49-F238E27FC236}">
+                  <a16:creationId xmlns:a16="http://schemas.microsoft.com/office/drawing/2014/main" id="{5B6C71BA-93D4-4D5E-A0C1-FD86A0B95B37}"/>
+                </a:ext>
+              </a:extLst>
+            </p:cNvPr>
+            <p:cNvSpPr txBox="1"/>
+            <p:nvPr/>
+          </p:nvSpPr>
+          <p:spPr>
+            <a:xfrm>
+              <a:off x="2269181" y="2821908"/>
+              <a:ext cx="1121895" cy="369332"/>
+            </a:xfrm>
+            <a:prstGeom prst="rect">
+              <a:avLst/>
+            </a:prstGeom>
+            <a:noFill/>
+          </p:spPr>
+          <p:txBody>
+            <a:bodyPr wrap="square" rtlCol="0">
+              <a:spAutoFit/>
+            </a:bodyPr>
+            <a:lstStyle>
+              <a:defPPr>
+                <a:defRPr lang="en-US"/>
+              </a:defPPr>
+              <a:lvl1pPr marL="0" algn="l" defTabSz="914400" rtl="0" eaLnBrk="1" latinLnBrk="0" hangingPunct="1">
+                <a:defRPr sz="1800" kern="1200">
+                  <a:solidFill>
+                    <a:schemeClr val="tx1"/>
+                  </a:solidFill>
+                  <a:latin typeface="+mn-lt"/>
+                  <a:ea typeface="+mn-ea"/>
+                  <a:cs typeface="+mn-cs"/>
+                </a:defRPr>
+              </a:lvl1pPr>
+              <a:lvl2pPr marL="457200" algn="l" defTabSz="914400" rtl="0" eaLnBrk="1" latinLnBrk="0" hangingPunct="1">
+                <a:defRPr sz="1800" kern="1200">
+                  <a:solidFill>
+                    <a:schemeClr val="tx1"/>
+                  </a:solidFill>
+                  <a:latin typeface="+mn-lt"/>
+                  <a:ea typeface="+mn-ea"/>
+                  <a:cs typeface="+mn-cs"/>
+                </a:defRPr>
+              </a:lvl2pPr>
+              <a:lvl3pPr marL="914400" algn="l" defTabSz="914400" rtl="0" eaLnBrk="1" latinLnBrk="0" hangingPunct="1">
+                <a:defRPr sz="1800" kern="1200">
+                  <a:solidFill>
+                    <a:schemeClr val="tx1"/>
+                  </a:solidFill>
+                  <a:latin typeface="+mn-lt"/>
+                  <a:ea typeface="+mn-ea"/>
+                  <a:cs typeface="+mn-cs"/>
+                </a:defRPr>
+              </a:lvl3pPr>
+              <a:lvl4pPr marL="1371600" algn="l" defTabSz="914400" rtl="0" eaLnBrk="1" latinLnBrk="0" hangingPunct="1">
+                <a:defRPr sz="1800" kern="1200">
+                  <a:solidFill>
+                    <a:schemeClr val="tx1"/>
+                  </a:solidFill>
+                  <a:latin typeface="+mn-lt"/>
+                  <a:ea typeface="+mn-ea"/>
+                  <a:cs typeface="+mn-cs"/>
+                </a:defRPr>
+              </a:lvl4pPr>
+              <a:lvl5pPr marL="1828800" algn="l" defTabSz="914400" rtl="0" eaLnBrk="1" latinLnBrk="0" hangingPunct="1">
+                <a:defRPr sz="1800" kern="1200">
+                  <a:solidFill>
+                    <a:schemeClr val="tx1"/>
+                  </a:solidFill>
+                  <a:latin typeface="+mn-lt"/>
+                  <a:ea typeface="+mn-ea"/>
+                  <a:cs typeface="+mn-cs"/>
+                </a:defRPr>
+              </a:lvl5pPr>
+              <a:lvl6pPr marL="2286000" algn="l" defTabSz="914400" rtl="0" eaLnBrk="1" latinLnBrk="0" hangingPunct="1">
+                <a:defRPr sz="1800" kern="1200">
+                  <a:solidFill>
+                    <a:schemeClr val="tx1"/>
+                  </a:solidFill>
+                  <a:latin typeface="+mn-lt"/>
+                  <a:ea typeface="+mn-ea"/>
+                  <a:cs typeface="+mn-cs"/>
+                </a:defRPr>
+              </a:lvl6pPr>
+              <a:lvl7pPr marL="2743200" algn="l" defTabSz="914400" rtl="0" eaLnBrk="1" latinLnBrk="0" hangingPunct="1">
+                <a:defRPr sz="1800" kern="1200">
+                  <a:solidFill>
+                    <a:schemeClr val="tx1"/>
+                  </a:solidFill>
+                  <a:latin typeface="+mn-lt"/>
+                  <a:ea typeface="+mn-ea"/>
+                  <a:cs typeface="+mn-cs"/>
+                </a:defRPr>
+              </a:lvl7pPr>
+              <a:lvl8pPr marL="3200400" algn="l" defTabSz="914400" rtl="0" eaLnBrk="1" latinLnBrk="0" hangingPunct="1">
+                <a:defRPr sz="1800" kern="1200">
+                  <a:solidFill>
+                    <a:schemeClr val="tx1"/>
+                  </a:solidFill>
+                  <a:latin typeface="+mn-lt"/>
+                  <a:ea typeface="+mn-ea"/>
+                  <a:cs typeface="+mn-cs"/>
+                </a:defRPr>
+              </a:lvl8pPr>
+              <a:lvl9pPr marL="3657600" algn="l" defTabSz="914400" rtl="0" eaLnBrk="1" latinLnBrk="0" hangingPunct="1">
+                <a:defRPr sz="1800" kern="1200">
+                  <a:solidFill>
+                    <a:schemeClr val="tx1"/>
+                  </a:solidFill>
+                  <a:latin typeface="+mn-lt"/>
+                  <a:ea typeface="+mn-ea"/>
+                  <a:cs typeface="+mn-cs"/>
+                </a:defRPr>
+              </a:lvl9pPr>
+            </a:lstStyle>
+            <a:p>
+              <a:pPr algn="ctr"/>
+              <a:r>
+                <a:rPr lang="en-US"/>
+                <a:t>Line west</a:t>
+              </a:r>
+            </a:p>
+          </p:txBody>
+        </p:sp>
+        <p:cxnSp>
+          <p:nvCxnSpPr>
+            <p:cNvPr id="52" name="Straight Connector 51">
+              <a:extLst>
+                <a:ext uri="{FF2B5EF4-FFF2-40B4-BE49-F238E27FC236}">
+                  <a16:creationId xmlns:a16="http://schemas.microsoft.com/office/drawing/2014/main" id="{36C3378E-93A6-4210-93D3-D4D9C58F0EB3}"/>
+                </a:ext>
+              </a:extLst>
+            </p:cNvPr>
+            <p:cNvCxnSpPr>
+              <a:cxnSpLocks/>
+            </p:cNvCxnSpPr>
+            <p:nvPr/>
+          </p:nvCxnSpPr>
+          <p:spPr>
+            <a:xfrm>
+              <a:off x="4595526" y="3121510"/>
+              <a:ext cx="742465" cy="1064203"/>
+            </a:xfrm>
+            <a:prstGeom prst="line">
+              <a:avLst/>
+            </a:prstGeom>
+            <a:ln w="38100">
+              <a:solidFill>
+                <a:srgbClr val="7030A0"/>
+              </a:solidFill>
+              <a:prstDash val="solid"/>
+              <a:headEnd type="none" w="med" len="lg"/>
+              <a:tailEnd type="triangle" w="med" len="lg"/>
+            </a:ln>
+          </p:spPr>
+          <p:style>
+            <a:lnRef idx="1">
+              <a:schemeClr val="accent1"/>
+            </a:lnRef>
+            <a:fillRef idx="0">
+              <a:schemeClr val="accent1"/>
+            </a:fillRef>
+            <a:effectRef idx="0">
+              <a:schemeClr val="accent1"/>
+            </a:effectRef>
+            <a:fontRef idx="minor">
+              <a:schemeClr val="tx1"/>
+            </a:fontRef>
+          </p:style>
+        </p:cxnSp>
+        <p:cxnSp>
+          <p:nvCxnSpPr>
+            <p:cNvPr id="53" name="Straight Connector 52">
+              <a:extLst>
+                <a:ext uri="{FF2B5EF4-FFF2-40B4-BE49-F238E27FC236}">
+                  <a16:creationId xmlns:a16="http://schemas.microsoft.com/office/drawing/2014/main" id="{FB833FEC-7EC9-40C9-984B-41AC0D78A04A}"/>
+                </a:ext>
+              </a:extLst>
+            </p:cNvPr>
+            <p:cNvCxnSpPr>
+              <a:cxnSpLocks/>
+            </p:cNvCxnSpPr>
+            <p:nvPr/>
+          </p:nvCxnSpPr>
+          <p:spPr>
+            <a:xfrm flipH="1">
+              <a:off x="6748065" y="3031688"/>
+              <a:ext cx="740072" cy="1166026"/>
+            </a:xfrm>
+            <a:prstGeom prst="line">
+              <a:avLst/>
+            </a:prstGeom>
+            <a:ln w="38100">
+              <a:solidFill>
+                <a:srgbClr val="33CC33"/>
+              </a:solidFill>
+              <a:prstDash val="solid"/>
+              <a:headEnd type="triangle" w="med" len="lg"/>
+              <a:tailEnd type="none" w="med" len="lg"/>
+            </a:ln>
+          </p:spPr>
+          <p:style>
+            <a:lnRef idx="1">
+              <a:schemeClr val="accent1"/>
+            </a:lnRef>
+            <a:fillRef idx="0">
+              <a:schemeClr val="accent1"/>
+            </a:fillRef>
+            <a:effectRef idx="0">
+              <a:schemeClr val="accent1"/>
+            </a:effectRef>
+            <a:fontRef idx="minor">
+              <a:schemeClr val="tx1"/>
+            </a:fontRef>
+          </p:style>
+        </p:cxnSp>
+        <p:cxnSp>
+          <p:nvCxnSpPr>
+            <p:cNvPr id="54" name="Straight Connector 53">
+              <a:extLst>
+                <a:ext uri="{FF2B5EF4-FFF2-40B4-BE49-F238E27FC236}">
+                  <a16:creationId xmlns:a16="http://schemas.microsoft.com/office/drawing/2014/main" id="{6B015465-AC1C-4A04-B9F9-7EB9D175EA4A}"/>
+                </a:ext>
+              </a:extLst>
+            </p:cNvPr>
+            <p:cNvCxnSpPr>
+              <a:cxnSpLocks/>
+            </p:cNvCxnSpPr>
+            <p:nvPr/>
+          </p:nvCxnSpPr>
+          <p:spPr>
+            <a:xfrm>
+              <a:off x="5337991" y="4188008"/>
+              <a:ext cx="0" cy="505316"/>
+            </a:xfrm>
+            <a:prstGeom prst="line">
+              <a:avLst/>
+            </a:prstGeom>
+            <a:ln w="38100">
+              <a:solidFill>
+                <a:srgbClr val="7030A0"/>
+              </a:solidFill>
+              <a:tailEnd type="triangle" w="med" len="lg"/>
+            </a:ln>
+          </p:spPr>
+          <p:style>
+            <a:lnRef idx="1">
+              <a:schemeClr val="accent1"/>
+            </a:lnRef>
+            <a:fillRef idx="0">
+              <a:schemeClr val="accent1"/>
+            </a:fillRef>
+            <a:effectRef idx="0">
+              <a:schemeClr val="accent1"/>
+            </a:effectRef>
+            <a:fontRef idx="minor">
+              <a:schemeClr val="tx1"/>
+            </a:fontRef>
+          </p:style>
+        </p:cxnSp>
+        <p:cxnSp>
+          <p:nvCxnSpPr>
+            <p:cNvPr id="55" name="Straight Connector 54">
+              <a:extLst>
+                <a:ext uri="{FF2B5EF4-FFF2-40B4-BE49-F238E27FC236}">
+                  <a16:creationId xmlns:a16="http://schemas.microsoft.com/office/drawing/2014/main" id="{5BF86E91-6059-4D08-9D49-00E610B86166}"/>
+                </a:ext>
+              </a:extLst>
+            </p:cNvPr>
+            <p:cNvCxnSpPr>
+              <a:cxnSpLocks/>
+            </p:cNvCxnSpPr>
+            <p:nvPr/>
+          </p:nvCxnSpPr>
+          <p:spPr>
+            <a:xfrm flipV="1">
+              <a:off x="5534841" y="4188008"/>
+              <a:ext cx="0" cy="505316"/>
+            </a:xfrm>
+            <a:prstGeom prst="line">
+              <a:avLst/>
+            </a:prstGeom>
+            <a:ln w="38100">
+              <a:solidFill>
+                <a:srgbClr val="7030A0"/>
+              </a:solidFill>
+              <a:tailEnd type="triangle" w="med" len="lg"/>
+            </a:ln>
+          </p:spPr>
+          <p:style>
+            <a:lnRef idx="1">
+              <a:schemeClr val="accent1"/>
+            </a:lnRef>
+            <a:fillRef idx="0">
+              <a:schemeClr val="accent1"/>
+            </a:fillRef>
+            <a:effectRef idx="0">
+              <a:schemeClr val="accent1"/>
+            </a:effectRef>
+            <a:fontRef idx="minor">
+              <a:schemeClr val="tx1"/>
+            </a:fontRef>
+          </p:style>
+        </p:cxnSp>
+        <p:cxnSp>
+          <p:nvCxnSpPr>
+            <p:cNvPr id="56" name="Straight Connector 55">
+              <a:extLst>
+                <a:ext uri="{FF2B5EF4-FFF2-40B4-BE49-F238E27FC236}">
+                  <a16:creationId xmlns:a16="http://schemas.microsoft.com/office/drawing/2014/main" id="{E0CC7894-15B7-47B4-8496-2F3083D79680}"/>
+                </a:ext>
+              </a:extLst>
+            </p:cNvPr>
+            <p:cNvCxnSpPr>
+              <a:cxnSpLocks/>
+            </p:cNvCxnSpPr>
+            <p:nvPr/>
+          </p:nvCxnSpPr>
+          <p:spPr>
+            <a:xfrm>
+              <a:off x="6551215" y="4188008"/>
+              <a:ext cx="0" cy="505316"/>
+            </a:xfrm>
+            <a:prstGeom prst="line">
+              <a:avLst/>
+            </a:prstGeom>
+            <a:ln w="38100">
+              <a:solidFill>
+                <a:srgbClr val="33CC33"/>
+              </a:solidFill>
+              <a:tailEnd type="triangle" w="med" len="lg"/>
+            </a:ln>
+          </p:spPr>
+          <p:style>
+            <a:lnRef idx="1">
+              <a:schemeClr val="accent1"/>
+            </a:lnRef>
+            <a:fillRef idx="0">
+              <a:schemeClr val="accent1"/>
+            </a:fillRef>
+            <a:effectRef idx="0">
+              <a:schemeClr val="accent1"/>
+            </a:effectRef>
+            <a:fontRef idx="minor">
+              <a:schemeClr val="tx1"/>
+            </a:fontRef>
+          </p:style>
+        </p:cxnSp>
+        <p:cxnSp>
+          <p:nvCxnSpPr>
+            <p:cNvPr id="57" name="Straight Connector 56">
+              <a:extLst>
+                <a:ext uri="{FF2B5EF4-FFF2-40B4-BE49-F238E27FC236}">
+                  <a16:creationId xmlns:a16="http://schemas.microsoft.com/office/drawing/2014/main" id="{3558DEBE-D036-4FDE-9BFF-4792A33FF1FC}"/>
+                </a:ext>
+              </a:extLst>
+            </p:cNvPr>
+            <p:cNvCxnSpPr>
+              <a:cxnSpLocks/>
+            </p:cNvCxnSpPr>
+            <p:nvPr/>
+          </p:nvCxnSpPr>
+          <p:spPr>
+            <a:xfrm flipV="1">
+              <a:off x="6748065" y="4188008"/>
+              <a:ext cx="0" cy="505316"/>
+            </a:xfrm>
+            <a:prstGeom prst="line">
+              <a:avLst/>
+            </a:prstGeom>
+            <a:ln w="38100">
+              <a:solidFill>
+                <a:srgbClr val="33CC33"/>
+              </a:solidFill>
+              <a:tailEnd type="triangle" w="med" len="lg"/>
+            </a:ln>
+          </p:spPr>
+          <p:style>
+            <a:lnRef idx="1">
+              <a:schemeClr val="accent1"/>
+            </a:lnRef>
+            <a:fillRef idx="0">
+              <a:schemeClr val="accent1"/>
+            </a:fillRef>
+            <a:effectRef idx="0">
+              <a:schemeClr val="accent1"/>
+            </a:effectRef>
+            <a:fontRef idx="minor">
+              <a:schemeClr val="tx1"/>
+            </a:fontRef>
+          </p:style>
+        </p:cxnSp>
+        <p:sp>
+          <p:nvSpPr>
+            <p:cNvPr id="58" name="Rectangle 57">
+              <a:extLst>
+                <a:ext uri="{FF2B5EF4-FFF2-40B4-BE49-F238E27FC236}">
+                  <a16:creationId xmlns:a16="http://schemas.microsoft.com/office/drawing/2014/main" id="{63342FCF-BD98-4068-9208-6CB6402614AD}"/>
+                </a:ext>
+              </a:extLst>
+            </p:cNvPr>
+            <p:cNvSpPr/>
+            <p:nvPr/>
+          </p:nvSpPr>
+          <p:spPr>
+            <a:xfrm>
+              <a:off x="5234803" y="4695619"/>
+              <a:ext cx="409575" cy="589031"/>
+            </a:xfrm>
+            <a:prstGeom prst="rect">
+              <a:avLst/>
+            </a:prstGeom>
+            <a:ln w="19050"/>
+          </p:spPr>
+          <p:style>
+            <a:lnRef idx="2">
+              <a:schemeClr val="accent1">
+                <a:shade val="50000"/>
+              </a:schemeClr>
+            </a:lnRef>
+            <a:fillRef idx="1">
+              <a:schemeClr val="accent1"/>
+            </a:fillRef>
+            <a:effectRef idx="0">
+              <a:schemeClr val="accent1"/>
+            </a:effectRef>
+            <a:fontRef idx="minor">
+              <a:schemeClr val="lt1"/>
+            </a:fontRef>
+          </p:style>
+          <p:txBody>
+            <a:bodyPr rtlCol="0" anchor="ctr"/>
+            <a:lstStyle>
+              <a:defPPr>
+                <a:defRPr lang="en-US"/>
+              </a:defPPr>
+              <a:lvl1pPr marL="0" algn="l" defTabSz="914400" rtl="0" eaLnBrk="1" latinLnBrk="0" hangingPunct="1">
+                <a:defRPr sz="1800" kern="1200">
+                  <a:solidFill>
+                    <a:schemeClr val="lt1"/>
+                  </a:solidFill>
+                  <a:latin typeface="+mn-lt"/>
+                  <a:ea typeface="+mn-ea"/>
+                  <a:cs typeface="+mn-cs"/>
+                </a:defRPr>
+              </a:lvl1pPr>
+              <a:lvl2pPr marL="457200" algn="l" defTabSz="914400" rtl="0" eaLnBrk="1" latinLnBrk="0" hangingPunct="1">
+                <a:defRPr sz="1800" kern="1200">
+                  <a:solidFill>
+                    <a:schemeClr val="lt1"/>
+                  </a:solidFill>
+                  <a:latin typeface="+mn-lt"/>
+                  <a:ea typeface="+mn-ea"/>
+                  <a:cs typeface="+mn-cs"/>
+                </a:defRPr>
+              </a:lvl2pPr>
+              <a:lvl3pPr marL="914400" algn="l" defTabSz="914400" rtl="0" eaLnBrk="1" latinLnBrk="0" hangingPunct="1">
+                <a:defRPr sz="1800" kern="1200">
+                  <a:solidFill>
+                    <a:schemeClr val="lt1"/>
+                  </a:solidFill>
+                  <a:latin typeface="+mn-lt"/>
+                  <a:ea typeface="+mn-ea"/>
+                  <a:cs typeface="+mn-cs"/>
+                </a:defRPr>
+              </a:lvl3pPr>
+              <a:lvl4pPr marL="1371600" algn="l" defTabSz="914400" rtl="0" eaLnBrk="1" latinLnBrk="0" hangingPunct="1">
+                <a:defRPr sz="1800" kern="1200">
+                  <a:solidFill>
+                    <a:schemeClr val="lt1"/>
+                  </a:solidFill>
+                  <a:latin typeface="+mn-lt"/>
+                  <a:ea typeface="+mn-ea"/>
+                  <a:cs typeface="+mn-cs"/>
+                </a:defRPr>
+              </a:lvl4pPr>
+              <a:lvl5pPr marL="1828800" algn="l" defTabSz="914400" rtl="0" eaLnBrk="1" latinLnBrk="0" hangingPunct="1">
+                <a:defRPr sz="1800" kern="1200">
+                  <a:solidFill>
+                    <a:schemeClr val="lt1"/>
+                  </a:solidFill>
+                  <a:latin typeface="+mn-lt"/>
+                  <a:ea typeface="+mn-ea"/>
+                  <a:cs typeface="+mn-cs"/>
+                </a:defRPr>
+              </a:lvl5pPr>
+              <a:lvl6pPr marL="2286000" algn="l" defTabSz="914400" rtl="0" eaLnBrk="1" latinLnBrk="0" hangingPunct="1">
+                <a:defRPr sz="1800" kern="1200">
+                  <a:solidFill>
+                    <a:schemeClr val="lt1"/>
+                  </a:solidFill>
+                  <a:latin typeface="+mn-lt"/>
+                  <a:ea typeface="+mn-ea"/>
+                  <a:cs typeface="+mn-cs"/>
+                </a:defRPr>
+              </a:lvl6pPr>
+              <a:lvl7pPr marL="2743200" algn="l" defTabSz="914400" rtl="0" eaLnBrk="1" latinLnBrk="0" hangingPunct="1">
+                <a:defRPr sz="1800" kern="1200">
+                  <a:solidFill>
+                    <a:schemeClr val="lt1"/>
+                  </a:solidFill>
+                  <a:latin typeface="+mn-lt"/>
+                  <a:ea typeface="+mn-ea"/>
+                  <a:cs typeface="+mn-cs"/>
+                </a:defRPr>
+              </a:lvl7pPr>
+              <a:lvl8pPr marL="3200400" algn="l" defTabSz="914400" rtl="0" eaLnBrk="1" latinLnBrk="0" hangingPunct="1">
+                <a:defRPr sz="1800" kern="1200">
+                  <a:solidFill>
+                    <a:schemeClr val="lt1"/>
+                  </a:solidFill>
+                  <a:latin typeface="+mn-lt"/>
+                  <a:ea typeface="+mn-ea"/>
+                  <a:cs typeface="+mn-cs"/>
+                </a:defRPr>
+              </a:lvl8pPr>
+              <a:lvl9pPr marL="3657600" algn="l" defTabSz="914400" rtl="0" eaLnBrk="1" latinLnBrk="0" hangingPunct="1">
+                <a:defRPr sz="1800" kern="1200">
+                  <a:solidFill>
+                    <a:schemeClr val="lt1"/>
+                  </a:solidFill>
+                  <a:latin typeface="+mn-lt"/>
+                  <a:ea typeface="+mn-ea"/>
+                  <a:cs typeface="+mn-cs"/>
+                </a:defRPr>
+              </a:lvl9pPr>
+            </a:lstStyle>
+            <a:p>
+              <a:pPr algn="ctr"/>
+              <a:r>
+                <a:rPr lang="en-US"/>
+                <a:t>OT</a:t>
+              </a:r>
+            </a:p>
+          </p:txBody>
+        </p:sp>
+        <p:sp>
+          <p:nvSpPr>
+            <p:cNvPr id="59" name="Rectangle 58">
+              <a:extLst>
+                <a:ext uri="{FF2B5EF4-FFF2-40B4-BE49-F238E27FC236}">
+                  <a16:creationId xmlns:a16="http://schemas.microsoft.com/office/drawing/2014/main" id="{CA41E668-6370-4CD6-BEDB-3BE597CB9362}"/>
+                </a:ext>
+              </a:extLst>
+            </p:cNvPr>
+            <p:cNvSpPr/>
+            <p:nvPr/>
+          </p:nvSpPr>
+          <p:spPr>
+            <a:xfrm>
+              <a:off x="6439253" y="4693084"/>
+              <a:ext cx="409575" cy="589031"/>
+            </a:xfrm>
+            <a:prstGeom prst="rect">
+              <a:avLst/>
+            </a:prstGeom>
+            <a:ln w="19050"/>
+          </p:spPr>
+          <p:style>
+            <a:lnRef idx="2">
+              <a:schemeClr val="accent1">
+                <a:shade val="50000"/>
+              </a:schemeClr>
+            </a:lnRef>
+            <a:fillRef idx="1">
+              <a:schemeClr val="accent1"/>
+            </a:fillRef>
+            <a:effectRef idx="0">
+              <a:schemeClr val="accent1"/>
+            </a:effectRef>
+            <a:fontRef idx="minor">
+              <a:schemeClr val="lt1"/>
+            </a:fontRef>
+          </p:style>
+          <p:txBody>
+            <a:bodyPr rtlCol="0" anchor="ctr"/>
+            <a:lstStyle>
+              <a:defPPr>
+                <a:defRPr lang="en-US"/>
+              </a:defPPr>
+              <a:lvl1pPr marL="0" algn="l" defTabSz="914400" rtl="0" eaLnBrk="1" latinLnBrk="0" hangingPunct="1">
+                <a:defRPr sz="1800" kern="1200">
+                  <a:solidFill>
+                    <a:schemeClr val="lt1"/>
+                  </a:solidFill>
+                  <a:latin typeface="+mn-lt"/>
+                  <a:ea typeface="+mn-ea"/>
+                  <a:cs typeface="+mn-cs"/>
+                </a:defRPr>
+              </a:lvl1pPr>
+              <a:lvl2pPr marL="457200" algn="l" defTabSz="914400" rtl="0" eaLnBrk="1" latinLnBrk="0" hangingPunct="1">
+                <a:defRPr sz="1800" kern="1200">
+                  <a:solidFill>
+                    <a:schemeClr val="lt1"/>
+                  </a:solidFill>
+                  <a:latin typeface="+mn-lt"/>
+                  <a:ea typeface="+mn-ea"/>
+                  <a:cs typeface="+mn-cs"/>
+                </a:defRPr>
+              </a:lvl2pPr>
+              <a:lvl3pPr marL="914400" algn="l" defTabSz="914400" rtl="0" eaLnBrk="1" latinLnBrk="0" hangingPunct="1">
+                <a:defRPr sz="1800" kern="1200">
+                  <a:solidFill>
+                    <a:schemeClr val="lt1"/>
+                  </a:solidFill>
+                  <a:latin typeface="+mn-lt"/>
+                  <a:ea typeface="+mn-ea"/>
+                  <a:cs typeface="+mn-cs"/>
+                </a:defRPr>
+              </a:lvl3pPr>
+              <a:lvl4pPr marL="1371600" algn="l" defTabSz="914400" rtl="0" eaLnBrk="1" latinLnBrk="0" hangingPunct="1">
+                <a:defRPr sz="1800" kern="1200">
+                  <a:solidFill>
+                    <a:schemeClr val="lt1"/>
+                  </a:solidFill>
+                  <a:latin typeface="+mn-lt"/>
+                  <a:ea typeface="+mn-ea"/>
+                  <a:cs typeface="+mn-cs"/>
+                </a:defRPr>
+              </a:lvl4pPr>
+              <a:lvl5pPr marL="1828800" algn="l" defTabSz="914400" rtl="0" eaLnBrk="1" latinLnBrk="0" hangingPunct="1">
+                <a:defRPr sz="1800" kern="1200">
+                  <a:solidFill>
+                    <a:schemeClr val="lt1"/>
+                  </a:solidFill>
+                  <a:latin typeface="+mn-lt"/>
+                  <a:ea typeface="+mn-ea"/>
+                  <a:cs typeface="+mn-cs"/>
+                </a:defRPr>
+              </a:lvl5pPr>
+              <a:lvl6pPr marL="2286000" algn="l" defTabSz="914400" rtl="0" eaLnBrk="1" latinLnBrk="0" hangingPunct="1">
+                <a:defRPr sz="1800" kern="1200">
+                  <a:solidFill>
+                    <a:schemeClr val="lt1"/>
+                  </a:solidFill>
+                  <a:latin typeface="+mn-lt"/>
+                  <a:ea typeface="+mn-ea"/>
+                  <a:cs typeface="+mn-cs"/>
+                </a:defRPr>
+              </a:lvl6pPr>
+              <a:lvl7pPr marL="2743200" algn="l" defTabSz="914400" rtl="0" eaLnBrk="1" latinLnBrk="0" hangingPunct="1">
+                <a:defRPr sz="1800" kern="1200">
+                  <a:solidFill>
+                    <a:schemeClr val="lt1"/>
+                  </a:solidFill>
+                  <a:latin typeface="+mn-lt"/>
+                  <a:ea typeface="+mn-ea"/>
+                  <a:cs typeface="+mn-cs"/>
+                </a:defRPr>
+              </a:lvl7pPr>
+              <a:lvl8pPr marL="3200400" algn="l" defTabSz="914400" rtl="0" eaLnBrk="1" latinLnBrk="0" hangingPunct="1">
+                <a:defRPr sz="1800" kern="1200">
+                  <a:solidFill>
+                    <a:schemeClr val="lt1"/>
+                  </a:solidFill>
+                  <a:latin typeface="+mn-lt"/>
+                  <a:ea typeface="+mn-ea"/>
+                  <a:cs typeface="+mn-cs"/>
+                </a:defRPr>
+              </a:lvl8pPr>
+              <a:lvl9pPr marL="3657600" algn="l" defTabSz="914400" rtl="0" eaLnBrk="1" latinLnBrk="0" hangingPunct="1">
+                <a:defRPr sz="1800" kern="1200">
+                  <a:solidFill>
+                    <a:schemeClr val="lt1"/>
+                  </a:solidFill>
+                  <a:latin typeface="+mn-lt"/>
+                  <a:ea typeface="+mn-ea"/>
+                  <a:cs typeface="+mn-cs"/>
+                </a:defRPr>
+              </a:lvl9pPr>
+            </a:lstStyle>
+            <a:p>
+              <a:pPr algn="ctr"/>
+              <a:r>
+                <a:rPr lang="en-US"/>
+                <a:t>OT</a:t>
+              </a:r>
+            </a:p>
+          </p:txBody>
+        </p:sp>
+        <p:sp>
+          <p:nvSpPr>
+            <p:cNvPr id="60" name="Isosceles Triangle 59">
+              <a:extLst>
+                <a:ext uri="{FF2B5EF4-FFF2-40B4-BE49-F238E27FC236}">
+                  <a16:creationId xmlns:a16="http://schemas.microsoft.com/office/drawing/2014/main" id="{3847FC5E-DA6B-4720-9B25-C911E1ACC3CA}"/>
+                </a:ext>
+              </a:extLst>
+            </p:cNvPr>
+            <p:cNvSpPr/>
+            <p:nvPr/>
+          </p:nvSpPr>
+          <p:spPr>
+            <a:xfrm rot="16200000">
+              <a:off x="3833560" y="2761598"/>
+              <a:ext cx="730250" cy="495266"/>
+            </a:xfrm>
+            <a:prstGeom prst="triangle">
+              <a:avLst/>
+            </a:prstGeom>
+            <a:solidFill>
+              <a:schemeClr val="accent1">
+                <a:alpha val="50000"/>
+              </a:schemeClr>
+            </a:solidFill>
+            <a:ln w="19050">
+              <a:solidFill>
+                <a:schemeClr val="accent1">
+                  <a:shade val="50000"/>
+                </a:schemeClr>
+              </a:solidFill>
+              <a:prstDash val="sysDash"/>
+            </a:ln>
+          </p:spPr>
+          <p:style>
+            <a:lnRef idx="2">
+              <a:schemeClr val="accent1">
+                <a:shade val="50000"/>
+              </a:schemeClr>
+            </a:lnRef>
+            <a:fillRef idx="1">
+              <a:schemeClr val="accent1"/>
+            </a:fillRef>
+            <a:effectRef idx="0">
+              <a:schemeClr val="accent1"/>
+            </a:effectRef>
+            <a:fontRef idx="minor">
+              <a:schemeClr val="lt1"/>
+            </a:fontRef>
+          </p:style>
+          <p:txBody>
+            <a:bodyPr rtlCol="0" anchor="ctr"/>
+            <a:lstStyle>
+              <a:defPPr>
+                <a:defRPr lang="en-US"/>
+              </a:defPPr>
+              <a:lvl1pPr marL="0" algn="l" defTabSz="914400" rtl="0" eaLnBrk="1" latinLnBrk="0" hangingPunct="1">
+                <a:defRPr sz="1800" kern="1200">
+                  <a:solidFill>
+                    <a:schemeClr val="lt1"/>
+                  </a:solidFill>
+                  <a:latin typeface="+mn-lt"/>
+                  <a:ea typeface="+mn-ea"/>
+                  <a:cs typeface="+mn-cs"/>
+                </a:defRPr>
+              </a:lvl1pPr>
+              <a:lvl2pPr marL="457200" algn="l" defTabSz="914400" rtl="0" eaLnBrk="1" latinLnBrk="0" hangingPunct="1">
+                <a:defRPr sz="1800" kern="1200">
+                  <a:solidFill>
+                    <a:schemeClr val="lt1"/>
+                  </a:solidFill>
+                  <a:latin typeface="+mn-lt"/>
+                  <a:ea typeface="+mn-ea"/>
+                  <a:cs typeface="+mn-cs"/>
+                </a:defRPr>
+              </a:lvl2pPr>
+              <a:lvl3pPr marL="914400" algn="l" defTabSz="914400" rtl="0" eaLnBrk="1" latinLnBrk="0" hangingPunct="1">
+                <a:defRPr sz="1800" kern="1200">
+                  <a:solidFill>
+                    <a:schemeClr val="lt1"/>
+                  </a:solidFill>
+                  <a:latin typeface="+mn-lt"/>
+                  <a:ea typeface="+mn-ea"/>
+                  <a:cs typeface="+mn-cs"/>
+                </a:defRPr>
+              </a:lvl3pPr>
+              <a:lvl4pPr marL="1371600" algn="l" defTabSz="914400" rtl="0" eaLnBrk="1" latinLnBrk="0" hangingPunct="1">
+                <a:defRPr sz="1800" kern="1200">
+                  <a:solidFill>
+                    <a:schemeClr val="lt1"/>
+                  </a:solidFill>
+                  <a:latin typeface="+mn-lt"/>
+                  <a:ea typeface="+mn-ea"/>
+                  <a:cs typeface="+mn-cs"/>
+                </a:defRPr>
+              </a:lvl4pPr>
+              <a:lvl5pPr marL="1828800" algn="l" defTabSz="914400" rtl="0" eaLnBrk="1" latinLnBrk="0" hangingPunct="1">
+                <a:defRPr sz="1800" kern="1200">
+                  <a:solidFill>
+                    <a:schemeClr val="lt1"/>
+                  </a:solidFill>
+                  <a:latin typeface="+mn-lt"/>
+                  <a:ea typeface="+mn-ea"/>
+                  <a:cs typeface="+mn-cs"/>
+                </a:defRPr>
+              </a:lvl5pPr>
+              <a:lvl6pPr marL="2286000" algn="l" defTabSz="914400" rtl="0" eaLnBrk="1" latinLnBrk="0" hangingPunct="1">
+                <a:defRPr sz="1800" kern="1200">
+                  <a:solidFill>
+                    <a:schemeClr val="lt1"/>
+                  </a:solidFill>
+                  <a:latin typeface="+mn-lt"/>
+                  <a:ea typeface="+mn-ea"/>
+                  <a:cs typeface="+mn-cs"/>
+                </a:defRPr>
+              </a:lvl6pPr>
+              <a:lvl7pPr marL="2743200" algn="l" defTabSz="914400" rtl="0" eaLnBrk="1" latinLnBrk="0" hangingPunct="1">
+                <a:defRPr sz="1800" kern="1200">
+                  <a:solidFill>
+                    <a:schemeClr val="lt1"/>
+                  </a:solidFill>
+                  <a:latin typeface="+mn-lt"/>
+                  <a:ea typeface="+mn-ea"/>
+                  <a:cs typeface="+mn-cs"/>
+                </a:defRPr>
+              </a:lvl7pPr>
+              <a:lvl8pPr marL="3200400" algn="l" defTabSz="914400" rtl="0" eaLnBrk="1" latinLnBrk="0" hangingPunct="1">
+                <a:defRPr sz="1800" kern="1200">
+                  <a:solidFill>
+                    <a:schemeClr val="lt1"/>
+                  </a:solidFill>
+                  <a:latin typeface="+mn-lt"/>
+                  <a:ea typeface="+mn-ea"/>
+                  <a:cs typeface="+mn-cs"/>
+                </a:defRPr>
+              </a:lvl8pPr>
+              <a:lvl9pPr marL="3657600" algn="l" defTabSz="914400" rtl="0" eaLnBrk="1" latinLnBrk="0" hangingPunct="1">
+                <a:defRPr sz="1800" kern="1200">
+                  <a:solidFill>
+                    <a:schemeClr val="lt1"/>
+                  </a:solidFill>
+                  <a:latin typeface="+mn-lt"/>
+                  <a:ea typeface="+mn-ea"/>
+                  <a:cs typeface="+mn-cs"/>
+                </a:defRPr>
+              </a:lvl9pPr>
+            </a:lstStyle>
+            <a:p>
+              <a:pPr algn="ctr"/>
+              <a:endParaRPr lang="en-US"/>
+            </a:p>
+          </p:txBody>
+        </p:sp>
+        <p:sp>
+          <p:nvSpPr>
+            <p:cNvPr id="61" name="Isosceles Triangle 60">
+              <a:extLst>
+                <a:ext uri="{FF2B5EF4-FFF2-40B4-BE49-F238E27FC236}">
+                  <a16:creationId xmlns:a16="http://schemas.microsoft.com/office/drawing/2014/main" id="{74D2C139-07BE-4EC7-B538-EE8C5B59F6F8}"/>
+                </a:ext>
+              </a:extLst>
+            </p:cNvPr>
+            <p:cNvSpPr/>
+            <p:nvPr/>
+          </p:nvSpPr>
+          <p:spPr>
+            <a:xfrm rot="5400000" flipH="1">
+              <a:off x="7514931" y="2761598"/>
+              <a:ext cx="730250" cy="495266"/>
+            </a:xfrm>
+            <a:prstGeom prst="triangle">
+              <a:avLst/>
+            </a:prstGeom>
+            <a:solidFill>
+              <a:schemeClr val="accent1">
+                <a:alpha val="50000"/>
+              </a:schemeClr>
+            </a:solidFill>
+            <a:ln w="19050">
+              <a:solidFill>
+                <a:schemeClr val="accent1">
+                  <a:shade val="50000"/>
+                </a:schemeClr>
+              </a:solidFill>
+              <a:prstDash val="sysDash"/>
+            </a:ln>
+          </p:spPr>
+          <p:style>
+            <a:lnRef idx="2">
+              <a:schemeClr val="accent1">
+                <a:shade val="50000"/>
+              </a:schemeClr>
+            </a:lnRef>
+            <a:fillRef idx="1">
+              <a:schemeClr val="accent1"/>
+            </a:fillRef>
+            <a:effectRef idx="0">
+              <a:schemeClr val="accent1"/>
+            </a:effectRef>
+            <a:fontRef idx="minor">
+              <a:schemeClr val="lt1"/>
+            </a:fontRef>
+          </p:style>
+          <p:txBody>
+            <a:bodyPr rtlCol="0" anchor="ctr"/>
+            <a:lstStyle>
+              <a:defPPr>
+                <a:defRPr lang="en-US"/>
+              </a:defPPr>
+              <a:lvl1pPr marL="0" algn="l" defTabSz="914400" rtl="0" eaLnBrk="1" latinLnBrk="0" hangingPunct="1">
+                <a:defRPr sz="1800" kern="1200">
+                  <a:solidFill>
+                    <a:schemeClr val="lt1"/>
+                  </a:solidFill>
+                  <a:latin typeface="+mn-lt"/>
+                  <a:ea typeface="+mn-ea"/>
+                  <a:cs typeface="+mn-cs"/>
+                </a:defRPr>
+              </a:lvl1pPr>
+              <a:lvl2pPr marL="457200" algn="l" defTabSz="914400" rtl="0" eaLnBrk="1" latinLnBrk="0" hangingPunct="1">
+                <a:defRPr sz="1800" kern="1200">
+                  <a:solidFill>
+                    <a:schemeClr val="lt1"/>
+                  </a:solidFill>
+                  <a:latin typeface="+mn-lt"/>
+                  <a:ea typeface="+mn-ea"/>
+                  <a:cs typeface="+mn-cs"/>
+                </a:defRPr>
+              </a:lvl2pPr>
+              <a:lvl3pPr marL="914400" algn="l" defTabSz="914400" rtl="0" eaLnBrk="1" latinLnBrk="0" hangingPunct="1">
+                <a:defRPr sz="1800" kern="1200">
+                  <a:solidFill>
+                    <a:schemeClr val="lt1"/>
+                  </a:solidFill>
+                  <a:latin typeface="+mn-lt"/>
+                  <a:ea typeface="+mn-ea"/>
+                  <a:cs typeface="+mn-cs"/>
+                </a:defRPr>
+              </a:lvl3pPr>
+              <a:lvl4pPr marL="1371600" algn="l" defTabSz="914400" rtl="0" eaLnBrk="1" latinLnBrk="0" hangingPunct="1">
+                <a:defRPr sz="1800" kern="1200">
+                  <a:solidFill>
+                    <a:schemeClr val="lt1"/>
+                  </a:solidFill>
+                  <a:latin typeface="+mn-lt"/>
+                  <a:ea typeface="+mn-ea"/>
+                  <a:cs typeface="+mn-cs"/>
+                </a:defRPr>
+              </a:lvl4pPr>
+              <a:lvl5pPr marL="1828800" algn="l" defTabSz="914400" rtl="0" eaLnBrk="1" latinLnBrk="0" hangingPunct="1">
+                <a:defRPr sz="1800" kern="1200">
+                  <a:solidFill>
+                    <a:schemeClr val="lt1"/>
+                  </a:solidFill>
+                  <a:latin typeface="+mn-lt"/>
+                  <a:ea typeface="+mn-ea"/>
+                  <a:cs typeface="+mn-cs"/>
+                </a:defRPr>
+              </a:lvl5pPr>
+              <a:lvl6pPr marL="2286000" algn="l" defTabSz="914400" rtl="0" eaLnBrk="1" latinLnBrk="0" hangingPunct="1">
+                <a:defRPr sz="1800" kern="1200">
+                  <a:solidFill>
+                    <a:schemeClr val="lt1"/>
+                  </a:solidFill>
+                  <a:latin typeface="+mn-lt"/>
+                  <a:ea typeface="+mn-ea"/>
+                  <a:cs typeface="+mn-cs"/>
+                </a:defRPr>
+              </a:lvl6pPr>
+              <a:lvl7pPr marL="2743200" algn="l" defTabSz="914400" rtl="0" eaLnBrk="1" latinLnBrk="0" hangingPunct="1">
+                <a:defRPr sz="1800" kern="1200">
+                  <a:solidFill>
+                    <a:schemeClr val="lt1"/>
+                  </a:solidFill>
+                  <a:latin typeface="+mn-lt"/>
+                  <a:ea typeface="+mn-ea"/>
+                  <a:cs typeface="+mn-cs"/>
+                </a:defRPr>
+              </a:lvl7pPr>
+              <a:lvl8pPr marL="3200400" algn="l" defTabSz="914400" rtl="0" eaLnBrk="1" latinLnBrk="0" hangingPunct="1">
+                <a:defRPr sz="1800" kern="1200">
+                  <a:solidFill>
+                    <a:schemeClr val="lt1"/>
+                  </a:solidFill>
+                  <a:latin typeface="+mn-lt"/>
+                  <a:ea typeface="+mn-ea"/>
+                  <a:cs typeface="+mn-cs"/>
+                </a:defRPr>
+              </a:lvl8pPr>
+              <a:lvl9pPr marL="3657600" algn="l" defTabSz="914400" rtl="0" eaLnBrk="1" latinLnBrk="0" hangingPunct="1">
+                <a:defRPr sz="1800" kern="1200">
+                  <a:solidFill>
+                    <a:schemeClr val="lt1"/>
+                  </a:solidFill>
+                  <a:latin typeface="+mn-lt"/>
+                  <a:ea typeface="+mn-ea"/>
+                  <a:cs typeface="+mn-cs"/>
+                </a:defRPr>
+              </a:lvl9pPr>
+            </a:lstStyle>
+            <a:p>
+              <a:pPr algn="ctr"/>
+              <a:endParaRPr lang="en-US"/>
+            </a:p>
+          </p:txBody>
+        </p:sp>
+      </p:grpSp>
+      <p:cxnSp>
+        <p:nvCxnSpPr>
+          <p:cNvPr id="75" name="Straight Connector 74">
+            <a:extLst>
+              <a:ext uri="{FF2B5EF4-FFF2-40B4-BE49-F238E27FC236}">
+                <a16:creationId xmlns:a16="http://schemas.microsoft.com/office/drawing/2014/main" id="{998E6D53-3A4E-4E39-9A9B-23A8C7450926}"/>
+              </a:ext>
+            </a:extLst>
+          </p:cNvPr>
+          <p:cNvCxnSpPr>
+            <a:cxnSpLocks/>
+          </p:cNvCxnSpPr>
+          <p:nvPr/>
+        </p:nvCxnSpPr>
+        <p:spPr>
+          <a:xfrm flipH="1">
+            <a:off x="3819919" y="2936298"/>
+            <a:ext cx="2892611" cy="0"/>
+          </a:xfrm>
+          <a:prstGeom prst="line">
+            <a:avLst/>
+          </a:prstGeom>
+          <a:ln w="38100">
+            <a:solidFill>
+              <a:srgbClr val="FF0000"/>
+            </a:solidFill>
+            <a:headEnd type="triangle" w="med" len="lg"/>
+            <a:tailEnd type="triangle" w="med" len="lg"/>
+          </a:ln>
+        </p:spPr>
+        <p:style>
+          <a:lnRef idx="1">
+            <a:schemeClr val="accent1"/>
+          </a:lnRef>
+          <a:fillRef idx="0">
+            <a:schemeClr val="accent1"/>
+          </a:fillRef>
+          <a:effectRef idx="0">
+            <a:schemeClr val="accent1"/>
+          </a:effectRef>
+          <a:fontRef idx="minor">
+            <a:schemeClr val="tx1"/>
+          </a:fontRef>
+        </p:style>
+      </p:cxnSp>
+      <p:sp>
+        <p:nvSpPr>
+          <p:cNvPr id="76" name="Callout: Line 75">
+            <a:extLst>
+              <a:ext uri="{FF2B5EF4-FFF2-40B4-BE49-F238E27FC236}">
+                <a16:creationId xmlns:a16="http://schemas.microsoft.com/office/drawing/2014/main" id="{CD7FAB71-5071-41DA-9EE7-79A6874995E1}"/>
+              </a:ext>
+            </a:extLst>
+          </p:cNvPr>
+          <p:cNvSpPr/>
+          <p:nvPr/>
+        </p:nvSpPr>
+        <p:spPr>
+          <a:xfrm>
+            <a:off x="1756064" y="4637266"/>
+            <a:ext cx="1725288" cy="443890"/>
+          </a:xfrm>
+          <a:prstGeom prst="borderCallout1">
+            <a:avLst>
+              <a:gd name="adj1" fmla="val 18750"/>
+              <a:gd name="adj2" fmla="val 105070"/>
+              <a:gd name="adj3" fmla="val -15181"/>
+              <a:gd name="adj4" fmla="val 116744"/>
+            </a:avLst>
+          </a:prstGeom>
+          <a:solidFill>
+            <a:srgbClr val="FFFF99"/>
+          </a:solidFill>
+          <a:ln>
+            <a:solidFill>
+              <a:schemeClr val="tx1"/>
+            </a:solidFill>
+          </a:ln>
+        </p:spPr>
+        <p:style>
+          <a:lnRef idx="2">
+            <a:schemeClr val="accent1">
+              <a:shade val="50000"/>
+            </a:schemeClr>
+          </a:lnRef>
+          <a:fillRef idx="1">
+            <a:schemeClr val="accent1"/>
+          </a:fillRef>
+          <a:effectRef idx="0">
+            <a:schemeClr val="accent1"/>
+          </a:effectRef>
+          <a:fontRef idx="minor">
+            <a:schemeClr val="lt1"/>
+          </a:fontRef>
+        </p:style>
+        <p:txBody>
+          <a:bodyPr rtlCol="0" anchor="ctr"/>
+          <a:lstStyle>
+            <a:defPPr>
+              <a:defRPr lang="en-US"/>
+            </a:defPPr>
+            <a:lvl1pPr marL="0" algn="l" defTabSz="914400" rtl="0" eaLnBrk="1" latinLnBrk="0" hangingPunct="1">
+              <a:defRPr sz="1800" kern="1200">
+                <a:solidFill>
+                  <a:schemeClr val="lt1"/>
+                </a:solidFill>
+                <a:latin typeface="+mn-lt"/>
+                <a:ea typeface="+mn-ea"/>
+                <a:cs typeface="+mn-cs"/>
+              </a:defRPr>
+            </a:lvl1pPr>
+            <a:lvl2pPr marL="457200" algn="l" defTabSz="914400" rtl="0" eaLnBrk="1" latinLnBrk="0" hangingPunct="1">
+              <a:defRPr sz="1800" kern="1200">
+                <a:solidFill>
+                  <a:schemeClr val="lt1"/>
+                </a:solidFill>
+                <a:latin typeface="+mn-lt"/>
+                <a:ea typeface="+mn-ea"/>
+                <a:cs typeface="+mn-cs"/>
+              </a:defRPr>
+            </a:lvl2pPr>
+            <a:lvl3pPr marL="914400" algn="l" defTabSz="914400" rtl="0" eaLnBrk="1" latinLnBrk="0" hangingPunct="1">
+              <a:defRPr sz="1800" kern="1200">
+                <a:solidFill>
+                  <a:schemeClr val="lt1"/>
+                </a:solidFill>
+                <a:latin typeface="+mn-lt"/>
+                <a:ea typeface="+mn-ea"/>
+                <a:cs typeface="+mn-cs"/>
+              </a:defRPr>
+            </a:lvl3pPr>
+            <a:lvl4pPr marL="1371600" algn="l" defTabSz="914400" rtl="0" eaLnBrk="1" latinLnBrk="0" hangingPunct="1">
+              <a:defRPr sz="1800" kern="1200">
+                <a:solidFill>
+                  <a:schemeClr val="lt1"/>
+                </a:solidFill>
+                <a:latin typeface="+mn-lt"/>
+                <a:ea typeface="+mn-ea"/>
+                <a:cs typeface="+mn-cs"/>
+              </a:defRPr>
+            </a:lvl4pPr>
+            <a:lvl5pPr marL="1828800" algn="l" defTabSz="914400" rtl="0" eaLnBrk="1" latinLnBrk="0" hangingPunct="1">
+              <a:defRPr sz="1800" kern="1200">
+                <a:solidFill>
+                  <a:schemeClr val="lt1"/>
+                </a:solidFill>
+                <a:latin typeface="+mn-lt"/>
+                <a:ea typeface="+mn-ea"/>
+                <a:cs typeface="+mn-cs"/>
+              </a:defRPr>
+            </a:lvl5pPr>
+            <a:lvl6pPr marL="2286000" algn="l" defTabSz="914400" rtl="0" eaLnBrk="1" latinLnBrk="0" hangingPunct="1">
+              <a:defRPr sz="1800" kern="1200">
+                <a:solidFill>
+                  <a:schemeClr val="lt1"/>
+                </a:solidFill>
+                <a:latin typeface="+mn-lt"/>
+                <a:ea typeface="+mn-ea"/>
+                <a:cs typeface="+mn-cs"/>
+              </a:defRPr>
+            </a:lvl6pPr>
+            <a:lvl7pPr marL="2743200" algn="l" defTabSz="914400" rtl="0" eaLnBrk="1" latinLnBrk="0" hangingPunct="1">
+              <a:defRPr sz="1800" kern="1200">
+                <a:solidFill>
+                  <a:schemeClr val="lt1"/>
+                </a:solidFill>
+                <a:latin typeface="+mn-lt"/>
+                <a:ea typeface="+mn-ea"/>
+                <a:cs typeface="+mn-cs"/>
+              </a:defRPr>
+            </a:lvl7pPr>
+            <a:lvl8pPr marL="3200400" algn="l" defTabSz="914400" rtl="0" eaLnBrk="1" latinLnBrk="0" hangingPunct="1">
+              <a:defRPr sz="1800" kern="1200">
+                <a:solidFill>
+                  <a:schemeClr val="lt1"/>
+                </a:solidFill>
+                <a:latin typeface="+mn-lt"/>
+                <a:ea typeface="+mn-ea"/>
+                <a:cs typeface="+mn-cs"/>
+              </a:defRPr>
+            </a:lvl8pPr>
+            <a:lvl9pPr marL="3657600" algn="l" defTabSz="914400" rtl="0" eaLnBrk="1" latinLnBrk="0" hangingPunct="1">
+              <a:defRPr sz="1800" kern="1200">
+                <a:solidFill>
+                  <a:schemeClr val="lt1"/>
+                </a:solidFill>
+                <a:latin typeface="+mn-lt"/>
+                <a:ea typeface="+mn-ea"/>
+                <a:cs typeface="+mn-cs"/>
+              </a:defRPr>
+            </a:lvl9pPr>
+          </a:lstStyle>
+          <a:p>
+            <a:pPr algn="ctr"/>
+            <a:r>
+              <a:rPr lang="en-US">
+                <a:solidFill>
+                  <a:schemeClr val="tx1"/>
+                </a:solidFill>
+              </a:rPr>
+              <a:t>Physical device</a:t>
+            </a:r>
+          </a:p>
+        </p:txBody>
+      </p:sp>
+      <p:sp>
+        <p:nvSpPr>
+          <p:cNvPr id="77" name="Callout: Line 76">
+            <a:extLst>
+              <a:ext uri="{FF2B5EF4-FFF2-40B4-BE49-F238E27FC236}">
+                <a16:creationId xmlns:a16="http://schemas.microsoft.com/office/drawing/2014/main" id="{EBE32132-45A0-4867-878F-A0DC5089B2D8}"/>
+              </a:ext>
+            </a:extLst>
+          </p:cNvPr>
+          <p:cNvSpPr/>
+          <p:nvPr/>
+        </p:nvSpPr>
+        <p:spPr>
+          <a:xfrm flipH="1">
+            <a:off x="6876704" y="3700432"/>
+            <a:ext cx="2697862" cy="621694"/>
+          </a:xfrm>
+          <a:prstGeom prst="borderCallout1">
+            <a:avLst>
+              <a:gd name="adj1" fmla="val -11335"/>
+              <a:gd name="adj2" fmla="val 86583"/>
+              <a:gd name="adj3" fmla="val -46937"/>
+              <a:gd name="adj4" fmla="val 94790"/>
+            </a:avLst>
+          </a:prstGeom>
+          <a:solidFill>
+            <a:srgbClr val="FFFF99"/>
+          </a:solidFill>
+          <a:ln>
+            <a:solidFill>
+              <a:schemeClr val="tx1"/>
+            </a:solidFill>
+          </a:ln>
+        </p:spPr>
+        <p:style>
+          <a:lnRef idx="2">
+            <a:schemeClr val="accent1">
+              <a:shade val="50000"/>
+            </a:schemeClr>
+          </a:lnRef>
+          <a:fillRef idx="1">
+            <a:schemeClr val="accent1"/>
+          </a:fillRef>
+          <a:effectRef idx="0">
+            <a:schemeClr val="accent1"/>
+          </a:effectRef>
+          <a:fontRef idx="minor">
+            <a:schemeClr val="lt1"/>
+          </a:fontRef>
+        </p:style>
+        <p:txBody>
+          <a:bodyPr rtlCol="0" anchor="ctr"/>
+          <a:lstStyle>
+            <a:defPPr>
+              <a:defRPr lang="en-US"/>
+            </a:defPPr>
+            <a:lvl1pPr marL="0" algn="l" defTabSz="914400" rtl="0" eaLnBrk="1" latinLnBrk="0" hangingPunct="1">
+              <a:defRPr sz="1800" kern="1200">
+                <a:solidFill>
+                  <a:schemeClr val="lt1"/>
+                </a:solidFill>
+                <a:latin typeface="+mn-lt"/>
+                <a:ea typeface="+mn-ea"/>
+                <a:cs typeface="+mn-cs"/>
+              </a:defRPr>
+            </a:lvl1pPr>
+            <a:lvl2pPr marL="457200" algn="l" defTabSz="914400" rtl="0" eaLnBrk="1" latinLnBrk="0" hangingPunct="1">
+              <a:defRPr sz="1800" kern="1200">
+                <a:solidFill>
+                  <a:schemeClr val="lt1"/>
+                </a:solidFill>
+                <a:latin typeface="+mn-lt"/>
+                <a:ea typeface="+mn-ea"/>
+                <a:cs typeface="+mn-cs"/>
+              </a:defRPr>
+            </a:lvl2pPr>
+            <a:lvl3pPr marL="914400" algn="l" defTabSz="914400" rtl="0" eaLnBrk="1" latinLnBrk="0" hangingPunct="1">
+              <a:defRPr sz="1800" kern="1200">
+                <a:solidFill>
+                  <a:schemeClr val="lt1"/>
+                </a:solidFill>
+                <a:latin typeface="+mn-lt"/>
+                <a:ea typeface="+mn-ea"/>
+                <a:cs typeface="+mn-cs"/>
+              </a:defRPr>
+            </a:lvl3pPr>
+            <a:lvl4pPr marL="1371600" algn="l" defTabSz="914400" rtl="0" eaLnBrk="1" latinLnBrk="0" hangingPunct="1">
+              <a:defRPr sz="1800" kern="1200">
+                <a:solidFill>
+                  <a:schemeClr val="lt1"/>
+                </a:solidFill>
+                <a:latin typeface="+mn-lt"/>
+                <a:ea typeface="+mn-ea"/>
+                <a:cs typeface="+mn-cs"/>
+              </a:defRPr>
+            </a:lvl4pPr>
+            <a:lvl5pPr marL="1828800" algn="l" defTabSz="914400" rtl="0" eaLnBrk="1" latinLnBrk="0" hangingPunct="1">
+              <a:defRPr sz="1800" kern="1200">
+                <a:solidFill>
+                  <a:schemeClr val="lt1"/>
+                </a:solidFill>
+                <a:latin typeface="+mn-lt"/>
+                <a:ea typeface="+mn-ea"/>
+                <a:cs typeface="+mn-cs"/>
+              </a:defRPr>
+            </a:lvl5pPr>
+            <a:lvl6pPr marL="2286000" algn="l" defTabSz="914400" rtl="0" eaLnBrk="1" latinLnBrk="0" hangingPunct="1">
+              <a:defRPr sz="1800" kern="1200">
+                <a:solidFill>
+                  <a:schemeClr val="lt1"/>
+                </a:solidFill>
+                <a:latin typeface="+mn-lt"/>
+                <a:ea typeface="+mn-ea"/>
+                <a:cs typeface="+mn-cs"/>
+              </a:defRPr>
+            </a:lvl6pPr>
+            <a:lvl7pPr marL="2743200" algn="l" defTabSz="914400" rtl="0" eaLnBrk="1" latinLnBrk="0" hangingPunct="1">
+              <a:defRPr sz="1800" kern="1200">
+                <a:solidFill>
+                  <a:schemeClr val="lt1"/>
+                </a:solidFill>
+                <a:latin typeface="+mn-lt"/>
+                <a:ea typeface="+mn-ea"/>
+                <a:cs typeface="+mn-cs"/>
+              </a:defRPr>
+            </a:lvl7pPr>
+            <a:lvl8pPr marL="3200400" algn="l" defTabSz="914400" rtl="0" eaLnBrk="1" latinLnBrk="0" hangingPunct="1">
+              <a:defRPr sz="1800" kern="1200">
+                <a:solidFill>
+                  <a:schemeClr val="lt1"/>
+                </a:solidFill>
+                <a:latin typeface="+mn-lt"/>
+                <a:ea typeface="+mn-ea"/>
+                <a:cs typeface="+mn-cs"/>
+              </a:defRPr>
+            </a:lvl8pPr>
+            <a:lvl9pPr marL="3657600" algn="l" defTabSz="914400" rtl="0" eaLnBrk="1" latinLnBrk="0" hangingPunct="1">
+              <a:defRPr sz="1800" kern="1200">
+                <a:solidFill>
+                  <a:schemeClr val="lt1"/>
+                </a:solidFill>
+                <a:latin typeface="+mn-lt"/>
+                <a:ea typeface="+mn-ea"/>
+                <a:cs typeface="+mn-cs"/>
+              </a:defRPr>
+            </a:lvl9pPr>
+          </a:lstStyle>
+          <a:p>
+            <a:pPr algn="ctr"/>
+            <a:r>
+              <a:rPr lang="en-US">
+                <a:solidFill>
+                  <a:schemeClr val="tx1"/>
+                </a:solidFill>
+              </a:rPr>
+              <a:t>Ingress/egress amplifier modeled as part of TE link</a:t>
+            </a:r>
+          </a:p>
+        </p:txBody>
+      </p:sp>
+    </p:spTree>
+    <p:extLst>
+      <p:ext uri="{BB962C8B-B14F-4D97-AF65-F5344CB8AC3E}">
+        <p14:creationId xmlns:p14="http://schemas.microsoft.com/office/powerpoint/2010/main" val="941265808"/>
+      </p:ext>
+    </p:extLst>
+  </p:cSld>
+  <p:clrMapOvr>
+    <a:masterClrMapping/>
+  </p:clrMapOvr>
+</p:sld>
+</file>
+
+<file path=ppt/slides/slide4.xml><?xml version="1.0" encoding="utf-8"?>
+<p:sld xmlns:a="http://schemas.openxmlformats.org/drawingml/2006/main" xmlns:r="http://schemas.openxmlformats.org/officeDocument/2006/relationships" xmlns:p="http://schemas.openxmlformats.org/presentationml/2006/main" show="0">
+  <p:cSld>
+    <p:spTree>
+      <p:nvGrpSpPr>
+        <p:cNvPr id="1" name=""/>
+        <p:cNvGrpSpPr/>
+        <p:nvPr/>
+      </p:nvGrpSpPr>
+      <p:grpSpPr>
+        <a:xfrm>
+          <a:off x="0" y="0"/>
+          <a:ext cx="0" cy="0"/>
+          <a:chOff x="0" y="0"/>
+          <a:chExt cx="0" cy="0"/>
+        </a:xfrm>
+      </p:grpSpPr>
+      <p:sp>
+        <p:nvSpPr>
+          <p:cNvPr id="2" name="Title 1">
+            <a:extLst>
+              <a:ext uri="{FF2B5EF4-FFF2-40B4-BE49-F238E27FC236}">
+                <a16:creationId xmlns:a16="http://schemas.microsoft.com/office/drawing/2014/main" id="{EB3E31FD-1C2F-48A6-AB51-148D4276F8C0}"/>
+              </a:ext>
+            </a:extLst>
+          </p:cNvPr>
+          <p:cNvSpPr>
+            <a:spLocks noGrp="1"/>
+          </p:cNvSpPr>
+          <p:nvPr>
+            <p:ph type="title"/>
+          </p:nvPr>
+        </p:nvSpPr>
+        <p:spPr/>
+        <p:txBody>
+          <a:bodyPr/>
+          <a:lstStyle/>
+          <a:p>
+            <a:r>
+              <a:rPr lang="en-US"/>
+              <a:t>Major Changes since IETF 106</a:t>
+            </a:r>
+          </a:p>
+        </p:txBody>
+      </p:sp>
+      <p:sp>
+        <p:nvSpPr>
+          <p:cNvPr id="3" name="Content Placeholder 2">
+            <a:extLst>
+              <a:ext uri="{FF2B5EF4-FFF2-40B4-BE49-F238E27FC236}">
+                <a16:creationId xmlns:a16="http://schemas.microsoft.com/office/drawing/2014/main" id="{BD50841F-A6DC-4789-9872-9F341CF41FC7}"/>
+              </a:ext>
+            </a:extLst>
+          </p:cNvPr>
+          <p:cNvSpPr>
+            <a:spLocks noGrp="1"/>
+          </p:cNvSpPr>
+          <p:nvPr>
+            <p:ph idx="1"/>
+          </p:nvPr>
+        </p:nvSpPr>
+        <p:spPr/>
+        <p:txBody>
+          <a:bodyPr vert="horz" lIns="91440" tIns="45720" rIns="91440" bIns="45720" rtlCol="0" anchor="t">
+            <a:normAutofit fontScale="92500" lnSpcReduction="20000"/>
+          </a:bodyPr>
+          <a:lstStyle/>
+          <a:p>
+            <a:r>
+              <a:rPr lang="en-US" sz="3000" dirty="0">
+                <a:cs typeface="Calibri"/>
+              </a:rPr>
+              <a:t>New section 2.8.4: Optical Impairments Imposed by ROADM Nodes</a:t>
+            </a:r>
+          </a:p>
+          <a:p>
+            <a:r>
+              <a:rPr lang="en-US" dirty="0">
+                <a:cs typeface="Calibri"/>
+              </a:rPr>
+              <a:t>New </a:t>
+            </a:r>
+            <a:r>
+              <a:rPr lang="en-US" dirty="0" err="1">
+                <a:cs typeface="Calibri"/>
+              </a:rPr>
+              <a:t>te</a:t>
+            </a:r>
+            <a:r>
+              <a:rPr lang="en-US" dirty="0">
+                <a:cs typeface="Calibri"/>
+              </a:rPr>
+              <a:t>-node-attributes: </a:t>
+            </a:r>
+            <a:r>
+              <a:rPr lang="en-US" b="1" dirty="0" err="1">
+                <a:latin typeface="Courier New" panose="02070309020205020404" pitchFamily="49" charset="0"/>
+                <a:cs typeface="Courier New" panose="02070309020205020404" pitchFamily="49" charset="0"/>
+              </a:rPr>
+              <a:t>roadm</a:t>
+            </a:r>
+            <a:r>
+              <a:rPr lang="en-US" b="1" dirty="0">
+                <a:latin typeface="Courier New" panose="02070309020205020404" pitchFamily="49" charset="0"/>
+                <a:cs typeface="Courier New" panose="02070309020205020404" pitchFamily="49" charset="0"/>
+              </a:rPr>
+              <a:t>-path-impairments</a:t>
+            </a:r>
+            <a:r>
+              <a:rPr lang="en-US" dirty="0">
+                <a:latin typeface="Courier New" panose="02070309020205020404" pitchFamily="49" charset="0"/>
+                <a:cs typeface="Courier New" panose="02070309020205020404" pitchFamily="49" charset="0"/>
+              </a:rPr>
+              <a:t>:</a:t>
+            </a:r>
+            <a:endParaRPr lang="en-US" dirty="0">
+              <a:cs typeface="Calibri"/>
+            </a:endParaRPr>
+          </a:p>
+          <a:p>
+            <a:pPr marL="230400" lvl="1" indent="0">
+              <a:lnSpc>
+                <a:spcPct val="110000"/>
+              </a:lnSpc>
+              <a:spcBef>
+                <a:spcPts val="0"/>
+              </a:spcBef>
+              <a:buNone/>
+            </a:pPr>
+            <a:endParaRPr lang="en-US" sz="1500" dirty="0">
+              <a:latin typeface="Courier New" panose="02070309020205020404" pitchFamily="49" charset="0"/>
+              <a:cs typeface="Courier New" panose="02070309020205020404" pitchFamily="49" charset="0"/>
+            </a:endParaRPr>
+          </a:p>
+          <a:p>
+            <a:pPr marL="230400" lvl="1" indent="0">
+              <a:lnSpc>
+                <a:spcPct val="110000"/>
+              </a:lnSpc>
+              <a:spcBef>
+                <a:spcPts val="0"/>
+              </a:spcBef>
+              <a:buNone/>
+            </a:pPr>
+            <a:r>
+              <a:rPr lang="en-US" sz="1500" dirty="0">
+                <a:latin typeface="Courier New" panose="02070309020205020404" pitchFamily="49" charset="0"/>
+                <a:cs typeface="Courier New" panose="02070309020205020404" pitchFamily="49" charset="0"/>
+              </a:rPr>
+              <a:t>augment /</a:t>
+            </a:r>
+            <a:r>
+              <a:rPr lang="en-US" sz="1500" dirty="0" err="1">
+                <a:latin typeface="Courier New" panose="02070309020205020404" pitchFamily="49" charset="0"/>
+                <a:cs typeface="Courier New" panose="02070309020205020404" pitchFamily="49" charset="0"/>
+              </a:rPr>
+              <a:t>nw:networks</a:t>
+            </a:r>
+            <a:r>
+              <a:rPr lang="en-US" sz="1500" dirty="0">
+                <a:latin typeface="Courier New" panose="02070309020205020404" pitchFamily="49" charset="0"/>
+                <a:cs typeface="Courier New" panose="02070309020205020404" pitchFamily="49" charset="0"/>
+              </a:rPr>
+              <a:t>/</a:t>
+            </a:r>
+            <a:r>
+              <a:rPr lang="en-US" sz="1500" dirty="0" err="1">
+                <a:latin typeface="Courier New" panose="02070309020205020404" pitchFamily="49" charset="0"/>
+                <a:cs typeface="Courier New" panose="02070309020205020404" pitchFamily="49" charset="0"/>
+              </a:rPr>
+              <a:t>nw:network</a:t>
+            </a:r>
+            <a:r>
+              <a:rPr lang="en-US" sz="1500" dirty="0">
+                <a:latin typeface="Courier New" panose="02070309020205020404" pitchFamily="49" charset="0"/>
+                <a:cs typeface="Courier New" panose="02070309020205020404" pitchFamily="49" charset="0"/>
+              </a:rPr>
+              <a:t>/</a:t>
+            </a:r>
+            <a:r>
+              <a:rPr lang="en-US" sz="1500" dirty="0" err="1">
+                <a:latin typeface="Courier New" panose="02070309020205020404" pitchFamily="49" charset="0"/>
+                <a:cs typeface="Courier New" panose="02070309020205020404" pitchFamily="49" charset="0"/>
+              </a:rPr>
+              <a:t>nw:node</a:t>
+            </a:r>
+            <a:r>
+              <a:rPr lang="en-US" sz="1500" dirty="0">
+                <a:latin typeface="Courier New" panose="02070309020205020404" pitchFamily="49" charset="0"/>
+                <a:cs typeface="Courier New" panose="02070309020205020404" pitchFamily="49" charset="0"/>
+              </a:rPr>
+              <a:t>/</a:t>
+            </a:r>
+            <a:r>
+              <a:rPr lang="en-US" sz="1500" dirty="0" err="1">
+                <a:latin typeface="Courier New" panose="02070309020205020404" pitchFamily="49" charset="0"/>
+                <a:cs typeface="Courier New" panose="02070309020205020404" pitchFamily="49" charset="0"/>
+              </a:rPr>
+              <a:t>tet:te</a:t>
+            </a:r>
+            <a:r>
+              <a:rPr lang="en-US" sz="1500" dirty="0">
+                <a:latin typeface="Courier New" panose="02070309020205020404" pitchFamily="49" charset="0"/>
+                <a:cs typeface="Courier New" panose="02070309020205020404" pitchFamily="49" charset="0"/>
+              </a:rPr>
+              <a:t>/</a:t>
+            </a:r>
+            <a:r>
+              <a:rPr lang="en-US" sz="1500" dirty="0" err="1">
+                <a:latin typeface="Courier New" panose="02070309020205020404" pitchFamily="49" charset="0"/>
+                <a:cs typeface="Courier New" panose="02070309020205020404" pitchFamily="49" charset="0"/>
+              </a:rPr>
+              <a:t>tet:</a:t>
+            </a:r>
+            <a:r>
+              <a:rPr lang="en-US" sz="1500" b="1" dirty="0" err="1">
+                <a:latin typeface="Courier New" panose="02070309020205020404" pitchFamily="49" charset="0"/>
+                <a:cs typeface="Courier New" panose="02070309020205020404" pitchFamily="49" charset="0"/>
+              </a:rPr>
+              <a:t>te-node-attributes</a:t>
+            </a:r>
+            <a:r>
+              <a:rPr lang="en-US" sz="1500" dirty="0">
+                <a:latin typeface="Courier New" panose="02070309020205020404" pitchFamily="49" charset="0"/>
+                <a:cs typeface="Courier New" panose="02070309020205020404" pitchFamily="49" charset="0"/>
+              </a:rPr>
+              <a:t>:</a:t>
+            </a:r>
+          </a:p>
+          <a:p>
+            <a:pPr marL="230400" lvl="1" indent="0">
+              <a:lnSpc>
+                <a:spcPct val="110000"/>
+              </a:lnSpc>
+              <a:spcBef>
+                <a:spcPts val="0"/>
+              </a:spcBef>
+              <a:buNone/>
+            </a:pPr>
+            <a:endParaRPr lang="en-US" sz="1500" dirty="0">
+              <a:latin typeface="Courier New" panose="02070309020205020404" pitchFamily="49" charset="0"/>
+              <a:cs typeface="Courier New" panose="02070309020205020404" pitchFamily="49" charset="0"/>
+            </a:endParaRPr>
+          </a:p>
+          <a:p>
+            <a:pPr marL="230400" lvl="1" indent="0">
+              <a:lnSpc>
+                <a:spcPct val="110000"/>
+              </a:lnSpc>
+              <a:spcBef>
+                <a:spcPts val="0"/>
+              </a:spcBef>
+              <a:buNone/>
+            </a:pPr>
+            <a:r>
+              <a:rPr lang="en-US" sz="1500" dirty="0">
+                <a:latin typeface="Courier New" panose="02070309020205020404" pitchFamily="49" charset="0"/>
+                <a:cs typeface="Courier New" panose="02070309020205020404" pitchFamily="49" charset="0"/>
+              </a:rPr>
+              <a:t>        +--</a:t>
+            </a:r>
+            <a:r>
+              <a:rPr lang="en-US" sz="1500" dirty="0" err="1">
+                <a:latin typeface="Courier New" panose="02070309020205020404" pitchFamily="49" charset="0"/>
+                <a:cs typeface="Courier New" panose="02070309020205020404" pitchFamily="49" charset="0"/>
+              </a:rPr>
+              <a:t>ro</a:t>
+            </a:r>
+            <a:r>
+              <a:rPr lang="en-US" sz="1500" dirty="0">
+                <a:latin typeface="Courier New" panose="02070309020205020404" pitchFamily="49" charset="0"/>
+                <a:cs typeface="Courier New" panose="02070309020205020404" pitchFamily="49" charset="0"/>
+              </a:rPr>
+              <a:t> </a:t>
+            </a:r>
+            <a:r>
+              <a:rPr lang="en-US" sz="1500" b="1" dirty="0" err="1">
+                <a:latin typeface="Courier New" panose="02070309020205020404" pitchFamily="49" charset="0"/>
+                <a:cs typeface="Courier New" panose="02070309020205020404" pitchFamily="49" charset="0"/>
+              </a:rPr>
+              <a:t>roadm</a:t>
+            </a:r>
+            <a:r>
+              <a:rPr lang="en-US" sz="1500" b="1" dirty="0">
+                <a:latin typeface="Courier New" panose="02070309020205020404" pitchFamily="49" charset="0"/>
+                <a:cs typeface="Courier New" panose="02070309020205020404" pitchFamily="49" charset="0"/>
+              </a:rPr>
+              <a:t>-path-impairments* [</a:t>
+            </a:r>
+            <a:r>
+              <a:rPr lang="en-US" sz="1500" b="1" dirty="0" err="1">
+                <a:latin typeface="Courier New" panose="02070309020205020404" pitchFamily="49" charset="0"/>
+                <a:cs typeface="Courier New" panose="02070309020205020404" pitchFamily="49" charset="0"/>
+              </a:rPr>
+              <a:t>roadm</a:t>
+            </a:r>
+            <a:r>
+              <a:rPr lang="en-US" sz="1500" b="1" dirty="0">
+                <a:latin typeface="Courier New" panose="02070309020205020404" pitchFamily="49" charset="0"/>
+                <a:cs typeface="Courier New" panose="02070309020205020404" pitchFamily="49" charset="0"/>
+              </a:rPr>
+              <a:t>-path-impairments-id]</a:t>
+            </a:r>
+          </a:p>
+          <a:p>
+            <a:pPr marL="230400" lvl="1" indent="0">
+              <a:lnSpc>
+                <a:spcPct val="110000"/>
+              </a:lnSpc>
+              <a:spcBef>
+                <a:spcPts val="0"/>
+              </a:spcBef>
+              <a:buNone/>
+            </a:pPr>
+            <a:r>
+              <a:rPr lang="en-US" sz="1500" dirty="0">
+                <a:latin typeface="Courier New" panose="02070309020205020404" pitchFamily="49" charset="0"/>
+                <a:cs typeface="Courier New" panose="02070309020205020404" pitchFamily="49" charset="0"/>
+              </a:rPr>
+              <a:t>           +--</a:t>
+            </a:r>
+            <a:r>
+              <a:rPr lang="en-US" sz="1500" dirty="0" err="1">
+                <a:latin typeface="Courier New" panose="02070309020205020404" pitchFamily="49" charset="0"/>
+                <a:cs typeface="Courier New" panose="02070309020205020404" pitchFamily="49" charset="0"/>
+              </a:rPr>
+              <a:t>ro</a:t>
+            </a:r>
+            <a:r>
+              <a:rPr lang="en-US" sz="1500" dirty="0">
+                <a:latin typeface="Courier New" panose="02070309020205020404" pitchFamily="49" charset="0"/>
+                <a:cs typeface="Courier New" panose="02070309020205020404" pitchFamily="49" charset="0"/>
+              </a:rPr>
+              <a:t> </a:t>
+            </a:r>
+            <a:r>
+              <a:rPr lang="en-US" sz="1500" dirty="0" err="1">
+                <a:latin typeface="Courier New" panose="02070309020205020404" pitchFamily="49" charset="0"/>
+                <a:cs typeface="Courier New" panose="02070309020205020404" pitchFamily="49" charset="0"/>
+              </a:rPr>
+              <a:t>roadm</a:t>
+            </a:r>
+            <a:r>
+              <a:rPr lang="en-US" sz="1500" dirty="0">
+                <a:latin typeface="Courier New" panose="02070309020205020404" pitchFamily="49" charset="0"/>
+                <a:cs typeface="Courier New" panose="02070309020205020404" pitchFamily="49" charset="0"/>
+              </a:rPr>
+              <a:t>-path-impairments-id    uint32</a:t>
+            </a:r>
+          </a:p>
+          <a:p>
+            <a:pPr marL="230400" lvl="1" indent="0">
+              <a:lnSpc>
+                <a:spcPct val="110000"/>
+              </a:lnSpc>
+              <a:spcBef>
+                <a:spcPts val="0"/>
+              </a:spcBef>
+              <a:buNone/>
+            </a:pPr>
+            <a:r>
+              <a:rPr lang="en-US" sz="1500" dirty="0">
+                <a:latin typeface="Courier New" panose="02070309020205020404" pitchFamily="49" charset="0"/>
+                <a:cs typeface="Courier New" panose="02070309020205020404" pitchFamily="49" charset="0"/>
+              </a:rPr>
+              <a:t>           +--</a:t>
+            </a:r>
+            <a:r>
+              <a:rPr lang="en-US" sz="1500" dirty="0" err="1">
+                <a:latin typeface="Courier New" panose="02070309020205020404" pitchFamily="49" charset="0"/>
+                <a:cs typeface="Courier New" panose="02070309020205020404" pitchFamily="49" charset="0"/>
+              </a:rPr>
+              <a:t>ro</a:t>
+            </a:r>
+            <a:r>
+              <a:rPr lang="en-US" sz="1500" dirty="0">
+                <a:latin typeface="Courier New" panose="02070309020205020404" pitchFamily="49" charset="0"/>
+                <a:cs typeface="Courier New" panose="02070309020205020404" pitchFamily="49" charset="0"/>
+              </a:rPr>
+              <a:t> (</a:t>
+            </a:r>
+            <a:r>
+              <a:rPr lang="en-US" sz="1500" b="1" dirty="0">
+                <a:latin typeface="Courier New" panose="02070309020205020404" pitchFamily="49" charset="0"/>
+                <a:cs typeface="Courier New" panose="02070309020205020404" pitchFamily="49" charset="0"/>
+              </a:rPr>
+              <a:t>impairment-type</a:t>
+            </a:r>
+            <a:r>
+              <a:rPr lang="en-US" sz="1500" dirty="0">
+                <a:latin typeface="Courier New" panose="02070309020205020404" pitchFamily="49" charset="0"/>
+                <a:cs typeface="Courier New" panose="02070309020205020404" pitchFamily="49" charset="0"/>
+              </a:rPr>
+              <a:t>)?</a:t>
+            </a:r>
+          </a:p>
+          <a:p>
+            <a:pPr marL="230400" lvl="1" indent="0">
+              <a:lnSpc>
+                <a:spcPct val="110000"/>
+              </a:lnSpc>
+              <a:spcBef>
+                <a:spcPts val="0"/>
+              </a:spcBef>
+              <a:buNone/>
+            </a:pPr>
+            <a:r>
+              <a:rPr lang="en-US" sz="1500" dirty="0">
+                <a:latin typeface="Courier New" panose="02070309020205020404" pitchFamily="49" charset="0"/>
+                <a:cs typeface="Courier New" panose="02070309020205020404" pitchFamily="49" charset="0"/>
+              </a:rPr>
+              <a:t>              +--:(</a:t>
+            </a:r>
+            <a:r>
+              <a:rPr lang="en-US" sz="1500" b="1" dirty="0" err="1">
+                <a:latin typeface="Courier New" panose="02070309020205020404" pitchFamily="49" charset="0"/>
+                <a:cs typeface="Courier New" panose="02070309020205020404" pitchFamily="49" charset="0"/>
+              </a:rPr>
+              <a:t>roadm</a:t>
+            </a:r>
+            <a:r>
+              <a:rPr lang="en-US" sz="1500" b="1" dirty="0">
+                <a:latin typeface="Courier New" panose="02070309020205020404" pitchFamily="49" charset="0"/>
+                <a:cs typeface="Courier New" panose="02070309020205020404" pitchFamily="49" charset="0"/>
+              </a:rPr>
+              <a:t>-express-path</a:t>
+            </a:r>
+            <a:r>
+              <a:rPr lang="en-US" sz="1500" dirty="0">
+                <a:latin typeface="Courier New" panose="02070309020205020404" pitchFamily="49" charset="0"/>
+                <a:cs typeface="Courier New" panose="02070309020205020404" pitchFamily="49" charset="0"/>
+              </a:rPr>
+              <a:t>)</a:t>
+            </a:r>
+          </a:p>
+          <a:p>
+            <a:pPr marL="230400" lvl="1" indent="0">
+              <a:lnSpc>
+                <a:spcPct val="110000"/>
+              </a:lnSpc>
+              <a:spcBef>
+                <a:spcPts val="0"/>
+              </a:spcBef>
+              <a:buNone/>
+            </a:pPr>
+            <a:r>
+              <a:rPr lang="en-US" sz="1500" dirty="0">
+                <a:latin typeface="Courier New" panose="02070309020205020404" pitchFamily="49" charset="0"/>
+                <a:cs typeface="Courier New" panose="02070309020205020404" pitchFamily="49" charset="0"/>
+              </a:rPr>
+              <a:t>              |  +--</a:t>
+            </a:r>
+            <a:r>
+              <a:rPr lang="en-US" sz="1500" dirty="0" err="1">
+                <a:latin typeface="Courier New" panose="02070309020205020404" pitchFamily="49" charset="0"/>
+                <a:cs typeface="Courier New" panose="02070309020205020404" pitchFamily="49" charset="0"/>
+              </a:rPr>
+              <a:t>ro</a:t>
+            </a:r>
+            <a:r>
+              <a:rPr lang="en-US" sz="1500" dirty="0">
+                <a:latin typeface="Courier New" panose="02070309020205020404" pitchFamily="49" charset="0"/>
+                <a:cs typeface="Courier New" panose="02070309020205020404" pitchFamily="49" charset="0"/>
+              </a:rPr>
+              <a:t> </a:t>
+            </a:r>
+            <a:r>
+              <a:rPr lang="en-US" sz="1500" dirty="0" err="1">
+                <a:latin typeface="Courier New" panose="02070309020205020404" pitchFamily="49" charset="0"/>
+                <a:cs typeface="Courier New" panose="02070309020205020404" pitchFamily="49" charset="0"/>
+              </a:rPr>
+              <a:t>roadm</a:t>
+            </a:r>
+            <a:r>
+              <a:rPr lang="en-US" sz="1500" dirty="0">
+                <a:latin typeface="Courier New" panose="02070309020205020404" pitchFamily="49" charset="0"/>
+                <a:cs typeface="Courier New" panose="02070309020205020404" pitchFamily="49" charset="0"/>
+              </a:rPr>
+              <a:t>-express-path</a:t>
+            </a:r>
+          </a:p>
+          <a:p>
+            <a:pPr marL="230400" lvl="1" indent="0">
+              <a:lnSpc>
+                <a:spcPct val="110000"/>
+              </a:lnSpc>
+              <a:spcBef>
+                <a:spcPts val="0"/>
+              </a:spcBef>
+              <a:buNone/>
+            </a:pPr>
+            <a:r>
+              <a:rPr lang="en-US" sz="1500" dirty="0">
+                <a:latin typeface="Courier New" panose="02070309020205020404" pitchFamily="49" charset="0"/>
+                <a:cs typeface="Courier New" panose="02070309020205020404" pitchFamily="49" charset="0"/>
+              </a:rPr>
+              <a:t>              |     +--</a:t>
+            </a:r>
+            <a:r>
+              <a:rPr lang="en-US" sz="1500" dirty="0" err="1">
+                <a:latin typeface="Courier New" panose="02070309020205020404" pitchFamily="49" charset="0"/>
+                <a:cs typeface="Courier New" panose="02070309020205020404" pitchFamily="49" charset="0"/>
+              </a:rPr>
+              <a:t>ro</a:t>
+            </a:r>
+            <a:r>
+              <a:rPr lang="en-US" sz="1500" dirty="0">
+                <a:latin typeface="Courier New" panose="02070309020205020404" pitchFamily="49" charset="0"/>
+                <a:cs typeface="Courier New" panose="02070309020205020404" pitchFamily="49" charset="0"/>
+              </a:rPr>
+              <a:t> </a:t>
+            </a:r>
+            <a:r>
+              <a:rPr lang="en-US" sz="1500" dirty="0" err="1">
+                <a:latin typeface="Courier New" panose="02070309020205020404" pitchFamily="49" charset="0"/>
+                <a:cs typeface="Courier New" panose="02070309020205020404" pitchFamily="49" charset="0"/>
+              </a:rPr>
+              <a:t>roadm-pmd</a:t>
+            </a:r>
+            <a:r>
+              <a:rPr lang="en-US" sz="1500" dirty="0">
+                <a:latin typeface="Courier New" panose="02070309020205020404" pitchFamily="49" charset="0"/>
+                <a:cs typeface="Courier New" panose="02070309020205020404" pitchFamily="49" charset="0"/>
+              </a:rPr>
+              <a:t>?                decimal64</a:t>
+            </a:r>
+          </a:p>
+          <a:p>
+            <a:pPr marL="230400" lvl="1" indent="0">
+              <a:lnSpc>
+                <a:spcPct val="110000"/>
+              </a:lnSpc>
+              <a:spcBef>
+                <a:spcPts val="0"/>
+              </a:spcBef>
+              <a:buNone/>
+            </a:pPr>
+            <a:r>
+              <a:rPr lang="en-US" sz="1500" dirty="0">
+                <a:latin typeface="Courier New" panose="02070309020205020404" pitchFamily="49" charset="0"/>
+                <a:cs typeface="Courier New" panose="02070309020205020404" pitchFamily="49" charset="0"/>
+              </a:rPr>
+              <a:t>              |     +--</a:t>
+            </a:r>
+            <a:r>
+              <a:rPr lang="en-US" sz="1500" dirty="0" err="1">
+                <a:latin typeface="Courier New" panose="02070309020205020404" pitchFamily="49" charset="0"/>
+                <a:cs typeface="Courier New" panose="02070309020205020404" pitchFamily="49" charset="0"/>
+              </a:rPr>
+              <a:t>ro</a:t>
+            </a:r>
+            <a:r>
+              <a:rPr lang="en-US" sz="1500" dirty="0">
+                <a:latin typeface="Courier New" panose="02070309020205020404" pitchFamily="49" charset="0"/>
+                <a:cs typeface="Courier New" panose="02070309020205020404" pitchFamily="49" charset="0"/>
+              </a:rPr>
+              <a:t> …</a:t>
+            </a:r>
+          </a:p>
+          <a:p>
+            <a:pPr marL="230400" lvl="1" indent="0">
+              <a:lnSpc>
+                <a:spcPct val="110000"/>
+              </a:lnSpc>
+              <a:spcBef>
+                <a:spcPts val="0"/>
+              </a:spcBef>
+              <a:buNone/>
+            </a:pPr>
+            <a:r>
+              <a:rPr lang="en-US" sz="1500" dirty="0">
+                <a:latin typeface="Courier New" panose="02070309020205020404" pitchFamily="49" charset="0"/>
+                <a:cs typeface="Courier New" panose="02070309020205020404" pitchFamily="49" charset="0"/>
+              </a:rPr>
+              <a:t>              +--:(</a:t>
+            </a:r>
+            <a:r>
+              <a:rPr lang="en-US" sz="1500" b="1" dirty="0" err="1">
+                <a:latin typeface="Courier New" panose="02070309020205020404" pitchFamily="49" charset="0"/>
+                <a:cs typeface="Courier New" panose="02070309020205020404" pitchFamily="49" charset="0"/>
+              </a:rPr>
+              <a:t>roadm</a:t>
+            </a:r>
+            <a:r>
+              <a:rPr lang="en-US" sz="1500" b="1" dirty="0">
+                <a:latin typeface="Courier New" panose="02070309020205020404" pitchFamily="49" charset="0"/>
+                <a:cs typeface="Courier New" panose="02070309020205020404" pitchFamily="49" charset="0"/>
+              </a:rPr>
+              <a:t>-add-path</a:t>
+            </a:r>
+            <a:r>
+              <a:rPr lang="en-US" sz="1500" dirty="0">
+                <a:latin typeface="Courier New" panose="02070309020205020404" pitchFamily="49" charset="0"/>
+                <a:cs typeface="Courier New" panose="02070309020205020404" pitchFamily="49" charset="0"/>
+              </a:rPr>
+              <a:t>)</a:t>
+            </a:r>
+          </a:p>
+          <a:p>
+            <a:pPr marL="230400" lvl="1" indent="0">
+              <a:lnSpc>
+                <a:spcPct val="110000"/>
+              </a:lnSpc>
+              <a:spcBef>
+                <a:spcPts val="0"/>
+              </a:spcBef>
+              <a:buNone/>
+            </a:pPr>
+            <a:r>
+              <a:rPr lang="en-US" sz="1500" dirty="0">
+                <a:latin typeface="Courier New" panose="02070309020205020404" pitchFamily="49" charset="0"/>
+                <a:cs typeface="Courier New" panose="02070309020205020404" pitchFamily="49" charset="0"/>
+              </a:rPr>
+              <a:t>              |  +--</a:t>
+            </a:r>
+            <a:r>
+              <a:rPr lang="en-US" sz="1500" dirty="0" err="1">
+                <a:latin typeface="Courier New" panose="02070309020205020404" pitchFamily="49" charset="0"/>
+                <a:cs typeface="Courier New" panose="02070309020205020404" pitchFamily="49" charset="0"/>
+              </a:rPr>
+              <a:t>ro</a:t>
+            </a:r>
+            <a:r>
+              <a:rPr lang="en-US" sz="1500" dirty="0">
+                <a:latin typeface="Courier New" panose="02070309020205020404" pitchFamily="49" charset="0"/>
+                <a:cs typeface="Courier New" panose="02070309020205020404" pitchFamily="49" charset="0"/>
+              </a:rPr>
+              <a:t> </a:t>
+            </a:r>
+            <a:r>
+              <a:rPr lang="en-US" sz="1500" dirty="0" err="1">
+                <a:latin typeface="Courier New" panose="02070309020205020404" pitchFamily="49" charset="0"/>
+                <a:cs typeface="Courier New" panose="02070309020205020404" pitchFamily="49" charset="0"/>
+              </a:rPr>
+              <a:t>roadm</a:t>
+            </a:r>
+            <a:r>
+              <a:rPr lang="en-US" sz="1500" dirty="0">
+                <a:latin typeface="Courier New" panose="02070309020205020404" pitchFamily="49" charset="0"/>
+                <a:cs typeface="Courier New" panose="02070309020205020404" pitchFamily="49" charset="0"/>
+              </a:rPr>
+              <a:t>-add-path</a:t>
+            </a:r>
+          </a:p>
+          <a:p>
+            <a:pPr marL="230400" lvl="1" indent="0">
+              <a:lnSpc>
+                <a:spcPct val="110000"/>
+              </a:lnSpc>
+              <a:spcBef>
+                <a:spcPts val="0"/>
+              </a:spcBef>
+              <a:buNone/>
+            </a:pPr>
+            <a:r>
+              <a:rPr lang="en-US" sz="1500" dirty="0">
+                <a:latin typeface="Courier New" panose="02070309020205020404" pitchFamily="49" charset="0"/>
+                <a:cs typeface="Courier New" panose="02070309020205020404" pitchFamily="49" charset="0"/>
+              </a:rPr>
+              <a:t>              |     +--</a:t>
+            </a:r>
+            <a:r>
+              <a:rPr lang="en-US" sz="1500" dirty="0" err="1">
+                <a:latin typeface="Courier New" panose="02070309020205020404" pitchFamily="49" charset="0"/>
+                <a:cs typeface="Courier New" panose="02070309020205020404" pitchFamily="49" charset="0"/>
+              </a:rPr>
+              <a:t>ro</a:t>
+            </a:r>
+            <a:r>
+              <a:rPr lang="en-US" sz="1500" dirty="0">
+                <a:latin typeface="Courier New" panose="02070309020205020404" pitchFamily="49" charset="0"/>
+                <a:cs typeface="Courier New" panose="02070309020205020404" pitchFamily="49" charset="0"/>
+              </a:rPr>
+              <a:t> </a:t>
+            </a:r>
+            <a:r>
+              <a:rPr lang="en-US" sz="1500" dirty="0" err="1">
+                <a:latin typeface="Courier New" panose="02070309020205020404" pitchFamily="49" charset="0"/>
+                <a:cs typeface="Courier New" panose="02070309020205020404" pitchFamily="49" charset="0"/>
+              </a:rPr>
+              <a:t>roadm-pmd</a:t>
+            </a:r>
+            <a:r>
+              <a:rPr lang="en-US" sz="1500" dirty="0">
+                <a:latin typeface="Courier New" panose="02070309020205020404" pitchFamily="49" charset="0"/>
+                <a:cs typeface="Courier New" panose="02070309020205020404" pitchFamily="49" charset="0"/>
+              </a:rPr>
+              <a:t>?                decimal64</a:t>
+            </a:r>
+          </a:p>
+          <a:p>
+            <a:pPr marL="230400" lvl="1" indent="0">
+              <a:lnSpc>
+                <a:spcPct val="110000"/>
+              </a:lnSpc>
+              <a:spcBef>
+                <a:spcPts val="0"/>
+              </a:spcBef>
+              <a:buNone/>
+            </a:pPr>
+            <a:r>
+              <a:rPr lang="en-US" sz="1500" dirty="0">
+                <a:latin typeface="Courier New" panose="02070309020205020404" pitchFamily="49" charset="0"/>
+                <a:cs typeface="Courier New" panose="02070309020205020404" pitchFamily="49" charset="0"/>
+              </a:rPr>
+              <a:t>              |     +--</a:t>
+            </a:r>
+            <a:r>
+              <a:rPr lang="en-US" sz="1500" dirty="0" err="1">
+                <a:latin typeface="Courier New" panose="02070309020205020404" pitchFamily="49" charset="0"/>
+                <a:cs typeface="Courier New" panose="02070309020205020404" pitchFamily="49" charset="0"/>
+              </a:rPr>
+              <a:t>ro</a:t>
+            </a:r>
+            <a:r>
+              <a:rPr lang="en-US" sz="1500" dirty="0">
+                <a:latin typeface="Courier New" panose="02070309020205020404" pitchFamily="49" charset="0"/>
+                <a:cs typeface="Courier New" panose="02070309020205020404" pitchFamily="49" charset="0"/>
+              </a:rPr>
+              <a:t> …</a:t>
+            </a:r>
+          </a:p>
+          <a:p>
+            <a:pPr marL="230400" lvl="1" indent="0">
+              <a:lnSpc>
+                <a:spcPct val="110000"/>
+              </a:lnSpc>
+              <a:spcBef>
+                <a:spcPts val="0"/>
+              </a:spcBef>
+              <a:buNone/>
+            </a:pPr>
+            <a:r>
+              <a:rPr lang="en-US" sz="1500" dirty="0">
+                <a:latin typeface="Courier New" panose="02070309020205020404" pitchFamily="49" charset="0"/>
+                <a:cs typeface="Courier New" panose="02070309020205020404" pitchFamily="49" charset="0"/>
+              </a:rPr>
+              <a:t>              +--:(</a:t>
+            </a:r>
+            <a:r>
+              <a:rPr lang="en-US" sz="1500" b="1" dirty="0" err="1">
+                <a:latin typeface="Courier New" panose="02070309020205020404" pitchFamily="49" charset="0"/>
+                <a:cs typeface="Courier New" panose="02070309020205020404" pitchFamily="49" charset="0"/>
+              </a:rPr>
+              <a:t>roadm</a:t>
+            </a:r>
+            <a:r>
+              <a:rPr lang="en-US" sz="1500" b="1" dirty="0">
+                <a:latin typeface="Courier New" panose="02070309020205020404" pitchFamily="49" charset="0"/>
+                <a:cs typeface="Courier New" panose="02070309020205020404" pitchFamily="49" charset="0"/>
+              </a:rPr>
+              <a:t>-drop-path</a:t>
+            </a:r>
+            <a:r>
+              <a:rPr lang="en-US" sz="1500" dirty="0">
+                <a:latin typeface="Courier New" panose="02070309020205020404" pitchFamily="49" charset="0"/>
+                <a:cs typeface="Courier New" panose="02070309020205020404" pitchFamily="49" charset="0"/>
+              </a:rPr>
+              <a:t>)</a:t>
+            </a:r>
+          </a:p>
+          <a:p>
+            <a:pPr marL="230400" lvl="1" indent="0">
+              <a:lnSpc>
+                <a:spcPct val="110000"/>
+              </a:lnSpc>
+              <a:spcBef>
+                <a:spcPts val="0"/>
+              </a:spcBef>
+              <a:buNone/>
+            </a:pPr>
+            <a:r>
+              <a:rPr lang="en-US" sz="1500" dirty="0">
+                <a:latin typeface="Courier New" panose="02070309020205020404" pitchFamily="49" charset="0"/>
+                <a:cs typeface="Courier New" panose="02070309020205020404" pitchFamily="49" charset="0"/>
+              </a:rPr>
+              <a:t>                 +--</a:t>
+            </a:r>
+            <a:r>
+              <a:rPr lang="en-US" sz="1500" dirty="0" err="1">
+                <a:latin typeface="Courier New" panose="02070309020205020404" pitchFamily="49" charset="0"/>
+                <a:cs typeface="Courier New" panose="02070309020205020404" pitchFamily="49" charset="0"/>
+              </a:rPr>
+              <a:t>ro</a:t>
+            </a:r>
+            <a:r>
+              <a:rPr lang="en-US" sz="1500" dirty="0">
+                <a:latin typeface="Courier New" panose="02070309020205020404" pitchFamily="49" charset="0"/>
+                <a:cs typeface="Courier New" panose="02070309020205020404" pitchFamily="49" charset="0"/>
+              </a:rPr>
+              <a:t> </a:t>
+            </a:r>
+            <a:r>
+              <a:rPr lang="en-US" sz="1500" dirty="0" err="1">
+                <a:latin typeface="Courier New" panose="02070309020205020404" pitchFamily="49" charset="0"/>
+                <a:cs typeface="Courier New" panose="02070309020205020404" pitchFamily="49" charset="0"/>
+              </a:rPr>
+              <a:t>roadm</a:t>
+            </a:r>
+            <a:r>
+              <a:rPr lang="en-US" sz="1500" dirty="0">
+                <a:latin typeface="Courier New" panose="02070309020205020404" pitchFamily="49" charset="0"/>
+                <a:cs typeface="Courier New" panose="02070309020205020404" pitchFamily="49" charset="0"/>
+              </a:rPr>
+              <a:t>-drop-path</a:t>
+            </a:r>
+          </a:p>
+          <a:p>
+            <a:pPr marL="230400" lvl="1" indent="0">
+              <a:lnSpc>
+                <a:spcPct val="110000"/>
+              </a:lnSpc>
+              <a:spcBef>
+                <a:spcPts val="0"/>
+              </a:spcBef>
+              <a:buNone/>
+            </a:pPr>
+            <a:r>
+              <a:rPr lang="en-US" sz="1500" dirty="0">
+                <a:latin typeface="Courier New" panose="02070309020205020404" pitchFamily="49" charset="0"/>
+                <a:cs typeface="Courier New" panose="02070309020205020404" pitchFamily="49" charset="0"/>
+              </a:rPr>
+              <a:t>                    +--</a:t>
+            </a:r>
+            <a:r>
+              <a:rPr lang="en-US" sz="1500" dirty="0" err="1">
+                <a:latin typeface="Courier New" panose="02070309020205020404" pitchFamily="49" charset="0"/>
+                <a:cs typeface="Courier New" panose="02070309020205020404" pitchFamily="49" charset="0"/>
+              </a:rPr>
+              <a:t>ro</a:t>
+            </a:r>
+            <a:r>
+              <a:rPr lang="en-US" sz="1500" dirty="0">
+                <a:latin typeface="Courier New" panose="02070309020205020404" pitchFamily="49" charset="0"/>
+                <a:cs typeface="Courier New" panose="02070309020205020404" pitchFamily="49" charset="0"/>
+              </a:rPr>
+              <a:t> </a:t>
+            </a:r>
+            <a:r>
+              <a:rPr lang="en-US" sz="1500" dirty="0" err="1">
+                <a:latin typeface="Courier New" panose="02070309020205020404" pitchFamily="49" charset="0"/>
+                <a:cs typeface="Courier New" panose="02070309020205020404" pitchFamily="49" charset="0"/>
+              </a:rPr>
+              <a:t>roadm-pmd</a:t>
+            </a:r>
+            <a:r>
+              <a:rPr lang="en-US" sz="1500" dirty="0">
+                <a:latin typeface="Courier New" panose="02070309020205020404" pitchFamily="49" charset="0"/>
+                <a:cs typeface="Courier New" panose="02070309020205020404" pitchFamily="49" charset="0"/>
+              </a:rPr>
+              <a:t>?                decimal64</a:t>
+            </a:r>
+          </a:p>
+          <a:p>
+            <a:pPr marL="230400" lvl="1" indent="0">
+              <a:lnSpc>
+                <a:spcPct val="110000"/>
+              </a:lnSpc>
+              <a:spcBef>
+                <a:spcPts val="0"/>
+              </a:spcBef>
+              <a:buNone/>
+            </a:pPr>
+            <a:r>
+              <a:rPr lang="en-US" sz="1500" dirty="0">
+                <a:latin typeface="Courier New" panose="02070309020205020404" pitchFamily="49" charset="0"/>
+                <a:cs typeface="Courier New" panose="02070309020205020404" pitchFamily="49" charset="0"/>
+              </a:rPr>
+              <a:t>                    +--</a:t>
+            </a:r>
+            <a:r>
+              <a:rPr lang="en-US" sz="1500" dirty="0" err="1">
+                <a:latin typeface="Courier New" panose="02070309020205020404" pitchFamily="49" charset="0"/>
+                <a:cs typeface="Courier New" panose="02070309020205020404" pitchFamily="49" charset="0"/>
+              </a:rPr>
+              <a:t>ro</a:t>
+            </a:r>
+            <a:r>
+              <a:rPr lang="en-US" sz="1500" dirty="0">
+                <a:latin typeface="Courier New" panose="02070309020205020404" pitchFamily="49" charset="0"/>
+                <a:cs typeface="Courier New" panose="02070309020205020404" pitchFamily="49" charset="0"/>
+              </a:rPr>
+              <a:t> …</a:t>
+            </a:r>
+            <a:endParaRPr lang="en-US" sz="1500" dirty="0">
+              <a:cs typeface="Calibri"/>
+            </a:endParaRPr>
+          </a:p>
+        </p:txBody>
+      </p:sp>
+      <p:sp>
+        <p:nvSpPr>
+          <p:cNvPr id="4" name="Footer Placeholder 3">
+            <a:extLst>
+              <a:ext uri="{FF2B5EF4-FFF2-40B4-BE49-F238E27FC236}">
+                <a16:creationId xmlns:a16="http://schemas.microsoft.com/office/drawing/2014/main" id="{F00E6AD6-900F-4355-9541-00E46C374FA8}"/>
+              </a:ext>
+            </a:extLst>
+          </p:cNvPr>
+          <p:cNvSpPr>
+            <a:spLocks noGrp="1"/>
+          </p:cNvSpPr>
+          <p:nvPr>
+            <p:ph type="ftr" sz="quarter" idx="11"/>
+          </p:nvPr>
+        </p:nvSpPr>
+        <p:spPr/>
+        <p:txBody>
+          <a:bodyPr/>
+          <a:lstStyle/>
+          <a:p>
+            <a:r>
+              <a:rPr lang="en-US"/>
+              <a:t>IETF CCAMP WG Interim Meeting - May 14, 2020</a:t>
+            </a:r>
+          </a:p>
+        </p:txBody>
+      </p:sp>
+    </p:spTree>
+    <p:extLst>
+      <p:ext uri="{BB962C8B-B14F-4D97-AF65-F5344CB8AC3E}">
+        <p14:creationId xmlns:p14="http://schemas.microsoft.com/office/powerpoint/2010/main" val="3268965565"/>
+      </p:ext>
+    </p:extLst>
+  </p:cSld>
+  <p:clrMapOvr>
+    <a:masterClrMapping/>
+  </p:clrMapOvr>
+</p:sld>
+</file>
+
+<file path=ppt/slides/slide5.xml><?xml version="1.0" encoding="utf-8"?>
+<p:sld xmlns:a="http://schemas.openxmlformats.org/drawingml/2006/main" xmlns:r="http://schemas.openxmlformats.org/officeDocument/2006/relationships" xmlns:p="http://schemas.openxmlformats.org/presentationml/2006/main" show="0">
+  <p:cSld>
+    <p:spTree>
+      <p:nvGrpSpPr>
+        <p:cNvPr id="1" name=""/>
+        <p:cNvGrpSpPr/>
+        <p:nvPr/>
+      </p:nvGrpSpPr>
+      <p:grpSpPr>
+        <a:xfrm>
+          <a:off x="0" y="0"/>
+          <a:ext cx="0" cy="0"/>
+          <a:chOff x="0" y="0"/>
+          <a:chExt cx="0" cy="0"/>
+        </a:xfrm>
+      </p:grpSpPr>
+      <p:sp>
+        <p:nvSpPr>
+          <p:cNvPr id="2" name="Title 1">
+            <a:extLst>
+              <a:ext uri="{FF2B5EF4-FFF2-40B4-BE49-F238E27FC236}">
+                <a16:creationId xmlns:a16="http://schemas.microsoft.com/office/drawing/2014/main" id="{EB3E31FD-1C2F-48A6-AB51-148D4276F8C0}"/>
+              </a:ext>
+            </a:extLst>
+          </p:cNvPr>
+          <p:cNvSpPr>
+            <a:spLocks noGrp="1"/>
+          </p:cNvSpPr>
+          <p:nvPr>
+            <p:ph type="title"/>
+          </p:nvPr>
+        </p:nvSpPr>
+        <p:spPr/>
+        <p:txBody>
+          <a:bodyPr/>
+          <a:lstStyle/>
+          <a:p>
+            <a:r>
+              <a:rPr lang="en-US"/>
+              <a:t>Major Changes since IETF 106</a:t>
+            </a:r>
+          </a:p>
+        </p:txBody>
+      </p:sp>
+      <p:sp>
+        <p:nvSpPr>
+          <p:cNvPr id="3" name="Content Placeholder 2">
+            <a:extLst>
+              <a:ext uri="{FF2B5EF4-FFF2-40B4-BE49-F238E27FC236}">
+                <a16:creationId xmlns:a16="http://schemas.microsoft.com/office/drawing/2014/main" id="{BD50841F-A6DC-4789-9872-9F341CF41FC7}"/>
+              </a:ext>
+            </a:extLst>
+          </p:cNvPr>
+          <p:cNvSpPr>
+            <a:spLocks noGrp="1"/>
+          </p:cNvSpPr>
+          <p:nvPr>
+            <p:ph idx="1"/>
+          </p:nvPr>
+        </p:nvSpPr>
+        <p:spPr/>
+        <p:txBody>
+          <a:bodyPr vert="horz" lIns="91440" tIns="45720" rIns="91440" bIns="45720" rtlCol="0" anchor="t">
+            <a:normAutofit/>
+          </a:bodyPr>
+          <a:lstStyle/>
+          <a:p>
+            <a:r>
+              <a:rPr lang="en-US">
+                <a:cs typeface="Calibri"/>
+              </a:rPr>
+              <a:t>Optical impairments for the 3 paths:</a:t>
+            </a:r>
+          </a:p>
+          <a:p>
+            <a:pPr marL="230400" lvl="1" indent="0">
+              <a:lnSpc>
+                <a:spcPct val="110000"/>
+              </a:lnSpc>
+              <a:spcBef>
+                <a:spcPts val="0"/>
+              </a:spcBef>
+              <a:buNone/>
+            </a:pPr>
+            <a:endParaRPr lang="en-US" sz="1500">
+              <a:latin typeface="Courier New" panose="02070309020205020404" pitchFamily="49" charset="0"/>
+              <a:cs typeface="Courier New" panose="02070309020205020404" pitchFamily="49" charset="0"/>
+            </a:endParaRPr>
+          </a:p>
+          <a:p>
+            <a:pPr marL="230400" lvl="1" indent="0">
+              <a:lnSpc>
+                <a:spcPct val="110000"/>
+              </a:lnSpc>
+              <a:spcBef>
+                <a:spcPts val="0"/>
+              </a:spcBef>
+              <a:buNone/>
+            </a:pPr>
+            <a:endParaRPr lang="en-US" sz="1500">
+              <a:cs typeface="Calibri"/>
+            </a:endParaRPr>
+          </a:p>
+        </p:txBody>
+      </p:sp>
+      <p:sp>
+        <p:nvSpPr>
+          <p:cNvPr id="4" name="Footer Placeholder 3">
+            <a:extLst>
+              <a:ext uri="{FF2B5EF4-FFF2-40B4-BE49-F238E27FC236}">
+                <a16:creationId xmlns:a16="http://schemas.microsoft.com/office/drawing/2014/main" id="{F00E6AD6-900F-4355-9541-00E46C374FA8}"/>
+              </a:ext>
+            </a:extLst>
+          </p:cNvPr>
+          <p:cNvSpPr>
+            <a:spLocks noGrp="1"/>
+          </p:cNvSpPr>
+          <p:nvPr>
+            <p:ph type="ftr" sz="quarter" idx="11"/>
+          </p:nvPr>
+        </p:nvSpPr>
+        <p:spPr/>
+        <p:txBody>
+          <a:bodyPr/>
+          <a:lstStyle/>
+          <a:p>
+            <a:r>
+              <a:rPr lang="en-US"/>
+              <a:t>IETF CCAMP WG Interim Meeting - May 14, 2020</a:t>
+            </a:r>
+          </a:p>
+        </p:txBody>
+      </p:sp>
+      <p:sp>
+        <p:nvSpPr>
+          <p:cNvPr id="10" name="TextBox 9">
+            <a:extLst>
+              <a:ext uri="{FF2B5EF4-FFF2-40B4-BE49-F238E27FC236}">
+                <a16:creationId xmlns:a16="http://schemas.microsoft.com/office/drawing/2014/main" id="{1C319637-87B9-409E-992C-1692943AA944}"/>
+              </a:ext>
+            </a:extLst>
+          </p:cNvPr>
+          <p:cNvSpPr txBox="1"/>
+          <p:nvPr/>
+        </p:nvSpPr>
+        <p:spPr>
+          <a:xfrm>
+            <a:off x="838200" y="2433756"/>
+            <a:ext cx="4596222" cy="1455757"/>
+          </a:xfrm>
+          <a:prstGeom prst="rect">
+            <a:avLst/>
+          </a:prstGeom>
+          <a:noFill/>
+          <a:ln>
+            <a:solidFill>
+              <a:schemeClr val="tx1">
+                <a:lumMod val="50000"/>
+                <a:lumOff val="50000"/>
+              </a:schemeClr>
+            </a:solidFill>
+          </a:ln>
+        </p:spPr>
+        <p:txBody>
+          <a:bodyPr wrap="square" rtlCol="0" anchor="ctr" anchorCtr="0">
+            <a:noAutofit/>
+          </a:bodyPr>
+          <a:lstStyle/>
+          <a:p>
+            <a:r>
+              <a:rPr lang="en-US" sz="1200">
+                <a:latin typeface="Courier New" panose="02070309020205020404" pitchFamily="49" charset="0"/>
+                <a:cs typeface="Courier New" panose="02070309020205020404" pitchFamily="49" charset="0"/>
+              </a:rPr>
+              <a:t>+--:(</a:t>
+            </a:r>
+            <a:r>
+              <a:rPr lang="en-US" sz="1200" b="1" err="1">
+                <a:latin typeface="Courier New" panose="02070309020205020404" pitchFamily="49" charset="0"/>
+                <a:cs typeface="Courier New" panose="02070309020205020404" pitchFamily="49" charset="0"/>
+              </a:rPr>
+              <a:t>roadm</a:t>
+            </a:r>
+            <a:r>
+              <a:rPr lang="en-US" sz="1200" b="1">
+                <a:latin typeface="Courier New" panose="02070309020205020404" pitchFamily="49" charset="0"/>
+                <a:cs typeface="Courier New" panose="02070309020205020404" pitchFamily="49" charset="0"/>
+              </a:rPr>
+              <a:t>-express-path</a:t>
+            </a:r>
+            <a:r>
+              <a:rPr lang="en-US" sz="1200">
+                <a:latin typeface="Courier New" panose="02070309020205020404" pitchFamily="49" charset="0"/>
+                <a:cs typeface="Courier New" panose="02070309020205020404" pitchFamily="49" charset="0"/>
+              </a:rPr>
+              <a:t>)</a:t>
+            </a:r>
+          </a:p>
+          <a:p>
+            <a:r>
+              <a:rPr lang="en-US" sz="1200">
+                <a:latin typeface="Courier New" panose="02070309020205020404" pitchFamily="49" charset="0"/>
+                <a:cs typeface="Courier New" panose="02070309020205020404" pitchFamily="49" charset="0"/>
+              </a:rPr>
+              <a:t>   +--</a:t>
+            </a:r>
+            <a:r>
+              <a:rPr lang="en-US" sz="1200" err="1">
+                <a:latin typeface="Courier New" panose="02070309020205020404" pitchFamily="49" charset="0"/>
+                <a:cs typeface="Courier New" panose="02070309020205020404" pitchFamily="49" charset="0"/>
+              </a:rPr>
+              <a:t>ro</a:t>
+            </a:r>
+            <a:r>
+              <a:rPr lang="en-US" sz="1200">
+                <a:latin typeface="Courier New" panose="02070309020205020404" pitchFamily="49" charset="0"/>
+                <a:cs typeface="Courier New" panose="02070309020205020404" pitchFamily="49" charset="0"/>
+              </a:rPr>
+              <a:t> </a:t>
+            </a:r>
+            <a:r>
+              <a:rPr lang="en-US" sz="1200" err="1">
+                <a:latin typeface="Courier New" panose="02070309020205020404" pitchFamily="49" charset="0"/>
+                <a:cs typeface="Courier New" panose="02070309020205020404" pitchFamily="49" charset="0"/>
+              </a:rPr>
+              <a:t>roadm</a:t>
+            </a:r>
+            <a:r>
+              <a:rPr lang="en-US" sz="1200">
+                <a:latin typeface="Courier New" panose="02070309020205020404" pitchFamily="49" charset="0"/>
+                <a:cs typeface="Courier New" panose="02070309020205020404" pitchFamily="49" charset="0"/>
+              </a:rPr>
+              <a:t>-express-path</a:t>
+            </a:r>
+          </a:p>
+          <a:p>
+            <a:r>
+              <a:rPr lang="en-US" sz="1200">
+                <a:latin typeface="Courier New" panose="02070309020205020404" pitchFamily="49" charset="0"/>
+                <a:cs typeface="Courier New" panose="02070309020205020404" pitchFamily="49" charset="0"/>
+              </a:rPr>
+              <a:t>      +--</a:t>
+            </a:r>
+            <a:r>
+              <a:rPr lang="en-US" sz="1200" err="1">
+                <a:latin typeface="Courier New" panose="02070309020205020404" pitchFamily="49" charset="0"/>
+                <a:cs typeface="Courier New" panose="02070309020205020404" pitchFamily="49" charset="0"/>
+              </a:rPr>
+              <a:t>ro</a:t>
+            </a:r>
+            <a:r>
+              <a:rPr lang="en-US" sz="1200">
+                <a:latin typeface="Courier New" panose="02070309020205020404" pitchFamily="49" charset="0"/>
+                <a:cs typeface="Courier New" panose="02070309020205020404" pitchFamily="49" charset="0"/>
+              </a:rPr>
+              <a:t> </a:t>
+            </a:r>
+            <a:r>
+              <a:rPr lang="en-US" sz="1200" err="1">
+                <a:latin typeface="Courier New" panose="02070309020205020404" pitchFamily="49" charset="0"/>
+                <a:cs typeface="Courier New" panose="02070309020205020404" pitchFamily="49" charset="0"/>
+              </a:rPr>
+              <a:t>roadm-pmd</a:t>
+            </a:r>
+            <a:r>
+              <a:rPr lang="en-US" sz="1200">
+                <a:latin typeface="Courier New" panose="02070309020205020404" pitchFamily="49" charset="0"/>
+                <a:cs typeface="Courier New" panose="02070309020205020404" pitchFamily="49" charset="0"/>
+              </a:rPr>
+              <a:t>?                decimal64</a:t>
+            </a:r>
+          </a:p>
+          <a:p>
+            <a:r>
+              <a:rPr lang="en-US" sz="1200">
+                <a:latin typeface="Courier New" panose="02070309020205020404" pitchFamily="49" charset="0"/>
+                <a:cs typeface="Courier New" panose="02070309020205020404" pitchFamily="49" charset="0"/>
+              </a:rPr>
+              <a:t>      +--</a:t>
+            </a:r>
+            <a:r>
+              <a:rPr lang="en-US" sz="1200" err="1">
+                <a:latin typeface="Courier New" panose="02070309020205020404" pitchFamily="49" charset="0"/>
+                <a:cs typeface="Courier New" panose="02070309020205020404" pitchFamily="49" charset="0"/>
+              </a:rPr>
+              <a:t>ro</a:t>
+            </a:r>
+            <a:r>
+              <a:rPr lang="en-US" sz="1200">
+                <a:latin typeface="Courier New" panose="02070309020205020404" pitchFamily="49" charset="0"/>
+                <a:cs typeface="Courier New" panose="02070309020205020404" pitchFamily="49" charset="0"/>
+              </a:rPr>
+              <a:t> </a:t>
+            </a:r>
+            <a:r>
+              <a:rPr lang="en-US" sz="1200" err="1">
+                <a:latin typeface="Courier New" panose="02070309020205020404" pitchFamily="49" charset="0"/>
+                <a:cs typeface="Courier New" panose="02070309020205020404" pitchFamily="49" charset="0"/>
+              </a:rPr>
+              <a:t>roadm</a:t>
+            </a:r>
+            <a:r>
+              <a:rPr lang="en-US" sz="1200">
+                <a:latin typeface="Courier New" panose="02070309020205020404" pitchFamily="49" charset="0"/>
+                <a:cs typeface="Courier New" panose="02070309020205020404" pitchFamily="49" charset="0"/>
+              </a:rPr>
+              <a:t>-cd?                 decimal64</a:t>
+            </a:r>
+          </a:p>
+          <a:p>
+            <a:r>
+              <a:rPr lang="en-US" sz="1200">
+                <a:latin typeface="Courier New" panose="02070309020205020404" pitchFamily="49" charset="0"/>
+                <a:cs typeface="Courier New" panose="02070309020205020404" pitchFamily="49" charset="0"/>
+              </a:rPr>
+              <a:t>      +--</a:t>
+            </a:r>
+            <a:r>
+              <a:rPr lang="en-US" sz="1200" err="1">
+                <a:latin typeface="Courier New" panose="02070309020205020404" pitchFamily="49" charset="0"/>
+                <a:cs typeface="Courier New" panose="02070309020205020404" pitchFamily="49" charset="0"/>
+              </a:rPr>
+              <a:t>ro</a:t>
+            </a:r>
+            <a:r>
+              <a:rPr lang="en-US" sz="1200">
+                <a:latin typeface="Courier New" panose="02070309020205020404" pitchFamily="49" charset="0"/>
+                <a:cs typeface="Courier New" panose="02070309020205020404" pitchFamily="49" charset="0"/>
+              </a:rPr>
+              <a:t> </a:t>
+            </a:r>
+            <a:r>
+              <a:rPr lang="en-US" sz="1200" err="1">
+                <a:latin typeface="Courier New" panose="02070309020205020404" pitchFamily="49" charset="0"/>
+                <a:cs typeface="Courier New" panose="02070309020205020404" pitchFamily="49" charset="0"/>
+              </a:rPr>
+              <a:t>roadm-pdl</a:t>
+            </a:r>
+            <a:r>
+              <a:rPr lang="en-US" sz="1200">
+                <a:latin typeface="Courier New" panose="02070309020205020404" pitchFamily="49" charset="0"/>
+                <a:cs typeface="Courier New" panose="02070309020205020404" pitchFamily="49" charset="0"/>
+              </a:rPr>
+              <a:t>?                decimal64</a:t>
+            </a:r>
+          </a:p>
+          <a:p>
+            <a:r>
+              <a:rPr lang="en-US" sz="1200">
+                <a:latin typeface="Courier New" panose="02070309020205020404" pitchFamily="49" charset="0"/>
+                <a:cs typeface="Courier New" panose="02070309020205020404" pitchFamily="49" charset="0"/>
+              </a:rPr>
+              <a:t>      +--</a:t>
+            </a:r>
+            <a:r>
+              <a:rPr lang="en-US" sz="1200" err="1">
+                <a:latin typeface="Courier New" panose="02070309020205020404" pitchFamily="49" charset="0"/>
+                <a:cs typeface="Courier New" panose="02070309020205020404" pitchFamily="49" charset="0"/>
+              </a:rPr>
+              <a:t>ro</a:t>
+            </a:r>
+            <a:r>
+              <a:rPr lang="en-US" sz="1200">
+                <a:latin typeface="Courier New" panose="02070309020205020404" pitchFamily="49" charset="0"/>
+                <a:cs typeface="Courier New" panose="02070309020205020404" pitchFamily="49" charset="0"/>
+              </a:rPr>
+              <a:t> </a:t>
+            </a:r>
+            <a:r>
+              <a:rPr lang="en-US" sz="1200" err="1">
+                <a:latin typeface="Courier New" panose="02070309020205020404" pitchFamily="49" charset="0"/>
+                <a:cs typeface="Courier New" panose="02070309020205020404" pitchFamily="49" charset="0"/>
+              </a:rPr>
+              <a:t>roadm</a:t>
+            </a:r>
+            <a:r>
+              <a:rPr lang="en-US" sz="1200">
+                <a:latin typeface="Courier New" panose="02070309020205020404" pitchFamily="49" charset="0"/>
+                <a:cs typeface="Courier New" panose="02070309020205020404" pitchFamily="49" charset="0"/>
+              </a:rPr>
+              <a:t>-</a:t>
+            </a:r>
+            <a:r>
+              <a:rPr lang="en-US" sz="1200" err="1">
+                <a:latin typeface="Courier New" panose="02070309020205020404" pitchFamily="49" charset="0"/>
+                <a:cs typeface="Courier New" panose="02070309020205020404" pitchFamily="49" charset="0"/>
+              </a:rPr>
+              <a:t>inband</a:t>
+            </a:r>
+            <a:r>
+              <a:rPr lang="en-US" sz="1200">
+                <a:latin typeface="Courier New" panose="02070309020205020404" pitchFamily="49" charset="0"/>
+                <a:cs typeface="Courier New" panose="02070309020205020404" pitchFamily="49" charset="0"/>
+              </a:rPr>
+              <a:t>-crosstalk?   decimal64</a:t>
+            </a:r>
+          </a:p>
+          <a:p>
+            <a:r>
+              <a:rPr lang="en-US" sz="1200">
+                <a:latin typeface="Courier New" panose="02070309020205020404" pitchFamily="49" charset="0"/>
+                <a:cs typeface="Courier New" panose="02070309020205020404" pitchFamily="49" charset="0"/>
+              </a:rPr>
+              <a:t>      +--</a:t>
+            </a:r>
+            <a:r>
+              <a:rPr lang="en-US" sz="1200" err="1">
+                <a:latin typeface="Courier New" panose="02070309020205020404" pitchFamily="49" charset="0"/>
+                <a:cs typeface="Courier New" panose="02070309020205020404" pitchFamily="49" charset="0"/>
+              </a:rPr>
+              <a:t>ro</a:t>
+            </a:r>
+            <a:r>
+              <a:rPr lang="en-US" sz="1200">
+                <a:latin typeface="Courier New" panose="02070309020205020404" pitchFamily="49" charset="0"/>
+                <a:cs typeface="Courier New" panose="02070309020205020404" pitchFamily="49" charset="0"/>
+              </a:rPr>
+              <a:t> </a:t>
+            </a:r>
+            <a:r>
+              <a:rPr lang="en-US" sz="1200" err="1">
+                <a:latin typeface="Courier New" panose="02070309020205020404" pitchFamily="49" charset="0"/>
+                <a:cs typeface="Courier New" panose="02070309020205020404" pitchFamily="49" charset="0"/>
+              </a:rPr>
+              <a:t>roadm-maxloss</a:t>
+            </a:r>
+            <a:r>
+              <a:rPr lang="en-US" sz="1200">
+                <a:latin typeface="Courier New" panose="02070309020205020404" pitchFamily="49" charset="0"/>
+                <a:cs typeface="Courier New" panose="02070309020205020404" pitchFamily="49" charset="0"/>
+              </a:rPr>
+              <a:t>?            decimal64</a:t>
+            </a:r>
+          </a:p>
+        </p:txBody>
+      </p:sp>
+      <p:sp>
+        <p:nvSpPr>
+          <p:cNvPr id="12" name="TextBox 11">
+            <a:extLst>
+              <a:ext uri="{FF2B5EF4-FFF2-40B4-BE49-F238E27FC236}">
+                <a16:creationId xmlns:a16="http://schemas.microsoft.com/office/drawing/2014/main" id="{BEBEF32D-20AB-4E61-986C-3F9A95745F57}"/>
+              </a:ext>
+            </a:extLst>
+          </p:cNvPr>
+          <p:cNvSpPr txBox="1"/>
+          <p:nvPr/>
+        </p:nvSpPr>
+        <p:spPr>
+          <a:xfrm>
+            <a:off x="838200" y="4194313"/>
+            <a:ext cx="4596222" cy="1982650"/>
+          </a:xfrm>
+          <a:prstGeom prst="rect">
+            <a:avLst/>
+          </a:prstGeom>
+          <a:noFill/>
+          <a:ln>
+            <a:solidFill>
+              <a:schemeClr val="tx1">
+                <a:lumMod val="50000"/>
+                <a:lumOff val="50000"/>
+              </a:schemeClr>
+            </a:solidFill>
+          </a:ln>
+        </p:spPr>
+        <p:txBody>
+          <a:bodyPr wrap="square" rtlCol="0" anchor="ctr" anchorCtr="0">
+            <a:noAutofit/>
+          </a:bodyPr>
+          <a:lstStyle>
+            <a:defPPr>
+              <a:defRPr lang="en-US"/>
+            </a:defPPr>
+            <a:lvl1pPr>
+              <a:defRPr sz="1200">
+                <a:latin typeface="Courier New" panose="02070309020205020404" pitchFamily="49" charset="0"/>
+                <a:cs typeface="Courier New" panose="02070309020205020404" pitchFamily="49" charset="0"/>
+              </a:defRPr>
+            </a:lvl1pPr>
+          </a:lstStyle>
+          <a:p>
+            <a:r>
+              <a:rPr lang="en-US"/>
+              <a:t>+--:(</a:t>
+            </a:r>
+            <a:r>
+              <a:rPr lang="en-US" b="1" err="1"/>
+              <a:t>roadm</a:t>
+            </a:r>
+            <a:r>
+              <a:rPr lang="en-US" b="1"/>
+              <a:t>-add-path</a:t>
+            </a:r>
+            <a:r>
+              <a:rPr lang="en-US"/>
+              <a:t>)</a:t>
+            </a:r>
+          </a:p>
+          <a:p>
+            <a:r>
+              <a:rPr lang="en-US"/>
+              <a:t>   +--</a:t>
+            </a:r>
+            <a:r>
+              <a:rPr lang="en-US" err="1"/>
+              <a:t>ro</a:t>
+            </a:r>
+            <a:r>
+              <a:rPr lang="en-US"/>
+              <a:t> </a:t>
+            </a:r>
+            <a:r>
+              <a:rPr lang="en-US" err="1"/>
+              <a:t>roadm</a:t>
+            </a:r>
+            <a:r>
+              <a:rPr lang="en-US"/>
+              <a:t>-add-path</a:t>
+            </a:r>
+          </a:p>
+          <a:p>
+            <a:r>
+              <a:rPr lang="en-US"/>
+              <a:t>      +--</a:t>
+            </a:r>
+            <a:r>
+              <a:rPr lang="en-US" err="1"/>
+              <a:t>ro</a:t>
+            </a:r>
+            <a:r>
+              <a:rPr lang="en-US"/>
+              <a:t> </a:t>
+            </a:r>
+            <a:r>
+              <a:rPr lang="en-US" err="1"/>
+              <a:t>roadm-pmd</a:t>
+            </a:r>
+            <a:r>
+              <a:rPr lang="en-US"/>
+              <a:t>?                decimal64</a:t>
+            </a:r>
+          </a:p>
+          <a:p>
+            <a:r>
+              <a:rPr lang="en-US"/>
+              <a:t>      +--</a:t>
+            </a:r>
+            <a:r>
+              <a:rPr lang="en-US" err="1"/>
+              <a:t>ro</a:t>
+            </a:r>
+            <a:r>
+              <a:rPr lang="en-US"/>
+              <a:t> </a:t>
+            </a:r>
+            <a:r>
+              <a:rPr lang="en-US" err="1"/>
+              <a:t>roadm</a:t>
+            </a:r>
+            <a:r>
+              <a:rPr lang="en-US"/>
+              <a:t>-cd?                 decimal64</a:t>
+            </a:r>
+          </a:p>
+          <a:p>
+            <a:r>
+              <a:rPr lang="en-US"/>
+              <a:t>      +--</a:t>
+            </a:r>
+            <a:r>
+              <a:rPr lang="en-US" err="1"/>
+              <a:t>ro</a:t>
+            </a:r>
+            <a:r>
+              <a:rPr lang="en-US"/>
+              <a:t> </a:t>
+            </a:r>
+            <a:r>
+              <a:rPr lang="en-US" err="1"/>
+              <a:t>roadm-pdl</a:t>
+            </a:r>
+            <a:r>
+              <a:rPr lang="en-US"/>
+              <a:t>?                decimal64</a:t>
+            </a:r>
+          </a:p>
+          <a:p>
+            <a:r>
+              <a:rPr lang="en-US"/>
+              <a:t>      +--</a:t>
+            </a:r>
+            <a:r>
+              <a:rPr lang="en-US" err="1"/>
+              <a:t>ro</a:t>
+            </a:r>
+            <a:r>
+              <a:rPr lang="en-US"/>
+              <a:t> </a:t>
+            </a:r>
+            <a:r>
+              <a:rPr lang="en-US" err="1"/>
+              <a:t>roadm</a:t>
+            </a:r>
+            <a:r>
+              <a:rPr lang="en-US"/>
+              <a:t>-</a:t>
+            </a:r>
+            <a:r>
+              <a:rPr lang="en-US" err="1"/>
+              <a:t>inband</a:t>
+            </a:r>
+            <a:r>
+              <a:rPr lang="en-US"/>
+              <a:t>-crosstalk?   decimal64</a:t>
+            </a:r>
+          </a:p>
+          <a:p>
+            <a:r>
+              <a:rPr lang="en-US"/>
+              <a:t>      +--</a:t>
+            </a:r>
+            <a:r>
+              <a:rPr lang="en-US" err="1"/>
+              <a:t>ro</a:t>
+            </a:r>
+            <a:r>
+              <a:rPr lang="en-US"/>
+              <a:t> </a:t>
+            </a:r>
+            <a:r>
+              <a:rPr lang="en-US" err="1"/>
+              <a:t>roadm-maxloss</a:t>
+            </a:r>
+            <a:r>
+              <a:rPr lang="en-US"/>
+              <a:t>?            decimal64</a:t>
+            </a:r>
+          </a:p>
+          <a:p>
+            <a:r>
+              <a:rPr lang="en-US"/>
+              <a:t>      +--</a:t>
+            </a:r>
+            <a:r>
+              <a:rPr lang="en-US" err="1"/>
+              <a:t>ro</a:t>
+            </a:r>
+            <a:r>
+              <a:rPr lang="en-US"/>
+              <a:t> </a:t>
+            </a:r>
+            <a:r>
+              <a:rPr lang="en-US" err="1"/>
+              <a:t>roadm-pmax</a:t>
+            </a:r>
+            <a:r>
+              <a:rPr lang="en-US"/>
+              <a:t>?               decimal64</a:t>
+            </a:r>
+          </a:p>
+          <a:p>
+            <a:r>
+              <a:rPr lang="en-US"/>
+              <a:t>      +--</a:t>
+            </a:r>
+            <a:r>
+              <a:rPr lang="en-US" err="1"/>
+              <a:t>ro</a:t>
+            </a:r>
+            <a:r>
+              <a:rPr lang="en-US"/>
+              <a:t> </a:t>
+            </a:r>
+            <a:r>
+              <a:rPr lang="en-US" err="1"/>
+              <a:t>roadm-osnr</a:t>
+            </a:r>
+            <a:r>
+              <a:rPr lang="en-US"/>
+              <a:t>?               decimal64</a:t>
+            </a:r>
+          </a:p>
+          <a:p>
+            <a:r>
+              <a:rPr lang="en-US"/>
+              <a:t>      +--</a:t>
+            </a:r>
+            <a:r>
+              <a:rPr lang="en-US" err="1"/>
+              <a:t>ro</a:t>
+            </a:r>
+            <a:r>
+              <a:rPr lang="en-US"/>
+              <a:t> </a:t>
+            </a:r>
+            <a:r>
+              <a:rPr lang="en-US" err="1"/>
+              <a:t>roadm</a:t>
+            </a:r>
+            <a:r>
+              <a:rPr lang="en-US"/>
+              <a:t>-noise-figure?       decimal64</a:t>
+            </a:r>
+          </a:p>
+        </p:txBody>
+      </p:sp>
+      <p:sp>
+        <p:nvSpPr>
+          <p:cNvPr id="13" name="TextBox 12">
+            <a:extLst>
+              <a:ext uri="{FF2B5EF4-FFF2-40B4-BE49-F238E27FC236}">
+                <a16:creationId xmlns:a16="http://schemas.microsoft.com/office/drawing/2014/main" id="{75484C34-7949-442A-857B-DDC855FF5007}"/>
+              </a:ext>
+            </a:extLst>
+          </p:cNvPr>
+          <p:cNvSpPr txBox="1"/>
+          <p:nvPr/>
+        </p:nvSpPr>
+        <p:spPr>
+          <a:xfrm>
+            <a:off x="6096000" y="2433757"/>
+            <a:ext cx="4596222" cy="2761096"/>
+          </a:xfrm>
+          <a:prstGeom prst="rect">
+            <a:avLst/>
+          </a:prstGeom>
+          <a:noFill/>
+          <a:ln>
+            <a:solidFill>
+              <a:schemeClr val="tx1">
+                <a:lumMod val="50000"/>
+                <a:lumOff val="50000"/>
+              </a:schemeClr>
+            </a:solidFill>
+          </a:ln>
+        </p:spPr>
+        <p:txBody>
+          <a:bodyPr wrap="square" rtlCol="0" anchor="ctr" anchorCtr="0">
+            <a:noAutofit/>
+          </a:bodyPr>
+          <a:lstStyle/>
+          <a:p>
+            <a:r>
+              <a:rPr lang="en-US" sz="1200">
+                <a:latin typeface="Courier New" panose="02070309020205020404" pitchFamily="49" charset="0"/>
+                <a:cs typeface="Courier New" panose="02070309020205020404" pitchFamily="49" charset="0"/>
+              </a:rPr>
+              <a:t>+--:(</a:t>
+            </a:r>
+            <a:r>
+              <a:rPr lang="en-US" sz="1200" b="1" err="1">
+                <a:latin typeface="Courier New" panose="02070309020205020404" pitchFamily="49" charset="0"/>
+                <a:cs typeface="Courier New" panose="02070309020205020404" pitchFamily="49" charset="0"/>
+              </a:rPr>
+              <a:t>roadm</a:t>
+            </a:r>
+            <a:r>
+              <a:rPr lang="en-US" sz="1200" b="1">
+                <a:latin typeface="Courier New" panose="02070309020205020404" pitchFamily="49" charset="0"/>
+                <a:cs typeface="Courier New" panose="02070309020205020404" pitchFamily="49" charset="0"/>
+              </a:rPr>
+              <a:t>-drop-path</a:t>
+            </a:r>
+            <a:r>
+              <a:rPr lang="en-US" sz="1200">
+                <a:latin typeface="Courier New" panose="02070309020205020404" pitchFamily="49" charset="0"/>
+                <a:cs typeface="Courier New" panose="02070309020205020404" pitchFamily="49" charset="0"/>
+              </a:rPr>
+              <a:t>)</a:t>
+            </a:r>
+          </a:p>
+          <a:p>
+            <a:r>
+              <a:rPr lang="en-US" sz="1200">
+                <a:latin typeface="Courier New" panose="02070309020205020404" pitchFamily="49" charset="0"/>
+                <a:cs typeface="Courier New" panose="02070309020205020404" pitchFamily="49" charset="0"/>
+              </a:rPr>
+              <a:t>   +--</a:t>
+            </a:r>
+            <a:r>
+              <a:rPr lang="en-US" sz="1200" err="1">
+                <a:latin typeface="Courier New" panose="02070309020205020404" pitchFamily="49" charset="0"/>
+                <a:cs typeface="Courier New" panose="02070309020205020404" pitchFamily="49" charset="0"/>
+              </a:rPr>
+              <a:t>ro</a:t>
+            </a:r>
+            <a:r>
+              <a:rPr lang="en-US" sz="1200">
+                <a:latin typeface="Courier New" panose="02070309020205020404" pitchFamily="49" charset="0"/>
+                <a:cs typeface="Courier New" panose="02070309020205020404" pitchFamily="49" charset="0"/>
+              </a:rPr>
+              <a:t> </a:t>
+            </a:r>
+            <a:r>
+              <a:rPr lang="en-US" sz="1200" err="1">
+                <a:latin typeface="Courier New" panose="02070309020205020404" pitchFamily="49" charset="0"/>
+                <a:cs typeface="Courier New" panose="02070309020205020404" pitchFamily="49" charset="0"/>
+              </a:rPr>
+              <a:t>roadm</a:t>
+            </a:r>
+            <a:r>
+              <a:rPr lang="en-US" sz="1200">
+                <a:latin typeface="Courier New" panose="02070309020205020404" pitchFamily="49" charset="0"/>
+                <a:cs typeface="Courier New" panose="02070309020205020404" pitchFamily="49" charset="0"/>
+              </a:rPr>
+              <a:t>-drop-path</a:t>
+            </a:r>
+          </a:p>
+          <a:p>
+            <a:r>
+              <a:rPr lang="en-US" sz="1200">
+                <a:latin typeface="Courier New" panose="02070309020205020404" pitchFamily="49" charset="0"/>
+                <a:cs typeface="Courier New" panose="02070309020205020404" pitchFamily="49" charset="0"/>
+              </a:rPr>
+              <a:t>      +--</a:t>
+            </a:r>
+            <a:r>
+              <a:rPr lang="en-US" sz="1200" err="1">
+                <a:latin typeface="Courier New" panose="02070309020205020404" pitchFamily="49" charset="0"/>
+                <a:cs typeface="Courier New" panose="02070309020205020404" pitchFamily="49" charset="0"/>
+              </a:rPr>
+              <a:t>ro</a:t>
+            </a:r>
+            <a:r>
+              <a:rPr lang="en-US" sz="1200">
+                <a:latin typeface="Courier New" panose="02070309020205020404" pitchFamily="49" charset="0"/>
+                <a:cs typeface="Courier New" panose="02070309020205020404" pitchFamily="49" charset="0"/>
+              </a:rPr>
+              <a:t> </a:t>
+            </a:r>
+            <a:r>
+              <a:rPr lang="en-US" sz="1200" err="1">
+                <a:latin typeface="Courier New" panose="02070309020205020404" pitchFamily="49" charset="0"/>
+                <a:cs typeface="Courier New" panose="02070309020205020404" pitchFamily="49" charset="0"/>
+              </a:rPr>
+              <a:t>roadm-pmd</a:t>
+            </a:r>
+            <a:r>
+              <a:rPr lang="en-US" sz="1200">
+                <a:latin typeface="Courier New" panose="02070309020205020404" pitchFamily="49" charset="0"/>
+                <a:cs typeface="Courier New" panose="02070309020205020404" pitchFamily="49" charset="0"/>
+              </a:rPr>
+              <a:t>?                decimal64</a:t>
+            </a:r>
+          </a:p>
+          <a:p>
+            <a:r>
+              <a:rPr lang="en-US" sz="1200">
+                <a:latin typeface="Courier New" panose="02070309020205020404" pitchFamily="49" charset="0"/>
+                <a:cs typeface="Courier New" panose="02070309020205020404" pitchFamily="49" charset="0"/>
+              </a:rPr>
+              <a:t>      +--</a:t>
+            </a:r>
+            <a:r>
+              <a:rPr lang="en-US" sz="1200" err="1">
+                <a:latin typeface="Courier New" panose="02070309020205020404" pitchFamily="49" charset="0"/>
+                <a:cs typeface="Courier New" panose="02070309020205020404" pitchFamily="49" charset="0"/>
+              </a:rPr>
+              <a:t>ro</a:t>
+            </a:r>
+            <a:r>
+              <a:rPr lang="en-US" sz="1200">
+                <a:latin typeface="Courier New" panose="02070309020205020404" pitchFamily="49" charset="0"/>
+                <a:cs typeface="Courier New" panose="02070309020205020404" pitchFamily="49" charset="0"/>
+              </a:rPr>
+              <a:t> </a:t>
+            </a:r>
+            <a:r>
+              <a:rPr lang="en-US" sz="1200" err="1">
+                <a:latin typeface="Courier New" panose="02070309020205020404" pitchFamily="49" charset="0"/>
+                <a:cs typeface="Courier New" panose="02070309020205020404" pitchFamily="49" charset="0"/>
+              </a:rPr>
+              <a:t>roadm</a:t>
+            </a:r>
+            <a:r>
+              <a:rPr lang="en-US" sz="1200">
+                <a:latin typeface="Courier New" panose="02070309020205020404" pitchFamily="49" charset="0"/>
+                <a:cs typeface="Courier New" panose="02070309020205020404" pitchFamily="49" charset="0"/>
+              </a:rPr>
+              <a:t>-cd?                 decimal64</a:t>
+            </a:r>
+          </a:p>
+          <a:p>
+            <a:r>
+              <a:rPr lang="en-US" sz="1200">
+                <a:latin typeface="Courier New" panose="02070309020205020404" pitchFamily="49" charset="0"/>
+                <a:cs typeface="Courier New" panose="02070309020205020404" pitchFamily="49" charset="0"/>
+              </a:rPr>
+              <a:t>      +--</a:t>
+            </a:r>
+            <a:r>
+              <a:rPr lang="en-US" sz="1200" err="1">
+                <a:latin typeface="Courier New" panose="02070309020205020404" pitchFamily="49" charset="0"/>
+                <a:cs typeface="Courier New" panose="02070309020205020404" pitchFamily="49" charset="0"/>
+              </a:rPr>
+              <a:t>ro</a:t>
+            </a:r>
+            <a:r>
+              <a:rPr lang="en-US" sz="1200">
+                <a:latin typeface="Courier New" panose="02070309020205020404" pitchFamily="49" charset="0"/>
+                <a:cs typeface="Courier New" panose="02070309020205020404" pitchFamily="49" charset="0"/>
+              </a:rPr>
+              <a:t> </a:t>
+            </a:r>
+            <a:r>
+              <a:rPr lang="en-US" sz="1200" err="1">
+                <a:latin typeface="Courier New" panose="02070309020205020404" pitchFamily="49" charset="0"/>
+                <a:cs typeface="Courier New" panose="02070309020205020404" pitchFamily="49" charset="0"/>
+              </a:rPr>
+              <a:t>roadm-pdl</a:t>
+            </a:r>
+            <a:r>
+              <a:rPr lang="en-US" sz="1200">
+                <a:latin typeface="Courier New" panose="02070309020205020404" pitchFamily="49" charset="0"/>
+                <a:cs typeface="Courier New" panose="02070309020205020404" pitchFamily="49" charset="0"/>
+              </a:rPr>
+              <a:t>?                decimal64</a:t>
+            </a:r>
+          </a:p>
+          <a:p>
+            <a:r>
+              <a:rPr lang="en-US" sz="1200">
+                <a:latin typeface="Courier New" panose="02070309020205020404" pitchFamily="49" charset="0"/>
+                <a:cs typeface="Courier New" panose="02070309020205020404" pitchFamily="49" charset="0"/>
+              </a:rPr>
+              <a:t>      +--</a:t>
+            </a:r>
+            <a:r>
+              <a:rPr lang="en-US" sz="1200" err="1">
+                <a:latin typeface="Courier New" panose="02070309020205020404" pitchFamily="49" charset="0"/>
+                <a:cs typeface="Courier New" panose="02070309020205020404" pitchFamily="49" charset="0"/>
+              </a:rPr>
+              <a:t>ro</a:t>
+            </a:r>
+            <a:r>
+              <a:rPr lang="en-US" sz="1200">
+                <a:latin typeface="Courier New" panose="02070309020205020404" pitchFamily="49" charset="0"/>
+                <a:cs typeface="Courier New" panose="02070309020205020404" pitchFamily="49" charset="0"/>
+              </a:rPr>
+              <a:t> </a:t>
+            </a:r>
+            <a:r>
+              <a:rPr lang="en-US" sz="1200" err="1">
+                <a:latin typeface="Courier New" panose="02070309020205020404" pitchFamily="49" charset="0"/>
+                <a:cs typeface="Courier New" panose="02070309020205020404" pitchFamily="49" charset="0"/>
+              </a:rPr>
+              <a:t>roadm</a:t>
+            </a:r>
+            <a:r>
+              <a:rPr lang="en-US" sz="1200">
+                <a:latin typeface="Courier New" panose="02070309020205020404" pitchFamily="49" charset="0"/>
+                <a:cs typeface="Courier New" panose="02070309020205020404" pitchFamily="49" charset="0"/>
+              </a:rPr>
+              <a:t>-</a:t>
+            </a:r>
+            <a:r>
+              <a:rPr lang="en-US" sz="1200" err="1">
+                <a:latin typeface="Courier New" panose="02070309020205020404" pitchFamily="49" charset="0"/>
+                <a:cs typeface="Courier New" panose="02070309020205020404" pitchFamily="49" charset="0"/>
+              </a:rPr>
+              <a:t>inband</a:t>
+            </a:r>
+            <a:r>
+              <a:rPr lang="en-US" sz="1200">
+                <a:latin typeface="Courier New" panose="02070309020205020404" pitchFamily="49" charset="0"/>
+                <a:cs typeface="Courier New" panose="02070309020205020404" pitchFamily="49" charset="0"/>
+              </a:rPr>
+              <a:t>-crosstalk?   decimal64</a:t>
+            </a:r>
+          </a:p>
+          <a:p>
+            <a:r>
+              <a:rPr lang="en-US" sz="1200">
+                <a:latin typeface="Courier New" panose="02070309020205020404" pitchFamily="49" charset="0"/>
+                <a:cs typeface="Courier New" panose="02070309020205020404" pitchFamily="49" charset="0"/>
+              </a:rPr>
+              <a:t>      +--</a:t>
+            </a:r>
+            <a:r>
+              <a:rPr lang="en-US" sz="1200" err="1">
+                <a:latin typeface="Courier New" panose="02070309020205020404" pitchFamily="49" charset="0"/>
+                <a:cs typeface="Courier New" panose="02070309020205020404" pitchFamily="49" charset="0"/>
+              </a:rPr>
+              <a:t>ro</a:t>
+            </a:r>
+            <a:r>
+              <a:rPr lang="en-US" sz="1200">
+                <a:latin typeface="Courier New" panose="02070309020205020404" pitchFamily="49" charset="0"/>
+                <a:cs typeface="Courier New" panose="02070309020205020404" pitchFamily="49" charset="0"/>
+              </a:rPr>
+              <a:t> </a:t>
+            </a:r>
+            <a:r>
+              <a:rPr lang="en-US" sz="1200" err="1">
+                <a:latin typeface="Courier New" panose="02070309020205020404" pitchFamily="49" charset="0"/>
+                <a:cs typeface="Courier New" panose="02070309020205020404" pitchFamily="49" charset="0"/>
+              </a:rPr>
+              <a:t>roadm-maxloss</a:t>
+            </a:r>
+            <a:r>
+              <a:rPr lang="en-US" sz="1200">
+                <a:latin typeface="Courier New" panose="02070309020205020404" pitchFamily="49" charset="0"/>
+                <a:cs typeface="Courier New" panose="02070309020205020404" pitchFamily="49" charset="0"/>
+              </a:rPr>
+              <a:t>?            decimal64</a:t>
+            </a:r>
+          </a:p>
+          <a:p>
+            <a:r>
+              <a:rPr lang="en-US" sz="1200">
+                <a:latin typeface="Courier New" panose="02070309020205020404" pitchFamily="49" charset="0"/>
+                <a:cs typeface="Courier New" panose="02070309020205020404" pitchFamily="49" charset="0"/>
+              </a:rPr>
+              <a:t>      +--</a:t>
+            </a:r>
+            <a:r>
+              <a:rPr lang="en-US" sz="1200" err="1">
+                <a:latin typeface="Courier New" panose="02070309020205020404" pitchFamily="49" charset="0"/>
+                <a:cs typeface="Courier New" panose="02070309020205020404" pitchFamily="49" charset="0"/>
+              </a:rPr>
+              <a:t>ro</a:t>
+            </a:r>
+            <a:r>
+              <a:rPr lang="en-US" sz="1200">
+                <a:latin typeface="Courier New" panose="02070309020205020404" pitchFamily="49" charset="0"/>
+                <a:cs typeface="Courier New" panose="02070309020205020404" pitchFamily="49" charset="0"/>
+              </a:rPr>
+              <a:t> </a:t>
+            </a:r>
+            <a:r>
+              <a:rPr lang="en-US" sz="1200" err="1">
+                <a:latin typeface="Courier New" panose="02070309020205020404" pitchFamily="49" charset="0"/>
+                <a:cs typeface="Courier New" panose="02070309020205020404" pitchFamily="49" charset="0"/>
+              </a:rPr>
+              <a:t>roadm-minloss</a:t>
+            </a:r>
+            <a:r>
+              <a:rPr lang="en-US" sz="1200">
+                <a:latin typeface="Courier New" panose="02070309020205020404" pitchFamily="49" charset="0"/>
+                <a:cs typeface="Courier New" panose="02070309020205020404" pitchFamily="49" charset="0"/>
+              </a:rPr>
+              <a:t>?            decimal64</a:t>
+            </a:r>
+          </a:p>
+          <a:p>
+            <a:r>
+              <a:rPr lang="en-US" sz="1200">
+                <a:latin typeface="Courier New" panose="02070309020205020404" pitchFamily="49" charset="0"/>
+                <a:cs typeface="Courier New" panose="02070309020205020404" pitchFamily="49" charset="0"/>
+              </a:rPr>
+              <a:t>      +--</a:t>
+            </a:r>
+            <a:r>
+              <a:rPr lang="en-US" sz="1200" err="1">
+                <a:latin typeface="Courier New" panose="02070309020205020404" pitchFamily="49" charset="0"/>
+                <a:cs typeface="Courier New" panose="02070309020205020404" pitchFamily="49" charset="0"/>
+              </a:rPr>
+              <a:t>ro</a:t>
+            </a:r>
+            <a:r>
+              <a:rPr lang="en-US" sz="1200">
+                <a:latin typeface="Courier New" panose="02070309020205020404" pitchFamily="49" charset="0"/>
+                <a:cs typeface="Courier New" panose="02070309020205020404" pitchFamily="49" charset="0"/>
+              </a:rPr>
+              <a:t> </a:t>
+            </a:r>
+            <a:r>
+              <a:rPr lang="en-US" sz="1200" err="1">
+                <a:latin typeface="Courier New" panose="02070309020205020404" pitchFamily="49" charset="0"/>
+                <a:cs typeface="Courier New" panose="02070309020205020404" pitchFamily="49" charset="0"/>
+              </a:rPr>
+              <a:t>roadm-typloss</a:t>
+            </a:r>
+            <a:r>
+              <a:rPr lang="en-US" sz="1200">
+                <a:latin typeface="Courier New" panose="02070309020205020404" pitchFamily="49" charset="0"/>
+                <a:cs typeface="Courier New" panose="02070309020205020404" pitchFamily="49" charset="0"/>
+              </a:rPr>
+              <a:t>?            decimal64</a:t>
+            </a:r>
+          </a:p>
+          <a:p>
+            <a:r>
+              <a:rPr lang="en-US" sz="1200">
+                <a:latin typeface="Courier New" panose="02070309020205020404" pitchFamily="49" charset="0"/>
+                <a:cs typeface="Courier New" panose="02070309020205020404" pitchFamily="49" charset="0"/>
+              </a:rPr>
+              <a:t>      +--</a:t>
+            </a:r>
+            <a:r>
+              <a:rPr lang="en-US" sz="1200" err="1">
+                <a:latin typeface="Courier New" panose="02070309020205020404" pitchFamily="49" charset="0"/>
+                <a:cs typeface="Courier New" panose="02070309020205020404" pitchFamily="49" charset="0"/>
+              </a:rPr>
+              <a:t>ro</a:t>
+            </a:r>
+            <a:r>
+              <a:rPr lang="en-US" sz="1200">
+                <a:latin typeface="Courier New" panose="02070309020205020404" pitchFamily="49" charset="0"/>
+                <a:cs typeface="Courier New" panose="02070309020205020404" pitchFamily="49" charset="0"/>
+              </a:rPr>
+              <a:t> </a:t>
+            </a:r>
+            <a:r>
+              <a:rPr lang="en-US" sz="1200" err="1">
+                <a:latin typeface="Courier New" panose="02070309020205020404" pitchFamily="49" charset="0"/>
+                <a:cs typeface="Courier New" panose="02070309020205020404" pitchFamily="49" charset="0"/>
+              </a:rPr>
+              <a:t>roadm-pmin</a:t>
+            </a:r>
+            <a:r>
+              <a:rPr lang="en-US" sz="1200">
+                <a:latin typeface="Courier New" panose="02070309020205020404" pitchFamily="49" charset="0"/>
+                <a:cs typeface="Courier New" panose="02070309020205020404" pitchFamily="49" charset="0"/>
+              </a:rPr>
+              <a:t>?               decimal64</a:t>
+            </a:r>
+          </a:p>
+          <a:p>
+            <a:r>
+              <a:rPr lang="en-US" sz="1200">
+                <a:latin typeface="Courier New" panose="02070309020205020404" pitchFamily="49" charset="0"/>
+                <a:cs typeface="Courier New" panose="02070309020205020404" pitchFamily="49" charset="0"/>
+              </a:rPr>
+              <a:t>      +--</a:t>
+            </a:r>
+            <a:r>
+              <a:rPr lang="en-US" sz="1200" err="1">
+                <a:latin typeface="Courier New" panose="02070309020205020404" pitchFamily="49" charset="0"/>
+                <a:cs typeface="Courier New" panose="02070309020205020404" pitchFamily="49" charset="0"/>
+              </a:rPr>
+              <a:t>ro</a:t>
+            </a:r>
+            <a:r>
+              <a:rPr lang="en-US" sz="1200">
+                <a:latin typeface="Courier New" panose="02070309020205020404" pitchFamily="49" charset="0"/>
+                <a:cs typeface="Courier New" panose="02070309020205020404" pitchFamily="49" charset="0"/>
+              </a:rPr>
+              <a:t> </a:t>
+            </a:r>
+            <a:r>
+              <a:rPr lang="en-US" sz="1200" err="1">
+                <a:latin typeface="Courier New" panose="02070309020205020404" pitchFamily="49" charset="0"/>
+                <a:cs typeface="Courier New" panose="02070309020205020404" pitchFamily="49" charset="0"/>
+              </a:rPr>
+              <a:t>roadm-pmax</a:t>
+            </a:r>
+            <a:r>
+              <a:rPr lang="en-US" sz="1200">
+                <a:latin typeface="Courier New" panose="02070309020205020404" pitchFamily="49" charset="0"/>
+                <a:cs typeface="Courier New" panose="02070309020205020404" pitchFamily="49" charset="0"/>
+              </a:rPr>
+              <a:t>?               decimal64</a:t>
+            </a:r>
+          </a:p>
+          <a:p>
+            <a:r>
+              <a:rPr lang="en-US" sz="1200">
+                <a:latin typeface="Courier New" panose="02070309020205020404" pitchFamily="49" charset="0"/>
+                <a:cs typeface="Courier New" panose="02070309020205020404" pitchFamily="49" charset="0"/>
+              </a:rPr>
+              <a:t>      +--</a:t>
+            </a:r>
+            <a:r>
+              <a:rPr lang="en-US" sz="1200" err="1">
+                <a:latin typeface="Courier New" panose="02070309020205020404" pitchFamily="49" charset="0"/>
+                <a:cs typeface="Courier New" panose="02070309020205020404" pitchFamily="49" charset="0"/>
+              </a:rPr>
+              <a:t>ro</a:t>
+            </a:r>
+            <a:r>
+              <a:rPr lang="en-US" sz="1200">
+                <a:latin typeface="Courier New" panose="02070309020205020404" pitchFamily="49" charset="0"/>
+                <a:cs typeface="Courier New" panose="02070309020205020404" pitchFamily="49" charset="0"/>
+              </a:rPr>
+              <a:t> </a:t>
+            </a:r>
+            <a:r>
+              <a:rPr lang="en-US" sz="1200" err="1">
+                <a:latin typeface="Courier New" panose="02070309020205020404" pitchFamily="49" charset="0"/>
+                <a:cs typeface="Courier New" panose="02070309020205020404" pitchFamily="49" charset="0"/>
+              </a:rPr>
+              <a:t>roadm-ptyp</a:t>
+            </a:r>
+            <a:r>
+              <a:rPr lang="en-US" sz="1200">
+                <a:latin typeface="Courier New" panose="02070309020205020404" pitchFamily="49" charset="0"/>
+                <a:cs typeface="Courier New" panose="02070309020205020404" pitchFamily="49" charset="0"/>
+              </a:rPr>
+              <a:t>?               decimal64</a:t>
+            </a:r>
+          </a:p>
+          <a:p>
+            <a:r>
+              <a:rPr lang="en-US" sz="1200">
+                <a:latin typeface="Courier New" panose="02070309020205020404" pitchFamily="49" charset="0"/>
+                <a:cs typeface="Courier New" panose="02070309020205020404" pitchFamily="49" charset="0"/>
+              </a:rPr>
+              <a:t>      +--</a:t>
+            </a:r>
+            <a:r>
+              <a:rPr lang="en-US" sz="1200" err="1">
+                <a:latin typeface="Courier New" panose="02070309020205020404" pitchFamily="49" charset="0"/>
+                <a:cs typeface="Courier New" panose="02070309020205020404" pitchFamily="49" charset="0"/>
+              </a:rPr>
+              <a:t>ro</a:t>
+            </a:r>
+            <a:r>
+              <a:rPr lang="en-US" sz="1200">
+                <a:latin typeface="Courier New" panose="02070309020205020404" pitchFamily="49" charset="0"/>
+                <a:cs typeface="Courier New" panose="02070309020205020404" pitchFamily="49" charset="0"/>
+              </a:rPr>
+              <a:t> </a:t>
+            </a:r>
+            <a:r>
+              <a:rPr lang="en-US" sz="1200" err="1">
+                <a:latin typeface="Courier New" panose="02070309020205020404" pitchFamily="49" charset="0"/>
+                <a:cs typeface="Courier New" panose="02070309020205020404" pitchFamily="49" charset="0"/>
+              </a:rPr>
+              <a:t>roadm-osnr</a:t>
+            </a:r>
+            <a:r>
+              <a:rPr lang="en-US" sz="1200">
+                <a:latin typeface="Courier New" panose="02070309020205020404" pitchFamily="49" charset="0"/>
+                <a:cs typeface="Courier New" panose="02070309020205020404" pitchFamily="49" charset="0"/>
+              </a:rPr>
+              <a:t>?               decimal64</a:t>
+            </a:r>
+          </a:p>
+          <a:p>
+            <a:r>
+              <a:rPr lang="en-US" sz="1200">
+                <a:latin typeface="Courier New" panose="02070309020205020404" pitchFamily="49" charset="0"/>
+                <a:cs typeface="Courier New" panose="02070309020205020404" pitchFamily="49" charset="0"/>
+              </a:rPr>
+              <a:t>      +--</a:t>
+            </a:r>
+            <a:r>
+              <a:rPr lang="en-US" sz="1200" err="1">
+                <a:latin typeface="Courier New" panose="02070309020205020404" pitchFamily="49" charset="0"/>
+                <a:cs typeface="Courier New" panose="02070309020205020404" pitchFamily="49" charset="0"/>
+              </a:rPr>
+              <a:t>ro</a:t>
+            </a:r>
+            <a:r>
+              <a:rPr lang="en-US" sz="1200">
+                <a:latin typeface="Courier New" panose="02070309020205020404" pitchFamily="49" charset="0"/>
+                <a:cs typeface="Courier New" panose="02070309020205020404" pitchFamily="49" charset="0"/>
+              </a:rPr>
+              <a:t> </a:t>
+            </a:r>
+            <a:r>
+              <a:rPr lang="en-US" sz="1200" err="1">
+                <a:latin typeface="Courier New" panose="02070309020205020404" pitchFamily="49" charset="0"/>
+                <a:cs typeface="Courier New" panose="02070309020205020404" pitchFamily="49" charset="0"/>
+              </a:rPr>
+              <a:t>roadm</a:t>
+            </a:r>
+            <a:r>
+              <a:rPr lang="en-US" sz="1200">
+                <a:latin typeface="Courier New" panose="02070309020205020404" pitchFamily="49" charset="0"/>
+                <a:cs typeface="Courier New" panose="02070309020205020404" pitchFamily="49" charset="0"/>
+              </a:rPr>
+              <a:t>-noise-figure?       decimal64</a:t>
+            </a:r>
+          </a:p>
+        </p:txBody>
+      </p:sp>
+    </p:spTree>
+    <p:extLst>
+      <p:ext uri="{BB962C8B-B14F-4D97-AF65-F5344CB8AC3E}">
+        <p14:creationId xmlns:p14="http://schemas.microsoft.com/office/powerpoint/2010/main" val="1139393804"/>
+      </p:ext>
+    </p:extLst>
+  </p:cSld>
+  <p:clrMapOvr>
+    <a:masterClrMapping/>
+  </p:clrMapOvr>
+</p:sld>
+</file>
+
+<file path=ppt/slides/slide6.xml><?xml version="1.0" encoding="utf-8"?>
+<p:sld xmlns:a="http://schemas.openxmlformats.org/drawingml/2006/main" xmlns:r="http://schemas.openxmlformats.org/officeDocument/2006/relationships" xmlns:p="http://schemas.openxmlformats.org/presentationml/2006/main" show="0">
+  <p:cSld>
+    <p:spTree>
+      <p:nvGrpSpPr>
+        <p:cNvPr id="1" name=""/>
+        <p:cNvGrpSpPr/>
+        <p:nvPr/>
+      </p:nvGrpSpPr>
+      <p:grpSpPr>
+        <a:xfrm>
+          <a:off x="0" y="0"/>
+          <a:ext cx="0" cy="0"/>
+          <a:chOff x="0" y="0"/>
+          <a:chExt cx="0" cy="0"/>
+        </a:xfrm>
+      </p:grpSpPr>
+      <p:sp>
+        <p:nvSpPr>
+          <p:cNvPr id="2" name="Title 1">
+            <a:extLst>
+              <a:ext uri="{FF2B5EF4-FFF2-40B4-BE49-F238E27FC236}">
+                <a16:creationId xmlns:a16="http://schemas.microsoft.com/office/drawing/2014/main" id="{EB3E31FD-1C2F-48A6-AB51-148D4276F8C0}"/>
+              </a:ext>
+            </a:extLst>
+          </p:cNvPr>
+          <p:cNvSpPr>
+            <a:spLocks noGrp="1"/>
+          </p:cNvSpPr>
+          <p:nvPr>
+            <p:ph type="title"/>
+          </p:nvPr>
+        </p:nvSpPr>
+        <p:spPr/>
+        <p:txBody>
+          <a:bodyPr/>
+          <a:lstStyle/>
+          <a:p>
+            <a:r>
+              <a:rPr lang="en-US"/>
+              <a:t>Major Changes since IETF 106</a:t>
+            </a:r>
+          </a:p>
+        </p:txBody>
+      </p:sp>
+      <p:sp>
+        <p:nvSpPr>
+          <p:cNvPr id="3" name="Content Placeholder 2">
+            <a:extLst>
+              <a:ext uri="{FF2B5EF4-FFF2-40B4-BE49-F238E27FC236}">
+                <a16:creationId xmlns:a16="http://schemas.microsoft.com/office/drawing/2014/main" id="{BD50841F-A6DC-4789-9872-9F341CF41FC7}"/>
+              </a:ext>
+            </a:extLst>
+          </p:cNvPr>
+          <p:cNvSpPr>
+            <a:spLocks noGrp="1"/>
+          </p:cNvSpPr>
+          <p:nvPr>
+            <p:ph idx="1"/>
+          </p:nvPr>
+        </p:nvSpPr>
+        <p:spPr/>
+        <p:txBody>
+          <a:bodyPr vert="horz" lIns="91440" tIns="45720" rIns="91440" bIns="45720" rtlCol="0" anchor="t">
+            <a:normAutofit/>
+          </a:bodyPr>
+          <a:lstStyle/>
+          <a:p>
+            <a:r>
+              <a:rPr lang="en-US" sz="2400" dirty="0">
+                <a:latin typeface="Courier New" panose="02070309020205020404" pitchFamily="49" charset="0"/>
+                <a:cs typeface="Courier New" panose="02070309020205020404" pitchFamily="49" charset="0"/>
+              </a:rPr>
+              <a:t>connectivity-matrices</a:t>
+            </a:r>
+            <a:r>
+              <a:rPr lang="en-US" sz="2400" dirty="0"/>
+              <a:t> </a:t>
+            </a:r>
+            <a:r>
+              <a:rPr lang="en-US" sz="2400" dirty="0">
+                <a:cs typeface="Calibri"/>
+              </a:rPr>
+              <a:t>augmented:</a:t>
+            </a:r>
+          </a:p>
+          <a:p>
+            <a:pPr lvl="1"/>
+            <a:r>
+              <a:rPr lang="en-US" sz="2000" dirty="0">
+                <a:cs typeface="Calibri"/>
+              </a:rPr>
+              <a:t>table entries referencing corresponding </a:t>
+            </a:r>
+            <a:r>
+              <a:rPr lang="en-US" sz="2000" dirty="0" err="1">
+                <a:latin typeface="Courier New" panose="02070309020205020404" pitchFamily="49" charset="0"/>
+                <a:cs typeface="Courier New" panose="02070309020205020404" pitchFamily="49" charset="0"/>
+              </a:rPr>
+              <a:t>roadm</a:t>
+            </a:r>
+            <a:r>
+              <a:rPr lang="en-US" sz="2000" dirty="0">
+                <a:latin typeface="Courier New" panose="02070309020205020404" pitchFamily="49" charset="0"/>
+                <a:cs typeface="Courier New" panose="02070309020205020404" pitchFamily="49" charset="0"/>
+              </a:rPr>
+              <a:t>-path-impairments</a:t>
+            </a:r>
+            <a:r>
+              <a:rPr lang="en-US" sz="2000" dirty="0">
+                <a:cs typeface="Calibri"/>
+              </a:rPr>
+              <a:t> table entry</a:t>
+            </a:r>
+          </a:p>
+          <a:p>
+            <a:pPr lvl="1"/>
+            <a:r>
+              <a:rPr lang="en-US" sz="2000" dirty="0">
+                <a:cs typeface="Calibri"/>
+              </a:rPr>
+              <a:t>Example:</a:t>
+            </a:r>
+          </a:p>
+          <a:p>
+            <a:pPr marL="179388" lvl="1" indent="0">
+              <a:buNone/>
+            </a:pPr>
+            <a:r>
+              <a:rPr lang="en-US" sz="1150" dirty="0">
+                <a:latin typeface="Courier New" panose="02070309020205020404" pitchFamily="49" charset="0"/>
+                <a:cs typeface="Courier New" panose="02070309020205020404" pitchFamily="49" charset="0"/>
+              </a:rPr>
+              <a:t>augment /</a:t>
+            </a:r>
+            <a:r>
+              <a:rPr lang="en-US" sz="1150" dirty="0" err="1">
+                <a:latin typeface="Courier New" panose="02070309020205020404" pitchFamily="49" charset="0"/>
+                <a:cs typeface="Courier New" panose="02070309020205020404" pitchFamily="49" charset="0"/>
+              </a:rPr>
+              <a:t>nw:networks</a:t>
+            </a:r>
+            <a:r>
+              <a:rPr lang="en-US" sz="1150" dirty="0">
+                <a:latin typeface="Courier New" panose="02070309020205020404" pitchFamily="49" charset="0"/>
+                <a:cs typeface="Courier New" panose="02070309020205020404" pitchFamily="49" charset="0"/>
+              </a:rPr>
+              <a:t>/</a:t>
+            </a:r>
+            <a:r>
+              <a:rPr lang="en-US" sz="1150" dirty="0" err="1">
+                <a:latin typeface="Courier New" panose="02070309020205020404" pitchFamily="49" charset="0"/>
+                <a:cs typeface="Courier New" panose="02070309020205020404" pitchFamily="49" charset="0"/>
+              </a:rPr>
+              <a:t>nw:network</a:t>
+            </a:r>
+            <a:r>
+              <a:rPr lang="en-US" sz="1150" dirty="0">
+                <a:latin typeface="Courier New" panose="02070309020205020404" pitchFamily="49" charset="0"/>
+                <a:cs typeface="Courier New" panose="02070309020205020404" pitchFamily="49" charset="0"/>
+              </a:rPr>
+              <a:t>/</a:t>
+            </a:r>
+            <a:r>
+              <a:rPr lang="en-US" sz="1150" dirty="0" err="1">
+                <a:latin typeface="Courier New" panose="02070309020205020404" pitchFamily="49" charset="0"/>
+                <a:cs typeface="Courier New" panose="02070309020205020404" pitchFamily="49" charset="0"/>
+              </a:rPr>
+              <a:t>nw:node</a:t>
+            </a:r>
+            <a:r>
+              <a:rPr lang="en-US" sz="1150" dirty="0">
+                <a:latin typeface="Courier New" panose="02070309020205020404" pitchFamily="49" charset="0"/>
+                <a:cs typeface="Courier New" panose="02070309020205020404" pitchFamily="49" charset="0"/>
+              </a:rPr>
+              <a:t>/</a:t>
+            </a:r>
+            <a:r>
+              <a:rPr lang="en-US" sz="1150" dirty="0" err="1">
+                <a:latin typeface="Courier New" panose="02070309020205020404" pitchFamily="49" charset="0"/>
+                <a:cs typeface="Courier New" panose="02070309020205020404" pitchFamily="49" charset="0"/>
+              </a:rPr>
+              <a:t>tet:te</a:t>
+            </a:r>
+            <a:r>
+              <a:rPr lang="en-US" sz="1150" dirty="0">
+                <a:latin typeface="Courier New" panose="02070309020205020404" pitchFamily="49" charset="0"/>
+                <a:cs typeface="Courier New" panose="02070309020205020404" pitchFamily="49" charset="0"/>
+              </a:rPr>
+              <a:t>/</a:t>
+            </a:r>
+            <a:r>
+              <a:rPr lang="en-US" sz="1150" dirty="0" err="1">
+                <a:latin typeface="Courier New" panose="02070309020205020404" pitchFamily="49" charset="0"/>
+                <a:cs typeface="Courier New" panose="02070309020205020404" pitchFamily="49" charset="0"/>
+              </a:rPr>
+              <a:t>tet:information-source-ntry</a:t>
+            </a:r>
+            <a:r>
+              <a:rPr lang="en-US" sz="1150" dirty="0">
+                <a:latin typeface="Courier New" panose="02070309020205020404" pitchFamily="49" charset="0"/>
+                <a:cs typeface="Courier New" panose="02070309020205020404" pitchFamily="49" charset="0"/>
+              </a:rPr>
+              <a:t>/</a:t>
+            </a:r>
+            <a:r>
+              <a:rPr lang="en-US" sz="1150" dirty="0" err="1">
+                <a:latin typeface="Courier New" panose="02070309020205020404" pitchFamily="49" charset="0"/>
+                <a:cs typeface="Courier New" panose="02070309020205020404" pitchFamily="49" charset="0"/>
+              </a:rPr>
+              <a:t>tet:</a:t>
+            </a:r>
+            <a:r>
+              <a:rPr lang="en-US" sz="1150" b="1" dirty="0" err="1">
+                <a:latin typeface="Courier New" panose="02070309020205020404" pitchFamily="49" charset="0"/>
+                <a:cs typeface="Courier New" panose="02070309020205020404" pitchFamily="49" charset="0"/>
+              </a:rPr>
+              <a:t>connectivity-matrices</a:t>
+            </a:r>
+            <a:r>
+              <a:rPr lang="en-US" sz="1150" dirty="0">
+                <a:latin typeface="Courier New" panose="02070309020205020404" pitchFamily="49" charset="0"/>
+                <a:cs typeface="Courier New" panose="02070309020205020404" pitchFamily="49" charset="0"/>
+              </a:rPr>
+              <a:t>:</a:t>
+            </a:r>
+          </a:p>
+          <a:p>
+            <a:pPr marL="179388" lvl="1" indent="0">
+              <a:buNone/>
+            </a:pPr>
+            <a:r>
+              <a:rPr lang="en-US" sz="1150" dirty="0">
+                <a:latin typeface="Courier New" panose="02070309020205020404" pitchFamily="49" charset="0"/>
+                <a:cs typeface="Courier New" panose="02070309020205020404" pitchFamily="49" charset="0"/>
+              </a:rPr>
+              <a:t>+--</a:t>
+            </a:r>
+            <a:r>
+              <a:rPr lang="en-US" sz="1150" dirty="0" err="1">
+                <a:latin typeface="Courier New" panose="02070309020205020404" pitchFamily="49" charset="0"/>
+                <a:cs typeface="Courier New" panose="02070309020205020404" pitchFamily="49" charset="0"/>
+              </a:rPr>
+              <a:t>ro</a:t>
+            </a:r>
+            <a:r>
+              <a:rPr lang="en-US" sz="1150" dirty="0">
+                <a:latin typeface="Courier New" panose="02070309020205020404" pitchFamily="49" charset="0"/>
+                <a:cs typeface="Courier New" panose="02070309020205020404" pitchFamily="49" charset="0"/>
+              </a:rPr>
+              <a:t> </a:t>
+            </a:r>
+            <a:r>
+              <a:rPr lang="en-US" sz="1150" b="1" dirty="0" err="1">
+                <a:latin typeface="Courier New" panose="02070309020205020404" pitchFamily="49" charset="0"/>
+                <a:cs typeface="Courier New" panose="02070309020205020404" pitchFamily="49" charset="0"/>
+              </a:rPr>
+              <a:t>roadm</a:t>
+            </a:r>
+            <a:r>
+              <a:rPr lang="en-US" sz="1150" b="1" dirty="0">
+                <a:latin typeface="Courier New" panose="02070309020205020404" pitchFamily="49" charset="0"/>
+                <a:cs typeface="Courier New" panose="02070309020205020404" pitchFamily="49" charset="0"/>
+              </a:rPr>
+              <a:t>-path-impairments?</a:t>
+            </a:r>
+            <a:r>
+              <a:rPr lang="en-US" sz="1150" dirty="0">
+                <a:latin typeface="Courier New" panose="02070309020205020404" pitchFamily="49" charset="0"/>
+                <a:cs typeface="Courier New" panose="02070309020205020404" pitchFamily="49" charset="0"/>
+              </a:rPr>
+              <a:t>   -&gt; ../../../</a:t>
+            </a:r>
+            <a:r>
+              <a:rPr lang="en-US" sz="1150" dirty="0" err="1">
+                <a:latin typeface="Courier New" panose="02070309020205020404" pitchFamily="49" charset="0"/>
+                <a:cs typeface="Courier New" panose="02070309020205020404" pitchFamily="49" charset="0"/>
+              </a:rPr>
+              <a:t>tet:te-node-attributes</a:t>
+            </a:r>
+            <a:r>
+              <a:rPr lang="en-US" sz="1150" dirty="0">
+                <a:latin typeface="Courier New" panose="02070309020205020404" pitchFamily="49" charset="0"/>
+                <a:cs typeface="Courier New" panose="02070309020205020404" pitchFamily="49" charset="0"/>
+              </a:rPr>
+              <a:t>/</a:t>
+            </a:r>
+            <a:r>
+              <a:rPr lang="en-US" sz="1150" dirty="0" err="1">
+                <a:latin typeface="Courier New" panose="02070309020205020404" pitchFamily="49" charset="0"/>
+                <a:cs typeface="Courier New" panose="02070309020205020404" pitchFamily="49" charset="0"/>
+              </a:rPr>
+              <a:t>roadm</a:t>
+            </a:r>
+            <a:r>
+              <a:rPr lang="en-US" sz="1150" dirty="0">
+                <a:latin typeface="Courier New" panose="02070309020205020404" pitchFamily="49" charset="0"/>
+                <a:cs typeface="Courier New" panose="02070309020205020404" pitchFamily="49" charset="0"/>
+              </a:rPr>
+              <a:t>-path-impairments/</a:t>
+            </a:r>
+            <a:r>
+              <a:rPr lang="en-US" sz="1150" b="1" dirty="0" err="1">
+                <a:latin typeface="Courier New" panose="02070309020205020404" pitchFamily="49" charset="0"/>
+                <a:cs typeface="Courier New" panose="02070309020205020404" pitchFamily="49" charset="0"/>
+              </a:rPr>
+              <a:t>roadm</a:t>
+            </a:r>
+            <a:r>
+              <a:rPr lang="en-US" sz="1150" b="1" dirty="0">
+                <a:latin typeface="Courier New" panose="02070309020205020404" pitchFamily="49" charset="0"/>
+                <a:cs typeface="Courier New" panose="02070309020205020404" pitchFamily="49" charset="0"/>
+              </a:rPr>
+              <a:t>-path-impairments-id</a:t>
+            </a:r>
+          </a:p>
+          <a:p>
+            <a:endParaRPr lang="en-US" sz="2400" dirty="0">
+              <a:latin typeface="Courier New" panose="02070309020205020404" pitchFamily="49" charset="0"/>
+              <a:cs typeface="Courier New" panose="02070309020205020404" pitchFamily="49" charset="0"/>
+            </a:endParaRPr>
+          </a:p>
+          <a:p>
+            <a:r>
+              <a:rPr lang="en-US" sz="2400" dirty="0">
+                <a:latin typeface="Courier New" panose="02070309020205020404" pitchFamily="49" charset="0"/>
+                <a:cs typeface="Courier New" panose="02070309020205020404" pitchFamily="49" charset="0"/>
+              </a:rPr>
+              <a:t>local-link-</a:t>
+            </a:r>
+            <a:r>
+              <a:rPr lang="en-US" sz="2400" dirty="0" err="1">
+                <a:latin typeface="Courier New" panose="02070309020205020404" pitchFamily="49" charset="0"/>
+                <a:cs typeface="Courier New" panose="02070309020205020404" pitchFamily="49" charset="0"/>
+              </a:rPr>
+              <a:t>connectivities</a:t>
+            </a:r>
+            <a:r>
+              <a:rPr lang="en-US" sz="2400" dirty="0"/>
+              <a:t> </a:t>
+            </a:r>
+            <a:r>
+              <a:rPr lang="en-US" sz="2400" dirty="0">
+                <a:cs typeface="Calibri"/>
+              </a:rPr>
+              <a:t>augmented (same approach as above):</a:t>
+            </a:r>
+          </a:p>
+          <a:p>
+            <a:pPr lvl="1"/>
+            <a:r>
+              <a:rPr lang="en-US" sz="2000" dirty="0">
+                <a:cs typeface="Calibri"/>
+              </a:rPr>
+              <a:t>table entries referencing corresponding </a:t>
+            </a:r>
+            <a:r>
+              <a:rPr lang="en-US" sz="2000" dirty="0" err="1">
+                <a:latin typeface="Courier New" panose="02070309020205020404" pitchFamily="49" charset="0"/>
+                <a:cs typeface="Courier New" panose="02070309020205020404" pitchFamily="49" charset="0"/>
+              </a:rPr>
+              <a:t>roadm</a:t>
+            </a:r>
+            <a:r>
+              <a:rPr lang="en-US" sz="2000" dirty="0">
+                <a:latin typeface="Courier New" panose="02070309020205020404" pitchFamily="49" charset="0"/>
+                <a:cs typeface="Courier New" panose="02070309020205020404" pitchFamily="49" charset="0"/>
+              </a:rPr>
+              <a:t>-path-impairments</a:t>
+            </a:r>
+            <a:r>
+              <a:rPr lang="en-US" sz="2000" dirty="0">
+                <a:cs typeface="Calibri"/>
+              </a:rPr>
+              <a:t> table entry</a:t>
+            </a:r>
+          </a:p>
+          <a:p>
+            <a:pPr lvl="1"/>
+            <a:r>
+              <a:rPr lang="en-US" sz="2000" dirty="0">
+                <a:cs typeface="Calibri"/>
+              </a:rPr>
+              <a:t>Example:</a:t>
+            </a:r>
+          </a:p>
+          <a:p>
+            <a:pPr marL="179388" lvl="1" indent="0">
+              <a:buNone/>
+            </a:pPr>
+            <a:r>
+              <a:rPr lang="en-US" sz="1150" dirty="0">
+                <a:latin typeface="Courier New" panose="02070309020205020404" pitchFamily="49" charset="0"/>
+                <a:cs typeface="Courier New" panose="02070309020205020404" pitchFamily="49" charset="0"/>
+              </a:rPr>
+              <a:t>augment /</a:t>
+            </a:r>
+            <a:r>
+              <a:rPr lang="en-US" sz="1150" dirty="0" err="1">
+                <a:latin typeface="Courier New" panose="02070309020205020404" pitchFamily="49" charset="0"/>
+                <a:cs typeface="Courier New" panose="02070309020205020404" pitchFamily="49" charset="0"/>
+              </a:rPr>
+              <a:t>nw:networks</a:t>
+            </a:r>
+            <a:r>
+              <a:rPr lang="en-US" sz="1150" dirty="0">
+                <a:latin typeface="Courier New" panose="02070309020205020404" pitchFamily="49" charset="0"/>
+                <a:cs typeface="Courier New" panose="02070309020205020404" pitchFamily="49" charset="0"/>
+              </a:rPr>
+              <a:t>/</a:t>
+            </a:r>
+            <a:r>
+              <a:rPr lang="en-US" sz="1150" dirty="0" err="1">
+                <a:latin typeface="Courier New" panose="02070309020205020404" pitchFamily="49" charset="0"/>
+                <a:cs typeface="Courier New" panose="02070309020205020404" pitchFamily="49" charset="0"/>
+              </a:rPr>
+              <a:t>nw:network</a:t>
+            </a:r>
+            <a:r>
+              <a:rPr lang="en-US" sz="1150" dirty="0">
+                <a:latin typeface="Courier New" panose="02070309020205020404" pitchFamily="49" charset="0"/>
+                <a:cs typeface="Courier New" panose="02070309020205020404" pitchFamily="49" charset="0"/>
+              </a:rPr>
+              <a:t>/</a:t>
+            </a:r>
+            <a:r>
+              <a:rPr lang="en-US" sz="1150" dirty="0" err="1">
+                <a:latin typeface="Courier New" panose="02070309020205020404" pitchFamily="49" charset="0"/>
+                <a:cs typeface="Courier New" panose="02070309020205020404" pitchFamily="49" charset="0"/>
+              </a:rPr>
+              <a:t>nw:node</a:t>
+            </a:r>
+            <a:r>
+              <a:rPr lang="en-US" sz="1150" dirty="0">
+                <a:latin typeface="Courier New" panose="02070309020205020404" pitchFamily="49" charset="0"/>
+                <a:cs typeface="Courier New" panose="02070309020205020404" pitchFamily="49" charset="0"/>
+              </a:rPr>
+              <a:t>/</a:t>
+            </a:r>
+            <a:r>
+              <a:rPr lang="en-US" sz="1150" dirty="0" err="1">
+                <a:latin typeface="Courier New" panose="02070309020205020404" pitchFamily="49" charset="0"/>
+                <a:cs typeface="Courier New" panose="02070309020205020404" pitchFamily="49" charset="0"/>
+              </a:rPr>
+              <a:t>tet:te</a:t>
+            </a:r>
+            <a:r>
+              <a:rPr lang="en-US" sz="1150" dirty="0">
+                <a:latin typeface="Courier New" panose="02070309020205020404" pitchFamily="49" charset="0"/>
+                <a:cs typeface="Courier New" panose="02070309020205020404" pitchFamily="49" charset="0"/>
+              </a:rPr>
+              <a:t>/</a:t>
+            </a:r>
+            <a:r>
+              <a:rPr lang="en-US" sz="1150" dirty="0" err="1">
+                <a:latin typeface="Courier New" panose="02070309020205020404" pitchFamily="49" charset="0"/>
+                <a:cs typeface="Courier New" panose="02070309020205020404" pitchFamily="49" charset="0"/>
+              </a:rPr>
+              <a:t>tet:tunnel-termination-point</a:t>
+            </a:r>
+            <a:r>
+              <a:rPr lang="en-US" sz="1150" dirty="0">
+                <a:latin typeface="Courier New" panose="02070309020205020404" pitchFamily="49" charset="0"/>
+                <a:cs typeface="Courier New" panose="02070309020205020404" pitchFamily="49" charset="0"/>
+              </a:rPr>
+              <a:t>/</a:t>
+            </a:r>
+            <a:r>
+              <a:rPr lang="en-US" sz="1150" dirty="0" err="1">
+                <a:latin typeface="Courier New" panose="02070309020205020404" pitchFamily="49" charset="0"/>
+                <a:cs typeface="Courier New" panose="02070309020205020404" pitchFamily="49" charset="0"/>
+              </a:rPr>
+              <a:t>tet:</a:t>
+            </a:r>
+            <a:r>
+              <a:rPr lang="en-US" sz="1150" b="1" dirty="0" err="1">
+                <a:latin typeface="Courier New" panose="02070309020205020404" pitchFamily="49" charset="0"/>
+                <a:cs typeface="Courier New" panose="02070309020205020404" pitchFamily="49" charset="0"/>
+              </a:rPr>
+              <a:t>local-link-connectivities</a:t>
+            </a:r>
+            <a:r>
+              <a:rPr lang="en-US" sz="1150" dirty="0">
+                <a:latin typeface="Courier New" panose="02070309020205020404" pitchFamily="49" charset="0"/>
+                <a:cs typeface="Courier New" panose="02070309020205020404" pitchFamily="49" charset="0"/>
+              </a:rPr>
+              <a:t>:</a:t>
+            </a:r>
+          </a:p>
+          <a:p>
+            <a:pPr marL="179388" lvl="1" indent="0">
+              <a:buNone/>
+            </a:pPr>
+            <a:r>
+              <a:rPr lang="en-US" sz="1150" dirty="0">
+                <a:latin typeface="Courier New" panose="02070309020205020404" pitchFamily="49" charset="0"/>
+                <a:cs typeface="Courier New" panose="02070309020205020404" pitchFamily="49" charset="0"/>
+              </a:rPr>
+              <a:t>+--</a:t>
+            </a:r>
+            <a:r>
+              <a:rPr lang="en-US" sz="1150" dirty="0" err="1">
+                <a:latin typeface="Courier New" panose="02070309020205020404" pitchFamily="49" charset="0"/>
+                <a:cs typeface="Courier New" panose="02070309020205020404" pitchFamily="49" charset="0"/>
+              </a:rPr>
+              <a:t>ro</a:t>
+            </a:r>
+            <a:r>
+              <a:rPr lang="en-US" sz="1150" dirty="0">
+                <a:latin typeface="Courier New" panose="02070309020205020404" pitchFamily="49" charset="0"/>
+                <a:cs typeface="Courier New" panose="02070309020205020404" pitchFamily="49" charset="0"/>
+              </a:rPr>
+              <a:t> </a:t>
+            </a:r>
+            <a:r>
+              <a:rPr lang="en-US" sz="1150" b="1" dirty="0">
+                <a:latin typeface="Courier New" panose="02070309020205020404" pitchFamily="49" charset="0"/>
+                <a:cs typeface="Courier New" panose="02070309020205020404" pitchFamily="49" charset="0"/>
+              </a:rPr>
+              <a:t>add-path-impairments?</a:t>
+            </a:r>
+            <a:r>
+              <a:rPr lang="en-US" sz="1150" dirty="0">
+                <a:latin typeface="Courier New" panose="02070309020205020404" pitchFamily="49" charset="0"/>
+                <a:cs typeface="Courier New" panose="02070309020205020404" pitchFamily="49" charset="0"/>
+              </a:rPr>
+              <a:t>    -&gt; ../../../</a:t>
+            </a:r>
+            <a:r>
+              <a:rPr lang="en-US" sz="1150" dirty="0" err="1">
+                <a:latin typeface="Courier New" panose="02070309020205020404" pitchFamily="49" charset="0"/>
+                <a:cs typeface="Courier New" panose="02070309020205020404" pitchFamily="49" charset="0"/>
+              </a:rPr>
+              <a:t>tet:te-node-attributes</a:t>
+            </a:r>
+            <a:r>
+              <a:rPr lang="en-US" sz="1150" dirty="0">
+                <a:latin typeface="Courier New" panose="02070309020205020404" pitchFamily="49" charset="0"/>
+                <a:cs typeface="Courier New" panose="02070309020205020404" pitchFamily="49" charset="0"/>
+              </a:rPr>
+              <a:t>/</a:t>
+            </a:r>
+            <a:r>
+              <a:rPr lang="en-US" sz="1150" dirty="0" err="1">
+                <a:latin typeface="Courier New" panose="02070309020205020404" pitchFamily="49" charset="0"/>
+                <a:cs typeface="Courier New" panose="02070309020205020404" pitchFamily="49" charset="0"/>
+              </a:rPr>
+              <a:t>roadm</a:t>
+            </a:r>
+            <a:r>
+              <a:rPr lang="en-US" sz="1150" dirty="0">
+                <a:latin typeface="Courier New" panose="02070309020205020404" pitchFamily="49" charset="0"/>
+                <a:cs typeface="Courier New" panose="02070309020205020404" pitchFamily="49" charset="0"/>
+              </a:rPr>
+              <a:t>-path-impairments/</a:t>
+            </a:r>
+            <a:r>
+              <a:rPr lang="en-US" sz="1150" b="1" dirty="0" err="1">
+                <a:latin typeface="Courier New" panose="02070309020205020404" pitchFamily="49" charset="0"/>
+                <a:cs typeface="Courier New" panose="02070309020205020404" pitchFamily="49" charset="0"/>
+              </a:rPr>
+              <a:t>roadm</a:t>
+            </a:r>
+            <a:r>
+              <a:rPr lang="en-US" sz="1150" b="1" dirty="0">
+                <a:latin typeface="Courier New" panose="02070309020205020404" pitchFamily="49" charset="0"/>
+                <a:cs typeface="Courier New" panose="02070309020205020404" pitchFamily="49" charset="0"/>
+              </a:rPr>
+              <a:t>-path-impairments-id</a:t>
+            </a:r>
+          </a:p>
+          <a:p>
+            <a:pPr marL="179388" lvl="1" indent="0">
+              <a:buNone/>
+            </a:pPr>
+            <a:r>
+              <a:rPr lang="en-US" sz="1150" dirty="0">
+                <a:latin typeface="Courier New" panose="02070309020205020404" pitchFamily="49" charset="0"/>
+                <a:cs typeface="Courier New" panose="02070309020205020404" pitchFamily="49" charset="0"/>
+              </a:rPr>
+              <a:t>+--</a:t>
+            </a:r>
+            <a:r>
+              <a:rPr lang="en-US" sz="1150" dirty="0" err="1">
+                <a:latin typeface="Courier New" panose="02070309020205020404" pitchFamily="49" charset="0"/>
+                <a:cs typeface="Courier New" panose="02070309020205020404" pitchFamily="49" charset="0"/>
+              </a:rPr>
+              <a:t>ro</a:t>
+            </a:r>
+            <a:r>
+              <a:rPr lang="en-US" sz="1150" dirty="0">
+                <a:latin typeface="Courier New" panose="02070309020205020404" pitchFamily="49" charset="0"/>
+                <a:cs typeface="Courier New" panose="02070309020205020404" pitchFamily="49" charset="0"/>
+              </a:rPr>
+              <a:t> </a:t>
+            </a:r>
+            <a:r>
+              <a:rPr lang="en-US" sz="1150" b="1" dirty="0">
+                <a:latin typeface="Courier New" panose="02070309020205020404" pitchFamily="49" charset="0"/>
+                <a:cs typeface="Courier New" panose="02070309020205020404" pitchFamily="49" charset="0"/>
+              </a:rPr>
+              <a:t>drop-path-impairments?</a:t>
+            </a:r>
+            <a:r>
+              <a:rPr lang="en-US" sz="1150" dirty="0">
+                <a:latin typeface="Courier New" panose="02070309020205020404" pitchFamily="49" charset="0"/>
+                <a:cs typeface="Courier New" panose="02070309020205020404" pitchFamily="49" charset="0"/>
+              </a:rPr>
+              <a:t>   -&gt; ../../../</a:t>
+            </a:r>
+            <a:r>
+              <a:rPr lang="en-US" sz="1150" dirty="0" err="1">
+                <a:latin typeface="Courier New" panose="02070309020205020404" pitchFamily="49" charset="0"/>
+                <a:cs typeface="Courier New" panose="02070309020205020404" pitchFamily="49" charset="0"/>
+              </a:rPr>
+              <a:t>tet:te-node-attributes</a:t>
+            </a:r>
+            <a:r>
+              <a:rPr lang="en-US" sz="1150" dirty="0">
+                <a:latin typeface="Courier New" panose="02070309020205020404" pitchFamily="49" charset="0"/>
+                <a:cs typeface="Courier New" panose="02070309020205020404" pitchFamily="49" charset="0"/>
+              </a:rPr>
+              <a:t>/</a:t>
+            </a:r>
+            <a:r>
+              <a:rPr lang="en-US" sz="1150" dirty="0" err="1">
+                <a:latin typeface="Courier New" panose="02070309020205020404" pitchFamily="49" charset="0"/>
+                <a:cs typeface="Courier New" panose="02070309020205020404" pitchFamily="49" charset="0"/>
+              </a:rPr>
+              <a:t>roadm</a:t>
+            </a:r>
+            <a:r>
+              <a:rPr lang="en-US" sz="1150" dirty="0">
+                <a:latin typeface="Courier New" panose="02070309020205020404" pitchFamily="49" charset="0"/>
+                <a:cs typeface="Courier New" panose="02070309020205020404" pitchFamily="49" charset="0"/>
+              </a:rPr>
+              <a:t>-path-impairments/</a:t>
+            </a:r>
+            <a:r>
+              <a:rPr lang="en-US" sz="1150" b="1" dirty="0" err="1">
+                <a:latin typeface="Courier New" panose="02070309020205020404" pitchFamily="49" charset="0"/>
+                <a:cs typeface="Courier New" panose="02070309020205020404" pitchFamily="49" charset="0"/>
+              </a:rPr>
+              <a:t>roadm</a:t>
+            </a:r>
+            <a:r>
+              <a:rPr lang="en-US" sz="1150" b="1" dirty="0">
+                <a:latin typeface="Courier New" panose="02070309020205020404" pitchFamily="49" charset="0"/>
+                <a:cs typeface="Courier New" panose="02070309020205020404" pitchFamily="49" charset="0"/>
+              </a:rPr>
+              <a:t>-path-impairments-id</a:t>
+            </a:r>
+            <a:endParaRPr lang="en-US" sz="1400" b="1" dirty="0">
+              <a:latin typeface="Courier New" panose="02070309020205020404" pitchFamily="49" charset="0"/>
+              <a:cs typeface="Courier New" panose="02070309020205020404" pitchFamily="49" charset="0"/>
+            </a:endParaRPr>
+          </a:p>
+        </p:txBody>
+      </p:sp>
+      <p:sp>
+        <p:nvSpPr>
+          <p:cNvPr id="4" name="Footer Placeholder 3">
+            <a:extLst>
+              <a:ext uri="{FF2B5EF4-FFF2-40B4-BE49-F238E27FC236}">
+                <a16:creationId xmlns:a16="http://schemas.microsoft.com/office/drawing/2014/main" id="{F00E6AD6-900F-4355-9541-00E46C374FA8}"/>
+              </a:ext>
+            </a:extLst>
+          </p:cNvPr>
+          <p:cNvSpPr>
+            <a:spLocks noGrp="1"/>
+          </p:cNvSpPr>
+          <p:nvPr>
+            <p:ph type="ftr" sz="quarter" idx="11"/>
+          </p:nvPr>
+        </p:nvSpPr>
+        <p:spPr/>
+        <p:txBody>
+          <a:bodyPr/>
+          <a:lstStyle/>
+          <a:p>
+            <a:r>
+              <a:rPr lang="en-US"/>
+              <a:t>IETF CCAMP WG Interim Meeting - May 14, 2020</a:t>
+            </a:r>
+          </a:p>
+        </p:txBody>
+      </p:sp>
+    </p:spTree>
+    <p:extLst>
+      <p:ext uri="{BB962C8B-B14F-4D97-AF65-F5344CB8AC3E}">
+        <p14:creationId xmlns:p14="http://schemas.microsoft.com/office/powerpoint/2010/main" val="558324057"/>
+      </p:ext>
+    </p:extLst>
+  </p:cSld>
+  <p:clrMapOvr>
+    <a:masterClrMapping/>
+  </p:clrMapOvr>
+</p:sld>
+</file>
+
+<file path=ppt/slides/slide7.xml><?xml version="1.0" encoding="utf-8"?>
+<p:sld xmlns:a="http://schemas.openxmlformats.org/drawingml/2006/main" xmlns:r="http://schemas.openxmlformats.org/officeDocument/2006/relationships" xmlns:p="http://schemas.openxmlformats.org/presentationml/2006/main">
+  <p:cSld>
+    <p:spTree>
+      <p:nvGrpSpPr>
+        <p:cNvPr id="1" name=""/>
+        <p:cNvGrpSpPr/>
+        <p:nvPr/>
+      </p:nvGrpSpPr>
+      <p:grpSpPr>
+        <a:xfrm>
+          <a:off x="0" y="0"/>
+          <a:ext cx="0" cy="0"/>
+          <a:chOff x="0" y="0"/>
+          <a:chExt cx="0" cy="0"/>
+        </a:xfrm>
+      </p:grpSpPr>
+      <p:sp>
+        <p:nvSpPr>
+          <p:cNvPr id="2" name="Title 1">
+            <a:extLst>
+              <a:ext uri="{FF2B5EF4-FFF2-40B4-BE49-F238E27FC236}">
+                <a16:creationId xmlns:a16="http://schemas.microsoft.com/office/drawing/2014/main" id="{85C5B221-C963-4E1E-9C56-8738C3038E09}"/>
+              </a:ext>
+            </a:extLst>
+          </p:cNvPr>
+          <p:cNvSpPr>
+            <a:spLocks noGrp="1"/>
+          </p:cNvSpPr>
+          <p:nvPr>
+            <p:ph type="title"/>
+          </p:nvPr>
+        </p:nvSpPr>
+        <p:spPr/>
+        <p:txBody>
+          <a:bodyPr>
+            <a:normAutofit/>
+          </a:bodyPr>
+          <a:lstStyle/>
+          <a:p>
+            <a:r>
+              <a:rPr lang="en-US" sz="4000"/>
+              <a:t>New CCAMP WG GitHub</a:t>
+            </a:r>
+            <a:br>
+              <a:rPr lang="en-US" sz="4000"/>
+            </a:br>
+            <a:r>
+              <a:rPr lang="en-US" sz="3200">
+                <a:hlinkClick r:id="rId2"/>
+              </a:rPr>
+              <a:t>https://github.com/ietf-ccamp-wg</a:t>
+            </a:r>
+            <a:endParaRPr lang="en-US" sz="4000"/>
+          </a:p>
+        </p:txBody>
+      </p:sp>
+      <p:sp>
+        <p:nvSpPr>
+          <p:cNvPr id="3" name="Content Placeholder 2">
+            <a:extLst>
+              <a:ext uri="{FF2B5EF4-FFF2-40B4-BE49-F238E27FC236}">
+                <a16:creationId xmlns:a16="http://schemas.microsoft.com/office/drawing/2014/main" id="{8C6E9F46-C3D1-4A97-AE3D-742DCE7826B3}"/>
+              </a:ext>
+            </a:extLst>
+          </p:cNvPr>
+          <p:cNvSpPr>
+            <a:spLocks noGrp="1"/>
+          </p:cNvSpPr>
+          <p:nvPr>
+            <p:ph idx="1"/>
+          </p:nvPr>
+        </p:nvSpPr>
+        <p:spPr>
+          <a:xfrm>
+            <a:off x="838200" y="1825625"/>
+            <a:ext cx="5257800" cy="4351338"/>
+          </a:xfrm>
+        </p:spPr>
+        <p:txBody>
+          <a:bodyPr>
+            <a:normAutofit/>
+          </a:bodyPr>
+          <a:lstStyle/>
+          <a:p>
+            <a:r>
+              <a:rPr lang="en-US" sz="2400"/>
+              <a:t>New organizational GitHub account created for the CCAMP WG:</a:t>
+            </a:r>
+          </a:p>
+          <a:p>
+            <a:pPr lvl="1"/>
+            <a:r>
+              <a:rPr lang="en-US" sz="2000">
+                <a:latin typeface="+mj-lt"/>
+              </a:rPr>
+              <a:t>14 members – open to everyone who wants to contribute</a:t>
+            </a:r>
+          </a:p>
+          <a:p>
+            <a:pPr lvl="1"/>
+            <a:endParaRPr lang="en-US" sz="2000">
+              <a:latin typeface="+mj-lt"/>
+            </a:endParaRPr>
+          </a:p>
+          <a:p>
+            <a:pPr lvl="1"/>
+            <a:r>
+              <a:rPr lang="en-US" sz="2000">
+                <a:latin typeface="+mj-lt"/>
+              </a:rPr>
+              <a:t>5 repositories for CCAMP WG drafts:</a:t>
+            </a:r>
+          </a:p>
+          <a:p>
+            <a:pPr marL="896938" lvl="2"/>
+            <a:r>
+              <a:rPr lang="en-US" sz="1600" b="1">
+                <a:latin typeface="+mj-lt"/>
+                <a:hlinkClick r:id="rId3"/>
+              </a:rPr>
+              <a:t>draft-</a:t>
+            </a:r>
+            <a:r>
+              <a:rPr lang="en-US" sz="1600" b="1" err="1">
+                <a:latin typeface="+mj-lt"/>
+                <a:hlinkClick r:id="rId3"/>
+              </a:rPr>
+              <a:t>ietf</a:t>
+            </a:r>
+            <a:r>
+              <a:rPr lang="en-US" sz="1600" b="1">
+                <a:latin typeface="+mj-lt"/>
+                <a:hlinkClick r:id="rId3"/>
+              </a:rPr>
+              <a:t>-ccamp-</a:t>
+            </a:r>
+            <a:r>
+              <a:rPr lang="en-US" sz="1600" b="1" err="1">
+                <a:latin typeface="+mj-lt"/>
+                <a:hlinkClick r:id="rId3"/>
+              </a:rPr>
+              <a:t>wson</a:t>
+            </a:r>
+            <a:r>
+              <a:rPr lang="en-US" sz="1600" b="1">
+                <a:latin typeface="+mj-lt"/>
+                <a:hlinkClick r:id="rId3"/>
+              </a:rPr>
+              <a:t>-yang</a:t>
+            </a:r>
+            <a:endParaRPr lang="en-US" sz="1600" b="1">
+              <a:latin typeface="+mj-lt"/>
+            </a:endParaRPr>
+          </a:p>
+          <a:p>
+            <a:pPr marL="896938" lvl="2"/>
+            <a:r>
+              <a:rPr lang="en-US" sz="1600" b="1">
+                <a:latin typeface="+mj-lt"/>
+                <a:hlinkClick r:id="rId4"/>
+              </a:rPr>
+              <a:t>draft-ietf-ccamp-layer0-types</a:t>
+            </a:r>
+            <a:endParaRPr lang="en-US" sz="1600" b="1">
+              <a:latin typeface="+mj-lt"/>
+            </a:endParaRPr>
+          </a:p>
+          <a:p>
+            <a:pPr marL="896938" lvl="2"/>
+            <a:r>
+              <a:rPr lang="en-US" sz="1600" b="1">
+                <a:latin typeface="+mj-lt"/>
+                <a:hlinkClick r:id="rId5"/>
+              </a:rPr>
+              <a:t>draft-</a:t>
+            </a:r>
+            <a:r>
+              <a:rPr lang="en-US" sz="1600" b="1" err="1">
+                <a:latin typeface="+mj-lt"/>
+                <a:hlinkClick r:id="rId5"/>
+              </a:rPr>
+              <a:t>ietf</a:t>
+            </a:r>
+            <a:r>
+              <a:rPr lang="en-US" sz="1600" b="1">
+                <a:latin typeface="+mj-lt"/>
+                <a:hlinkClick r:id="rId5"/>
+              </a:rPr>
+              <a:t>-ccamp-optical-impairment-topology-yang</a:t>
+            </a:r>
+            <a:endParaRPr lang="en-US" sz="1600" b="1">
+              <a:latin typeface="+mj-lt"/>
+            </a:endParaRPr>
+          </a:p>
+          <a:p>
+            <a:pPr marL="896938" lvl="2"/>
+            <a:r>
+              <a:rPr lang="en-US" sz="1600" b="1">
+                <a:latin typeface="+mj-lt"/>
+                <a:hlinkClick r:id="rId6"/>
+              </a:rPr>
+              <a:t>ietf-ccamp-layer0-types-ext</a:t>
+            </a:r>
+            <a:endParaRPr lang="en-US" sz="1600" b="1">
+              <a:latin typeface="+mj-lt"/>
+            </a:endParaRPr>
+          </a:p>
+          <a:p>
+            <a:pPr marL="896938" lvl="2"/>
+            <a:r>
+              <a:rPr lang="en-US" sz="1600" b="1">
+                <a:latin typeface="+mj-lt"/>
+                <a:hlinkClick r:id="rId7"/>
+              </a:rPr>
+              <a:t>draft-</a:t>
+            </a:r>
+            <a:r>
+              <a:rPr lang="en-US" sz="1600" b="1" err="1">
+                <a:latin typeface="+mj-lt"/>
+                <a:hlinkClick r:id="rId7"/>
+              </a:rPr>
+              <a:t>ietf</a:t>
+            </a:r>
+            <a:r>
+              <a:rPr lang="en-US" sz="1600" b="1">
+                <a:latin typeface="+mj-lt"/>
+                <a:hlinkClick r:id="rId7"/>
+              </a:rPr>
+              <a:t>-ccamp-</a:t>
+            </a:r>
+            <a:r>
+              <a:rPr lang="en-US" sz="1600" b="1" err="1">
+                <a:latin typeface="+mj-lt"/>
+                <a:hlinkClick r:id="rId7"/>
+              </a:rPr>
+              <a:t>dwdm</a:t>
+            </a:r>
+            <a:r>
+              <a:rPr lang="en-US" sz="1600" b="1">
+                <a:latin typeface="+mj-lt"/>
+                <a:hlinkClick r:id="rId7"/>
+              </a:rPr>
+              <a:t>-if-param-yang</a:t>
+            </a:r>
+            <a:endParaRPr lang="en-US" sz="1600">
+              <a:latin typeface="+mj-lt"/>
+            </a:endParaRPr>
+          </a:p>
+          <a:p>
+            <a:endParaRPr lang="en-US" sz="2400"/>
+          </a:p>
+        </p:txBody>
+      </p:sp>
+      <p:sp>
+        <p:nvSpPr>
+          <p:cNvPr id="4" name="Footer Placeholder 3">
+            <a:extLst>
+              <a:ext uri="{FF2B5EF4-FFF2-40B4-BE49-F238E27FC236}">
+                <a16:creationId xmlns:a16="http://schemas.microsoft.com/office/drawing/2014/main" id="{5735AA5A-6C6B-4E70-8A13-91FDE326B5AF}"/>
+              </a:ext>
+            </a:extLst>
+          </p:cNvPr>
+          <p:cNvSpPr>
+            <a:spLocks noGrp="1"/>
+          </p:cNvSpPr>
+          <p:nvPr>
+            <p:ph type="ftr" sz="quarter" idx="11"/>
+          </p:nvPr>
+        </p:nvSpPr>
+        <p:spPr/>
+        <p:txBody>
+          <a:bodyPr/>
+          <a:lstStyle/>
+          <a:p>
+            <a:r>
+              <a:rPr lang="en-US"/>
+              <a:t>IETF CCAMP WG Interim Meeting - May 14, 2020</a:t>
+            </a:r>
+          </a:p>
+        </p:txBody>
+      </p:sp>
+      <p:pic>
+        <p:nvPicPr>
+          <p:cNvPr id="5" name="Picture 4">
+            <a:extLst>
+              <a:ext uri="{FF2B5EF4-FFF2-40B4-BE49-F238E27FC236}">
+                <a16:creationId xmlns:a16="http://schemas.microsoft.com/office/drawing/2014/main" id="{91AC7B41-3C87-4024-B0A2-DB4CFF7A8E11}"/>
+              </a:ext>
+            </a:extLst>
+          </p:cNvPr>
+          <p:cNvPicPr>
+            <a:picLocks noChangeAspect="1"/>
+          </p:cNvPicPr>
+          <p:nvPr/>
+        </p:nvPicPr>
+        <p:blipFill>
+          <a:blip r:embed="rId8"/>
+          <a:stretch>
+            <a:fillRect/>
+          </a:stretch>
+        </p:blipFill>
+        <p:spPr>
+          <a:xfrm>
+            <a:off x="6203569" y="1825625"/>
+            <a:ext cx="3331262" cy="4351338"/>
+          </a:xfrm>
+          <a:prstGeom prst="rect">
+            <a:avLst/>
+          </a:prstGeom>
+        </p:spPr>
+      </p:pic>
+    </p:spTree>
+    <p:extLst>
+      <p:ext uri="{BB962C8B-B14F-4D97-AF65-F5344CB8AC3E}">
+        <p14:creationId xmlns:p14="http://schemas.microsoft.com/office/powerpoint/2010/main" val="1329188614"/>
+      </p:ext>
+    </p:extLst>
+  </p:cSld>
+  <p:clrMapOvr>
+    <a:masterClrMapping/>
+  </p:clrMapOvr>
+</p:sld>
+</file>
+
+<file path=ppt/slides/slide8.xml><?xml version="1.0" encoding="utf-8"?>
+<p:sld xmlns:a="http://schemas.openxmlformats.org/drawingml/2006/main" xmlns:r="http://schemas.openxmlformats.org/officeDocument/2006/relationships" xmlns:p="http://schemas.openxmlformats.org/presentationml/2006/main" show="0">
+  <p:cSld>
+    <p:spTree>
+      <p:nvGrpSpPr>
+        <p:cNvPr id="1" name=""/>
+        <p:cNvGrpSpPr/>
+        <p:nvPr/>
+      </p:nvGrpSpPr>
+      <p:grpSpPr>
+        <a:xfrm>
+          <a:off x="0" y="0"/>
+          <a:ext cx="0" cy="0"/>
+          <a:chOff x="0" y="0"/>
+          <a:chExt cx="0" cy="0"/>
+        </a:xfrm>
+      </p:grpSpPr>
+      <p:sp>
+        <p:nvSpPr>
+          <p:cNvPr id="2" name="Title 1">
+            <a:extLst>
+              <a:ext uri="{FF2B5EF4-FFF2-40B4-BE49-F238E27FC236}">
+                <a16:creationId xmlns:a16="http://schemas.microsoft.com/office/drawing/2014/main" id="{EB3E31FD-1C2F-48A6-AB51-148D4276F8C0}"/>
+              </a:ext>
+            </a:extLst>
+          </p:cNvPr>
+          <p:cNvSpPr>
+            <a:spLocks noGrp="1"/>
+          </p:cNvSpPr>
+          <p:nvPr>
+            <p:ph type="title"/>
+          </p:nvPr>
+        </p:nvSpPr>
+        <p:spPr/>
+        <p:txBody>
+          <a:bodyPr>
+            <a:normAutofit/>
+          </a:bodyPr>
+          <a:lstStyle/>
+          <a:p>
+            <a:r>
+              <a:rPr lang="en-US"/>
+              <a:t>Major Changes since IETF 106</a:t>
+            </a:r>
+            <a:br>
+              <a:rPr lang="en-US"/>
+            </a:br>
+            <a:r>
+              <a:rPr lang="en-US" sz="2200">
+                <a:hlinkClick r:id="rId2"/>
+              </a:rPr>
+              <a:t>https://github.com/ietf-ccamp-wg/draft-ietf-ccamp-optical-impairment-topology-yang</a:t>
+            </a:r>
+            <a:endParaRPr lang="en-US"/>
+          </a:p>
+        </p:txBody>
+      </p:sp>
+      <p:sp>
+        <p:nvSpPr>
+          <p:cNvPr id="3" name="Content Placeholder 2">
+            <a:extLst>
+              <a:ext uri="{FF2B5EF4-FFF2-40B4-BE49-F238E27FC236}">
+                <a16:creationId xmlns:a16="http://schemas.microsoft.com/office/drawing/2014/main" id="{BD50841F-A6DC-4789-9872-9F341CF41FC7}"/>
+              </a:ext>
+            </a:extLst>
+          </p:cNvPr>
+          <p:cNvSpPr>
+            <a:spLocks noGrp="1"/>
+          </p:cNvSpPr>
+          <p:nvPr>
+            <p:ph idx="1"/>
+          </p:nvPr>
+        </p:nvSpPr>
+        <p:spPr/>
+        <p:txBody>
+          <a:bodyPr vert="horz" lIns="91440" tIns="45720" rIns="91440" bIns="45720" rtlCol="0" anchor="t">
+            <a:normAutofit/>
+          </a:bodyPr>
+          <a:lstStyle/>
+          <a:p>
+            <a:r>
+              <a:rPr lang="en-US" sz="2400" dirty="0"/>
+              <a:t>YANG model on GitHub: optical impairments imposed by ROADMs added</a:t>
+            </a:r>
+          </a:p>
+          <a:p>
+            <a:r>
+              <a:rPr lang="en-US" sz="2400" dirty="0"/>
+              <a:t>Draft converted to xml and uploaded on GitHub before -03 was submitted</a:t>
+            </a:r>
+          </a:p>
+          <a:p>
+            <a:r>
+              <a:rPr lang="en-US" sz="2400" dirty="0">
+                <a:cs typeface="Calibri"/>
+              </a:rPr>
+              <a:t>GitHub link can be used to convert the draft into a txt file using </a:t>
+            </a:r>
+            <a:r>
+              <a:rPr lang="en-US" sz="2400" dirty="0">
+                <a:cs typeface="Calibri"/>
+                <a:hlinkClick r:id="rId3"/>
+              </a:rPr>
+              <a:t>xml2rfc</a:t>
+            </a:r>
+            <a:br>
+              <a:rPr lang="en-US" sz="2400" dirty="0">
+                <a:cs typeface="Calibri"/>
+              </a:rPr>
+            </a:br>
+            <a:r>
+              <a:rPr lang="en-US" sz="1800" dirty="0">
+                <a:hlinkClick r:id="rId4"/>
+              </a:rPr>
+              <a:t>https://raw.githubusercontent.com/ietf-ccamp-wg/draft-ietf-ccamp-optical-impairment-topology-yang/master/I-D_in_xml/draft-ietf-ccamp-optical-impairment-topology-yang.xml</a:t>
+            </a:r>
+            <a:endParaRPr lang="en-US" sz="1800" dirty="0"/>
+          </a:p>
+          <a:p>
+            <a:r>
+              <a:rPr lang="en-US" sz="2400" dirty="0">
+                <a:cs typeface="Calibri"/>
+              </a:rPr>
+              <a:t>Latest xml file on GitHub is revision -04, which has not been submitted yet</a:t>
+            </a:r>
+          </a:p>
+          <a:p>
+            <a:r>
+              <a:rPr lang="en-US" sz="2400" dirty="0">
+                <a:cs typeface="Calibri"/>
+              </a:rPr>
+              <a:t>File history </a:t>
+            </a:r>
+            <a:r>
+              <a:rPr lang="en-US" sz="2400" dirty="0">
+                <a:cs typeface="Calibri"/>
+                <a:sym typeface="Wingdings" panose="05000000000000000000" pitchFamily="2" charset="2"/>
+              </a:rPr>
+              <a:t> History button</a:t>
+            </a:r>
+            <a:endParaRPr lang="en-US" sz="2400" dirty="0">
+              <a:cs typeface="Calibri"/>
+            </a:endParaRPr>
+          </a:p>
+        </p:txBody>
+      </p:sp>
+      <p:sp>
+        <p:nvSpPr>
+          <p:cNvPr id="4" name="Footer Placeholder 3">
+            <a:extLst>
+              <a:ext uri="{FF2B5EF4-FFF2-40B4-BE49-F238E27FC236}">
+                <a16:creationId xmlns:a16="http://schemas.microsoft.com/office/drawing/2014/main" id="{F00E6AD6-900F-4355-9541-00E46C374FA8}"/>
+              </a:ext>
+            </a:extLst>
+          </p:cNvPr>
+          <p:cNvSpPr>
+            <a:spLocks noGrp="1"/>
+          </p:cNvSpPr>
+          <p:nvPr>
+            <p:ph type="ftr" sz="quarter" idx="11"/>
+          </p:nvPr>
+        </p:nvSpPr>
+        <p:spPr/>
+        <p:txBody>
+          <a:bodyPr/>
+          <a:lstStyle/>
+          <a:p>
+            <a:r>
+              <a:rPr lang="en-US"/>
+              <a:t>IETF CCAMP WG Interim Meeting - May 14, 2020</a:t>
+            </a:r>
+          </a:p>
+        </p:txBody>
+      </p:sp>
+      <p:pic>
+        <p:nvPicPr>
+          <p:cNvPr id="6" name="Picture 5">
+            <a:extLst>
+              <a:ext uri="{FF2B5EF4-FFF2-40B4-BE49-F238E27FC236}">
+                <a16:creationId xmlns:a16="http://schemas.microsoft.com/office/drawing/2014/main" id="{7FEC7E53-F412-463E-BF4A-6BDF2485552F}"/>
+              </a:ext>
+            </a:extLst>
+          </p:cNvPr>
+          <p:cNvPicPr>
+            <a:picLocks noChangeAspect="1"/>
+          </p:cNvPicPr>
+          <p:nvPr/>
+        </p:nvPicPr>
+        <p:blipFill>
+          <a:blip r:embed="rId5"/>
+          <a:stretch>
+            <a:fillRect/>
+          </a:stretch>
+        </p:blipFill>
+        <p:spPr>
+          <a:xfrm>
+            <a:off x="4920683" y="4186196"/>
+            <a:ext cx="6164176" cy="1781590"/>
+          </a:xfrm>
+          <a:prstGeom prst="rect">
+            <a:avLst/>
+          </a:prstGeom>
+        </p:spPr>
+      </p:pic>
+    </p:spTree>
+    <p:extLst>
+      <p:ext uri="{BB962C8B-B14F-4D97-AF65-F5344CB8AC3E}">
+        <p14:creationId xmlns:p14="http://schemas.microsoft.com/office/powerpoint/2010/main" val="654828672"/>
+      </p:ext>
+    </p:extLst>
+  </p:cSld>
+  <p:clrMapOvr>
+    <a:masterClrMapping/>
+  </p:clrMapOvr>
+</p:sld>
+</file>
+
+<file path=ppt/slides/slide9.xml><?xml version="1.0" encoding="utf-8"?>
+<p:sld xmlns:a="http://schemas.openxmlformats.org/drawingml/2006/main" xmlns:r="http://schemas.openxmlformats.org/officeDocument/2006/relationships" xmlns:p="http://schemas.openxmlformats.org/presentationml/2006/main">
+  <p:cSld>
+    <p:spTree>
+      <p:nvGrpSpPr>
+        <p:cNvPr id="1" name=""/>
+        <p:cNvGrpSpPr/>
+        <p:nvPr/>
+      </p:nvGrpSpPr>
+      <p:grpSpPr>
+        <a:xfrm>
+          <a:off x="0" y="0"/>
+          <a:ext cx="0" cy="0"/>
+          <a:chOff x="0" y="0"/>
+          <a:chExt cx="0" cy="0"/>
+        </a:xfrm>
+      </p:grpSpPr>
+      <p:sp>
+        <p:nvSpPr>
+          <p:cNvPr id="2" name="Title 1">
+            <a:extLst>
+              <a:ext uri="{FF2B5EF4-FFF2-40B4-BE49-F238E27FC236}">
+                <a16:creationId xmlns:a16="http://schemas.microsoft.com/office/drawing/2014/main" id="{E7CC60B1-D754-4045-8625-4EF1C1E0B4AF}"/>
+              </a:ext>
+            </a:extLst>
+          </p:cNvPr>
+          <p:cNvSpPr>
+            <a:spLocks noGrp="1"/>
+          </p:cNvSpPr>
+          <p:nvPr>
+            <p:ph type="title"/>
+          </p:nvPr>
+        </p:nvSpPr>
+        <p:spPr/>
+        <p:txBody>
+          <a:bodyPr>
+            <a:normAutofit/>
+          </a:bodyPr>
+          <a:lstStyle/>
+          <a:p>
+            <a:r>
+              <a:rPr lang="en-US" dirty="0"/>
+              <a:t>Open Issues</a:t>
+            </a:r>
+            <a:br>
+              <a:rPr lang="en-US" dirty="0"/>
+            </a:br>
+            <a:r>
+              <a:rPr lang="en-US" sz="2000" dirty="0">
+                <a:hlinkClick r:id="rId2"/>
+              </a:rPr>
+              <a:t>https://github.com/ietf-ccamp-wg/draft-ietf-ccamp-optical-impairment-topology-yang/issues</a:t>
+            </a:r>
+            <a:endParaRPr lang="en-US" dirty="0"/>
+          </a:p>
+        </p:txBody>
+      </p:sp>
+      <p:sp>
+        <p:nvSpPr>
+          <p:cNvPr id="3" name="Content Placeholder 2">
+            <a:extLst>
+              <a:ext uri="{FF2B5EF4-FFF2-40B4-BE49-F238E27FC236}">
+                <a16:creationId xmlns:a16="http://schemas.microsoft.com/office/drawing/2014/main" id="{789794B9-966A-4E13-A511-1ED5D1A2749A}"/>
+              </a:ext>
+            </a:extLst>
+          </p:cNvPr>
+          <p:cNvSpPr>
+            <a:spLocks noGrp="1"/>
+          </p:cNvSpPr>
+          <p:nvPr>
+            <p:ph idx="1"/>
+          </p:nvPr>
+        </p:nvSpPr>
+        <p:spPr/>
+        <p:txBody>
+          <a:bodyPr/>
+          <a:lstStyle/>
+          <a:p>
+            <a:endParaRPr lang="en-US" dirty="0"/>
+          </a:p>
+          <a:p>
+            <a:r>
+              <a:rPr lang="en-US" dirty="0"/>
+              <a:t>Alignment with ITU-T terminology and definitions for the data plane</a:t>
+            </a:r>
+          </a:p>
+          <a:p>
+            <a:pPr lvl="1"/>
+            <a:r>
+              <a:rPr lang="en-US" dirty="0"/>
+              <a:t>ITU-T Recommendation G.807 approved and published (02/20)</a:t>
+            </a:r>
+          </a:p>
+          <a:p>
+            <a:pPr lvl="2"/>
+            <a:r>
+              <a:rPr lang="en-US" dirty="0"/>
+              <a:t>Issues raised during AAP will be addressed in a new amendment to G.807</a:t>
+            </a:r>
+          </a:p>
+          <a:p>
+            <a:pPr lvl="1"/>
+            <a:r>
+              <a:rPr lang="en-US" dirty="0"/>
+              <a:t>Sub-sections in section 2.3 will have to be updated</a:t>
+            </a:r>
+          </a:p>
+          <a:p>
+            <a:pPr lvl="1"/>
+            <a:r>
+              <a:rPr lang="en-US" dirty="0"/>
+              <a:t>Open issue on GitHub: </a:t>
+            </a:r>
+            <a:r>
+              <a:rPr lang="en-US" dirty="0">
+                <a:hlinkClick r:id="rId3"/>
+              </a:rPr>
+              <a:t>#25</a:t>
+            </a:r>
+            <a:endParaRPr lang="en-US" dirty="0"/>
+          </a:p>
+          <a:p>
+            <a:endParaRPr lang="en-US" dirty="0"/>
+          </a:p>
+          <a:p>
+            <a:r>
+              <a:rPr lang="en-US" dirty="0"/>
+              <a:t>Other issues: see GitHub link above</a:t>
+            </a:r>
+          </a:p>
+        </p:txBody>
+      </p:sp>
+      <p:sp>
+        <p:nvSpPr>
+          <p:cNvPr id="4" name="Footer Placeholder 3">
+            <a:extLst>
+              <a:ext uri="{FF2B5EF4-FFF2-40B4-BE49-F238E27FC236}">
+                <a16:creationId xmlns:a16="http://schemas.microsoft.com/office/drawing/2014/main" id="{CF0547AA-617F-45F4-BCD2-1BEE9B1B549C}"/>
+              </a:ext>
+            </a:extLst>
+          </p:cNvPr>
+          <p:cNvSpPr>
+            <a:spLocks noGrp="1"/>
+          </p:cNvSpPr>
+          <p:nvPr>
+            <p:ph type="ftr" sz="quarter" idx="11"/>
+          </p:nvPr>
+        </p:nvSpPr>
+        <p:spPr/>
+        <p:txBody>
+          <a:bodyPr/>
+          <a:lstStyle/>
+          <a:p>
+            <a:r>
+              <a:rPr lang="en-US"/>
+              <a:t>IETF CCAMP WG Interim Meeting - May 14, 2020</a:t>
+            </a:r>
+          </a:p>
+        </p:txBody>
+      </p:sp>
+    </p:spTree>
+    <p:extLst>
+      <p:ext uri="{BB962C8B-B14F-4D97-AF65-F5344CB8AC3E}">
+        <p14:creationId xmlns:p14="http://schemas.microsoft.com/office/powerpoint/2010/main" val="2779676597"/>
       </p:ext>
     </p:extLst>
   </p:cSld>
@@ -5823,19 +12773,6 @@
 
 <file path=customXml/item1.xml><?xml version="1.0" encoding="utf-8"?>
 <?mso-contentType ?>
-<SharedContentType xmlns="Microsoft.SharePoint.Taxonomy.ContentTypeSync" SourceId="34c87397-5fc1-491e-85e7-d6110dbe9cbd" ContentTypeId="0x0101" PreviousValue="false"/>
-</file>
-
-<file path=customXml/item2.xml><?xml version="1.0" encoding="utf-8"?>
-<p:properties xmlns:p="http://schemas.microsoft.com/office/2006/metadata/properties" xmlns:xsi="http://www.w3.org/2001/XMLSchema-instance" xmlns:pc="http://schemas.microsoft.com/office/infopath/2007/PartnerControls">
-  <documentManagement>
-    <HideFromDelve xmlns="71c5aaf6-e6ce-465b-b873-5148d2a4c105">false</HideFromDelve>
-  </documentManagement>
-</p:properties>
-</file>
-
-<file path=customXml/item3.xml><?xml version="1.0" encoding="utf-8"?>
-<?mso-contentType ?>
 <FormTemplates xmlns="http://schemas.microsoft.com/sharepoint/v3/contenttype/forms">
   <Display>DocumentLibraryForm</Display>
   <Edit>DocumentLibraryForm</Edit>
@@ -5843,12 +12780,7 @@
 </FormTemplates>
 </file>
 
-<file path=customXml/item4.xml><?xml version="1.0" encoding="utf-8"?>
-<?mso-contentType ?>
-<spe:Receivers xmlns:spe="http://schemas.microsoft.com/sharepoint/events"/>
-</file>
-
-<file path=customXml/item5.xml><?xml version="1.0" encoding="utf-8"?>
+<file path=customXml/item2.xml><?xml version="1.0" encoding="utf-8"?>
 <ct:contentTypeSchema xmlns:ct="http://schemas.microsoft.com/office/2006/metadata/contentType" xmlns:ma="http://schemas.microsoft.com/office/2006/metadata/properties/metaAttributes" ct:_="" ma:_="" ma:contentTypeName="Document" ma:contentTypeID="0x01010083185B6FD968AC4F8244C98DADFCDDF2" ma:contentTypeVersion="13" ma:contentTypeDescription="Create a new document." ma:contentTypeScope="" ma:versionID="b63c7322b608cab4c74e390bd944edb3">
   <xsd:schema xmlns:xsd="http://www.w3.org/2001/XMLSchema" xmlns:xs="http://www.w3.org/2001/XMLSchema" xmlns:p="http://schemas.microsoft.com/office/2006/metadata/properties" xmlns:ns3="71c5aaf6-e6ce-465b-b873-5148d2a4c105" xmlns:ns4="687e87d0-d0a8-4c48-8f94-14f0c67212c5" xmlns:ns5="b4d06219-a142-4c5f-be55-53f74cb980c7" targetNamespace="http://schemas.microsoft.com/office/2006/metadata/properties" ma:root="true" ma:fieldsID="c89ae9b526232cfa0223f8ff8768801a" ns3:_="" ns4:_="" ns5:_="">
     <xsd:import namespace="71c5aaf6-e6ce-465b-b873-5148d2a4c105"/>
@@ -6107,33 +13039,25 @@
 </ct:contentTypeSchema>
 </file>
 
-<file path=customXml/itemProps1.xml><?xml version="1.0" encoding="utf-8"?>
-<ds:datastoreItem xmlns:ds="http://schemas.openxmlformats.org/officeDocument/2006/customXml" ds:itemID="{68412ECC-D61E-4B23-B7FF-722505864B65}">
-  <ds:schemaRefs>
-    <ds:schemaRef ds:uri="Microsoft.SharePoint.Taxonomy.ContentTypeSync"/>
-  </ds:schemaRefs>
-</ds:datastoreItem>
+<file path=customXml/item3.xml><?xml version="1.0" encoding="utf-8"?>
+<?mso-contentType ?>
+<SharedContentType xmlns="Microsoft.SharePoint.Taxonomy.ContentTypeSync" SourceId="34c87397-5fc1-491e-85e7-d6110dbe9cbd" ContentTypeId="0x0101" PreviousValue="false"/>
 </file>
 
-<file path=customXml/itemProps2.xml><?xml version="1.0" encoding="utf-8"?>
-<ds:datastoreItem xmlns:ds="http://schemas.openxmlformats.org/officeDocument/2006/customXml" ds:itemID="{D1402BC5-1A46-47E2-B58E-ED5697CD9276}">
-  <ds:schemaRefs>
-    <ds:schemaRef ds:uri="http://purl.org/dc/elements/1.1/"/>
-    <ds:schemaRef ds:uri="http://schemas.microsoft.com/office/2006/documentManagement/types"/>
-    <ds:schemaRef ds:uri="http://schemas.microsoft.com/office/infopath/2007/PartnerControls"/>
-    <ds:schemaRef ds:uri="http://schemas.microsoft.com/office/2006/metadata/properties"/>
-    <ds:schemaRef ds:uri="http://purl.org/dc/terms/"/>
-    <ds:schemaRef ds:uri="71c5aaf6-e6ce-465b-b873-5148d2a4c105"/>
-    <ds:schemaRef ds:uri="687e87d0-d0a8-4c48-8f94-14f0c67212c5"/>
-    <ds:schemaRef ds:uri="http://purl.org/dc/dcmitype/"/>
-    <ds:schemaRef ds:uri="b4d06219-a142-4c5f-be55-53f74cb980c7"/>
-    <ds:schemaRef ds:uri="http://schemas.openxmlformats.org/package/2006/metadata/core-properties"/>
-    <ds:schemaRef ds:uri="http://www.w3.org/XML/1998/namespace"/>
-  </ds:schemaRefs>
-</ds:datastoreItem>
+<file path=customXml/item4.xml><?xml version="1.0" encoding="utf-8"?>
+<?mso-contentType ?>
+<spe:Receivers xmlns:spe="http://schemas.microsoft.com/sharepoint/events"/>
 </file>
 
-<file path=customXml/itemProps3.xml><?xml version="1.0" encoding="utf-8"?>
+<file path=customXml/item5.xml><?xml version="1.0" encoding="utf-8"?>
+<p:properties xmlns:p="http://schemas.microsoft.com/office/2006/metadata/properties" xmlns:xsi="http://www.w3.org/2001/XMLSchema-instance" xmlns:pc="http://schemas.microsoft.com/office/infopath/2007/PartnerControls">
+  <documentManagement>
+    <HideFromDelve xmlns="71c5aaf6-e6ce-465b-b873-5148d2a4c105">false</HideFromDelve>
+  </documentManagement>
+</p:properties>
+</file>
+
+<file path=customXml/itemProps1.xml><?xml version="1.0" encoding="utf-8"?>
 <ds:datastoreItem xmlns:ds="http://schemas.openxmlformats.org/officeDocument/2006/customXml" ds:itemID="{FFF5BEF5-BF1F-44F4-AFBC-1295B944FD55}">
   <ds:schemaRefs>
     <ds:schemaRef ds:uri="http://schemas.microsoft.com/sharepoint/v3/contenttype/forms"/>
@@ -6141,15 +13065,7 @@
 </ds:datastoreItem>
 </file>
 
-<file path=customXml/itemProps4.xml><?xml version="1.0" encoding="utf-8"?>
-<ds:datastoreItem xmlns:ds="http://schemas.openxmlformats.org/officeDocument/2006/customXml" ds:itemID="{917A1171-45E3-4E0C-B712-8306AE0B7411}">
-  <ds:schemaRefs>
-    <ds:schemaRef ds:uri="http://schemas.microsoft.com/sharepoint/events"/>
-  </ds:schemaRefs>
-</ds:datastoreItem>
-</file>
-
-<file path=customXml/itemProps5.xml><?xml version="1.0" encoding="utf-8"?>
+<file path=customXml/itemProps2.xml><?xml version="1.0" encoding="utf-8"?>
 <ds:datastoreItem xmlns:ds="http://schemas.openxmlformats.org/officeDocument/2006/customXml" ds:itemID="{338D175F-881C-4B80-B063-D8FC2040C585}">
   <ds:schemaRefs>
     <ds:schemaRef ds:uri="http://schemas.microsoft.com/office/2006/metadata/contentType"/>
@@ -6167,4 +13083,38 @@
     <ds:schemaRef ds:uri="http://schemas.microsoft.com/internal/obd"/>
   </ds:schemaRefs>
 </ds:datastoreItem>
+</file>
+
+<file path=customXml/itemProps3.xml><?xml version="1.0" encoding="utf-8"?>
+<ds:datastoreItem xmlns:ds="http://schemas.openxmlformats.org/officeDocument/2006/customXml" ds:itemID="{68412ECC-D61E-4B23-B7FF-722505864B65}">
+  <ds:schemaRefs>
+    <ds:schemaRef ds:uri="Microsoft.SharePoint.Taxonomy.ContentTypeSync"/>
+  </ds:schemaRefs>
+</ds:datastoreItem>
+</file>
+
+<file path=customXml/itemProps4.xml><?xml version="1.0" encoding="utf-8"?>
+<ds:datastoreItem xmlns:ds="http://schemas.openxmlformats.org/officeDocument/2006/customXml" ds:itemID="{917A1171-45E3-4E0C-B712-8306AE0B7411}">
+  <ds:schemaRefs>
+    <ds:schemaRef ds:uri="http://schemas.microsoft.com/sharepoint/events"/>
+  </ds:schemaRefs>
+</ds:datastoreItem>
+</file>
+
+<file path=customXml/itemProps5.xml><?xml version="1.0" encoding="utf-8"?>
+<ds:datastoreItem xmlns:ds="http://schemas.openxmlformats.org/officeDocument/2006/customXml" ds:itemID="{D1402BC5-1A46-47E2-B58E-ED5697CD9276}">
+  <ds:schemaRefs>
+    <ds:schemaRef ds:uri="http://schemas.microsoft.com/office/2006/documentManagement/types"/>
+    <ds:schemaRef ds:uri="http://schemas.microsoft.com/office/2006/metadata/properties"/>
+    <ds:schemaRef ds:uri="http://purl.org/dc/elements/1.1/"/>
+    <ds:schemaRef ds:uri="http://schemas.microsoft.com/office/infopath/2007/PartnerControls"/>
+    <ds:schemaRef ds:uri="687e87d0-d0a8-4c48-8f94-14f0c67212c5"/>
+    <ds:schemaRef ds:uri="http://purl.org/dc/terms/"/>
+    <ds:schemaRef ds:uri="http://schemas.openxmlformats.org/package/2006/metadata/core-properties"/>
+    <ds:schemaRef ds:uri="b4d06219-a142-4c5f-be55-53f74cb980c7"/>
+    <ds:schemaRef ds:uri="71c5aaf6-e6ce-465b-b873-5148d2a4c105"/>
+    <ds:schemaRef ds:uri="http://www.w3.org/XML/1998/namespace"/>
+    <ds:schemaRef ds:uri="http://purl.org/dc/dcmitype/"/>
+  </ds:schemaRefs>
+</ds:datastoreItem>
 </file>